--- a/ododokProject/220103database-description.pptx
+++ b/ododokProject/220103database-description.pptx
@@ -11,9 +11,10 @@
     <p:sldId id="258" r:id="rId5"/>
     <p:sldId id="262" r:id="rId6"/>
     <p:sldId id="260" r:id="rId7"/>
-    <p:sldId id="261" r:id="rId8"/>
-    <p:sldId id="263" r:id="rId9"/>
-    <p:sldId id="264" r:id="rId10"/>
+    <p:sldId id="265" r:id="rId8"/>
+    <p:sldId id="261" r:id="rId9"/>
+    <p:sldId id="263" r:id="rId10"/>
+    <p:sldId id="264" r:id="rId11"/>
   </p:sldIdLst>
   <p:sldSz cx="12192000" cy="6858000"/>
   <p:notesSz cx="6858000" cy="9144000"/>
@@ -3952,6 +3953,3069 @@
 </p:sld>
 </file>
 
+<file path=ppt/slides/slide10.xml><?xml version="1.0" encoding="utf-8"?>
+<p:sld xmlns:a="http://schemas.openxmlformats.org/drawingml/2006/main" xmlns:r="http://schemas.openxmlformats.org/officeDocument/2006/relationships" xmlns:p="http://schemas.openxmlformats.org/presentationml/2006/main">
+  <p:cSld>
+    <p:spTree>
+      <p:nvGrpSpPr>
+        <p:cNvPr id="1" name=""/>
+        <p:cNvGrpSpPr/>
+        <p:nvPr/>
+      </p:nvGrpSpPr>
+      <p:grpSpPr>
+        <a:xfrm>
+          <a:off x="0" y="0"/>
+          <a:ext cx="0" cy="0"/>
+          <a:chOff x="0" y="0"/>
+          <a:chExt cx="0" cy="0"/>
+        </a:xfrm>
+      </p:grpSpPr>
+      <p:graphicFrame>
+        <p:nvGraphicFramePr>
+          <p:cNvPr id="6" name="표 6">
+            <a:extLst>
+              <a:ext uri="{FF2B5EF4-FFF2-40B4-BE49-F238E27FC236}">
+                <a16:creationId xmlns:a16="http://schemas.microsoft.com/office/drawing/2014/main" id="{BF9916BC-D796-48D4-AC8D-A00845A3E4CE}"/>
+              </a:ext>
+            </a:extLst>
+          </p:cNvPr>
+          <p:cNvGraphicFramePr>
+            <a:graphicFrameLocks noGrp="1"/>
+          </p:cNvGraphicFramePr>
+          <p:nvPr>
+            <p:ph idx="1"/>
+            <p:extLst>
+              <p:ext uri="{D42A27DB-BD31-4B8C-83A1-F6EECF244321}">
+                <p14:modId xmlns:p14="http://schemas.microsoft.com/office/powerpoint/2010/main" val="3881425408"/>
+              </p:ext>
+            </p:extLst>
+          </p:nvPr>
+        </p:nvGraphicFramePr>
+        <p:xfrm>
+          <a:off x="492760" y="1419548"/>
+          <a:ext cx="11231881" cy="4991577"/>
+        </p:xfrm>
+        <a:graphic>
+          <a:graphicData uri="http://schemas.openxmlformats.org/drawingml/2006/table">
+            <a:tbl>
+              <a:tblPr firstRow="1">
+                <a:tableStyleId>{5C22544A-7EE6-4342-B048-85BDC9FD1C3A}</a:tableStyleId>
+              </a:tblPr>
+              <a:tblGrid>
+                <a:gridCol w="656550">
+                  <a:extLst>
+                    <a:ext uri="{9D8B030D-6E8A-4147-A177-3AD203B41FA5}">
+                      <a16:colId xmlns:a16="http://schemas.microsoft.com/office/drawing/2014/main" val="3299733678"/>
+                    </a:ext>
+                  </a:extLst>
+                </a:gridCol>
+                <a:gridCol w="1682069">
+                  <a:extLst>
+                    <a:ext uri="{9D8B030D-6E8A-4147-A177-3AD203B41FA5}">
+                      <a16:colId xmlns:a16="http://schemas.microsoft.com/office/drawing/2014/main" val="3854077233"/>
+                    </a:ext>
+                  </a:extLst>
+                </a:gridCol>
+                <a:gridCol w="1873337">
+                  <a:extLst>
+                    <a:ext uri="{9D8B030D-6E8A-4147-A177-3AD203B41FA5}">
+                      <a16:colId xmlns:a16="http://schemas.microsoft.com/office/drawing/2014/main" val="2851978791"/>
+                    </a:ext>
+                  </a:extLst>
+                </a:gridCol>
+                <a:gridCol w="796270">
+                  <a:extLst>
+                    <a:ext uri="{9D8B030D-6E8A-4147-A177-3AD203B41FA5}">
+                      <a16:colId xmlns:a16="http://schemas.microsoft.com/office/drawing/2014/main" val="867304107"/>
+                    </a:ext>
+                  </a:extLst>
+                </a:gridCol>
+                <a:gridCol w="759644">
+                  <a:extLst>
+                    <a:ext uri="{9D8B030D-6E8A-4147-A177-3AD203B41FA5}">
+                      <a16:colId xmlns:a16="http://schemas.microsoft.com/office/drawing/2014/main" val="270898510"/>
+                    </a:ext>
+                  </a:extLst>
+                </a:gridCol>
+                <a:gridCol w="759644">
+                  <a:extLst>
+                    <a:ext uri="{9D8B030D-6E8A-4147-A177-3AD203B41FA5}">
+                      <a16:colId xmlns:a16="http://schemas.microsoft.com/office/drawing/2014/main" val="561658927"/>
+                    </a:ext>
+                  </a:extLst>
+                </a:gridCol>
+                <a:gridCol w="1313099">
+                  <a:extLst>
+                    <a:ext uri="{9D8B030D-6E8A-4147-A177-3AD203B41FA5}">
+                      <a16:colId xmlns:a16="http://schemas.microsoft.com/office/drawing/2014/main" val="787287434"/>
+                    </a:ext>
+                  </a:extLst>
+                </a:gridCol>
+                <a:gridCol w="3391268">
+                  <a:extLst>
+                    <a:ext uri="{9D8B030D-6E8A-4147-A177-3AD203B41FA5}">
+                      <a16:colId xmlns:a16="http://schemas.microsoft.com/office/drawing/2014/main" val="1622336092"/>
+                    </a:ext>
+                  </a:extLst>
+                </a:gridCol>
+              </a:tblGrid>
+              <a:tr h="458078">
+                <a:tc>
+                  <a:txBody>
+                    <a:bodyPr/>
+                    <a:lstStyle/>
+                    <a:p>
+                      <a:pPr algn="ctr" latinLnBrk="1"/>
+                      <a:r>
+                        <a:rPr lang="ko-KR" altLang="en-US" sz="1400" dirty="0">
+                          <a:latin typeface="에스코어 드림 6 Bold" panose="020B0703030302020204" pitchFamily="34" charset="-127"/>
+                          <a:ea typeface="에스코어 드림 6 Bold" panose="020B0703030302020204" pitchFamily="34" charset="-127"/>
+                        </a:rPr>
+                        <a:t>번호</a:t>
+                      </a:r>
+                    </a:p>
+                  </a:txBody>
+                  <a:tcPr anchor="ctr">
+                    <a:solidFill>
+                      <a:srgbClr val="9966FF"/>
+                    </a:solidFill>
+                  </a:tcPr>
+                </a:tc>
+                <a:tc>
+                  <a:txBody>
+                    <a:bodyPr/>
+                    <a:lstStyle/>
+                    <a:p>
+                      <a:pPr algn="ctr" latinLnBrk="1"/>
+                      <a:r>
+                        <a:rPr lang="ko-KR" altLang="en-US" sz="1400">
+                          <a:latin typeface="에스코어 드림 6 Bold" panose="020B0703030302020204" pitchFamily="34" charset="-127"/>
+                          <a:ea typeface="에스코어 드림 6 Bold" panose="020B0703030302020204" pitchFamily="34" charset="-127"/>
+                        </a:rPr>
+                        <a:t>컬럼</a:t>
+                      </a:r>
+                      <a:endParaRPr lang="ko-KR" altLang="en-US" sz="1400" dirty="0">
+                        <a:latin typeface="에스코어 드림 6 Bold" panose="020B0703030302020204" pitchFamily="34" charset="-127"/>
+                        <a:ea typeface="에스코어 드림 6 Bold" panose="020B0703030302020204" pitchFamily="34" charset="-127"/>
+                      </a:endParaRPr>
+                    </a:p>
+                  </a:txBody>
+                  <a:tcPr anchor="ctr">
+                    <a:solidFill>
+                      <a:srgbClr val="9966FF"/>
+                    </a:solidFill>
+                  </a:tcPr>
+                </a:tc>
+                <a:tc>
+                  <a:txBody>
+                    <a:bodyPr/>
+                    <a:lstStyle/>
+                    <a:p>
+                      <a:pPr algn="ctr" latinLnBrk="1"/>
+                      <a:r>
+                        <a:rPr lang="ko-KR" altLang="en-US" sz="1400">
+                          <a:latin typeface="에스코어 드림 6 Bold" panose="020B0703030302020204" pitchFamily="34" charset="-127"/>
+                          <a:ea typeface="에스코어 드림 6 Bold" panose="020B0703030302020204" pitchFamily="34" charset="-127"/>
+                        </a:rPr>
+                        <a:t>타입</a:t>
+                      </a:r>
+                      <a:r>
+                        <a:rPr lang="en-US" altLang="ko-KR" sz="1400">
+                          <a:latin typeface="에스코어 드림 6 Bold" panose="020B0703030302020204" pitchFamily="34" charset="-127"/>
+                          <a:ea typeface="에스코어 드림 6 Bold" panose="020B0703030302020204" pitchFamily="34" charset="-127"/>
+                        </a:rPr>
+                        <a:t>(</a:t>
+                      </a:r>
+                      <a:r>
+                        <a:rPr lang="ko-KR" altLang="en-US" sz="1400">
+                          <a:latin typeface="에스코어 드림 6 Bold" panose="020B0703030302020204" pitchFamily="34" charset="-127"/>
+                          <a:ea typeface="에스코어 드림 6 Bold" panose="020B0703030302020204" pitchFamily="34" charset="-127"/>
+                        </a:rPr>
+                        <a:t>크기</a:t>
+                      </a:r>
+                      <a:r>
+                        <a:rPr lang="en-US" altLang="ko-KR" sz="1400">
+                          <a:latin typeface="에스코어 드림 6 Bold" panose="020B0703030302020204" pitchFamily="34" charset="-127"/>
+                          <a:ea typeface="에스코어 드림 6 Bold" panose="020B0703030302020204" pitchFamily="34" charset="-127"/>
+                        </a:rPr>
+                        <a:t>)</a:t>
+                      </a:r>
+                      <a:endParaRPr lang="ko-KR" altLang="en-US" sz="1400" dirty="0">
+                        <a:latin typeface="에스코어 드림 6 Bold" panose="020B0703030302020204" pitchFamily="34" charset="-127"/>
+                        <a:ea typeface="에스코어 드림 6 Bold" panose="020B0703030302020204" pitchFamily="34" charset="-127"/>
+                      </a:endParaRPr>
+                    </a:p>
+                  </a:txBody>
+                  <a:tcPr anchor="ctr">
+                    <a:solidFill>
+                      <a:srgbClr val="9966FF"/>
+                    </a:solidFill>
+                  </a:tcPr>
+                </a:tc>
+                <a:tc>
+                  <a:txBody>
+                    <a:bodyPr/>
+                    <a:lstStyle/>
+                    <a:p>
+                      <a:pPr algn="ctr" latinLnBrk="1"/>
+                      <a:r>
+                        <a:rPr lang="en-US" altLang="ko-KR" sz="1400">
+                          <a:latin typeface="에스코어 드림 6 Bold" panose="020B0703030302020204" pitchFamily="34" charset="-127"/>
+                          <a:ea typeface="에스코어 드림 6 Bold" panose="020B0703030302020204" pitchFamily="34" charset="-127"/>
+                        </a:rPr>
+                        <a:t>null</a:t>
+                      </a:r>
+                      <a:endParaRPr lang="ko-KR" altLang="en-US" sz="1400" dirty="0">
+                        <a:latin typeface="에스코어 드림 6 Bold" panose="020B0703030302020204" pitchFamily="34" charset="-127"/>
+                        <a:ea typeface="에스코어 드림 6 Bold" panose="020B0703030302020204" pitchFamily="34" charset="-127"/>
+                      </a:endParaRPr>
+                    </a:p>
+                  </a:txBody>
+                  <a:tcPr anchor="ctr">
+                    <a:solidFill>
+                      <a:srgbClr val="9966FF"/>
+                    </a:solidFill>
+                  </a:tcPr>
+                </a:tc>
+                <a:tc>
+                  <a:txBody>
+                    <a:bodyPr/>
+                    <a:lstStyle/>
+                    <a:p>
+                      <a:pPr algn="ctr" latinLnBrk="1"/>
+                      <a:r>
+                        <a:rPr lang="ko-KR" altLang="en-US" sz="1400">
+                          <a:latin typeface="에스코어 드림 6 Bold" panose="020B0703030302020204" pitchFamily="34" charset="-127"/>
+                          <a:ea typeface="에스코어 드림 6 Bold" panose="020B0703030302020204" pitchFamily="34" charset="-127"/>
+                        </a:rPr>
+                        <a:t>기본값</a:t>
+                      </a:r>
+                      <a:endParaRPr lang="ko-KR" altLang="en-US" sz="1400" dirty="0">
+                        <a:latin typeface="에스코어 드림 6 Bold" panose="020B0703030302020204" pitchFamily="34" charset="-127"/>
+                        <a:ea typeface="에스코어 드림 6 Bold" panose="020B0703030302020204" pitchFamily="34" charset="-127"/>
+                      </a:endParaRPr>
+                    </a:p>
+                  </a:txBody>
+                  <a:tcPr anchor="ctr">
+                    <a:solidFill>
+                      <a:srgbClr val="9966FF"/>
+                    </a:solidFill>
+                  </a:tcPr>
+                </a:tc>
+                <a:tc>
+                  <a:txBody>
+                    <a:bodyPr/>
+                    <a:lstStyle/>
+                    <a:p>
+                      <a:pPr algn="ctr" latinLnBrk="1"/>
+                      <a:r>
+                        <a:rPr lang="en-US" altLang="ko-KR" sz="1400">
+                          <a:latin typeface="에스코어 드림 6 Bold" panose="020B0703030302020204" pitchFamily="34" charset="-127"/>
+                          <a:ea typeface="에스코어 드림 6 Bold" panose="020B0703030302020204" pitchFamily="34" charset="-127"/>
+                        </a:rPr>
+                        <a:t>Key</a:t>
+                      </a:r>
+                      <a:endParaRPr lang="ko-KR" altLang="en-US" sz="1400" dirty="0">
+                        <a:latin typeface="에스코어 드림 6 Bold" panose="020B0703030302020204" pitchFamily="34" charset="-127"/>
+                        <a:ea typeface="에스코어 드림 6 Bold" panose="020B0703030302020204" pitchFamily="34" charset="-127"/>
+                      </a:endParaRPr>
+                    </a:p>
+                  </a:txBody>
+                  <a:tcPr anchor="ctr">
+                    <a:solidFill>
+                      <a:srgbClr val="9966FF"/>
+                    </a:solidFill>
+                  </a:tcPr>
+                </a:tc>
+                <a:tc>
+                  <a:txBody>
+                    <a:bodyPr/>
+                    <a:lstStyle/>
+                    <a:p>
+                      <a:pPr algn="ctr" latinLnBrk="1"/>
+                      <a:r>
+                        <a:rPr lang="ko-KR" altLang="en-US" sz="1400">
+                          <a:latin typeface="에스코어 드림 6 Bold" panose="020B0703030302020204" pitchFamily="34" charset="-127"/>
+                          <a:ea typeface="에스코어 드림 6 Bold" panose="020B0703030302020204" pitchFamily="34" charset="-127"/>
+                        </a:rPr>
+                        <a:t>제약조건</a:t>
+                      </a:r>
+                      <a:endParaRPr lang="ko-KR" altLang="en-US" sz="1400" dirty="0">
+                        <a:latin typeface="에스코어 드림 6 Bold" panose="020B0703030302020204" pitchFamily="34" charset="-127"/>
+                        <a:ea typeface="에스코어 드림 6 Bold" panose="020B0703030302020204" pitchFamily="34" charset="-127"/>
+                      </a:endParaRPr>
+                    </a:p>
+                  </a:txBody>
+                  <a:tcPr anchor="ctr">
+                    <a:solidFill>
+                      <a:srgbClr val="9966FF"/>
+                    </a:solidFill>
+                  </a:tcPr>
+                </a:tc>
+                <a:tc>
+                  <a:txBody>
+                    <a:bodyPr/>
+                    <a:lstStyle/>
+                    <a:p>
+                      <a:pPr algn="ctr" latinLnBrk="1"/>
+                      <a:r>
+                        <a:rPr lang="ko-KR" altLang="en-US" sz="1400">
+                          <a:latin typeface="에스코어 드림 6 Bold" panose="020B0703030302020204" pitchFamily="34" charset="-127"/>
+                          <a:ea typeface="에스코어 드림 6 Bold" panose="020B0703030302020204" pitchFamily="34" charset="-127"/>
+                        </a:rPr>
+                        <a:t>컬럼설명</a:t>
+                      </a:r>
+                      <a:endParaRPr lang="ko-KR" altLang="en-US" sz="1400" dirty="0">
+                        <a:latin typeface="에스코어 드림 6 Bold" panose="020B0703030302020204" pitchFamily="34" charset="-127"/>
+                        <a:ea typeface="에스코어 드림 6 Bold" panose="020B0703030302020204" pitchFamily="34" charset="-127"/>
+                      </a:endParaRPr>
+                    </a:p>
+                  </a:txBody>
+                  <a:tcPr anchor="ctr">
+                    <a:solidFill>
+                      <a:srgbClr val="9966FF"/>
+                    </a:solidFill>
+                  </a:tcPr>
+                </a:tc>
+                <a:extLst>
+                  <a:ext uri="{0D108BD9-81ED-4DB2-BD59-A6C34878D82A}">
+                    <a16:rowId xmlns:a16="http://schemas.microsoft.com/office/drawing/2014/main" val="4070701480"/>
+                  </a:ext>
+                </a:extLst>
+              </a:tr>
+              <a:tr h="448597">
+                <a:tc>
+                  <a:txBody>
+                    <a:bodyPr/>
+                    <a:lstStyle/>
+                    <a:p>
+                      <a:pPr algn="ctr" latinLnBrk="1"/>
+                      <a:r>
+                        <a:rPr lang="en-US" altLang="ko-KR" sz="1200">
+                          <a:solidFill>
+                            <a:schemeClr val="tx1">
+                              <a:lumMod val="65000"/>
+                              <a:lumOff val="35000"/>
+                            </a:schemeClr>
+                          </a:solidFill>
+                          <a:latin typeface="에스코어 드림 5 Medium" panose="020B0503030302020204" pitchFamily="34" charset="-127"/>
+                          <a:ea typeface="에스코어 드림 5 Medium" panose="020B0503030302020204" pitchFamily="34" charset="-127"/>
+                        </a:rPr>
+                        <a:t>1</a:t>
+                      </a:r>
+                      <a:endParaRPr lang="ko-KR" altLang="en-US" sz="1200" dirty="0">
+                        <a:solidFill>
+                          <a:schemeClr val="tx1">
+                            <a:lumMod val="65000"/>
+                            <a:lumOff val="35000"/>
+                          </a:schemeClr>
+                        </a:solidFill>
+                        <a:latin typeface="에스코어 드림 5 Medium" panose="020B0503030302020204" pitchFamily="34" charset="-127"/>
+                        <a:ea typeface="에스코어 드림 5 Medium" panose="020B0503030302020204" pitchFamily="34" charset="-127"/>
+                      </a:endParaRPr>
+                    </a:p>
+                  </a:txBody>
+                  <a:tcPr anchor="ctr">
+                    <a:solidFill>
+                      <a:srgbClr val="DDDDF7"/>
+                    </a:solidFill>
+                  </a:tcPr>
+                </a:tc>
+                <a:tc>
+                  <a:txBody>
+                    <a:bodyPr/>
+                    <a:lstStyle/>
+                    <a:p>
+                      <a:pPr algn="ctr" latinLnBrk="1"/>
+                      <a:r>
+                        <a:rPr lang="en-US" altLang="ko-KR" sz="1200" dirty="0" err="1">
+                          <a:solidFill>
+                            <a:schemeClr val="tx1">
+                              <a:lumMod val="65000"/>
+                              <a:lumOff val="35000"/>
+                            </a:schemeClr>
+                          </a:solidFill>
+                          <a:latin typeface="에스코어 드림 5 Medium" panose="020B0503030302020204" pitchFamily="34" charset="-127"/>
+                          <a:ea typeface="에스코어 드림 5 Medium" panose="020B0503030302020204" pitchFamily="34" charset="-127"/>
+                        </a:rPr>
+                        <a:t>r_number</a:t>
+                      </a:r>
+                      <a:endParaRPr lang="ko-KR" altLang="en-US" sz="1200" dirty="0">
+                        <a:solidFill>
+                          <a:schemeClr val="tx1">
+                            <a:lumMod val="65000"/>
+                            <a:lumOff val="35000"/>
+                          </a:schemeClr>
+                        </a:solidFill>
+                        <a:latin typeface="에스코어 드림 5 Medium" panose="020B0503030302020204" pitchFamily="34" charset="-127"/>
+                        <a:ea typeface="에스코어 드림 5 Medium" panose="020B0503030302020204" pitchFamily="34" charset="-127"/>
+                      </a:endParaRPr>
+                    </a:p>
+                  </a:txBody>
+                  <a:tcPr anchor="ctr">
+                    <a:solidFill>
+                      <a:srgbClr val="DDDDF7"/>
+                    </a:solidFill>
+                  </a:tcPr>
+                </a:tc>
+                <a:tc>
+                  <a:txBody>
+                    <a:bodyPr/>
+                    <a:lstStyle/>
+                    <a:p>
+                      <a:pPr algn="ctr" latinLnBrk="1"/>
+                      <a:r>
+                        <a:rPr lang="en-US" altLang="ko-KR" sz="1200">
+                          <a:solidFill>
+                            <a:schemeClr val="tx1">
+                              <a:lumMod val="65000"/>
+                              <a:lumOff val="35000"/>
+                            </a:schemeClr>
+                          </a:solidFill>
+                          <a:latin typeface="에스코어 드림 5 Medium" panose="020B0503030302020204" pitchFamily="34" charset="-127"/>
+                          <a:ea typeface="에스코어 드림 5 Medium" panose="020B0503030302020204" pitchFamily="34" charset="-127"/>
+                        </a:rPr>
+                        <a:t>Bigint</a:t>
+                      </a:r>
+                      <a:endParaRPr lang="ko-KR" altLang="en-US" sz="1200" dirty="0">
+                        <a:solidFill>
+                          <a:schemeClr val="tx1">
+                            <a:lumMod val="65000"/>
+                            <a:lumOff val="35000"/>
+                          </a:schemeClr>
+                        </a:solidFill>
+                        <a:latin typeface="에스코어 드림 5 Medium" panose="020B0503030302020204" pitchFamily="34" charset="-127"/>
+                        <a:ea typeface="에스코어 드림 5 Medium" panose="020B0503030302020204" pitchFamily="34" charset="-127"/>
+                      </a:endParaRPr>
+                    </a:p>
+                  </a:txBody>
+                  <a:tcPr anchor="ctr">
+                    <a:solidFill>
+                      <a:srgbClr val="DDDDF7"/>
+                    </a:solidFill>
+                  </a:tcPr>
+                </a:tc>
+                <a:tc>
+                  <a:txBody>
+                    <a:bodyPr/>
+                    <a:lstStyle/>
+                    <a:p>
+                      <a:pPr algn="ctr" latinLnBrk="1"/>
+                      <a:r>
+                        <a:rPr lang="en-US" altLang="ko-KR" sz="1200">
+                          <a:solidFill>
+                            <a:schemeClr val="tx1">
+                              <a:lumMod val="65000"/>
+                              <a:lumOff val="35000"/>
+                            </a:schemeClr>
+                          </a:solidFill>
+                          <a:latin typeface="에스코어 드림 5 Medium" panose="020B0503030302020204" pitchFamily="34" charset="-127"/>
+                          <a:ea typeface="에스코어 드림 5 Medium" panose="020B0503030302020204" pitchFamily="34" charset="-127"/>
+                        </a:rPr>
+                        <a:t>n.n</a:t>
+                      </a:r>
+                      <a:endParaRPr lang="ko-KR" altLang="en-US" sz="1200" dirty="0">
+                        <a:solidFill>
+                          <a:schemeClr val="tx1">
+                            <a:lumMod val="65000"/>
+                            <a:lumOff val="35000"/>
+                          </a:schemeClr>
+                        </a:solidFill>
+                        <a:latin typeface="에스코어 드림 5 Medium" panose="020B0503030302020204" pitchFamily="34" charset="-127"/>
+                        <a:ea typeface="에스코어 드림 5 Medium" panose="020B0503030302020204" pitchFamily="34" charset="-127"/>
+                      </a:endParaRPr>
+                    </a:p>
+                  </a:txBody>
+                  <a:tcPr anchor="ctr">
+                    <a:solidFill>
+                      <a:srgbClr val="DDDDF7"/>
+                    </a:solidFill>
+                  </a:tcPr>
+                </a:tc>
+                <a:tc>
+                  <a:txBody>
+                    <a:bodyPr/>
+                    <a:lstStyle/>
+                    <a:p>
+                      <a:pPr algn="ctr" latinLnBrk="1"/>
+                      <a:r>
+                        <a:rPr lang="en-US" altLang="ko-KR" sz="1200">
+                          <a:solidFill>
+                            <a:schemeClr val="tx1">
+                              <a:lumMod val="65000"/>
+                              <a:lumOff val="35000"/>
+                            </a:schemeClr>
+                          </a:solidFill>
+                          <a:latin typeface="에스코어 드림 5 Medium" panose="020B0503030302020204" pitchFamily="34" charset="-127"/>
+                          <a:ea typeface="에스코어 드림 5 Medium" panose="020B0503030302020204" pitchFamily="34" charset="-127"/>
+                        </a:rPr>
+                        <a:t>-</a:t>
+                      </a:r>
+                      <a:endParaRPr lang="ko-KR" altLang="en-US" sz="1200" dirty="0">
+                        <a:solidFill>
+                          <a:schemeClr val="tx1">
+                            <a:lumMod val="65000"/>
+                            <a:lumOff val="35000"/>
+                          </a:schemeClr>
+                        </a:solidFill>
+                        <a:latin typeface="에스코어 드림 5 Medium" panose="020B0503030302020204" pitchFamily="34" charset="-127"/>
+                        <a:ea typeface="에스코어 드림 5 Medium" panose="020B0503030302020204" pitchFamily="34" charset="-127"/>
+                      </a:endParaRPr>
+                    </a:p>
+                  </a:txBody>
+                  <a:tcPr anchor="ctr">
+                    <a:solidFill>
+                      <a:srgbClr val="DDDDF7"/>
+                    </a:solidFill>
+                  </a:tcPr>
+                </a:tc>
+                <a:tc>
+                  <a:txBody>
+                    <a:bodyPr/>
+                    <a:lstStyle/>
+                    <a:p>
+                      <a:pPr marL="0" marR="0" lvl="0" indent="0" algn="ctr" defTabSz="914400" rtl="0" eaLnBrk="1" fontAlgn="auto" latinLnBrk="1" hangingPunct="1">
+                        <a:lnSpc>
+                          <a:spcPct val="100000"/>
+                        </a:lnSpc>
+                        <a:spcBef>
+                          <a:spcPts val="0"/>
+                        </a:spcBef>
+                        <a:spcAft>
+                          <a:spcPts val="0"/>
+                        </a:spcAft>
+                        <a:buClrTx/>
+                        <a:buSzTx/>
+                        <a:buFontTx/>
+                        <a:buNone/>
+                        <a:tabLst/>
+                        <a:defRPr/>
+                      </a:pPr>
+                      <a:r>
+                        <a:rPr lang="en-US" altLang="ko-KR" sz="1200">
+                          <a:solidFill>
+                            <a:schemeClr val="tx1">
+                              <a:lumMod val="65000"/>
+                              <a:lumOff val="35000"/>
+                            </a:schemeClr>
+                          </a:solidFill>
+                          <a:latin typeface="에스코어 드림 5 Medium" panose="020B0503030302020204" pitchFamily="34" charset="-127"/>
+                          <a:ea typeface="에스코어 드림 5 Medium" panose="020B0503030302020204" pitchFamily="34" charset="-127"/>
+                        </a:rPr>
+                        <a:t>Pk</a:t>
+                      </a:r>
+                      <a:endParaRPr lang="ko-KR" altLang="en-US" sz="1200" dirty="0">
+                        <a:solidFill>
+                          <a:schemeClr val="tx1">
+                            <a:lumMod val="65000"/>
+                            <a:lumOff val="35000"/>
+                          </a:schemeClr>
+                        </a:solidFill>
+                        <a:latin typeface="에스코어 드림 5 Medium" panose="020B0503030302020204" pitchFamily="34" charset="-127"/>
+                        <a:ea typeface="에스코어 드림 5 Medium" panose="020B0503030302020204" pitchFamily="34" charset="-127"/>
+                      </a:endParaRPr>
+                    </a:p>
+                  </a:txBody>
+                  <a:tcPr anchor="ctr">
+                    <a:solidFill>
+                      <a:srgbClr val="DDDDF7"/>
+                    </a:solidFill>
+                  </a:tcPr>
+                </a:tc>
+                <a:tc>
+                  <a:txBody>
+                    <a:bodyPr/>
+                    <a:lstStyle/>
+                    <a:p>
+                      <a:pPr marL="0" marR="0" lvl="0" indent="0" algn="ctr" defTabSz="914400" rtl="0" eaLnBrk="1" fontAlgn="auto" latinLnBrk="1" hangingPunct="1">
+                        <a:lnSpc>
+                          <a:spcPct val="100000"/>
+                        </a:lnSpc>
+                        <a:spcBef>
+                          <a:spcPts val="0"/>
+                        </a:spcBef>
+                        <a:spcAft>
+                          <a:spcPts val="0"/>
+                        </a:spcAft>
+                        <a:buClrTx/>
+                        <a:buSzTx/>
+                        <a:buFontTx/>
+                        <a:buNone/>
+                        <a:tabLst/>
+                        <a:defRPr/>
+                      </a:pPr>
+                      <a:r>
+                        <a:rPr lang="en-US" altLang="ko-KR" sz="1200">
+                          <a:solidFill>
+                            <a:schemeClr val="tx1">
+                              <a:lumMod val="65000"/>
+                              <a:lumOff val="35000"/>
+                            </a:schemeClr>
+                          </a:solidFill>
+                          <a:latin typeface="에스코어 드림 5 Medium" panose="020B0503030302020204" pitchFamily="34" charset="-127"/>
+                          <a:ea typeface="에스코어 드림 5 Medium" panose="020B0503030302020204" pitchFamily="34" charset="-127"/>
+                        </a:rPr>
+                        <a:t>-</a:t>
+                      </a:r>
+                      <a:endParaRPr lang="ko-KR" altLang="en-US" sz="1200" dirty="0">
+                        <a:solidFill>
+                          <a:schemeClr val="tx1">
+                            <a:lumMod val="65000"/>
+                            <a:lumOff val="35000"/>
+                          </a:schemeClr>
+                        </a:solidFill>
+                        <a:latin typeface="에스코어 드림 5 Medium" panose="020B0503030302020204" pitchFamily="34" charset="-127"/>
+                        <a:ea typeface="에스코어 드림 5 Medium" panose="020B0503030302020204" pitchFamily="34" charset="-127"/>
+                      </a:endParaRPr>
+                    </a:p>
+                  </a:txBody>
+                  <a:tcPr anchor="ctr">
+                    <a:solidFill>
+                      <a:srgbClr val="DDDDF7"/>
+                    </a:solidFill>
+                  </a:tcPr>
+                </a:tc>
+                <a:tc>
+                  <a:txBody>
+                    <a:bodyPr/>
+                    <a:lstStyle/>
+                    <a:p>
+                      <a:pPr algn="ctr" latinLnBrk="1"/>
+                      <a:endParaRPr lang="ko-KR" altLang="en-US" sz="1200" dirty="0">
+                        <a:solidFill>
+                          <a:schemeClr val="tx1">
+                            <a:lumMod val="65000"/>
+                            <a:lumOff val="35000"/>
+                          </a:schemeClr>
+                        </a:solidFill>
+                        <a:latin typeface="에스코어 드림 5 Medium" panose="020B0503030302020204" pitchFamily="34" charset="-127"/>
+                        <a:ea typeface="에스코어 드림 5 Medium" panose="020B0503030302020204" pitchFamily="34" charset="-127"/>
+                      </a:endParaRPr>
+                    </a:p>
+                  </a:txBody>
+                  <a:tcPr anchor="ctr">
+                    <a:solidFill>
+                      <a:srgbClr val="DDDDF7"/>
+                    </a:solidFill>
+                  </a:tcPr>
+                </a:tc>
+                <a:extLst>
+                  <a:ext uri="{0D108BD9-81ED-4DB2-BD59-A6C34878D82A}">
+                    <a16:rowId xmlns:a16="http://schemas.microsoft.com/office/drawing/2014/main" val="3242359267"/>
+                  </a:ext>
+                </a:extLst>
+              </a:tr>
+              <a:tr h="448597">
+                <a:tc>
+                  <a:txBody>
+                    <a:bodyPr/>
+                    <a:lstStyle/>
+                    <a:p>
+                      <a:pPr algn="ctr" latinLnBrk="1"/>
+                      <a:r>
+                        <a:rPr lang="en-US" altLang="ko-KR" sz="1200">
+                          <a:solidFill>
+                            <a:schemeClr val="tx1">
+                              <a:lumMod val="65000"/>
+                              <a:lumOff val="35000"/>
+                            </a:schemeClr>
+                          </a:solidFill>
+                          <a:latin typeface="에스코어 드림 5 Medium" panose="020B0503030302020204" pitchFamily="34" charset="-127"/>
+                          <a:ea typeface="에스코어 드림 5 Medium" panose="020B0503030302020204" pitchFamily="34" charset="-127"/>
+                        </a:rPr>
+                        <a:t>2</a:t>
+                      </a:r>
+                      <a:endParaRPr lang="ko-KR" altLang="en-US" sz="1200" dirty="0">
+                        <a:solidFill>
+                          <a:schemeClr val="tx1">
+                            <a:lumMod val="65000"/>
+                            <a:lumOff val="35000"/>
+                          </a:schemeClr>
+                        </a:solidFill>
+                        <a:latin typeface="에스코어 드림 5 Medium" panose="020B0503030302020204" pitchFamily="34" charset="-127"/>
+                        <a:ea typeface="에스코어 드림 5 Medium" panose="020B0503030302020204" pitchFamily="34" charset="-127"/>
+                      </a:endParaRPr>
+                    </a:p>
+                  </a:txBody>
+                  <a:tcPr anchor="ctr">
+                    <a:solidFill>
+                      <a:srgbClr val="DDDDF7"/>
+                    </a:solidFill>
+                  </a:tcPr>
+                </a:tc>
+                <a:tc>
+                  <a:txBody>
+                    <a:bodyPr/>
+                    <a:lstStyle/>
+                    <a:p>
+                      <a:pPr marL="0" marR="0" lvl="0" indent="0" algn="ctr" defTabSz="914400" rtl="0" eaLnBrk="1" fontAlgn="auto" latinLnBrk="1" hangingPunct="1">
+                        <a:lnSpc>
+                          <a:spcPct val="100000"/>
+                        </a:lnSpc>
+                        <a:spcBef>
+                          <a:spcPts val="0"/>
+                        </a:spcBef>
+                        <a:spcAft>
+                          <a:spcPts val="0"/>
+                        </a:spcAft>
+                        <a:buClrTx/>
+                        <a:buSzTx/>
+                        <a:buFontTx/>
+                        <a:buNone/>
+                        <a:tabLst/>
+                        <a:defRPr/>
+                      </a:pPr>
+                      <a:r>
+                        <a:rPr lang="en-US" altLang="ko-KR" sz="1200" dirty="0" err="1">
+                          <a:solidFill>
+                            <a:schemeClr val="tx1">
+                              <a:lumMod val="65000"/>
+                              <a:lumOff val="35000"/>
+                            </a:schemeClr>
+                          </a:solidFill>
+                          <a:latin typeface="에스코어 드림 5 Medium" panose="020B0503030302020204" pitchFamily="34" charset="-127"/>
+                          <a:ea typeface="에스코어 드림 5 Medium" panose="020B0503030302020204" pitchFamily="34" charset="-127"/>
+                        </a:rPr>
+                        <a:t>f_id</a:t>
+                      </a:r>
+                      <a:endParaRPr lang="ko-KR" altLang="en-US" sz="1200" dirty="0">
+                        <a:solidFill>
+                          <a:schemeClr val="tx1">
+                            <a:lumMod val="65000"/>
+                            <a:lumOff val="35000"/>
+                          </a:schemeClr>
+                        </a:solidFill>
+                        <a:latin typeface="에스코어 드림 5 Medium" panose="020B0503030302020204" pitchFamily="34" charset="-127"/>
+                        <a:ea typeface="에스코어 드림 5 Medium" panose="020B0503030302020204" pitchFamily="34" charset="-127"/>
+                      </a:endParaRPr>
+                    </a:p>
+                  </a:txBody>
+                  <a:tcPr anchor="ctr">
+                    <a:solidFill>
+                      <a:srgbClr val="DDDDF7"/>
+                    </a:solidFill>
+                  </a:tcPr>
+                </a:tc>
+                <a:tc>
+                  <a:txBody>
+                    <a:bodyPr/>
+                    <a:lstStyle/>
+                    <a:p>
+                      <a:pPr algn="ctr" latinLnBrk="1"/>
+                      <a:r>
+                        <a:rPr lang="en-US" altLang="ko-KR" sz="1200">
+                          <a:solidFill>
+                            <a:schemeClr val="tx1">
+                              <a:lumMod val="65000"/>
+                              <a:lumOff val="35000"/>
+                            </a:schemeClr>
+                          </a:solidFill>
+                          <a:latin typeface="에스코어 드림 5 Medium" panose="020B0503030302020204" pitchFamily="34" charset="-127"/>
+                          <a:ea typeface="에스코어 드림 5 Medium" panose="020B0503030302020204" pitchFamily="34" charset="-127"/>
+                        </a:rPr>
+                        <a:t>varchar(10)</a:t>
+                      </a:r>
+                      <a:endParaRPr lang="ko-KR" altLang="en-US" sz="1200" dirty="0">
+                        <a:solidFill>
+                          <a:schemeClr val="tx1">
+                            <a:lumMod val="65000"/>
+                            <a:lumOff val="35000"/>
+                          </a:schemeClr>
+                        </a:solidFill>
+                        <a:latin typeface="에스코어 드림 5 Medium" panose="020B0503030302020204" pitchFamily="34" charset="-127"/>
+                        <a:ea typeface="에스코어 드림 5 Medium" panose="020B0503030302020204" pitchFamily="34" charset="-127"/>
+                      </a:endParaRPr>
+                    </a:p>
+                  </a:txBody>
+                  <a:tcPr anchor="ctr">
+                    <a:solidFill>
+                      <a:srgbClr val="DDDDF7"/>
+                    </a:solidFill>
+                  </a:tcPr>
+                </a:tc>
+                <a:tc>
+                  <a:txBody>
+                    <a:bodyPr/>
+                    <a:lstStyle/>
+                    <a:p>
+                      <a:pPr algn="ctr" latinLnBrk="1"/>
+                      <a:r>
+                        <a:rPr lang="en-US" altLang="ko-KR" sz="1200">
+                          <a:solidFill>
+                            <a:schemeClr val="tx1">
+                              <a:lumMod val="65000"/>
+                              <a:lumOff val="35000"/>
+                            </a:schemeClr>
+                          </a:solidFill>
+                          <a:latin typeface="에스코어 드림 5 Medium" panose="020B0503030302020204" pitchFamily="34" charset="-127"/>
+                          <a:ea typeface="에스코어 드림 5 Medium" panose="020B0503030302020204" pitchFamily="34" charset="-127"/>
+                        </a:rPr>
+                        <a:t>n.n</a:t>
+                      </a:r>
+                      <a:endParaRPr lang="ko-KR" altLang="en-US" sz="1200" dirty="0">
+                        <a:solidFill>
+                          <a:schemeClr val="tx1">
+                            <a:lumMod val="65000"/>
+                            <a:lumOff val="35000"/>
+                          </a:schemeClr>
+                        </a:solidFill>
+                        <a:latin typeface="에스코어 드림 5 Medium" panose="020B0503030302020204" pitchFamily="34" charset="-127"/>
+                        <a:ea typeface="에스코어 드림 5 Medium" panose="020B0503030302020204" pitchFamily="34" charset="-127"/>
+                      </a:endParaRPr>
+                    </a:p>
+                  </a:txBody>
+                  <a:tcPr anchor="ctr">
+                    <a:solidFill>
+                      <a:srgbClr val="DDDDF7"/>
+                    </a:solidFill>
+                  </a:tcPr>
+                </a:tc>
+                <a:tc>
+                  <a:txBody>
+                    <a:bodyPr/>
+                    <a:lstStyle/>
+                    <a:p>
+                      <a:pPr algn="ctr" latinLnBrk="1"/>
+                      <a:r>
+                        <a:rPr lang="en-US" altLang="ko-KR" sz="1200">
+                          <a:solidFill>
+                            <a:schemeClr val="tx1">
+                              <a:lumMod val="65000"/>
+                              <a:lumOff val="35000"/>
+                            </a:schemeClr>
+                          </a:solidFill>
+                          <a:latin typeface="에스코어 드림 5 Medium" panose="020B0503030302020204" pitchFamily="34" charset="-127"/>
+                          <a:ea typeface="에스코어 드림 5 Medium" panose="020B0503030302020204" pitchFamily="34" charset="-127"/>
+                        </a:rPr>
+                        <a:t>-</a:t>
+                      </a:r>
+                      <a:endParaRPr lang="ko-KR" altLang="en-US" sz="1200" dirty="0">
+                        <a:solidFill>
+                          <a:schemeClr val="tx1">
+                            <a:lumMod val="65000"/>
+                            <a:lumOff val="35000"/>
+                          </a:schemeClr>
+                        </a:solidFill>
+                        <a:latin typeface="에스코어 드림 5 Medium" panose="020B0503030302020204" pitchFamily="34" charset="-127"/>
+                        <a:ea typeface="에스코어 드림 5 Medium" panose="020B0503030302020204" pitchFamily="34" charset="-127"/>
+                      </a:endParaRPr>
+                    </a:p>
+                  </a:txBody>
+                  <a:tcPr anchor="ctr">
+                    <a:solidFill>
+                      <a:srgbClr val="DDDDF7"/>
+                    </a:solidFill>
+                  </a:tcPr>
+                </a:tc>
+                <a:tc>
+                  <a:txBody>
+                    <a:bodyPr/>
+                    <a:lstStyle/>
+                    <a:p>
+                      <a:pPr algn="ctr" latinLnBrk="1"/>
+                      <a:r>
+                        <a:rPr lang="en-US" altLang="ko-KR" sz="1200" dirty="0">
+                          <a:solidFill>
+                            <a:schemeClr val="tx1">
+                              <a:lumMod val="65000"/>
+                              <a:lumOff val="35000"/>
+                            </a:schemeClr>
+                          </a:solidFill>
+                          <a:latin typeface="에스코어 드림 5 Medium" panose="020B0503030302020204" pitchFamily="34" charset="-127"/>
+                          <a:ea typeface="에스코어 드림 5 Medium" panose="020B0503030302020204" pitchFamily="34" charset="-127"/>
+                        </a:rPr>
+                        <a:t>-</a:t>
+                      </a:r>
+                      <a:endParaRPr lang="ko-KR" altLang="en-US" sz="1200" dirty="0">
+                        <a:solidFill>
+                          <a:schemeClr val="tx1">
+                            <a:lumMod val="65000"/>
+                            <a:lumOff val="35000"/>
+                          </a:schemeClr>
+                        </a:solidFill>
+                        <a:latin typeface="에스코어 드림 5 Medium" panose="020B0503030302020204" pitchFamily="34" charset="-127"/>
+                        <a:ea typeface="에스코어 드림 5 Medium" panose="020B0503030302020204" pitchFamily="34" charset="-127"/>
+                      </a:endParaRPr>
+                    </a:p>
+                  </a:txBody>
+                  <a:tcPr anchor="ctr">
+                    <a:solidFill>
+                      <a:srgbClr val="DDDDF7"/>
+                    </a:solidFill>
+                  </a:tcPr>
+                </a:tc>
+                <a:tc>
+                  <a:txBody>
+                    <a:bodyPr/>
+                    <a:lstStyle/>
+                    <a:p>
+                      <a:pPr algn="ctr" latinLnBrk="1"/>
+                      <a:r>
+                        <a:rPr lang="en-US" altLang="ko-KR" sz="1200">
+                          <a:solidFill>
+                            <a:schemeClr val="tx1">
+                              <a:lumMod val="65000"/>
+                              <a:lumOff val="35000"/>
+                            </a:schemeClr>
+                          </a:solidFill>
+                          <a:latin typeface="에스코어 드림 5 Medium" panose="020B0503030302020204" pitchFamily="34" charset="-127"/>
+                          <a:ea typeface="에스코어 드림 5 Medium" panose="020B0503030302020204" pitchFamily="34" charset="-127"/>
+                        </a:rPr>
+                        <a:t>-</a:t>
+                      </a:r>
+                      <a:endParaRPr lang="ko-KR" altLang="en-US" sz="1200" dirty="0">
+                        <a:solidFill>
+                          <a:schemeClr val="tx1">
+                            <a:lumMod val="65000"/>
+                            <a:lumOff val="35000"/>
+                          </a:schemeClr>
+                        </a:solidFill>
+                        <a:latin typeface="에스코어 드림 5 Medium" panose="020B0503030302020204" pitchFamily="34" charset="-127"/>
+                        <a:ea typeface="에스코어 드림 5 Medium" panose="020B0503030302020204" pitchFamily="34" charset="-127"/>
+                      </a:endParaRPr>
+                    </a:p>
+                  </a:txBody>
+                  <a:tcPr anchor="ctr">
+                    <a:solidFill>
+                      <a:srgbClr val="DDDDF7"/>
+                    </a:solidFill>
+                  </a:tcPr>
+                </a:tc>
+                <a:tc>
+                  <a:txBody>
+                    <a:bodyPr/>
+                    <a:lstStyle/>
+                    <a:p>
+                      <a:pPr algn="ctr" latinLnBrk="1"/>
+                      <a:r>
+                        <a:rPr lang="ko-KR" altLang="en-US" sz="1200" dirty="0">
+                          <a:solidFill>
+                            <a:schemeClr val="tx1">
+                              <a:lumMod val="65000"/>
+                              <a:lumOff val="35000"/>
+                            </a:schemeClr>
+                          </a:solidFill>
+                          <a:latin typeface="에스코어 드림 5 Medium" panose="020B0503030302020204" pitchFamily="34" charset="-127"/>
+                          <a:ea typeface="에스코어 드림 5 Medium" panose="020B0503030302020204" pitchFamily="34" charset="-127"/>
+                        </a:rPr>
+                        <a:t>로그인 한 사람</a:t>
+                      </a:r>
+                    </a:p>
+                  </a:txBody>
+                  <a:tcPr anchor="ctr">
+                    <a:solidFill>
+                      <a:srgbClr val="DDDDF7"/>
+                    </a:solidFill>
+                  </a:tcPr>
+                </a:tc>
+                <a:extLst>
+                  <a:ext uri="{0D108BD9-81ED-4DB2-BD59-A6C34878D82A}">
+                    <a16:rowId xmlns:a16="http://schemas.microsoft.com/office/drawing/2014/main" val="4275075617"/>
+                  </a:ext>
+                </a:extLst>
+              </a:tr>
+              <a:tr h="448597">
+                <a:tc>
+                  <a:txBody>
+                    <a:bodyPr/>
+                    <a:lstStyle/>
+                    <a:p>
+                      <a:pPr algn="ctr" latinLnBrk="1"/>
+                      <a:r>
+                        <a:rPr lang="en-US" altLang="ko-KR" sz="1200">
+                          <a:solidFill>
+                            <a:schemeClr val="tx1">
+                              <a:lumMod val="65000"/>
+                              <a:lumOff val="35000"/>
+                            </a:schemeClr>
+                          </a:solidFill>
+                          <a:latin typeface="에스코어 드림 5 Medium" panose="020B0503030302020204" pitchFamily="34" charset="-127"/>
+                          <a:ea typeface="에스코어 드림 5 Medium" panose="020B0503030302020204" pitchFamily="34" charset="-127"/>
+                        </a:rPr>
+                        <a:t>3</a:t>
+                      </a:r>
+                      <a:endParaRPr lang="ko-KR" altLang="en-US" sz="1200" dirty="0">
+                        <a:solidFill>
+                          <a:schemeClr val="tx1">
+                            <a:lumMod val="65000"/>
+                            <a:lumOff val="35000"/>
+                          </a:schemeClr>
+                        </a:solidFill>
+                        <a:latin typeface="에스코어 드림 5 Medium" panose="020B0503030302020204" pitchFamily="34" charset="-127"/>
+                        <a:ea typeface="에스코어 드림 5 Medium" panose="020B0503030302020204" pitchFamily="34" charset="-127"/>
+                      </a:endParaRPr>
+                    </a:p>
+                  </a:txBody>
+                  <a:tcPr anchor="ctr">
+                    <a:solidFill>
+                      <a:srgbClr val="DDDDF7"/>
+                    </a:solidFill>
+                  </a:tcPr>
+                </a:tc>
+                <a:tc>
+                  <a:txBody>
+                    <a:bodyPr/>
+                    <a:lstStyle/>
+                    <a:p>
+                      <a:pPr marL="0" marR="0" lvl="0" indent="0" algn="ctr" defTabSz="914400" rtl="0" eaLnBrk="1" fontAlgn="auto" latinLnBrk="1" hangingPunct="1">
+                        <a:lnSpc>
+                          <a:spcPct val="100000"/>
+                        </a:lnSpc>
+                        <a:spcBef>
+                          <a:spcPts val="0"/>
+                        </a:spcBef>
+                        <a:spcAft>
+                          <a:spcPts val="0"/>
+                        </a:spcAft>
+                        <a:buClrTx/>
+                        <a:buSzTx/>
+                        <a:buFontTx/>
+                        <a:buNone/>
+                        <a:tabLst/>
+                        <a:defRPr/>
+                      </a:pPr>
+                      <a:r>
+                        <a:rPr lang="en-US" altLang="ko-KR" sz="1200" dirty="0" err="1">
+                          <a:solidFill>
+                            <a:schemeClr val="tx1">
+                              <a:lumMod val="65000"/>
+                              <a:lumOff val="35000"/>
+                            </a:schemeClr>
+                          </a:solidFill>
+                          <a:latin typeface="에스코어 드림 5 Medium" panose="020B0503030302020204" pitchFamily="34" charset="-127"/>
+                          <a:ea typeface="에스코어 드림 5 Medium" panose="020B0503030302020204" pitchFamily="34" charset="-127"/>
+                        </a:rPr>
+                        <a:t>b_number</a:t>
+                      </a:r>
+                      <a:endParaRPr lang="ko-KR" altLang="en-US" sz="1200" dirty="0">
+                        <a:solidFill>
+                          <a:schemeClr val="tx1">
+                            <a:lumMod val="65000"/>
+                            <a:lumOff val="35000"/>
+                          </a:schemeClr>
+                        </a:solidFill>
+                        <a:latin typeface="에스코어 드림 5 Medium" panose="020B0503030302020204" pitchFamily="34" charset="-127"/>
+                        <a:ea typeface="에스코어 드림 5 Medium" panose="020B0503030302020204" pitchFamily="34" charset="-127"/>
+                      </a:endParaRPr>
+                    </a:p>
+                  </a:txBody>
+                  <a:tcPr anchor="ctr">
+                    <a:solidFill>
+                      <a:srgbClr val="DDDDF7"/>
+                    </a:solidFill>
+                  </a:tcPr>
+                </a:tc>
+                <a:tc>
+                  <a:txBody>
+                    <a:bodyPr/>
+                    <a:lstStyle/>
+                    <a:p>
+                      <a:pPr algn="ctr" latinLnBrk="1"/>
+                      <a:r>
+                        <a:rPr lang="en-US" altLang="ko-KR" sz="1200" dirty="0" err="1">
+                          <a:solidFill>
+                            <a:schemeClr val="tx1">
+                              <a:lumMod val="65000"/>
+                              <a:lumOff val="35000"/>
+                            </a:schemeClr>
+                          </a:solidFill>
+                          <a:latin typeface="에스코어 드림 5 Medium" panose="020B0503030302020204" pitchFamily="34" charset="-127"/>
+                          <a:ea typeface="에스코어 드림 5 Medium" panose="020B0503030302020204" pitchFamily="34" charset="-127"/>
+                        </a:rPr>
+                        <a:t>Bigint</a:t>
+                      </a:r>
+                      <a:endParaRPr lang="ko-KR" altLang="en-US" sz="1200" dirty="0">
+                        <a:solidFill>
+                          <a:schemeClr val="tx1">
+                            <a:lumMod val="65000"/>
+                            <a:lumOff val="35000"/>
+                          </a:schemeClr>
+                        </a:solidFill>
+                        <a:latin typeface="에스코어 드림 5 Medium" panose="020B0503030302020204" pitchFamily="34" charset="-127"/>
+                        <a:ea typeface="에스코어 드림 5 Medium" panose="020B0503030302020204" pitchFamily="34" charset="-127"/>
+                      </a:endParaRPr>
+                    </a:p>
+                  </a:txBody>
+                  <a:tcPr anchor="ctr">
+                    <a:solidFill>
+                      <a:srgbClr val="DDDDF7"/>
+                    </a:solidFill>
+                  </a:tcPr>
+                </a:tc>
+                <a:tc>
+                  <a:txBody>
+                    <a:bodyPr/>
+                    <a:lstStyle/>
+                    <a:p>
+                      <a:pPr marL="0" marR="0" lvl="0" indent="0" algn="ctr" defTabSz="914400" rtl="0" eaLnBrk="1" fontAlgn="auto" latinLnBrk="1" hangingPunct="1">
+                        <a:lnSpc>
+                          <a:spcPct val="100000"/>
+                        </a:lnSpc>
+                        <a:spcBef>
+                          <a:spcPts val="0"/>
+                        </a:spcBef>
+                        <a:spcAft>
+                          <a:spcPts val="0"/>
+                        </a:spcAft>
+                        <a:buClrTx/>
+                        <a:buSzTx/>
+                        <a:buFontTx/>
+                        <a:buNone/>
+                        <a:tabLst/>
+                        <a:defRPr/>
+                      </a:pPr>
+                      <a:r>
+                        <a:rPr lang="en-US" altLang="ko-KR" sz="1200">
+                          <a:solidFill>
+                            <a:schemeClr val="tx1">
+                              <a:lumMod val="65000"/>
+                              <a:lumOff val="35000"/>
+                            </a:schemeClr>
+                          </a:solidFill>
+                          <a:latin typeface="에스코어 드림 5 Medium" panose="020B0503030302020204" pitchFamily="34" charset="-127"/>
+                          <a:ea typeface="에스코어 드림 5 Medium" panose="020B0503030302020204" pitchFamily="34" charset="-127"/>
+                        </a:rPr>
+                        <a:t>n.n</a:t>
+                      </a:r>
+                      <a:endParaRPr lang="ko-KR" altLang="en-US" sz="1200" dirty="0">
+                        <a:solidFill>
+                          <a:schemeClr val="tx1">
+                            <a:lumMod val="65000"/>
+                            <a:lumOff val="35000"/>
+                          </a:schemeClr>
+                        </a:solidFill>
+                        <a:latin typeface="에스코어 드림 5 Medium" panose="020B0503030302020204" pitchFamily="34" charset="-127"/>
+                        <a:ea typeface="에스코어 드림 5 Medium" panose="020B0503030302020204" pitchFamily="34" charset="-127"/>
+                      </a:endParaRPr>
+                    </a:p>
+                  </a:txBody>
+                  <a:tcPr anchor="ctr">
+                    <a:solidFill>
+                      <a:srgbClr val="DDDDF7"/>
+                    </a:solidFill>
+                  </a:tcPr>
+                </a:tc>
+                <a:tc>
+                  <a:txBody>
+                    <a:bodyPr/>
+                    <a:lstStyle/>
+                    <a:p>
+                      <a:pPr algn="ctr" latinLnBrk="1"/>
+                      <a:r>
+                        <a:rPr lang="en-US" altLang="ko-KR" sz="1200">
+                          <a:solidFill>
+                            <a:schemeClr val="tx1">
+                              <a:lumMod val="65000"/>
+                              <a:lumOff val="35000"/>
+                            </a:schemeClr>
+                          </a:solidFill>
+                          <a:latin typeface="에스코어 드림 5 Medium" panose="020B0503030302020204" pitchFamily="34" charset="-127"/>
+                          <a:ea typeface="에스코어 드림 5 Medium" panose="020B0503030302020204" pitchFamily="34" charset="-127"/>
+                        </a:rPr>
+                        <a:t>-</a:t>
+                      </a:r>
+                      <a:endParaRPr lang="ko-KR" altLang="en-US" sz="1200" dirty="0">
+                        <a:solidFill>
+                          <a:schemeClr val="tx1">
+                            <a:lumMod val="65000"/>
+                            <a:lumOff val="35000"/>
+                          </a:schemeClr>
+                        </a:solidFill>
+                        <a:latin typeface="에스코어 드림 5 Medium" panose="020B0503030302020204" pitchFamily="34" charset="-127"/>
+                        <a:ea typeface="에스코어 드림 5 Medium" panose="020B0503030302020204" pitchFamily="34" charset="-127"/>
+                      </a:endParaRPr>
+                    </a:p>
+                  </a:txBody>
+                  <a:tcPr anchor="ctr">
+                    <a:solidFill>
+                      <a:srgbClr val="DDDDF7"/>
+                    </a:solidFill>
+                  </a:tcPr>
+                </a:tc>
+                <a:tc>
+                  <a:txBody>
+                    <a:bodyPr/>
+                    <a:lstStyle/>
+                    <a:p>
+                      <a:pPr algn="ctr" latinLnBrk="1"/>
+                      <a:r>
+                        <a:rPr lang="en-US" altLang="ko-KR" sz="1200">
+                          <a:solidFill>
+                            <a:schemeClr val="tx1">
+                              <a:lumMod val="65000"/>
+                              <a:lumOff val="35000"/>
+                            </a:schemeClr>
+                          </a:solidFill>
+                          <a:latin typeface="에스코어 드림 5 Medium" panose="020B0503030302020204" pitchFamily="34" charset="-127"/>
+                          <a:ea typeface="에스코어 드림 5 Medium" panose="020B0503030302020204" pitchFamily="34" charset="-127"/>
+                        </a:rPr>
+                        <a:t>-</a:t>
+                      </a:r>
+                      <a:endParaRPr lang="ko-KR" altLang="en-US" sz="1200" dirty="0">
+                        <a:solidFill>
+                          <a:schemeClr val="tx1">
+                            <a:lumMod val="65000"/>
+                            <a:lumOff val="35000"/>
+                          </a:schemeClr>
+                        </a:solidFill>
+                        <a:latin typeface="에스코어 드림 5 Medium" panose="020B0503030302020204" pitchFamily="34" charset="-127"/>
+                        <a:ea typeface="에스코어 드림 5 Medium" panose="020B0503030302020204" pitchFamily="34" charset="-127"/>
+                      </a:endParaRPr>
+                    </a:p>
+                  </a:txBody>
+                  <a:tcPr anchor="ctr">
+                    <a:solidFill>
+                      <a:srgbClr val="DDDDF7"/>
+                    </a:solidFill>
+                  </a:tcPr>
+                </a:tc>
+                <a:tc>
+                  <a:txBody>
+                    <a:bodyPr/>
+                    <a:lstStyle/>
+                    <a:p>
+                      <a:pPr algn="ctr" latinLnBrk="1"/>
+                      <a:r>
+                        <a:rPr lang="en-US" altLang="ko-KR" sz="1200">
+                          <a:solidFill>
+                            <a:schemeClr val="tx1">
+                              <a:lumMod val="65000"/>
+                              <a:lumOff val="35000"/>
+                            </a:schemeClr>
+                          </a:solidFill>
+                          <a:latin typeface="에스코어 드림 5 Medium" panose="020B0503030302020204" pitchFamily="34" charset="-127"/>
+                          <a:ea typeface="에스코어 드림 5 Medium" panose="020B0503030302020204" pitchFamily="34" charset="-127"/>
+                        </a:rPr>
+                        <a:t>-</a:t>
+                      </a:r>
+                      <a:endParaRPr lang="ko-KR" altLang="en-US" sz="1200" dirty="0">
+                        <a:solidFill>
+                          <a:schemeClr val="tx1">
+                            <a:lumMod val="65000"/>
+                            <a:lumOff val="35000"/>
+                          </a:schemeClr>
+                        </a:solidFill>
+                        <a:latin typeface="에스코어 드림 5 Medium" panose="020B0503030302020204" pitchFamily="34" charset="-127"/>
+                        <a:ea typeface="에스코어 드림 5 Medium" panose="020B0503030302020204" pitchFamily="34" charset="-127"/>
+                      </a:endParaRPr>
+                    </a:p>
+                  </a:txBody>
+                  <a:tcPr anchor="ctr">
+                    <a:solidFill>
+                      <a:srgbClr val="DDDDF7"/>
+                    </a:solidFill>
+                  </a:tcPr>
+                </a:tc>
+                <a:tc>
+                  <a:txBody>
+                    <a:bodyPr/>
+                    <a:lstStyle/>
+                    <a:p>
+                      <a:pPr algn="ctr" latinLnBrk="1"/>
+                      <a:r>
+                        <a:rPr lang="en-US" altLang="ko-KR" sz="1200" dirty="0" err="1">
+                          <a:solidFill>
+                            <a:schemeClr val="tx1">
+                              <a:lumMod val="65000"/>
+                              <a:lumOff val="35000"/>
+                            </a:schemeClr>
+                          </a:solidFill>
+                          <a:latin typeface="에스코어 드림 5 Medium" panose="020B0503030302020204" pitchFamily="34" charset="-127"/>
+                          <a:ea typeface="에스코어 드림 5 Medium" panose="020B0503030302020204" pitchFamily="34" charset="-127"/>
+                        </a:rPr>
+                        <a:t>Odd_Book</a:t>
+                      </a:r>
+                      <a:r>
+                        <a:rPr lang="ko-KR" altLang="en-US" sz="1200" dirty="0">
+                          <a:solidFill>
+                            <a:schemeClr val="tx1">
+                              <a:lumMod val="65000"/>
+                              <a:lumOff val="35000"/>
+                            </a:schemeClr>
+                          </a:solidFill>
+                          <a:latin typeface="에스코어 드림 5 Medium" panose="020B0503030302020204" pitchFamily="34" charset="-127"/>
+                          <a:ea typeface="에스코어 드림 5 Medium" panose="020B0503030302020204" pitchFamily="34" charset="-127"/>
+                        </a:rPr>
+                        <a:t>의 </a:t>
+                      </a:r>
+                      <a:r>
+                        <a:rPr lang="en-US" altLang="ko-KR" sz="1200" dirty="0" err="1">
+                          <a:solidFill>
+                            <a:schemeClr val="tx1">
+                              <a:lumMod val="65000"/>
+                              <a:lumOff val="35000"/>
+                            </a:schemeClr>
+                          </a:solidFill>
+                          <a:latin typeface="에스코어 드림 5 Medium" panose="020B0503030302020204" pitchFamily="34" charset="-127"/>
+                          <a:ea typeface="에스코어 드림 5 Medium" panose="020B0503030302020204" pitchFamily="34" charset="-127"/>
+                        </a:rPr>
+                        <a:t>b_number</a:t>
+                      </a:r>
+                      <a:r>
+                        <a:rPr lang="ko-KR" altLang="en-US" sz="1200" dirty="0">
+                          <a:solidFill>
+                            <a:schemeClr val="tx1">
+                              <a:lumMod val="65000"/>
+                              <a:lumOff val="35000"/>
+                            </a:schemeClr>
+                          </a:solidFill>
+                          <a:latin typeface="에스코어 드림 5 Medium" panose="020B0503030302020204" pitchFamily="34" charset="-127"/>
+                          <a:ea typeface="에스코어 드림 5 Medium" panose="020B0503030302020204" pitchFamily="34" charset="-127"/>
+                        </a:rPr>
+                        <a:t>를 참조</a:t>
+                      </a:r>
+                    </a:p>
+                  </a:txBody>
+                  <a:tcPr anchor="ctr">
+                    <a:solidFill>
+                      <a:srgbClr val="DDDDF7"/>
+                    </a:solidFill>
+                  </a:tcPr>
+                </a:tc>
+                <a:extLst>
+                  <a:ext uri="{0D108BD9-81ED-4DB2-BD59-A6C34878D82A}">
+                    <a16:rowId xmlns:a16="http://schemas.microsoft.com/office/drawing/2014/main" val="832513142"/>
+                  </a:ext>
+                </a:extLst>
+              </a:tr>
+              <a:tr h="448597">
+                <a:tc>
+                  <a:txBody>
+                    <a:bodyPr/>
+                    <a:lstStyle/>
+                    <a:p>
+                      <a:pPr algn="ctr" latinLnBrk="1"/>
+                      <a:r>
+                        <a:rPr lang="en-US" altLang="ko-KR" sz="1200">
+                          <a:solidFill>
+                            <a:schemeClr val="tx1">
+                              <a:lumMod val="65000"/>
+                              <a:lumOff val="35000"/>
+                            </a:schemeClr>
+                          </a:solidFill>
+                          <a:latin typeface="에스코어 드림 5 Medium" panose="020B0503030302020204" pitchFamily="34" charset="-127"/>
+                          <a:ea typeface="에스코어 드림 5 Medium" panose="020B0503030302020204" pitchFamily="34" charset="-127"/>
+                        </a:rPr>
+                        <a:t>4</a:t>
+                      </a:r>
+                      <a:endParaRPr lang="ko-KR" altLang="en-US" sz="1200" dirty="0">
+                        <a:solidFill>
+                          <a:schemeClr val="tx1">
+                            <a:lumMod val="65000"/>
+                            <a:lumOff val="35000"/>
+                          </a:schemeClr>
+                        </a:solidFill>
+                        <a:latin typeface="에스코어 드림 5 Medium" panose="020B0503030302020204" pitchFamily="34" charset="-127"/>
+                        <a:ea typeface="에스코어 드림 5 Medium" panose="020B0503030302020204" pitchFamily="34" charset="-127"/>
+                      </a:endParaRPr>
+                    </a:p>
+                  </a:txBody>
+                  <a:tcPr anchor="ctr">
+                    <a:solidFill>
+                      <a:srgbClr val="DDDDF7"/>
+                    </a:solidFill>
+                  </a:tcPr>
+                </a:tc>
+                <a:tc>
+                  <a:txBody>
+                    <a:bodyPr/>
+                    <a:lstStyle/>
+                    <a:p>
+                      <a:pPr marL="0" marR="0" lvl="0" indent="0" algn="ctr" defTabSz="914400" rtl="0" eaLnBrk="1" fontAlgn="auto" latinLnBrk="1" hangingPunct="1">
+                        <a:lnSpc>
+                          <a:spcPct val="100000"/>
+                        </a:lnSpc>
+                        <a:spcBef>
+                          <a:spcPts val="0"/>
+                        </a:spcBef>
+                        <a:spcAft>
+                          <a:spcPts val="0"/>
+                        </a:spcAft>
+                        <a:buClrTx/>
+                        <a:buSzTx/>
+                        <a:buFontTx/>
+                        <a:buNone/>
+                        <a:tabLst/>
+                        <a:defRPr/>
+                      </a:pPr>
+                      <a:r>
+                        <a:rPr lang="en-US" altLang="ko-KR" sz="1200" dirty="0" err="1">
+                          <a:solidFill>
+                            <a:schemeClr val="tx1">
+                              <a:lumMod val="65000"/>
+                              <a:lumOff val="35000"/>
+                            </a:schemeClr>
+                          </a:solidFill>
+                          <a:latin typeface="에스코어 드림 5 Medium" panose="020B0503030302020204" pitchFamily="34" charset="-127"/>
+                          <a:ea typeface="에스코어 드림 5 Medium" panose="020B0503030302020204" pitchFamily="34" charset="-127"/>
+                        </a:rPr>
+                        <a:t>b_name</a:t>
+                      </a:r>
+                      <a:endParaRPr lang="ko-KR" altLang="en-US" sz="1200" dirty="0">
+                        <a:solidFill>
+                          <a:schemeClr val="tx1">
+                            <a:lumMod val="65000"/>
+                            <a:lumOff val="35000"/>
+                          </a:schemeClr>
+                        </a:solidFill>
+                        <a:latin typeface="에스코어 드림 5 Medium" panose="020B0503030302020204" pitchFamily="34" charset="-127"/>
+                        <a:ea typeface="에스코어 드림 5 Medium" panose="020B0503030302020204" pitchFamily="34" charset="-127"/>
+                      </a:endParaRPr>
+                    </a:p>
+                  </a:txBody>
+                  <a:tcPr anchor="ctr">
+                    <a:solidFill>
+                      <a:srgbClr val="DDDDF7"/>
+                    </a:solidFill>
+                  </a:tcPr>
+                </a:tc>
+                <a:tc>
+                  <a:txBody>
+                    <a:bodyPr/>
+                    <a:lstStyle/>
+                    <a:p>
+                      <a:pPr marL="0" marR="0" lvl="0" indent="0" algn="ctr" defTabSz="914400" rtl="0" eaLnBrk="1" fontAlgn="auto" latinLnBrk="1" hangingPunct="1">
+                        <a:lnSpc>
+                          <a:spcPct val="100000"/>
+                        </a:lnSpc>
+                        <a:spcBef>
+                          <a:spcPts val="0"/>
+                        </a:spcBef>
+                        <a:spcAft>
+                          <a:spcPts val="0"/>
+                        </a:spcAft>
+                        <a:buClrTx/>
+                        <a:buSzTx/>
+                        <a:buFontTx/>
+                        <a:buNone/>
+                        <a:tabLst/>
+                        <a:defRPr/>
+                      </a:pPr>
+                      <a:r>
+                        <a:rPr lang="en-US" altLang="ko-KR" sz="1200" dirty="0">
+                          <a:solidFill>
+                            <a:schemeClr val="tx1">
+                              <a:lumMod val="65000"/>
+                              <a:lumOff val="35000"/>
+                            </a:schemeClr>
+                          </a:solidFill>
+                          <a:latin typeface="에스코어 드림 5 Medium" panose="020B0503030302020204" pitchFamily="34" charset="-127"/>
+                          <a:ea typeface="에스코어 드림 5 Medium" panose="020B0503030302020204" pitchFamily="34" charset="-127"/>
+                        </a:rPr>
+                        <a:t>varchar(100)</a:t>
+                      </a:r>
+                      <a:endParaRPr lang="ko-KR" altLang="en-US" sz="1200" dirty="0">
+                        <a:solidFill>
+                          <a:schemeClr val="tx1">
+                            <a:lumMod val="65000"/>
+                            <a:lumOff val="35000"/>
+                          </a:schemeClr>
+                        </a:solidFill>
+                        <a:latin typeface="에스코어 드림 5 Medium" panose="020B0503030302020204" pitchFamily="34" charset="-127"/>
+                        <a:ea typeface="에스코어 드림 5 Medium" panose="020B0503030302020204" pitchFamily="34" charset="-127"/>
+                      </a:endParaRPr>
+                    </a:p>
+                  </a:txBody>
+                  <a:tcPr anchor="ctr">
+                    <a:solidFill>
+                      <a:srgbClr val="DDDDF7"/>
+                    </a:solidFill>
+                  </a:tcPr>
+                </a:tc>
+                <a:tc>
+                  <a:txBody>
+                    <a:bodyPr/>
+                    <a:lstStyle/>
+                    <a:p>
+                      <a:pPr marL="0" marR="0" lvl="0" indent="0" algn="ctr" defTabSz="914400" rtl="0" eaLnBrk="1" fontAlgn="auto" latinLnBrk="1" hangingPunct="1">
+                        <a:lnSpc>
+                          <a:spcPct val="100000"/>
+                        </a:lnSpc>
+                        <a:spcBef>
+                          <a:spcPts val="0"/>
+                        </a:spcBef>
+                        <a:spcAft>
+                          <a:spcPts val="0"/>
+                        </a:spcAft>
+                        <a:buClrTx/>
+                        <a:buSzTx/>
+                        <a:buFontTx/>
+                        <a:buNone/>
+                        <a:tabLst/>
+                        <a:defRPr/>
+                      </a:pPr>
+                      <a:r>
+                        <a:rPr lang="en-US" altLang="ko-KR" sz="1200">
+                          <a:solidFill>
+                            <a:schemeClr val="tx1">
+                              <a:lumMod val="65000"/>
+                              <a:lumOff val="35000"/>
+                            </a:schemeClr>
+                          </a:solidFill>
+                          <a:latin typeface="에스코어 드림 5 Medium" panose="020B0503030302020204" pitchFamily="34" charset="-127"/>
+                          <a:ea typeface="에스코어 드림 5 Medium" panose="020B0503030302020204" pitchFamily="34" charset="-127"/>
+                        </a:rPr>
+                        <a:t>n.n</a:t>
+                      </a:r>
+                      <a:endParaRPr lang="ko-KR" altLang="en-US" sz="1200" dirty="0">
+                        <a:solidFill>
+                          <a:schemeClr val="tx1">
+                            <a:lumMod val="65000"/>
+                            <a:lumOff val="35000"/>
+                          </a:schemeClr>
+                        </a:solidFill>
+                        <a:latin typeface="에스코어 드림 5 Medium" panose="020B0503030302020204" pitchFamily="34" charset="-127"/>
+                        <a:ea typeface="에스코어 드림 5 Medium" panose="020B0503030302020204" pitchFamily="34" charset="-127"/>
+                      </a:endParaRPr>
+                    </a:p>
+                  </a:txBody>
+                  <a:tcPr anchor="ctr">
+                    <a:solidFill>
+                      <a:srgbClr val="DDDDF7"/>
+                    </a:solidFill>
+                  </a:tcPr>
+                </a:tc>
+                <a:tc>
+                  <a:txBody>
+                    <a:bodyPr/>
+                    <a:lstStyle/>
+                    <a:p>
+                      <a:pPr algn="ctr" latinLnBrk="1"/>
+                      <a:r>
+                        <a:rPr lang="en-US" altLang="ko-KR" sz="1200">
+                          <a:solidFill>
+                            <a:schemeClr val="tx1">
+                              <a:lumMod val="65000"/>
+                              <a:lumOff val="35000"/>
+                            </a:schemeClr>
+                          </a:solidFill>
+                          <a:latin typeface="에스코어 드림 5 Medium" panose="020B0503030302020204" pitchFamily="34" charset="-127"/>
+                          <a:ea typeface="에스코어 드림 5 Medium" panose="020B0503030302020204" pitchFamily="34" charset="-127"/>
+                        </a:rPr>
+                        <a:t>-</a:t>
+                      </a:r>
+                      <a:endParaRPr lang="ko-KR" altLang="en-US" sz="1200" dirty="0">
+                        <a:solidFill>
+                          <a:schemeClr val="tx1">
+                            <a:lumMod val="65000"/>
+                            <a:lumOff val="35000"/>
+                          </a:schemeClr>
+                        </a:solidFill>
+                        <a:latin typeface="에스코어 드림 5 Medium" panose="020B0503030302020204" pitchFamily="34" charset="-127"/>
+                        <a:ea typeface="에스코어 드림 5 Medium" panose="020B0503030302020204" pitchFamily="34" charset="-127"/>
+                      </a:endParaRPr>
+                    </a:p>
+                  </a:txBody>
+                  <a:tcPr anchor="ctr">
+                    <a:solidFill>
+                      <a:srgbClr val="DDDDF7"/>
+                    </a:solidFill>
+                  </a:tcPr>
+                </a:tc>
+                <a:tc>
+                  <a:txBody>
+                    <a:bodyPr/>
+                    <a:lstStyle/>
+                    <a:p>
+                      <a:pPr algn="ctr" latinLnBrk="1"/>
+                      <a:r>
+                        <a:rPr lang="en-US" altLang="ko-KR" sz="1200">
+                          <a:solidFill>
+                            <a:schemeClr val="tx1">
+                              <a:lumMod val="65000"/>
+                              <a:lumOff val="35000"/>
+                            </a:schemeClr>
+                          </a:solidFill>
+                          <a:latin typeface="에스코어 드림 5 Medium" panose="020B0503030302020204" pitchFamily="34" charset="-127"/>
+                          <a:ea typeface="에스코어 드림 5 Medium" panose="020B0503030302020204" pitchFamily="34" charset="-127"/>
+                        </a:rPr>
+                        <a:t>-</a:t>
+                      </a:r>
+                      <a:endParaRPr lang="ko-KR" altLang="en-US" sz="1200" dirty="0">
+                        <a:solidFill>
+                          <a:schemeClr val="tx1">
+                            <a:lumMod val="65000"/>
+                            <a:lumOff val="35000"/>
+                          </a:schemeClr>
+                        </a:solidFill>
+                        <a:latin typeface="에스코어 드림 5 Medium" panose="020B0503030302020204" pitchFamily="34" charset="-127"/>
+                        <a:ea typeface="에스코어 드림 5 Medium" panose="020B0503030302020204" pitchFamily="34" charset="-127"/>
+                      </a:endParaRPr>
+                    </a:p>
+                  </a:txBody>
+                  <a:tcPr anchor="ctr">
+                    <a:solidFill>
+                      <a:srgbClr val="DDDDF7"/>
+                    </a:solidFill>
+                  </a:tcPr>
+                </a:tc>
+                <a:tc>
+                  <a:txBody>
+                    <a:bodyPr/>
+                    <a:lstStyle/>
+                    <a:p>
+                      <a:pPr algn="ctr" latinLnBrk="1"/>
+                      <a:r>
+                        <a:rPr lang="en-US" altLang="ko-KR" sz="1200">
+                          <a:solidFill>
+                            <a:schemeClr val="tx1">
+                              <a:lumMod val="65000"/>
+                              <a:lumOff val="35000"/>
+                            </a:schemeClr>
+                          </a:solidFill>
+                          <a:latin typeface="에스코어 드림 5 Medium" panose="020B0503030302020204" pitchFamily="34" charset="-127"/>
+                          <a:ea typeface="에스코어 드림 5 Medium" panose="020B0503030302020204" pitchFamily="34" charset="-127"/>
+                        </a:rPr>
+                        <a:t>-</a:t>
+                      </a:r>
+                      <a:endParaRPr lang="ko-KR" altLang="en-US" sz="1200" dirty="0">
+                        <a:solidFill>
+                          <a:schemeClr val="tx1">
+                            <a:lumMod val="65000"/>
+                            <a:lumOff val="35000"/>
+                          </a:schemeClr>
+                        </a:solidFill>
+                        <a:latin typeface="에스코어 드림 5 Medium" panose="020B0503030302020204" pitchFamily="34" charset="-127"/>
+                        <a:ea typeface="에스코어 드림 5 Medium" panose="020B0503030302020204" pitchFamily="34" charset="-127"/>
+                      </a:endParaRPr>
+                    </a:p>
+                  </a:txBody>
+                  <a:tcPr anchor="ctr">
+                    <a:solidFill>
+                      <a:srgbClr val="DDDDF7"/>
+                    </a:solidFill>
+                  </a:tcPr>
+                </a:tc>
+                <a:tc>
+                  <a:txBody>
+                    <a:bodyPr/>
+                    <a:lstStyle/>
+                    <a:p>
+                      <a:pPr algn="ctr" latinLnBrk="1"/>
+                      <a:r>
+                        <a:rPr lang="ko-KR" altLang="en-US" sz="1200" dirty="0">
+                          <a:solidFill>
+                            <a:schemeClr val="tx1">
+                              <a:lumMod val="65000"/>
+                              <a:lumOff val="35000"/>
+                            </a:schemeClr>
+                          </a:solidFill>
+                          <a:latin typeface="에스코어 드림 5 Medium" panose="020B0503030302020204" pitchFamily="34" charset="-127"/>
+                          <a:ea typeface="에스코어 드림 5 Medium" panose="020B0503030302020204" pitchFamily="34" charset="-127"/>
+                        </a:rPr>
+                        <a:t>도서명</a:t>
+                      </a:r>
+                    </a:p>
+                  </a:txBody>
+                  <a:tcPr anchor="ctr">
+                    <a:solidFill>
+                      <a:srgbClr val="DDDDF7"/>
+                    </a:solidFill>
+                  </a:tcPr>
+                </a:tc>
+                <a:extLst>
+                  <a:ext uri="{0D108BD9-81ED-4DB2-BD59-A6C34878D82A}">
+                    <a16:rowId xmlns:a16="http://schemas.microsoft.com/office/drawing/2014/main" val="3955013574"/>
+                  </a:ext>
+                </a:extLst>
+              </a:tr>
+              <a:tr h="448597">
+                <a:tc>
+                  <a:txBody>
+                    <a:bodyPr/>
+                    <a:lstStyle/>
+                    <a:p>
+                      <a:pPr algn="ctr" latinLnBrk="1"/>
+                      <a:r>
+                        <a:rPr lang="en-US" altLang="ko-KR" sz="1200">
+                          <a:solidFill>
+                            <a:schemeClr val="tx1">
+                              <a:lumMod val="65000"/>
+                              <a:lumOff val="35000"/>
+                            </a:schemeClr>
+                          </a:solidFill>
+                          <a:latin typeface="에스코어 드림 5 Medium" panose="020B0503030302020204" pitchFamily="34" charset="-127"/>
+                          <a:ea typeface="에스코어 드림 5 Medium" panose="020B0503030302020204" pitchFamily="34" charset="-127"/>
+                        </a:rPr>
+                        <a:t>5</a:t>
+                      </a:r>
+                      <a:endParaRPr lang="ko-KR" altLang="en-US" sz="1200" dirty="0">
+                        <a:solidFill>
+                          <a:schemeClr val="tx1">
+                            <a:lumMod val="65000"/>
+                            <a:lumOff val="35000"/>
+                          </a:schemeClr>
+                        </a:solidFill>
+                        <a:latin typeface="에스코어 드림 5 Medium" panose="020B0503030302020204" pitchFamily="34" charset="-127"/>
+                        <a:ea typeface="에스코어 드림 5 Medium" panose="020B0503030302020204" pitchFamily="34" charset="-127"/>
+                      </a:endParaRPr>
+                    </a:p>
+                  </a:txBody>
+                  <a:tcPr anchor="ctr">
+                    <a:solidFill>
+                      <a:srgbClr val="DDDDF7"/>
+                    </a:solidFill>
+                  </a:tcPr>
+                </a:tc>
+                <a:tc>
+                  <a:txBody>
+                    <a:bodyPr/>
+                    <a:lstStyle/>
+                    <a:p>
+                      <a:pPr marL="0" marR="0" lvl="0" indent="0" algn="ctr" defTabSz="914400" rtl="0" eaLnBrk="1" fontAlgn="auto" latinLnBrk="1" hangingPunct="1">
+                        <a:lnSpc>
+                          <a:spcPct val="100000"/>
+                        </a:lnSpc>
+                        <a:spcBef>
+                          <a:spcPts val="0"/>
+                        </a:spcBef>
+                        <a:spcAft>
+                          <a:spcPts val="0"/>
+                        </a:spcAft>
+                        <a:buClrTx/>
+                        <a:buSzTx/>
+                        <a:buFontTx/>
+                        <a:buNone/>
+                        <a:tabLst/>
+                        <a:defRPr/>
+                      </a:pPr>
+                      <a:r>
+                        <a:rPr lang="en-US" altLang="ko-KR" sz="1200" dirty="0" err="1">
+                          <a:solidFill>
+                            <a:schemeClr val="tx1">
+                              <a:lumMod val="65000"/>
+                              <a:lumOff val="35000"/>
+                            </a:schemeClr>
+                          </a:solidFill>
+                          <a:latin typeface="에스코어 드림 5 Medium" panose="020B0503030302020204" pitchFamily="34" charset="-127"/>
+                          <a:ea typeface="에스코어 드림 5 Medium" panose="020B0503030302020204" pitchFamily="34" charset="-127"/>
+                        </a:rPr>
+                        <a:t>r_contents</a:t>
+                      </a:r>
+                      <a:endParaRPr lang="ko-KR" altLang="en-US" sz="1200" dirty="0">
+                        <a:solidFill>
+                          <a:schemeClr val="tx1">
+                            <a:lumMod val="65000"/>
+                            <a:lumOff val="35000"/>
+                          </a:schemeClr>
+                        </a:solidFill>
+                        <a:latin typeface="에스코어 드림 5 Medium" panose="020B0503030302020204" pitchFamily="34" charset="-127"/>
+                        <a:ea typeface="에스코어 드림 5 Medium" panose="020B0503030302020204" pitchFamily="34" charset="-127"/>
+                      </a:endParaRPr>
+                    </a:p>
+                  </a:txBody>
+                  <a:tcPr anchor="ctr">
+                    <a:solidFill>
+                      <a:srgbClr val="DDDDF7"/>
+                    </a:solidFill>
+                  </a:tcPr>
+                </a:tc>
+                <a:tc>
+                  <a:txBody>
+                    <a:bodyPr/>
+                    <a:lstStyle/>
+                    <a:p>
+                      <a:pPr algn="ctr" latinLnBrk="1"/>
+                      <a:r>
+                        <a:rPr lang="en-US" altLang="ko-KR" sz="1200" dirty="0">
+                          <a:solidFill>
+                            <a:schemeClr val="tx1">
+                              <a:lumMod val="65000"/>
+                              <a:lumOff val="35000"/>
+                            </a:schemeClr>
+                          </a:solidFill>
+                          <a:latin typeface="에스코어 드림 5 Medium" panose="020B0503030302020204" pitchFamily="34" charset="-127"/>
+                          <a:ea typeface="에스코어 드림 5 Medium" panose="020B0503030302020204" pitchFamily="34" charset="-127"/>
+                        </a:rPr>
+                        <a:t>varchar(500)</a:t>
+                      </a:r>
+                      <a:endParaRPr lang="ko-KR" altLang="en-US" sz="1200" dirty="0">
+                        <a:solidFill>
+                          <a:schemeClr val="tx1">
+                            <a:lumMod val="65000"/>
+                            <a:lumOff val="35000"/>
+                          </a:schemeClr>
+                        </a:solidFill>
+                        <a:latin typeface="에스코어 드림 5 Medium" panose="020B0503030302020204" pitchFamily="34" charset="-127"/>
+                        <a:ea typeface="에스코어 드림 5 Medium" panose="020B0503030302020204" pitchFamily="34" charset="-127"/>
+                      </a:endParaRPr>
+                    </a:p>
+                  </a:txBody>
+                  <a:tcPr anchor="ctr">
+                    <a:solidFill>
+                      <a:srgbClr val="DDDDF7"/>
+                    </a:solidFill>
+                  </a:tcPr>
+                </a:tc>
+                <a:tc>
+                  <a:txBody>
+                    <a:bodyPr/>
+                    <a:lstStyle/>
+                    <a:p>
+                      <a:pPr marL="0" marR="0" lvl="0" indent="0" algn="ctr" defTabSz="914400" rtl="0" eaLnBrk="1" fontAlgn="auto" latinLnBrk="1" hangingPunct="1">
+                        <a:lnSpc>
+                          <a:spcPct val="100000"/>
+                        </a:lnSpc>
+                        <a:spcBef>
+                          <a:spcPts val="0"/>
+                        </a:spcBef>
+                        <a:spcAft>
+                          <a:spcPts val="0"/>
+                        </a:spcAft>
+                        <a:buClrTx/>
+                        <a:buSzTx/>
+                        <a:buFontTx/>
+                        <a:buNone/>
+                        <a:tabLst/>
+                        <a:defRPr/>
+                      </a:pPr>
+                      <a:r>
+                        <a:rPr lang="en-US" altLang="ko-KR" sz="1200">
+                          <a:solidFill>
+                            <a:schemeClr val="tx1">
+                              <a:lumMod val="65000"/>
+                              <a:lumOff val="35000"/>
+                            </a:schemeClr>
+                          </a:solidFill>
+                          <a:latin typeface="에스코어 드림 5 Medium" panose="020B0503030302020204" pitchFamily="34" charset="-127"/>
+                          <a:ea typeface="에스코어 드림 5 Medium" panose="020B0503030302020204" pitchFamily="34" charset="-127"/>
+                        </a:rPr>
+                        <a:t>n.n</a:t>
+                      </a:r>
+                      <a:endParaRPr lang="ko-KR" altLang="en-US" sz="1200" dirty="0">
+                        <a:solidFill>
+                          <a:schemeClr val="tx1">
+                            <a:lumMod val="65000"/>
+                            <a:lumOff val="35000"/>
+                          </a:schemeClr>
+                        </a:solidFill>
+                        <a:latin typeface="에스코어 드림 5 Medium" panose="020B0503030302020204" pitchFamily="34" charset="-127"/>
+                        <a:ea typeface="에스코어 드림 5 Medium" panose="020B0503030302020204" pitchFamily="34" charset="-127"/>
+                      </a:endParaRPr>
+                    </a:p>
+                  </a:txBody>
+                  <a:tcPr anchor="ctr">
+                    <a:solidFill>
+                      <a:srgbClr val="DDDDF7"/>
+                    </a:solidFill>
+                  </a:tcPr>
+                </a:tc>
+                <a:tc>
+                  <a:txBody>
+                    <a:bodyPr/>
+                    <a:lstStyle/>
+                    <a:p>
+                      <a:pPr algn="ctr" latinLnBrk="1"/>
+                      <a:r>
+                        <a:rPr lang="en-US" altLang="ko-KR" sz="1200">
+                          <a:solidFill>
+                            <a:schemeClr val="tx1">
+                              <a:lumMod val="65000"/>
+                              <a:lumOff val="35000"/>
+                            </a:schemeClr>
+                          </a:solidFill>
+                          <a:latin typeface="에스코어 드림 5 Medium" panose="020B0503030302020204" pitchFamily="34" charset="-127"/>
+                          <a:ea typeface="에스코어 드림 5 Medium" panose="020B0503030302020204" pitchFamily="34" charset="-127"/>
+                        </a:rPr>
+                        <a:t>-</a:t>
+                      </a:r>
+                      <a:endParaRPr lang="ko-KR" altLang="en-US" sz="1200" dirty="0">
+                        <a:solidFill>
+                          <a:schemeClr val="tx1">
+                            <a:lumMod val="65000"/>
+                            <a:lumOff val="35000"/>
+                          </a:schemeClr>
+                        </a:solidFill>
+                        <a:latin typeface="에스코어 드림 5 Medium" panose="020B0503030302020204" pitchFamily="34" charset="-127"/>
+                        <a:ea typeface="에스코어 드림 5 Medium" panose="020B0503030302020204" pitchFamily="34" charset="-127"/>
+                      </a:endParaRPr>
+                    </a:p>
+                  </a:txBody>
+                  <a:tcPr anchor="ctr">
+                    <a:solidFill>
+                      <a:srgbClr val="DDDDF7"/>
+                    </a:solidFill>
+                  </a:tcPr>
+                </a:tc>
+                <a:tc>
+                  <a:txBody>
+                    <a:bodyPr/>
+                    <a:lstStyle/>
+                    <a:p>
+                      <a:pPr algn="ctr" latinLnBrk="1"/>
+                      <a:r>
+                        <a:rPr lang="en-US" altLang="ko-KR" sz="1200">
+                          <a:solidFill>
+                            <a:schemeClr val="tx1">
+                              <a:lumMod val="65000"/>
+                              <a:lumOff val="35000"/>
+                            </a:schemeClr>
+                          </a:solidFill>
+                          <a:latin typeface="에스코어 드림 5 Medium" panose="020B0503030302020204" pitchFamily="34" charset="-127"/>
+                          <a:ea typeface="에스코어 드림 5 Medium" panose="020B0503030302020204" pitchFamily="34" charset="-127"/>
+                        </a:rPr>
+                        <a:t>-</a:t>
+                      </a:r>
+                      <a:endParaRPr lang="ko-KR" altLang="en-US" sz="1200" dirty="0">
+                        <a:solidFill>
+                          <a:schemeClr val="tx1">
+                            <a:lumMod val="65000"/>
+                            <a:lumOff val="35000"/>
+                          </a:schemeClr>
+                        </a:solidFill>
+                        <a:latin typeface="에스코어 드림 5 Medium" panose="020B0503030302020204" pitchFamily="34" charset="-127"/>
+                        <a:ea typeface="에스코어 드림 5 Medium" panose="020B0503030302020204" pitchFamily="34" charset="-127"/>
+                      </a:endParaRPr>
+                    </a:p>
+                  </a:txBody>
+                  <a:tcPr anchor="ctr">
+                    <a:solidFill>
+                      <a:srgbClr val="DDDDF7"/>
+                    </a:solidFill>
+                  </a:tcPr>
+                </a:tc>
+                <a:tc>
+                  <a:txBody>
+                    <a:bodyPr/>
+                    <a:lstStyle/>
+                    <a:p>
+                      <a:pPr algn="ctr" latinLnBrk="1"/>
+                      <a:r>
+                        <a:rPr lang="en-US" altLang="ko-KR" sz="1200">
+                          <a:solidFill>
+                            <a:schemeClr val="tx1">
+                              <a:lumMod val="65000"/>
+                              <a:lumOff val="35000"/>
+                            </a:schemeClr>
+                          </a:solidFill>
+                          <a:latin typeface="에스코어 드림 5 Medium" panose="020B0503030302020204" pitchFamily="34" charset="-127"/>
+                          <a:ea typeface="에스코어 드림 5 Medium" panose="020B0503030302020204" pitchFamily="34" charset="-127"/>
+                        </a:rPr>
+                        <a:t>-</a:t>
+                      </a:r>
+                      <a:endParaRPr lang="ko-KR" altLang="en-US" sz="1200" dirty="0">
+                        <a:solidFill>
+                          <a:schemeClr val="tx1">
+                            <a:lumMod val="65000"/>
+                            <a:lumOff val="35000"/>
+                          </a:schemeClr>
+                        </a:solidFill>
+                        <a:latin typeface="에스코어 드림 5 Medium" panose="020B0503030302020204" pitchFamily="34" charset="-127"/>
+                        <a:ea typeface="에스코어 드림 5 Medium" panose="020B0503030302020204" pitchFamily="34" charset="-127"/>
+                      </a:endParaRPr>
+                    </a:p>
+                  </a:txBody>
+                  <a:tcPr anchor="ctr">
+                    <a:solidFill>
+                      <a:srgbClr val="DDDDF7"/>
+                    </a:solidFill>
+                  </a:tcPr>
+                </a:tc>
+                <a:tc>
+                  <a:txBody>
+                    <a:bodyPr/>
+                    <a:lstStyle/>
+                    <a:p>
+                      <a:pPr algn="ctr" latinLnBrk="1"/>
+                      <a:r>
+                        <a:rPr lang="ko-KR" altLang="en-US" sz="1200" dirty="0">
+                          <a:solidFill>
+                            <a:schemeClr val="tx1">
+                              <a:lumMod val="65000"/>
+                              <a:lumOff val="35000"/>
+                            </a:schemeClr>
+                          </a:solidFill>
+                          <a:latin typeface="에스코어 드림 5 Medium" panose="020B0503030302020204" pitchFamily="34" charset="-127"/>
+                          <a:ea typeface="에스코어 드림 5 Medium" panose="020B0503030302020204" pitchFamily="34" charset="-127"/>
+                        </a:rPr>
+                        <a:t>리뷰내용</a:t>
+                      </a:r>
+                    </a:p>
+                  </a:txBody>
+                  <a:tcPr anchor="ctr">
+                    <a:solidFill>
+                      <a:srgbClr val="DDDDF7"/>
+                    </a:solidFill>
+                  </a:tcPr>
+                </a:tc>
+                <a:extLst>
+                  <a:ext uri="{0D108BD9-81ED-4DB2-BD59-A6C34878D82A}">
+                    <a16:rowId xmlns:a16="http://schemas.microsoft.com/office/drawing/2014/main" val="1351967923"/>
+                  </a:ext>
+                </a:extLst>
+              </a:tr>
+              <a:tr h="448597">
+                <a:tc>
+                  <a:txBody>
+                    <a:bodyPr/>
+                    <a:lstStyle/>
+                    <a:p>
+                      <a:pPr algn="ctr" latinLnBrk="1"/>
+                      <a:r>
+                        <a:rPr lang="en-US" altLang="ko-KR" sz="1200">
+                          <a:solidFill>
+                            <a:schemeClr val="tx1">
+                              <a:lumMod val="65000"/>
+                              <a:lumOff val="35000"/>
+                            </a:schemeClr>
+                          </a:solidFill>
+                          <a:latin typeface="에스코어 드림 5 Medium" panose="020B0503030302020204" pitchFamily="34" charset="-127"/>
+                          <a:ea typeface="에스코어 드림 5 Medium" panose="020B0503030302020204" pitchFamily="34" charset="-127"/>
+                        </a:rPr>
+                        <a:t>6</a:t>
+                      </a:r>
+                      <a:endParaRPr lang="ko-KR" altLang="en-US" sz="1200" dirty="0">
+                        <a:solidFill>
+                          <a:schemeClr val="tx1">
+                            <a:lumMod val="65000"/>
+                            <a:lumOff val="35000"/>
+                          </a:schemeClr>
+                        </a:solidFill>
+                        <a:latin typeface="에스코어 드림 5 Medium" panose="020B0503030302020204" pitchFamily="34" charset="-127"/>
+                        <a:ea typeface="에스코어 드림 5 Medium" panose="020B0503030302020204" pitchFamily="34" charset="-127"/>
+                      </a:endParaRPr>
+                    </a:p>
+                  </a:txBody>
+                  <a:tcPr anchor="ctr">
+                    <a:solidFill>
+                      <a:srgbClr val="DDDDF7"/>
+                    </a:solidFill>
+                  </a:tcPr>
+                </a:tc>
+                <a:tc>
+                  <a:txBody>
+                    <a:bodyPr/>
+                    <a:lstStyle/>
+                    <a:p>
+                      <a:pPr marL="0" marR="0" lvl="0" indent="0" algn="ctr" defTabSz="914400" rtl="0" eaLnBrk="1" fontAlgn="auto" latinLnBrk="1" hangingPunct="1">
+                        <a:lnSpc>
+                          <a:spcPct val="100000"/>
+                        </a:lnSpc>
+                        <a:spcBef>
+                          <a:spcPts val="0"/>
+                        </a:spcBef>
+                        <a:spcAft>
+                          <a:spcPts val="0"/>
+                        </a:spcAft>
+                        <a:buClrTx/>
+                        <a:buSzTx/>
+                        <a:buFontTx/>
+                        <a:buNone/>
+                        <a:tabLst/>
+                        <a:defRPr/>
+                      </a:pPr>
+                      <a:r>
+                        <a:rPr lang="en-US" altLang="ko-KR" sz="1200" dirty="0" err="1">
+                          <a:solidFill>
+                            <a:schemeClr val="tx1">
+                              <a:lumMod val="65000"/>
+                              <a:lumOff val="35000"/>
+                            </a:schemeClr>
+                          </a:solidFill>
+                          <a:latin typeface="에스코어 드림 5 Medium" panose="020B0503030302020204" pitchFamily="34" charset="-127"/>
+                          <a:ea typeface="에스코어 드림 5 Medium" panose="020B0503030302020204" pitchFamily="34" charset="-127"/>
+                        </a:rPr>
+                        <a:t>r_rating</a:t>
+                      </a:r>
+                      <a:endParaRPr lang="ko-KR" altLang="en-US" sz="1200" dirty="0">
+                        <a:solidFill>
+                          <a:schemeClr val="tx1">
+                            <a:lumMod val="65000"/>
+                            <a:lumOff val="35000"/>
+                          </a:schemeClr>
+                        </a:solidFill>
+                        <a:latin typeface="에스코어 드림 5 Medium" panose="020B0503030302020204" pitchFamily="34" charset="-127"/>
+                        <a:ea typeface="에스코어 드림 5 Medium" panose="020B0503030302020204" pitchFamily="34" charset="-127"/>
+                      </a:endParaRPr>
+                    </a:p>
+                  </a:txBody>
+                  <a:tcPr anchor="ctr">
+                    <a:solidFill>
+                      <a:srgbClr val="DDDDF7"/>
+                    </a:solidFill>
+                  </a:tcPr>
+                </a:tc>
+                <a:tc>
+                  <a:txBody>
+                    <a:bodyPr/>
+                    <a:lstStyle/>
+                    <a:p>
+                      <a:pPr marL="0" marR="0" lvl="0" indent="0" algn="ctr" defTabSz="914400" rtl="0" eaLnBrk="1" fontAlgn="auto" latinLnBrk="1" hangingPunct="1">
+                        <a:lnSpc>
+                          <a:spcPct val="100000"/>
+                        </a:lnSpc>
+                        <a:spcBef>
+                          <a:spcPts val="0"/>
+                        </a:spcBef>
+                        <a:spcAft>
+                          <a:spcPts val="0"/>
+                        </a:spcAft>
+                        <a:buClrTx/>
+                        <a:buSzTx/>
+                        <a:buFontTx/>
+                        <a:buNone/>
+                        <a:tabLst/>
+                        <a:defRPr/>
+                      </a:pPr>
+                      <a:r>
+                        <a:rPr lang="en-US" altLang="ko-KR" sz="1200" dirty="0">
+                          <a:solidFill>
+                            <a:schemeClr val="tx1">
+                              <a:lumMod val="65000"/>
+                              <a:lumOff val="35000"/>
+                            </a:schemeClr>
+                          </a:solidFill>
+                          <a:latin typeface="에스코어 드림 5 Medium" panose="020B0503030302020204" pitchFamily="34" charset="-127"/>
+                          <a:ea typeface="에스코어 드림 5 Medium" panose="020B0503030302020204" pitchFamily="34" charset="-127"/>
+                        </a:rPr>
+                        <a:t>Int</a:t>
+                      </a:r>
+                      <a:endParaRPr lang="ko-KR" altLang="en-US" sz="1200" dirty="0">
+                        <a:solidFill>
+                          <a:schemeClr val="tx1">
+                            <a:lumMod val="65000"/>
+                            <a:lumOff val="35000"/>
+                          </a:schemeClr>
+                        </a:solidFill>
+                        <a:latin typeface="에스코어 드림 5 Medium" panose="020B0503030302020204" pitchFamily="34" charset="-127"/>
+                        <a:ea typeface="에스코어 드림 5 Medium" panose="020B0503030302020204" pitchFamily="34" charset="-127"/>
+                      </a:endParaRPr>
+                    </a:p>
+                  </a:txBody>
+                  <a:tcPr anchor="ctr">
+                    <a:solidFill>
+                      <a:srgbClr val="DDDDF7"/>
+                    </a:solidFill>
+                  </a:tcPr>
+                </a:tc>
+                <a:tc>
+                  <a:txBody>
+                    <a:bodyPr/>
+                    <a:lstStyle/>
+                    <a:p>
+                      <a:pPr algn="ctr" latinLnBrk="1"/>
+                      <a:r>
+                        <a:rPr lang="en-US" altLang="ko-KR" sz="1200" dirty="0">
+                          <a:solidFill>
+                            <a:schemeClr val="tx1">
+                              <a:lumMod val="65000"/>
+                              <a:lumOff val="35000"/>
+                            </a:schemeClr>
+                          </a:solidFill>
+                          <a:latin typeface="에스코어 드림 5 Medium" panose="020B0503030302020204" pitchFamily="34" charset="-127"/>
+                          <a:ea typeface="에스코어 드림 5 Medium" panose="020B0503030302020204" pitchFamily="34" charset="-127"/>
+                        </a:rPr>
+                        <a:t>-</a:t>
+                      </a:r>
+                      <a:endParaRPr lang="ko-KR" altLang="en-US" sz="1200" dirty="0">
+                        <a:solidFill>
+                          <a:schemeClr val="tx1">
+                            <a:lumMod val="65000"/>
+                            <a:lumOff val="35000"/>
+                          </a:schemeClr>
+                        </a:solidFill>
+                        <a:latin typeface="에스코어 드림 5 Medium" panose="020B0503030302020204" pitchFamily="34" charset="-127"/>
+                        <a:ea typeface="에스코어 드림 5 Medium" panose="020B0503030302020204" pitchFamily="34" charset="-127"/>
+                      </a:endParaRPr>
+                    </a:p>
+                  </a:txBody>
+                  <a:tcPr anchor="ctr">
+                    <a:solidFill>
+                      <a:srgbClr val="DDDDF7"/>
+                    </a:solidFill>
+                  </a:tcPr>
+                </a:tc>
+                <a:tc>
+                  <a:txBody>
+                    <a:bodyPr/>
+                    <a:lstStyle/>
+                    <a:p>
+                      <a:pPr algn="ctr" latinLnBrk="1"/>
+                      <a:r>
+                        <a:rPr lang="en-US" altLang="ko-KR" sz="1200" dirty="0">
+                          <a:solidFill>
+                            <a:schemeClr val="tx1">
+                              <a:lumMod val="65000"/>
+                              <a:lumOff val="35000"/>
+                            </a:schemeClr>
+                          </a:solidFill>
+                          <a:latin typeface="에스코어 드림 5 Medium" panose="020B0503030302020204" pitchFamily="34" charset="-127"/>
+                          <a:ea typeface="에스코어 드림 5 Medium" panose="020B0503030302020204" pitchFamily="34" charset="-127"/>
+                        </a:rPr>
+                        <a:t>-</a:t>
+                      </a:r>
+                      <a:endParaRPr lang="ko-KR" altLang="en-US" sz="1200" dirty="0">
+                        <a:solidFill>
+                          <a:schemeClr val="tx1">
+                            <a:lumMod val="65000"/>
+                            <a:lumOff val="35000"/>
+                          </a:schemeClr>
+                        </a:solidFill>
+                        <a:latin typeface="에스코어 드림 5 Medium" panose="020B0503030302020204" pitchFamily="34" charset="-127"/>
+                        <a:ea typeface="에스코어 드림 5 Medium" panose="020B0503030302020204" pitchFamily="34" charset="-127"/>
+                      </a:endParaRPr>
+                    </a:p>
+                  </a:txBody>
+                  <a:tcPr anchor="ctr">
+                    <a:solidFill>
+                      <a:srgbClr val="DDDDF7"/>
+                    </a:solidFill>
+                  </a:tcPr>
+                </a:tc>
+                <a:tc>
+                  <a:txBody>
+                    <a:bodyPr/>
+                    <a:lstStyle/>
+                    <a:p>
+                      <a:pPr algn="ctr" latinLnBrk="1"/>
+                      <a:r>
+                        <a:rPr lang="en-US" altLang="ko-KR" sz="1200" dirty="0">
+                          <a:solidFill>
+                            <a:schemeClr val="tx1">
+                              <a:lumMod val="65000"/>
+                              <a:lumOff val="35000"/>
+                            </a:schemeClr>
+                          </a:solidFill>
+                          <a:latin typeface="에스코어 드림 5 Medium" panose="020B0503030302020204" pitchFamily="34" charset="-127"/>
+                          <a:ea typeface="에스코어 드림 5 Medium" panose="020B0503030302020204" pitchFamily="34" charset="-127"/>
+                        </a:rPr>
+                        <a:t>-</a:t>
+                      </a:r>
+                      <a:endParaRPr lang="ko-KR" altLang="en-US" sz="1200" dirty="0">
+                        <a:solidFill>
+                          <a:schemeClr val="tx1">
+                            <a:lumMod val="65000"/>
+                            <a:lumOff val="35000"/>
+                          </a:schemeClr>
+                        </a:solidFill>
+                        <a:latin typeface="에스코어 드림 5 Medium" panose="020B0503030302020204" pitchFamily="34" charset="-127"/>
+                        <a:ea typeface="에스코어 드림 5 Medium" panose="020B0503030302020204" pitchFamily="34" charset="-127"/>
+                      </a:endParaRPr>
+                    </a:p>
+                  </a:txBody>
+                  <a:tcPr anchor="ctr">
+                    <a:solidFill>
+                      <a:srgbClr val="DDDDF7"/>
+                    </a:solidFill>
+                  </a:tcPr>
+                </a:tc>
+                <a:tc>
+                  <a:txBody>
+                    <a:bodyPr/>
+                    <a:lstStyle/>
+                    <a:p>
+                      <a:pPr algn="ctr" latinLnBrk="1"/>
+                      <a:r>
+                        <a:rPr lang="en-US" altLang="ko-KR" sz="1200">
+                          <a:solidFill>
+                            <a:schemeClr val="tx1">
+                              <a:lumMod val="65000"/>
+                              <a:lumOff val="35000"/>
+                            </a:schemeClr>
+                          </a:solidFill>
+                          <a:latin typeface="에스코어 드림 5 Medium" panose="020B0503030302020204" pitchFamily="34" charset="-127"/>
+                          <a:ea typeface="에스코어 드림 5 Medium" panose="020B0503030302020204" pitchFamily="34" charset="-127"/>
+                        </a:rPr>
+                        <a:t>-</a:t>
+                      </a:r>
+                      <a:endParaRPr lang="ko-KR" altLang="en-US" sz="1200" dirty="0">
+                        <a:solidFill>
+                          <a:schemeClr val="tx1">
+                            <a:lumMod val="65000"/>
+                            <a:lumOff val="35000"/>
+                          </a:schemeClr>
+                        </a:solidFill>
+                        <a:latin typeface="에스코어 드림 5 Medium" panose="020B0503030302020204" pitchFamily="34" charset="-127"/>
+                        <a:ea typeface="에스코어 드림 5 Medium" panose="020B0503030302020204" pitchFamily="34" charset="-127"/>
+                      </a:endParaRPr>
+                    </a:p>
+                  </a:txBody>
+                  <a:tcPr anchor="ctr">
+                    <a:solidFill>
+                      <a:srgbClr val="DDDDF7"/>
+                    </a:solidFill>
+                  </a:tcPr>
+                </a:tc>
+                <a:tc>
+                  <a:txBody>
+                    <a:bodyPr/>
+                    <a:lstStyle/>
+                    <a:p>
+                      <a:pPr algn="ctr" latinLnBrk="1"/>
+                      <a:r>
+                        <a:rPr lang="ko-KR" altLang="en-US" sz="1200" dirty="0" err="1">
+                          <a:solidFill>
+                            <a:schemeClr val="tx1">
+                              <a:lumMod val="65000"/>
+                              <a:lumOff val="35000"/>
+                            </a:schemeClr>
+                          </a:solidFill>
+                          <a:latin typeface="에스코어 드림 5 Medium" panose="020B0503030302020204" pitchFamily="34" charset="-127"/>
+                          <a:ea typeface="에스코어 드림 5 Medium" panose="020B0503030302020204" pitchFamily="34" charset="-127"/>
+                        </a:rPr>
+                        <a:t>별점</a:t>
+                      </a:r>
+                      <a:endParaRPr lang="ko-KR" altLang="en-US" sz="1200" dirty="0">
+                        <a:solidFill>
+                          <a:schemeClr val="tx1">
+                            <a:lumMod val="65000"/>
+                            <a:lumOff val="35000"/>
+                          </a:schemeClr>
+                        </a:solidFill>
+                        <a:latin typeface="에스코어 드림 5 Medium" panose="020B0503030302020204" pitchFamily="34" charset="-127"/>
+                        <a:ea typeface="에스코어 드림 5 Medium" panose="020B0503030302020204" pitchFamily="34" charset="-127"/>
+                      </a:endParaRPr>
+                    </a:p>
+                  </a:txBody>
+                  <a:tcPr anchor="ctr">
+                    <a:solidFill>
+                      <a:srgbClr val="DDDDF7"/>
+                    </a:solidFill>
+                  </a:tcPr>
+                </a:tc>
+                <a:extLst>
+                  <a:ext uri="{0D108BD9-81ED-4DB2-BD59-A6C34878D82A}">
+                    <a16:rowId xmlns:a16="http://schemas.microsoft.com/office/drawing/2014/main" val="1057998199"/>
+                  </a:ext>
+                </a:extLst>
+              </a:tr>
+              <a:tr h="448597">
+                <a:tc>
+                  <a:txBody>
+                    <a:bodyPr/>
+                    <a:lstStyle/>
+                    <a:p>
+                      <a:pPr algn="ctr" latinLnBrk="1"/>
+                      <a:endParaRPr lang="ko-KR" altLang="en-US" sz="1200" dirty="0">
+                        <a:solidFill>
+                          <a:schemeClr val="tx1">
+                            <a:lumMod val="65000"/>
+                            <a:lumOff val="35000"/>
+                          </a:schemeClr>
+                        </a:solidFill>
+                        <a:latin typeface="에스코어 드림 5 Medium" panose="020B0503030302020204" pitchFamily="34" charset="-127"/>
+                        <a:ea typeface="에스코어 드림 5 Medium" panose="020B0503030302020204" pitchFamily="34" charset="-127"/>
+                      </a:endParaRPr>
+                    </a:p>
+                  </a:txBody>
+                  <a:tcPr anchor="ctr">
+                    <a:solidFill>
+                      <a:srgbClr val="DDDDF7"/>
+                    </a:solidFill>
+                  </a:tcPr>
+                </a:tc>
+                <a:tc>
+                  <a:txBody>
+                    <a:bodyPr/>
+                    <a:lstStyle/>
+                    <a:p>
+                      <a:pPr marL="0" marR="0" lvl="0" indent="0" algn="ctr" defTabSz="914400" rtl="0" eaLnBrk="1" fontAlgn="auto" latinLnBrk="1" hangingPunct="1">
+                        <a:lnSpc>
+                          <a:spcPct val="100000"/>
+                        </a:lnSpc>
+                        <a:spcBef>
+                          <a:spcPts val="0"/>
+                        </a:spcBef>
+                        <a:spcAft>
+                          <a:spcPts val="0"/>
+                        </a:spcAft>
+                        <a:buClrTx/>
+                        <a:buSzTx/>
+                        <a:buFontTx/>
+                        <a:buNone/>
+                        <a:tabLst/>
+                        <a:defRPr/>
+                      </a:pPr>
+                      <a:endParaRPr lang="ko-KR" altLang="en-US" sz="1200" dirty="0">
+                        <a:solidFill>
+                          <a:schemeClr val="tx1">
+                            <a:lumMod val="65000"/>
+                            <a:lumOff val="35000"/>
+                          </a:schemeClr>
+                        </a:solidFill>
+                        <a:latin typeface="에스코어 드림 5 Medium" panose="020B0503030302020204" pitchFamily="34" charset="-127"/>
+                        <a:ea typeface="에스코어 드림 5 Medium" panose="020B0503030302020204" pitchFamily="34" charset="-127"/>
+                      </a:endParaRPr>
+                    </a:p>
+                  </a:txBody>
+                  <a:tcPr anchor="ctr">
+                    <a:solidFill>
+                      <a:srgbClr val="DDDDF7"/>
+                    </a:solidFill>
+                  </a:tcPr>
+                </a:tc>
+                <a:tc>
+                  <a:txBody>
+                    <a:bodyPr/>
+                    <a:lstStyle/>
+                    <a:p>
+                      <a:pPr marL="0" marR="0" lvl="0" indent="0" algn="ctr" defTabSz="914400" rtl="0" eaLnBrk="1" fontAlgn="auto" latinLnBrk="1" hangingPunct="1">
+                        <a:lnSpc>
+                          <a:spcPct val="100000"/>
+                        </a:lnSpc>
+                        <a:spcBef>
+                          <a:spcPts val="0"/>
+                        </a:spcBef>
+                        <a:spcAft>
+                          <a:spcPts val="0"/>
+                        </a:spcAft>
+                        <a:buClrTx/>
+                        <a:buSzTx/>
+                        <a:buFontTx/>
+                        <a:buNone/>
+                        <a:tabLst/>
+                        <a:defRPr/>
+                      </a:pPr>
+                      <a:endParaRPr lang="ko-KR" altLang="en-US" sz="1200" dirty="0">
+                        <a:solidFill>
+                          <a:schemeClr val="tx1">
+                            <a:lumMod val="65000"/>
+                            <a:lumOff val="35000"/>
+                          </a:schemeClr>
+                        </a:solidFill>
+                        <a:latin typeface="에스코어 드림 5 Medium" panose="020B0503030302020204" pitchFamily="34" charset="-127"/>
+                        <a:ea typeface="에스코어 드림 5 Medium" panose="020B0503030302020204" pitchFamily="34" charset="-127"/>
+                      </a:endParaRPr>
+                    </a:p>
+                  </a:txBody>
+                  <a:tcPr anchor="ctr">
+                    <a:solidFill>
+                      <a:srgbClr val="DDDDF7"/>
+                    </a:solidFill>
+                  </a:tcPr>
+                </a:tc>
+                <a:tc>
+                  <a:txBody>
+                    <a:bodyPr/>
+                    <a:lstStyle/>
+                    <a:p>
+                      <a:pPr algn="ctr" latinLnBrk="1"/>
+                      <a:endParaRPr lang="ko-KR" altLang="en-US" sz="1200" dirty="0">
+                        <a:solidFill>
+                          <a:schemeClr val="tx1">
+                            <a:lumMod val="65000"/>
+                            <a:lumOff val="35000"/>
+                          </a:schemeClr>
+                        </a:solidFill>
+                        <a:latin typeface="에스코어 드림 5 Medium" panose="020B0503030302020204" pitchFamily="34" charset="-127"/>
+                        <a:ea typeface="에스코어 드림 5 Medium" panose="020B0503030302020204" pitchFamily="34" charset="-127"/>
+                      </a:endParaRPr>
+                    </a:p>
+                  </a:txBody>
+                  <a:tcPr anchor="ctr">
+                    <a:solidFill>
+                      <a:srgbClr val="DDDDF7"/>
+                    </a:solidFill>
+                  </a:tcPr>
+                </a:tc>
+                <a:tc>
+                  <a:txBody>
+                    <a:bodyPr/>
+                    <a:lstStyle/>
+                    <a:p>
+                      <a:pPr algn="ctr" latinLnBrk="1"/>
+                      <a:endParaRPr lang="ko-KR" altLang="en-US" sz="1200" dirty="0">
+                        <a:solidFill>
+                          <a:schemeClr val="tx1">
+                            <a:lumMod val="65000"/>
+                            <a:lumOff val="35000"/>
+                          </a:schemeClr>
+                        </a:solidFill>
+                        <a:latin typeface="에스코어 드림 5 Medium" panose="020B0503030302020204" pitchFamily="34" charset="-127"/>
+                        <a:ea typeface="에스코어 드림 5 Medium" panose="020B0503030302020204" pitchFamily="34" charset="-127"/>
+                      </a:endParaRPr>
+                    </a:p>
+                  </a:txBody>
+                  <a:tcPr anchor="ctr">
+                    <a:solidFill>
+                      <a:srgbClr val="DDDDF7"/>
+                    </a:solidFill>
+                  </a:tcPr>
+                </a:tc>
+                <a:tc>
+                  <a:txBody>
+                    <a:bodyPr/>
+                    <a:lstStyle/>
+                    <a:p>
+                      <a:pPr algn="ctr" latinLnBrk="1"/>
+                      <a:endParaRPr lang="ko-KR" altLang="en-US" sz="1200" dirty="0">
+                        <a:solidFill>
+                          <a:schemeClr val="tx1">
+                            <a:lumMod val="65000"/>
+                            <a:lumOff val="35000"/>
+                          </a:schemeClr>
+                        </a:solidFill>
+                        <a:latin typeface="에스코어 드림 5 Medium" panose="020B0503030302020204" pitchFamily="34" charset="-127"/>
+                        <a:ea typeface="에스코어 드림 5 Medium" panose="020B0503030302020204" pitchFamily="34" charset="-127"/>
+                      </a:endParaRPr>
+                    </a:p>
+                  </a:txBody>
+                  <a:tcPr anchor="ctr">
+                    <a:solidFill>
+                      <a:srgbClr val="DDDDF7"/>
+                    </a:solidFill>
+                  </a:tcPr>
+                </a:tc>
+                <a:tc>
+                  <a:txBody>
+                    <a:bodyPr/>
+                    <a:lstStyle/>
+                    <a:p>
+                      <a:pPr algn="ctr" latinLnBrk="1"/>
+                      <a:endParaRPr lang="ko-KR" altLang="en-US" sz="1200" dirty="0">
+                        <a:solidFill>
+                          <a:schemeClr val="tx1">
+                            <a:lumMod val="65000"/>
+                            <a:lumOff val="35000"/>
+                          </a:schemeClr>
+                        </a:solidFill>
+                        <a:latin typeface="에스코어 드림 5 Medium" panose="020B0503030302020204" pitchFamily="34" charset="-127"/>
+                        <a:ea typeface="에스코어 드림 5 Medium" panose="020B0503030302020204" pitchFamily="34" charset="-127"/>
+                      </a:endParaRPr>
+                    </a:p>
+                  </a:txBody>
+                  <a:tcPr anchor="ctr">
+                    <a:solidFill>
+                      <a:srgbClr val="DDDDF7"/>
+                    </a:solidFill>
+                  </a:tcPr>
+                </a:tc>
+                <a:tc>
+                  <a:txBody>
+                    <a:bodyPr/>
+                    <a:lstStyle/>
+                    <a:p>
+                      <a:pPr algn="ctr" latinLnBrk="1"/>
+                      <a:endParaRPr lang="ko-KR" altLang="en-US" sz="1200" dirty="0">
+                        <a:solidFill>
+                          <a:schemeClr val="tx1">
+                            <a:lumMod val="65000"/>
+                            <a:lumOff val="35000"/>
+                          </a:schemeClr>
+                        </a:solidFill>
+                        <a:latin typeface="에스코어 드림 5 Medium" panose="020B0503030302020204" pitchFamily="34" charset="-127"/>
+                        <a:ea typeface="에스코어 드림 5 Medium" panose="020B0503030302020204" pitchFamily="34" charset="-127"/>
+                      </a:endParaRPr>
+                    </a:p>
+                  </a:txBody>
+                  <a:tcPr anchor="ctr">
+                    <a:solidFill>
+                      <a:srgbClr val="DDDDF7"/>
+                    </a:solidFill>
+                  </a:tcPr>
+                </a:tc>
+                <a:extLst>
+                  <a:ext uri="{0D108BD9-81ED-4DB2-BD59-A6C34878D82A}">
+                    <a16:rowId xmlns:a16="http://schemas.microsoft.com/office/drawing/2014/main" val="1420053205"/>
+                  </a:ext>
+                </a:extLst>
+              </a:tr>
+              <a:tr h="1393320">
+                <a:tc gridSpan="8">
+                  <a:txBody>
+                    <a:bodyPr/>
+                    <a:lstStyle/>
+                    <a:p>
+                      <a:pPr algn="ctr" latinLnBrk="1">
+                        <a:lnSpc>
+                          <a:spcPct val="150000"/>
+                        </a:lnSpc>
+                      </a:pPr>
+                      <a:r>
+                        <a:rPr lang="ko-KR" altLang="en-US" sz="1200" dirty="0">
+                          <a:solidFill>
+                            <a:schemeClr val="tx1">
+                              <a:lumMod val="65000"/>
+                              <a:lumOff val="35000"/>
+                            </a:schemeClr>
+                          </a:solidFill>
+                          <a:latin typeface="에스코어 드림 5 Medium" panose="020B0503030302020204" pitchFamily="34" charset="-127"/>
+                          <a:ea typeface="에스코어 드림 5 Medium" panose="020B0503030302020204" pitchFamily="34" charset="-127"/>
+                        </a:rPr>
+                        <a:t>로그인 한 상태에서만 리뷰를 남길 수 있습니다</a:t>
+                      </a:r>
+                      <a:r>
+                        <a:rPr lang="en-US" altLang="ko-KR" sz="1200" dirty="0">
+                          <a:solidFill>
+                            <a:schemeClr val="tx1">
+                              <a:lumMod val="65000"/>
+                              <a:lumOff val="35000"/>
+                            </a:schemeClr>
+                          </a:solidFill>
+                          <a:latin typeface="에스코어 드림 5 Medium" panose="020B0503030302020204" pitchFamily="34" charset="-127"/>
+                          <a:ea typeface="에스코어 드림 5 Medium" panose="020B0503030302020204" pitchFamily="34" charset="-127"/>
+                        </a:rPr>
+                        <a:t>.</a:t>
+                      </a:r>
+                      <a:endParaRPr lang="ko-KR" altLang="en-US" sz="1200" dirty="0">
+                        <a:solidFill>
+                          <a:schemeClr val="tx1">
+                            <a:lumMod val="65000"/>
+                            <a:lumOff val="35000"/>
+                          </a:schemeClr>
+                        </a:solidFill>
+                        <a:latin typeface="에스코어 드림 5 Medium" panose="020B0503030302020204" pitchFamily="34" charset="-127"/>
+                        <a:ea typeface="에스코어 드림 5 Medium" panose="020B0503030302020204" pitchFamily="34" charset="-127"/>
+                      </a:endParaRPr>
+                    </a:p>
+                  </a:txBody>
+                  <a:tcPr anchor="ctr">
+                    <a:solidFill>
+                      <a:srgbClr val="DDDDF7"/>
+                    </a:solidFill>
+                  </a:tcPr>
+                </a:tc>
+                <a:tc hMerge="1">
+                  <a:txBody>
+                    <a:bodyPr/>
+                    <a:lstStyle/>
+                    <a:p>
+                      <a:pPr marL="0" marR="0" lvl="0" indent="0" algn="ctr" defTabSz="914400" rtl="0" eaLnBrk="1" fontAlgn="auto" latinLnBrk="1" hangingPunct="1">
+                        <a:lnSpc>
+                          <a:spcPct val="100000"/>
+                        </a:lnSpc>
+                        <a:spcBef>
+                          <a:spcPts val="0"/>
+                        </a:spcBef>
+                        <a:spcAft>
+                          <a:spcPts val="0"/>
+                        </a:spcAft>
+                        <a:buClrTx/>
+                        <a:buSzTx/>
+                        <a:buFontTx/>
+                        <a:buNone/>
+                        <a:tabLst/>
+                        <a:defRPr/>
+                      </a:pPr>
+                      <a:endParaRPr lang="ko-KR" altLang="en-US" sz="1200" dirty="0">
+                        <a:solidFill>
+                          <a:schemeClr val="tx1">
+                            <a:lumMod val="65000"/>
+                            <a:lumOff val="35000"/>
+                          </a:schemeClr>
+                        </a:solidFill>
+                        <a:latin typeface="에스코어 드림 5 Medium" panose="020B0503030302020204" pitchFamily="34" charset="-127"/>
+                        <a:ea typeface="에스코어 드림 5 Medium" panose="020B0503030302020204" pitchFamily="34" charset="-127"/>
+                      </a:endParaRPr>
+                    </a:p>
+                  </a:txBody>
+                  <a:tcPr anchor="ctr">
+                    <a:solidFill>
+                      <a:srgbClr val="DDDDF7"/>
+                    </a:solidFill>
+                  </a:tcPr>
+                </a:tc>
+                <a:tc hMerge="1">
+                  <a:txBody>
+                    <a:bodyPr/>
+                    <a:lstStyle/>
+                    <a:p>
+                      <a:pPr algn="ctr" latinLnBrk="1"/>
+                      <a:endParaRPr lang="ko-KR" altLang="en-US" sz="1200" dirty="0">
+                        <a:solidFill>
+                          <a:schemeClr val="tx1">
+                            <a:lumMod val="65000"/>
+                            <a:lumOff val="35000"/>
+                          </a:schemeClr>
+                        </a:solidFill>
+                        <a:latin typeface="에스코어 드림 5 Medium" panose="020B0503030302020204" pitchFamily="34" charset="-127"/>
+                        <a:ea typeface="에스코어 드림 5 Medium" panose="020B0503030302020204" pitchFamily="34" charset="-127"/>
+                      </a:endParaRPr>
+                    </a:p>
+                  </a:txBody>
+                  <a:tcPr anchor="ctr">
+                    <a:solidFill>
+                      <a:srgbClr val="DDDDF7"/>
+                    </a:solidFill>
+                  </a:tcPr>
+                </a:tc>
+                <a:tc hMerge="1">
+                  <a:txBody>
+                    <a:bodyPr/>
+                    <a:lstStyle/>
+                    <a:p>
+                      <a:pPr algn="ctr" latinLnBrk="1"/>
+                      <a:endParaRPr lang="ko-KR" altLang="en-US" sz="1200" dirty="0">
+                        <a:solidFill>
+                          <a:schemeClr val="tx1">
+                            <a:lumMod val="65000"/>
+                            <a:lumOff val="35000"/>
+                          </a:schemeClr>
+                        </a:solidFill>
+                        <a:latin typeface="에스코어 드림 5 Medium" panose="020B0503030302020204" pitchFamily="34" charset="-127"/>
+                        <a:ea typeface="에스코어 드림 5 Medium" panose="020B0503030302020204" pitchFamily="34" charset="-127"/>
+                      </a:endParaRPr>
+                    </a:p>
+                  </a:txBody>
+                  <a:tcPr anchor="ctr">
+                    <a:solidFill>
+                      <a:srgbClr val="DDDDF7"/>
+                    </a:solidFill>
+                  </a:tcPr>
+                </a:tc>
+                <a:tc hMerge="1">
+                  <a:txBody>
+                    <a:bodyPr/>
+                    <a:lstStyle/>
+                    <a:p>
+                      <a:pPr algn="ctr" latinLnBrk="1"/>
+                      <a:endParaRPr lang="ko-KR" altLang="en-US" sz="1200" dirty="0">
+                        <a:solidFill>
+                          <a:schemeClr val="tx1">
+                            <a:lumMod val="65000"/>
+                            <a:lumOff val="35000"/>
+                          </a:schemeClr>
+                        </a:solidFill>
+                        <a:latin typeface="에스코어 드림 5 Medium" panose="020B0503030302020204" pitchFamily="34" charset="-127"/>
+                        <a:ea typeface="에스코어 드림 5 Medium" panose="020B0503030302020204" pitchFamily="34" charset="-127"/>
+                      </a:endParaRPr>
+                    </a:p>
+                  </a:txBody>
+                  <a:tcPr anchor="ctr">
+                    <a:solidFill>
+                      <a:srgbClr val="DDDDF7"/>
+                    </a:solidFill>
+                  </a:tcPr>
+                </a:tc>
+                <a:tc hMerge="1">
+                  <a:txBody>
+                    <a:bodyPr/>
+                    <a:lstStyle/>
+                    <a:p>
+                      <a:pPr algn="ctr" latinLnBrk="1"/>
+                      <a:endParaRPr lang="ko-KR" altLang="en-US" sz="1200" dirty="0">
+                        <a:solidFill>
+                          <a:schemeClr val="tx1">
+                            <a:lumMod val="65000"/>
+                            <a:lumOff val="35000"/>
+                          </a:schemeClr>
+                        </a:solidFill>
+                        <a:latin typeface="에스코어 드림 5 Medium" panose="020B0503030302020204" pitchFamily="34" charset="-127"/>
+                        <a:ea typeface="에스코어 드림 5 Medium" panose="020B0503030302020204" pitchFamily="34" charset="-127"/>
+                      </a:endParaRPr>
+                    </a:p>
+                  </a:txBody>
+                  <a:tcPr anchor="ctr">
+                    <a:solidFill>
+                      <a:srgbClr val="DDDDF7"/>
+                    </a:solidFill>
+                  </a:tcPr>
+                </a:tc>
+                <a:tc hMerge="1">
+                  <a:txBody>
+                    <a:bodyPr/>
+                    <a:lstStyle/>
+                    <a:p>
+                      <a:pPr algn="ctr" latinLnBrk="1"/>
+                      <a:endParaRPr lang="ko-KR" altLang="en-US" sz="1200" dirty="0">
+                        <a:solidFill>
+                          <a:schemeClr val="tx1">
+                            <a:lumMod val="65000"/>
+                            <a:lumOff val="35000"/>
+                          </a:schemeClr>
+                        </a:solidFill>
+                        <a:latin typeface="에스코어 드림 5 Medium" panose="020B0503030302020204" pitchFamily="34" charset="-127"/>
+                        <a:ea typeface="에스코어 드림 5 Medium" panose="020B0503030302020204" pitchFamily="34" charset="-127"/>
+                      </a:endParaRPr>
+                    </a:p>
+                  </a:txBody>
+                  <a:tcPr anchor="ctr">
+                    <a:solidFill>
+                      <a:srgbClr val="DDDDF7"/>
+                    </a:solidFill>
+                  </a:tcPr>
+                </a:tc>
+                <a:tc hMerge="1">
+                  <a:txBody>
+                    <a:bodyPr/>
+                    <a:lstStyle/>
+                    <a:p>
+                      <a:pPr algn="ctr" latinLnBrk="1"/>
+                      <a:endParaRPr lang="ko-KR" altLang="en-US" sz="1200" dirty="0">
+                        <a:solidFill>
+                          <a:schemeClr val="tx1">
+                            <a:lumMod val="65000"/>
+                            <a:lumOff val="35000"/>
+                          </a:schemeClr>
+                        </a:solidFill>
+                        <a:latin typeface="에스코어 드림 5 Medium" panose="020B0503030302020204" pitchFamily="34" charset="-127"/>
+                        <a:ea typeface="에스코어 드림 5 Medium" panose="020B0503030302020204" pitchFamily="34" charset="-127"/>
+                      </a:endParaRPr>
+                    </a:p>
+                  </a:txBody>
+                  <a:tcPr anchor="ctr">
+                    <a:solidFill>
+                      <a:srgbClr val="DDDDF7"/>
+                    </a:solidFill>
+                  </a:tcPr>
+                </a:tc>
+                <a:extLst>
+                  <a:ext uri="{0D108BD9-81ED-4DB2-BD59-A6C34878D82A}">
+                    <a16:rowId xmlns:a16="http://schemas.microsoft.com/office/drawing/2014/main" val="2151746019"/>
+                  </a:ext>
+                </a:extLst>
+              </a:tr>
+            </a:tbl>
+          </a:graphicData>
+        </a:graphic>
+      </p:graphicFrame>
+      <p:sp>
+        <p:nvSpPr>
+          <p:cNvPr id="5" name="TextBox 4">
+            <a:extLst>
+              <a:ext uri="{FF2B5EF4-FFF2-40B4-BE49-F238E27FC236}">
+                <a16:creationId xmlns:a16="http://schemas.microsoft.com/office/drawing/2014/main" id="{5444D583-6522-41F8-86AB-2E5C8F6800EB}"/>
+              </a:ext>
+            </a:extLst>
+          </p:cNvPr>
+          <p:cNvSpPr txBox="1"/>
+          <p:nvPr/>
+        </p:nvSpPr>
+        <p:spPr>
+          <a:xfrm>
+            <a:off x="427990" y="138518"/>
+            <a:ext cx="10610850" cy="322268"/>
+          </a:xfrm>
+          <a:prstGeom prst="rect">
+            <a:avLst/>
+          </a:prstGeom>
+          <a:noFill/>
+        </p:spPr>
+        <p:txBody>
+          <a:bodyPr wrap="square">
+            <a:spAutoFit/>
+          </a:bodyPr>
+          <a:lstStyle/>
+          <a:p>
+            <a:pPr>
+              <a:lnSpc>
+                <a:spcPct val="150000"/>
+              </a:lnSpc>
+            </a:pPr>
+            <a:r>
+              <a:rPr lang="ko-KR" altLang="en-US" sz="1200" dirty="0">
+                <a:solidFill>
+                  <a:srgbClr val="9966FF"/>
+                </a:solidFill>
+                <a:latin typeface="여기어때 잘난체" panose="020B0600000101010101" pitchFamily="50" charset="-127"/>
+                <a:ea typeface="여기어때 잘난체" panose="020B0600000101010101" pitchFamily="50" charset="-127"/>
+              </a:rPr>
+              <a:t>인천일보아카데미 </a:t>
+            </a:r>
+            <a:r>
+              <a:rPr lang="en-US" altLang="ko-KR" sz="1200" dirty="0">
+                <a:solidFill>
+                  <a:srgbClr val="9966FF"/>
+                </a:solidFill>
+                <a:latin typeface="여기어때 잘난체" panose="020B0600000101010101" pitchFamily="50" charset="-127"/>
+                <a:ea typeface="여기어때 잘난체" panose="020B0600000101010101" pitchFamily="50" charset="-127"/>
+              </a:rPr>
+              <a:t>| </a:t>
+            </a:r>
+            <a:r>
+              <a:rPr lang="ko-KR" altLang="en-US" sz="1200" dirty="0" err="1">
+                <a:solidFill>
+                  <a:srgbClr val="9966FF"/>
+                </a:solidFill>
+                <a:latin typeface="여기어때 잘난체" panose="020B0600000101010101" pitchFamily="50" charset="-127"/>
+                <a:ea typeface="여기어때 잘난체" panose="020B0600000101010101" pitchFamily="50" charset="-127"/>
+              </a:rPr>
+              <a:t>파이어베이스를</a:t>
+            </a:r>
+            <a:r>
+              <a:rPr lang="ko-KR" altLang="en-US" sz="1200" dirty="0">
+                <a:solidFill>
+                  <a:srgbClr val="9966FF"/>
+                </a:solidFill>
+                <a:latin typeface="여기어때 잘난체" panose="020B0600000101010101" pitchFamily="50" charset="-127"/>
+                <a:ea typeface="여기어때 잘난체" panose="020B0600000101010101" pitchFamily="50" charset="-127"/>
+              </a:rPr>
+              <a:t> 활용한 </a:t>
+            </a:r>
+            <a:r>
+              <a:rPr lang="ko-KR" altLang="en-US" sz="1200" dirty="0" err="1">
+                <a:solidFill>
+                  <a:srgbClr val="9966FF"/>
+                </a:solidFill>
+                <a:latin typeface="여기어때 잘난체" panose="020B0600000101010101" pitchFamily="50" charset="-127"/>
+                <a:ea typeface="여기어때 잘난체" panose="020B0600000101010101" pitchFamily="50" charset="-127"/>
+              </a:rPr>
+              <a:t>스마트콘텐츠</a:t>
+            </a:r>
+            <a:r>
+              <a:rPr lang="ko-KR" altLang="en-US" sz="1200" dirty="0">
+                <a:solidFill>
+                  <a:srgbClr val="9966FF"/>
+                </a:solidFill>
+                <a:latin typeface="여기어때 잘난체" panose="020B0600000101010101" pitchFamily="50" charset="-127"/>
+                <a:ea typeface="여기어때 잘난체" panose="020B0600000101010101" pitchFamily="50" charset="-127"/>
+              </a:rPr>
+              <a:t> 서비스개발자 양성과정</a:t>
+            </a:r>
+            <a:endParaRPr lang="en-US" altLang="ko-KR" sz="1200" dirty="0">
+              <a:solidFill>
+                <a:srgbClr val="9966FF"/>
+              </a:solidFill>
+              <a:latin typeface="여기어때 잘난체" panose="020B0600000101010101" pitchFamily="50" charset="-127"/>
+              <a:ea typeface="여기어때 잘난체" panose="020B0600000101010101" pitchFamily="50" charset="-127"/>
+            </a:endParaRPr>
+          </a:p>
+        </p:txBody>
+      </p:sp>
+      <p:sp>
+        <p:nvSpPr>
+          <p:cNvPr id="7" name="TextBox 6">
+            <a:extLst>
+              <a:ext uri="{FF2B5EF4-FFF2-40B4-BE49-F238E27FC236}">
+                <a16:creationId xmlns:a16="http://schemas.microsoft.com/office/drawing/2014/main" id="{C086E57D-B5AC-42ED-B606-1784DA3CFB58}"/>
+              </a:ext>
+            </a:extLst>
+          </p:cNvPr>
+          <p:cNvSpPr txBox="1"/>
+          <p:nvPr/>
+        </p:nvSpPr>
+        <p:spPr>
+          <a:xfrm>
+            <a:off x="417830" y="592499"/>
+            <a:ext cx="10610850" cy="683713"/>
+          </a:xfrm>
+          <a:prstGeom prst="rect">
+            <a:avLst/>
+          </a:prstGeom>
+          <a:noFill/>
+        </p:spPr>
+        <p:txBody>
+          <a:bodyPr wrap="square">
+            <a:spAutoFit/>
+          </a:bodyPr>
+          <a:lstStyle/>
+          <a:p>
+            <a:pPr>
+              <a:lnSpc>
+                <a:spcPct val="150000"/>
+              </a:lnSpc>
+            </a:pPr>
+            <a:r>
+              <a:rPr lang="ko-KR" altLang="en-US" sz="1400" dirty="0">
+                <a:solidFill>
+                  <a:schemeClr val="tx1">
+                    <a:lumMod val="65000"/>
+                    <a:lumOff val="35000"/>
+                  </a:schemeClr>
+                </a:solidFill>
+                <a:latin typeface="여기어때 잘난체" panose="020B0600000101010101" pitchFamily="50" charset="-127"/>
+                <a:ea typeface="여기어때 잘난체" panose="020B0600000101010101" pitchFamily="50" charset="-127"/>
+              </a:rPr>
+              <a:t>테이블 이름</a:t>
+            </a:r>
+            <a:r>
+              <a:rPr lang="en-US" altLang="ko-KR" sz="1400" dirty="0">
+                <a:solidFill>
+                  <a:schemeClr val="tx1">
+                    <a:lumMod val="65000"/>
+                    <a:lumOff val="35000"/>
+                  </a:schemeClr>
+                </a:solidFill>
+                <a:latin typeface="여기어때 잘난체" panose="020B0600000101010101" pitchFamily="50" charset="-127"/>
+                <a:ea typeface="여기어때 잘난체" panose="020B0600000101010101" pitchFamily="50" charset="-127"/>
+              </a:rPr>
+              <a:t>:  </a:t>
+            </a:r>
+            <a:r>
+              <a:rPr lang="en-US" altLang="ko-KR" sz="1400" dirty="0" err="1">
+                <a:solidFill>
+                  <a:schemeClr val="tx1">
+                    <a:lumMod val="65000"/>
+                    <a:lumOff val="35000"/>
+                  </a:schemeClr>
+                </a:solidFill>
+                <a:latin typeface="여기어때 잘난체" panose="020B0600000101010101" pitchFamily="50" charset="-127"/>
+                <a:ea typeface="여기어때 잘난체" panose="020B0600000101010101" pitchFamily="50" charset="-127"/>
+              </a:rPr>
+              <a:t>odd_review</a:t>
+            </a:r>
+            <a:endParaRPr lang="en-US" altLang="ko-KR" sz="1400" dirty="0">
+              <a:solidFill>
+                <a:schemeClr val="tx1">
+                  <a:lumMod val="65000"/>
+                  <a:lumOff val="35000"/>
+                </a:schemeClr>
+              </a:solidFill>
+              <a:latin typeface="여기어때 잘난체" panose="020B0600000101010101" pitchFamily="50" charset="-127"/>
+              <a:ea typeface="여기어때 잘난체" panose="020B0600000101010101" pitchFamily="50" charset="-127"/>
+            </a:endParaRPr>
+          </a:p>
+          <a:p>
+            <a:pPr>
+              <a:lnSpc>
+                <a:spcPct val="150000"/>
+              </a:lnSpc>
+            </a:pPr>
+            <a:r>
+              <a:rPr lang="ko-KR" altLang="en-US" sz="1400" dirty="0">
+                <a:solidFill>
+                  <a:schemeClr val="tx1">
+                    <a:lumMod val="65000"/>
+                    <a:lumOff val="35000"/>
+                  </a:schemeClr>
+                </a:solidFill>
+                <a:latin typeface="여기어때 잘난체" panose="020B0600000101010101" pitchFamily="50" charset="-127"/>
+                <a:ea typeface="여기어때 잘난체" panose="020B0600000101010101" pitchFamily="50" charset="-127"/>
+              </a:rPr>
+              <a:t>테이블 목적</a:t>
+            </a:r>
+            <a:r>
+              <a:rPr lang="en-US" altLang="ko-KR" sz="1400" dirty="0">
+                <a:solidFill>
+                  <a:schemeClr val="tx1">
+                    <a:lumMod val="65000"/>
+                    <a:lumOff val="35000"/>
+                  </a:schemeClr>
+                </a:solidFill>
+                <a:latin typeface="여기어때 잘난체" panose="020B0600000101010101" pitchFamily="50" charset="-127"/>
+                <a:ea typeface="여기어때 잘난체" panose="020B0600000101010101" pitchFamily="50" charset="-127"/>
+              </a:rPr>
+              <a:t>:  </a:t>
+            </a:r>
+            <a:r>
+              <a:rPr lang="ko-KR" altLang="en-US" sz="1400" dirty="0">
+                <a:solidFill>
+                  <a:schemeClr val="tx1">
+                    <a:lumMod val="65000"/>
+                    <a:lumOff val="35000"/>
+                  </a:schemeClr>
+                </a:solidFill>
+                <a:latin typeface="여기어때 잘난체" panose="020B0600000101010101" pitchFamily="50" charset="-127"/>
+                <a:ea typeface="여기어때 잘난체" panose="020B0600000101010101" pitchFamily="50" charset="-127"/>
+              </a:rPr>
+              <a:t>오도독 리뷰 관리</a:t>
+            </a:r>
+            <a:endParaRPr lang="en-US" altLang="ko-KR" sz="1400" dirty="0">
+              <a:solidFill>
+                <a:schemeClr val="tx1">
+                  <a:lumMod val="65000"/>
+                  <a:lumOff val="35000"/>
+                </a:schemeClr>
+              </a:solidFill>
+              <a:latin typeface="여기어때 잘난체" panose="020B0600000101010101" pitchFamily="50" charset="-127"/>
+              <a:ea typeface="여기어때 잘난체" panose="020B0600000101010101" pitchFamily="50" charset="-127"/>
+            </a:endParaRPr>
+          </a:p>
+        </p:txBody>
+      </p:sp>
+    </p:spTree>
+    <p:extLst>
+      <p:ext uri="{BB962C8B-B14F-4D97-AF65-F5344CB8AC3E}">
+        <p14:creationId xmlns:p14="http://schemas.microsoft.com/office/powerpoint/2010/main" val="4253643734"/>
+      </p:ext>
+    </p:extLst>
+  </p:cSld>
+  <p:clrMapOvr>
+    <a:masterClrMapping/>
+  </p:clrMapOvr>
+</p:sld>
+</file>
+
 <file path=ppt/slides/slide2.xml><?xml version="1.0" encoding="utf-8"?>
 <p:sld xmlns:a="http://schemas.openxmlformats.org/drawingml/2006/main" xmlns:r="http://schemas.openxmlformats.org/officeDocument/2006/relationships" xmlns:p="http://schemas.openxmlformats.org/presentationml/2006/main">
   <p:cSld>
@@ -21027,6 +24091,3367 @@
             <p:ph idx="1"/>
             <p:extLst>
               <p:ext uri="{D42A27DB-BD31-4B8C-83A1-F6EECF244321}">
+                <p14:modId xmlns:p14="http://schemas.microsoft.com/office/powerpoint/2010/main" val="197469166"/>
+              </p:ext>
+            </p:extLst>
+          </p:nvPr>
+        </p:nvGraphicFramePr>
+        <p:xfrm>
+          <a:off x="492760" y="1419548"/>
+          <a:ext cx="11231882" cy="4744851"/>
+        </p:xfrm>
+        <a:graphic>
+          <a:graphicData uri="http://schemas.openxmlformats.org/drawingml/2006/table">
+            <a:tbl>
+              <a:tblPr firstRow="1">
+                <a:tableStyleId>{5C22544A-7EE6-4342-B048-85BDC9FD1C3A}</a:tableStyleId>
+              </a:tblPr>
+              <a:tblGrid>
+                <a:gridCol w="656550">
+                  <a:extLst>
+                    <a:ext uri="{9D8B030D-6E8A-4147-A177-3AD203B41FA5}">
+                      <a16:colId xmlns:a16="http://schemas.microsoft.com/office/drawing/2014/main" val="3299733678"/>
+                    </a:ext>
+                  </a:extLst>
+                </a:gridCol>
+                <a:gridCol w="1682069">
+                  <a:extLst>
+                    <a:ext uri="{9D8B030D-6E8A-4147-A177-3AD203B41FA5}">
+                      <a16:colId xmlns:a16="http://schemas.microsoft.com/office/drawing/2014/main" val="3854077233"/>
+                    </a:ext>
+                  </a:extLst>
+                </a:gridCol>
+                <a:gridCol w="1873337">
+                  <a:extLst>
+                    <a:ext uri="{9D8B030D-6E8A-4147-A177-3AD203B41FA5}">
+                      <a16:colId xmlns:a16="http://schemas.microsoft.com/office/drawing/2014/main" val="2851978791"/>
+                    </a:ext>
+                  </a:extLst>
+                </a:gridCol>
+                <a:gridCol w="796270">
+                  <a:extLst>
+                    <a:ext uri="{9D8B030D-6E8A-4147-A177-3AD203B41FA5}">
+                      <a16:colId xmlns:a16="http://schemas.microsoft.com/office/drawing/2014/main" val="867304107"/>
+                    </a:ext>
+                  </a:extLst>
+                </a:gridCol>
+                <a:gridCol w="759645">
+                  <a:extLst>
+                    <a:ext uri="{9D8B030D-6E8A-4147-A177-3AD203B41FA5}">
+                      <a16:colId xmlns:a16="http://schemas.microsoft.com/office/drawing/2014/main" val="270898510"/>
+                    </a:ext>
+                  </a:extLst>
+                </a:gridCol>
+                <a:gridCol w="759644">
+                  <a:extLst>
+                    <a:ext uri="{9D8B030D-6E8A-4147-A177-3AD203B41FA5}">
+                      <a16:colId xmlns:a16="http://schemas.microsoft.com/office/drawing/2014/main" val="561658927"/>
+                    </a:ext>
+                  </a:extLst>
+                </a:gridCol>
+                <a:gridCol w="1313099">
+                  <a:extLst>
+                    <a:ext uri="{9D8B030D-6E8A-4147-A177-3AD203B41FA5}">
+                      <a16:colId xmlns:a16="http://schemas.microsoft.com/office/drawing/2014/main" val="787287434"/>
+                    </a:ext>
+                  </a:extLst>
+                </a:gridCol>
+                <a:gridCol w="3391268">
+                  <a:extLst>
+                    <a:ext uri="{9D8B030D-6E8A-4147-A177-3AD203B41FA5}">
+                      <a16:colId xmlns:a16="http://schemas.microsoft.com/office/drawing/2014/main" val="1622336092"/>
+                    </a:ext>
+                  </a:extLst>
+                </a:gridCol>
+              </a:tblGrid>
+              <a:tr h="458078">
+                <a:tc>
+                  <a:txBody>
+                    <a:bodyPr/>
+                    <a:lstStyle/>
+                    <a:p>
+                      <a:pPr algn="ctr" latinLnBrk="1"/>
+                      <a:r>
+                        <a:rPr lang="en-US" altLang="ko-KR" sz="1400" dirty="0">
+                          <a:latin typeface="에스코어 드림 6 Bold" panose="020B0703030302020204" pitchFamily="34" charset="-127"/>
+                          <a:ea typeface="에스코어 드림 6 Bold" panose="020B0703030302020204" pitchFamily="34" charset="-127"/>
+                        </a:rPr>
+                        <a:t>-</a:t>
+                      </a:r>
+                      <a:endParaRPr lang="ko-KR" altLang="en-US" sz="1400" dirty="0">
+                        <a:latin typeface="에스코어 드림 6 Bold" panose="020B0703030302020204" pitchFamily="34" charset="-127"/>
+                        <a:ea typeface="에스코어 드림 6 Bold" panose="020B0703030302020204" pitchFamily="34" charset="-127"/>
+                      </a:endParaRPr>
+                    </a:p>
+                  </a:txBody>
+                  <a:tcPr anchor="ctr">
+                    <a:solidFill>
+                      <a:srgbClr val="9966FF"/>
+                    </a:solidFill>
+                  </a:tcPr>
+                </a:tc>
+                <a:tc>
+                  <a:txBody>
+                    <a:bodyPr/>
+                    <a:lstStyle/>
+                    <a:p>
+                      <a:pPr algn="ctr" latinLnBrk="1"/>
+                      <a:r>
+                        <a:rPr lang="ko-KR" altLang="en-US" sz="1400" dirty="0">
+                          <a:latin typeface="에스코어 드림 6 Bold" panose="020B0703030302020204" pitchFamily="34" charset="-127"/>
+                          <a:ea typeface="에스코어 드림 6 Bold" panose="020B0703030302020204" pitchFamily="34" charset="-127"/>
+                        </a:rPr>
+                        <a:t>컬럼</a:t>
+                      </a:r>
+                    </a:p>
+                  </a:txBody>
+                  <a:tcPr anchor="ctr">
+                    <a:solidFill>
+                      <a:srgbClr val="9966FF"/>
+                    </a:solidFill>
+                  </a:tcPr>
+                </a:tc>
+                <a:tc>
+                  <a:txBody>
+                    <a:bodyPr/>
+                    <a:lstStyle/>
+                    <a:p>
+                      <a:pPr algn="ctr" latinLnBrk="1"/>
+                      <a:r>
+                        <a:rPr lang="ko-KR" altLang="en-US" sz="1400" dirty="0">
+                          <a:latin typeface="에스코어 드림 6 Bold" panose="020B0703030302020204" pitchFamily="34" charset="-127"/>
+                          <a:ea typeface="에스코어 드림 6 Bold" panose="020B0703030302020204" pitchFamily="34" charset="-127"/>
+                        </a:rPr>
+                        <a:t>타입</a:t>
+                      </a:r>
+                      <a:r>
+                        <a:rPr lang="en-US" altLang="ko-KR" sz="1400" dirty="0">
+                          <a:latin typeface="에스코어 드림 6 Bold" panose="020B0703030302020204" pitchFamily="34" charset="-127"/>
+                          <a:ea typeface="에스코어 드림 6 Bold" panose="020B0703030302020204" pitchFamily="34" charset="-127"/>
+                        </a:rPr>
+                        <a:t>(</a:t>
+                      </a:r>
+                      <a:r>
+                        <a:rPr lang="ko-KR" altLang="en-US" sz="1400" dirty="0">
+                          <a:latin typeface="에스코어 드림 6 Bold" panose="020B0703030302020204" pitchFamily="34" charset="-127"/>
+                          <a:ea typeface="에스코어 드림 6 Bold" panose="020B0703030302020204" pitchFamily="34" charset="-127"/>
+                        </a:rPr>
+                        <a:t>크기</a:t>
+                      </a:r>
+                      <a:r>
+                        <a:rPr lang="en-US" altLang="ko-KR" sz="1400" dirty="0">
+                          <a:latin typeface="에스코어 드림 6 Bold" panose="020B0703030302020204" pitchFamily="34" charset="-127"/>
+                          <a:ea typeface="에스코어 드림 6 Bold" panose="020B0703030302020204" pitchFamily="34" charset="-127"/>
+                        </a:rPr>
+                        <a:t>)</a:t>
+                      </a:r>
+                      <a:endParaRPr lang="ko-KR" altLang="en-US" sz="1400" dirty="0">
+                        <a:latin typeface="에스코어 드림 6 Bold" panose="020B0703030302020204" pitchFamily="34" charset="-127"/>
+                        <a:ea typeface="에스코어 드림 6 Bold" panose="020B0703030302020204" pitchFamily="34" charset="-127"/>
+                      </a:endParaRPr>
+                    </a:p>
+                  </a:txBody>
+                  <a:tcPr anchor="ctr">
+                    <a:solidFill>
+                      <a:srgbClr val="9966FF"/>
+                    </a:solidFill>
+                  </a:tcPr>
+                </a:tc>
+                <a:tc>
+                  <a:txBody>
+                    <a:bodyPr/>
+                    <a:lstStyle/>
+                    <a:p>
+                      <a:pPr algn="ctr" latinLnBrk="1"/>
+                      <a:r>
+                        <a:rPr lang="en-US" altLang="ko-KR" sz="1400" dirty="0">
+                          <a:latin typeface="에스코어 드림 6 Bold" panose="020B0703030302020204" pitchFamily="34" charset="-127"/>
+                          <a:ea typeface="에스코어 드림 6 Bold" panose="020B0703030302020204" pitchFamily="34" charset="-127"/>
+                        </a:rPr>
+                        <a:t>null</a:t>
+                      </a:r>
+                      <a:endParaRPr lang="ko-KR" altLang="en-US" sz="1400" dirty="0">
+                        <a:latin typeface="에스코어 드림 6 Bold" panose="020B0703030302020204" pitchFamily="34" charset="-127"/>
+                        <a:ea typeface="에스코어 드림 6 Bold" panose="020B0703030302020204" pitchFamily="34" charset="-127"/>
+                      </a:endParaRPr>
+                    </a:p>
+                  </a:txBody>
+                  <a:tcPr anchor="ctr">
+                    <a:solidFill>
+                      <a:srgbClr val="9966FF"/>
+                    </a:solidFill>
+                  </a:tcPr>
+                </a:tc>
+                <a:tc>
+                  <a:txBody>
+                    <a:bodyPr/>
+                    <a:lstStyle/>
+                    <a:p>
+                      <a:pPr algn="ctr" latinLnBrk="1"/>
+                      <a:r>
+                        <a:rPr lang="ko-KR" altLang="en-US" sz="1400" dirty="0">
+                          <a:latin typeface="에스코어 드림 6 Bold" panose="020B0703030302020204" pitchFamily="34" charset="-127"/>
+                          <a:ea typeface="에스코어 드림 6 Bold" panose="020B0703030302020204" pitchFamily="34" charset="-127"/>
+                        </a:rPr>
+                        <a:t>기본값</a:t>
+                      </a:r>
+                    </a:p>
+                  </a:txBody>
+                  <a:tcPr anchor="ctr">
+                    <a:solidFill>
+                      <a:srgbClr val="9966FF"/>
+                    </a:solidFill>
+                  </a:tcPr>
+                </a:tc>
+                <a:tc>
+                  <a:txBody>
+                    <a:bodyPr/>
+                    <a:lstStyle/>
+                    <a:p>
+                      <a:pPr algn="ctr" latinLnBrk="1"/>
+                      <a:r>
+                        <a:rPr lang="en-US" altLang="ko-KR" sz="1400" dirty="0">
+                          <a:latin typeface="에스코어 드림 6 Bold" panose="020B0703030302020204" pitchFamily="34" charset="-127"/>
+                          <a:ea typeface="에스코어 드림 6 Bold" panose="020B0703030302020204" pitchFamily="34" charset="-127"/>
+                        </a:rPr>
+                        <a:t>key</a:t>
+                      </a:r>
+                      <a:endParaRPr lang="ko-KR" altLang="en-US" sz="1400" dirty="0">
+                        <a:latin typeface="에스코어 드림 6 Bold" panose="020B0703030302020204" pitchFamily="34" charset="-127"/>
+                        <a:ea typeface="에스코어 드림 6 Bold" panose="020B0703030302020204" pitchFamily="34" charset="-127"/>
+                      </a:endParaRPr>
+                    </a:p>
+                  </a:txBody>
+                  <a:tcPr anchor="ctr">
+                    <a:solidFill>
+                      <a:srgbClr val="9966FF"/>
+                    </a:solidFill>
+                  </a:tcPr>
+                </a:tc>
+                <a:tc>
+                  <a:txBody>
+                    <a:bodyPr/>
+                    <a:lstStyle/>
+                    <a:p>
+                      <a:pPr algn="ctr" latinLnBrk="1"/>
+                      <a:r>
+                        <a:rPr lang="ko-KR" altLang="en-US" sz="1400" dirty="0">
+                          <a:latin typeface="에스코어 드림 6 Bold" panose="020B0703030302020204" pitchFamily="34" charset="-127"/>
+                          <a:ea typeface="에스코어 드림 6 Bold" panose="020B0703030302020204" pitchFamily="34" charset="-127"/>
+                        </a:rPr>
+                        <a:t>제약조건</a:t>
+                      </a:r>
+                    </a:p>
+                  </a:txBody>
+                  <a:tcPr anchor="ctr">
+                    <a:solidFill>
+                      <a:srgbClr val="9966FF"/>
+                    </a:solidFill>
+                  </a:tcPr>
+                </a:tc>
+                <a:tc>
+                  <a:txBody>
+                    <a:bodyPr/>
+                    <a:lstStyle/>
+                    <a:p>
+                      <a:pPr algn="ctr" latinLnBrk="1"/>
+                      <a:r>
+                        <a:rPr lang="ko-KR" altLang="en-US" sz="1400" dirty="0">
+                          <a:latin typeface="에스코어 드림 6 Bold" panose="020B0703030302020204" pitchFamily="34" charset="-127"/>
+                          <a:ea typeface="에스코어 드림 6 Bold" panose="020B0703030302020204" pitchFamily="34" charset="-127"/>
+                        </a:rPr>
+                        <a:t>컬럼설명</a:t>
+                      </a:r>
+                    </a:p>
+                  </a:txBody>
+                  <a:tcPr anchor="ctr">
+                    <a:solidFill>
+                      <a:srgbClr val="9966FF"/>
+                    </a:solidFill>
+                  </a:tcPr>
+                </a:tc>
+                <a:extLst>
+                  <a:ext uri="{0D108BD9-81ED-4DB2-BD59-A6C34878D82A}">
+                    <a16:rowId xmlns:a16="http://schemas.microsoft.com/office/drawing/2014/main" val="4070701480"/>
+                  </a:ext>
+                </a:extLst>
+              </a:tr>
+              <a:tr h="448597">
+                <a:tc>
+                  <a:txBody>
+                    <a:bodyPr/>
+                    <a:lstStyle/>
+                    <a:p>
+                      <a:pPr algn="ctr" latinLnBrk="1"/>
+                      <a:r>
+                        <a:rPr lang="en-US" altLang="ko-KR" sz="1200" dirty="0">
+                          <a:solidFill>
+                            <a:schemeClr val="tx1">
+                              <a:lumMod val="65000"/>
+                              <a:lumOff val="35000"/>
+                            </a:schemeClr>
+                          </a:solidFill>
+                          <a:latin typeface="에스코어 드림 5 Medium" panose="020B0503030302020204" pitchFamily="34" charset="-127"/>
+                          <a:ea typeface="에스코어 드림 5 Medium" panose="020B0503030302020204" pitchFamily="34" charset="-127"/>
+                        </a:rPr>
+                        <a:t>1</a:t>
+                      </a:r>
+                      <a:endParaRPr lang="ko-KR" altLang="en-US" sz="1200" dirty="0">
+                        <a:solidFill>
+                          <a:schemeClr val="tx1">
+                            <a:lumMod val="65000"/>
+                            <a:lumOff val="35000"/>
+                          </a:schemeClr>
+                        </a:solidFill>
+                        <a:latin typeface="에스코어 드림 5 Medium" panose="020B0503030302020204" pitchFamily="34" charset="-127"/>
+                        <a:ea typeface="에스코어 드림 5 Medium" panose="020B0503030302020204" pitchFamily="34" charset="-127"/>
+                      </a:endParaRPr>
+                    </a:p>
+                  </a:txBody>
+                  <a:tcPr anchor="ctr">
+                    <a:solidFill>
+                      <a:srgbClr val="DDDDF7"/>
+                    </a:solidFill>
+                  </a:tcPr>
+                </a:tc>
+                <a:tc>
+                  <a:txBody>
+                    <a:bodyPr/>
+                    <a:lstStyle/>
+                    <a:p>
+                      <a:pPr algn="ctr" latinLnBrk="1"/>
+                      <a:r>
+                        <a:rPr lang="en-US" altLang="ko-KR" sz="1200" dirty="0">
+                          <a:solidFill>
+                            <a:schemeClr val="tx1">
+                              <a:lumMod val="65000"/>
+                              <a:lumOff val="35000"/>
+                            </a:schemeClr>
+                          </a:solidFill>
+                          <a:latin typeface="에스코어 드림 5 Medium" panose="020B0503030302020204" pitchFamily="34" charset="-127"/>
+                          <a:ea typeface="에스코어 드림 5 Medium" panose="020B0503030302020204" pitchFamily="34" charset="-127"/>
+                        </a:rPr>
+                        <a:t>w-number</a:t>
+                      </a:r>
+                      <a:endParaRPr lang="ko-KR" altLang="en-US" sz="1200" dirty="0">
+                        <a:solidFill>
+                          <a:schemeClr val="tx1">
+                            <a:lumMod val="65000"/>
+                            <a:lumOff val="35000"/>
+                          </a:schemeClr>
+                        </a:solidFill>
+                        <a:latin typeface="에스코어 드림 5 Medium" panose="020B0503030302020204" pitchFamily="34" charset="-127"/>
+                        <a:ea typeface="에스코어 드림 5 Medium" panose="020B0503030302020204" pitchFamily="34" charset="-127"/>
+                      </a:endParaRPr>
+                    </a:p>
+                  </a:txBody>
+                  <a:tcPr anchor="ctr">
+                    <a:solidFill>
+                      <a:srgbClr val="DDDDF7"/>
+                    </a:solidFill>
+                  </a:tcPr>
+                </a:tc>
+                <a:tc>
+                  <a:txBody>
+                    <a:bodyPr/>
+                    <a:lstStyle/>
+                    <a:p>
+                      <a:pPr algn="ctr" latinLnBrk="1"/>
+                      <a:r>
+                        <a:rPr lang="en-US" altLang="ko-KR" sz="1200" dirty="0" err="1">
+                          <a:solidFill>
+                            <a:schemeClr val="tx1">
+                              <a:lumMod val="65000"/>
+                              <a:lumOff val="35000"/>
+                            </a:schemeClr>
+                          </a:solidFill>
+                          <a:latin typeface="에스코어 드림 5 Medium" panose="020B0503030302020204" pitchFamily="34" charset="-127"/>
+                          <a:ea typeface="에스코어 드림 5 Medium" panose="020B0503030302020204" pitchFamily="34" charset="-127"/>
+                        </a:rPr>
+                        <a:t>Bigint</a:t>
+                      </a:r>
+                      <a:endParaRPr lang="ko-KR" altLang="en-US" sz="1200" dirty="0">
+                        <a:solidFill>
+                          <a:schemeClr val="tx1">
+                            <a:lumMod val="65000"/>
+                            <a:lumOff val="35000"/>
+                          </a:schemeClr>
+                        </a:solidFill>
+                        <a:latin typeface="에스코어 드림 5 Medium" panose="020B0503030302020204" pitchFamily="34" charset="-127"/>
+                        <a:ea typeface="에스코어 드림 5 Medium" panose="020B0503030302020204" pitchFamily="34" charset="-127"/>
+                      </a:endParaRPr>
+                    </a:p>
+                  </a:txBody>
+                  <a:tcPr anchor="ctr">
+                    <a:solidFill>
+                      <a:srgbClr val="DDDDF7"/>
+                    </a:solidFill>
+                  </a:tcPr>
+                </a:tc>
+                <a:tc>
+                  <a:txBody>
+                    <a:bodyPr/>
+                    <a:lstStyle/>
+                    <a:p>
+                      <a:pPr algn="ctr" latinLnBrk="1"/>
+                      <a:r>
+                        <a:rPr lang="en-US" altLang="ko-KR" sz="1200" dirty="0" err="1">
+                          <a:solidFill>
+                            <a:schemeClr val="tx1">
+                              <a:lumMod val="65000"/>
+                              <a:lumOff val="35000"/>
+                            </a:schemeClr>
+                          </a:solidFill>
+                          <a:latin typeface="에스코어 드림 5 Medium" panose="020B0503030302020204" pitchFamily="34" charset="-127"/>
+                          <a:ea typeface="에스코어 드림 5 Medium" panose="020B0503030302020204" pitchFamily="34" charset="-127"/>
+                        </a:rPr>
+                        <a:t>n.n</a:t>
+                      </a:r>
+                      <a:endParaRPr lang="ko-KR" altLang="en-US" sz="1200" dirty="0">
+                        <a:solidFill>
+                          <a:schemeClr val="tx1">
+                            <a:lumMod val="65000"/>
+                            <a:lumOff val="35000"/>
+                          </a:schemeClr>
+                        </a:solidFill>
+                        <a:latin typeface="에스코어 드림 5 Medium" panose="020B0503030302020204" pitchFamily="34" charset="-127"/>
+                        <a:ea typeface="에스코어 드림 5 Medium" panose="020B0503030302020204" pitchFamily="34" charset="-127"/>
+                      </a:endParaRPr>
+                    </a:p>
+                  </a:txBody>
+                  <a:tcPr anchor="ctr">
+                    <a:solidFill>
+                      <a:srgbClr val="DDDDF7"/>
+                    </a:solidFill>
+                  </a:tcPr>
+                </a:tc>
+                <a:tc>
+                  <a:txBody>
+                    <a:bodyPr/>
+                    <a:lstStyle/>
+                    <a:p>
+                      <a:pPr algn="ctr" latinLnBrk="1"/>
+                      <a:r>
+                        <a:rPr lang="en-US" altLang="ko-KR" sz="1200" dirty="0">
+                          <a:solidFill>
+                            <a:schemeClr val="tx1">
+                              <a:lumMod val="65000"/>
+                              <a:lumOff val="35000"/>
+                            </a:schemeClr>
+                          </a:solidFill>
+                          <a:latin typeface="에스코어 드림 5 Medium" panose="020B0503030302020204" pitchFamily="34" charset="-127"/>
+                          <a:ea typeface="에스코어 드림 5 Medium" panose="020B0503030302020204" pitchFamily="34" charset="-127"/>
+                        </a:rPr>
+                        <a:t>-</a:t>
+                      </a:r>
+                      <a:endParaRPr lang="ko-KR" altLang="en-US" sz="1200" dirty="0">
+                        <a:solidFill>
+                          <a:schemeClr val="tx1">
+                            <a:lumMod val="65000"/>
+                            <a:lumOff val="35000"/>
+                          </a:schemeClr>
+                        </a:solidFill>
+                        <a:latin typeface="에스코어 드림 5 Medium" panose="020B0503030302020204" pitchFamily="34" charset="-127"/>
+                        <a:ea typeface="에스코어 드림 5 Medium" panose="020B0503030302020204" pitchFamily="34" charset="-127"/>
+                      </a:endParaRPr>
+                    </a:p>
+                  </a:txBody>
+                  <a:tcPr anchor="ctr">
+                    <a:solidFill>
+                      <a:srgbClr val="DDDDF7"/>
+                    </a:solidFill>
+                  </a:tcPr>
+                </a:tc>
+                <a:tc>
+                  <a:txBody>
+                    <a:bodyPr/>
+                    <a:lstStyle/>
+                    <a:p>
+                      <a:pPr algn="ctr" latinLnBrk="1"/>
+                      <a:r>
+                        <a:rPr lang="en-US" altLang="ko-KR" sz="1200" dirty="0">
+                          <a:solidFill>
+                            <a:schemeClr val="tx1">
+                              <a:lumMod val="65000"/>
+                              <a:lumOff val="35000"/>
+                            </a:schemeClr>
+                          </a:solidFill>
+                          <a:latin typeface="에스코어 드림 5 Medium" panose="020B0503030302020204" pitchFamily="34" charset="-127"/>
+                          <a:ea typeface="에스코어 드림 5 Medium" panose="020B0503030302020204" pitchFamily="34" charset="-127"/>
+                        </a:rPr>
+                        <a:t>pk</a:t>
+                      </a:r>
+                      <a:endParaRPr lang="ko-KR" altLang="en-US" sz="1200" dirty="0">
+                        <a:solidFill>
+                          <a:schemeClr val="tx1">
+                            <a:lumMod val="65000"/>
+                            <a:lumOff val="35000"/>
+                          </a:schemeClr>
+                        </a:solidFill>
+                        <a:latin typeface="에스코어 드림 5 Medium" panose="020B0503030302020204" pitchFamily="34" charset="-127"/>
+                        <a:ea typeface="에스코어 드림 5 Medium" panose="020B0503030302020204" pitchFamily="34" charset="-127"/>
+                      </a:endParaRPr>
+                    </a:p>
+                  </a:txBody>
+                  <a:tcPr anchor="ctr">
+                    <a:solidFill>
+                      <a:srgbClr val="DDDDF7"/>
+                    </a:solidFill>
+                  </a:tcPr>
+                </a:tc>
+                <a:tc>
+                  <a:txBody>
+                    <a:bodyPr/>
+                    <a:lstStyle/>
+                    <a:p>
+                      <a:pPr marL="0" marR="0" lvl="0" indent="0" algn="ctr" defTabSz="914400" rtl="0" eaLnBrk="1" fontAlgn="auto" latinLnBrk="1" hangingPunct="1">
+                        <a:lnSpc>
+                          <a:spcPct val="100000"/>
+                        </a:lnSpc>
+                        <a:spcBef>
+                          <a:spcPts val="0"/>
+                        </a:spcBef>
+                        <a:spcAft>
+                          <a:spcPts val="0"/>
+                        </a:spcAft>
+                        <a:buClrTx/>
+                        <a:buSzTx/>
+                        <a:buFontTx/>
+                        <a:buNone/>
+                        <a:tabLst/>
+                        <a:defRPr/>
+                      </a:pPr>
+                      <a:r>
+                        <a:rPr lang="en-US" altLang="ko-KR" sz="1200" dirty="0">
+                          <a:solidFill>
+                            <a:schemeClr val="tx1">
+                              <a:lumMod val="65000"/>
+                              <a:lumOff val="35000"/>
+                            </a:schemeClr>
+                          </a:solidFill>
+                          <a:latin typeface="에스코어 드림 5 Medium" panose="020B0503030302020204" pitchFamily="34" charset="-127"/>
+                          <a:ea typeface="에스코어 드림 5 Medium" panose="020B0503030302020204" pitchFamily="34" charset="-127"/>
+                        </a:rPr>
+                        <a:t>-</a:t>
+                      </a:r>
+                      <a:endParaRPr lang="ko-KR" altLang="en-US" sz="1200" dirty="0">
+                        <a:solidFill>
+                          <a:schemeClr val="tx1">
+                            <a:lumMod val="65000"/>
+                            <a:lumOff val="35000"/>
+                          </a:schemeClr>
+                        </a:solidFill>
+                        <a:latin typeface="에스코어 드림 5 Medium" panose="020B0503030302020204" pitchFamily="34" charset="-127"/>
+                        <a:ea typeface="에스코어 드림 5 Medium" panose="020B0503030302020204" pitchFamily="34" charset="-127"/>
+                      </a:endParaRPr>
+                    </a:p>
+                  </a:txBody>
+                  <a:tcPr anchor="ctr">
+                    <a:solidFill>
+                      <a:srgbClr val="DDDDF7"/>
+                    </a:solidFill>
+                  </a:tcPr>
+                </a:tc>
+                <a:tc>
+                  <a:txBody>
+                    <a:bodyPr/>
+                    <a:lstStyle/>
+                    <a:p>
+                      <a:pPr algn="ctr" latinLnBrk="1"/>
+                      <a:r>
+                        <a:rPr lang="ko-KR" altLang="en-US" sz="1200" dirty="0">
+                          <a:solidFill>
+                            <a:schemeClr val="tx1">
+                              <a:lumMod val="65000"/>
+                              <a:lumOff val="35000"/>
+                            </a:schemeClr>
+                          </a:solidFill>
+                          <a:latin typeface="에스코어 드림 5 Medium" panose="020B0503030302020204" pitchFamily="34" charset="-127"/>
+                          <a:ea typeface="에스코어 드림 5 Medium" panose="020B0503030302020204" pitchFamily="34" charset="-127"/>
+                        </a:rPr>
+                        <a:t>글 번호</a:t>
+                      </a:r>
+                    </a:p>
+                  </a:txBody>
+                  <a:tcPr anchor="ctr">
+                    <a:solidFill>
+                      <a:srgbClr val="DDDDF7"/>
+                    </a:solidFill>
+                  </a:tcPr>
+                </a:tc>
+                <a:extLst>
+                  <a:ext uri="{0D108BD9-81ED-4DB2-BD59-A6C34878D82A}">
+                    <a16:rowId xmlns:a16="http://schemas.microsoft.com/office/drawing/2014/main" val="3242359267"/>
+                  </a:ext>
+                </a:extLst>
+              </a:tr>
+              <a:tr h="448597">
+                <a:tc>
+                  <a:txBody>
+                    <a:bodyPr/>
+                    <a:lstStyle/>
+                    <a:p>
+                      <a:pPr algn="ctr" latinLnBrk="1"/>
+                      <a:r>
+                        <a:rPr lang="en-US" altLang="ko-KR" sz="1200" dirty="0">
+                          <a:solidFill>
+                            <a:schemeClr val="tx1">
+                              <a:lumMod val="65000"/>
+                              <a:lumOff val="35000"/>
+                            </a:schemeClr>
+                          </a:solidFill>
+                          <a:latin typeface="에스코어 드림 5 Medium" panose="020B0503030302020204" pitchFamily="34" charset="-127"/>
+                          <a:ea typeface="에스코어 드림 5 Medium" panose="020B0503030302020204" pitchFamily="34" charset="-127"/>
+                        </a:rPr>
+                        <a:t>2</a:t>
+                      </a:r>
+                      <a:endParaRPr lang="ko-KR" altLang="en-US" sz="1200" dirty="0">
+                        <a:solidFill>
+                          <a:schemeClr val="tx1">
+                            <a:lumMod val="65000"/>
+                            <a:lumOff val="35000"/>
+                          </a:schemeClr>
+                        </a:solidFill>
+                        <a:latin typeface="에스코어 드림 5 Medium" panose="020B0503030302020204" pitchFamily="34" charset="-127"/>
+                        <a:ea typeface="에스코어 드림 5 Medium" panose="020B0503030302020204" pitchFamily="34" charset="-127"/>
+                      </a:endParaRPr>
+                    </a:p>
+                  </a:txBody>
+                  <a:tcPr anchor="ctr">
+                    <a:solidFill>
+                      <a:srgbClr val="DDDDF7"/>
+                    </a:solidFill>
+                  </a:tcPr>
+                </a:tc>
+                <a:tc>
+                  <a:txBody>
+                    <a:bodyPr/>
+                    <a:lstStyle/>
+                    <a:p>
+                      <a:pPr marL="0" marR="0" lvl="0" indent="0" algn="ctr" defTabSz="914400" rtl="0" eaLnBrk="1" fontAlgn="auto" latinLnBrk="1" hangingPunct="1">
+                        <a:lnSpc>
+                          <a:spcPct val="100000"/>
+                        </a:lnSpc>
+                        <a:spcBef>
+                          <a:spcPts val="0"/>
+                        </a:spcBef>
+                        <a:spcAft>
+                          <a:spcPts val="0"/>
+                        </a:spcAft>
+                        <a:buClrTx/>
+                        <a:buSzTx/>
+                        <a:buFontTx/>
+                        <a:buNone/>
+                        <a:tabLst/>
+                        <a:defRPr/>
+                      </a:pPr>
+                      <a:r>
+                        <a:rPr lang="en-US" altLang="ko-KR" sz="1200" dirty="0">
+                          <a:solidFill>
+                            <a:schemeClr val="tx1">
+                              <a:lumMod val="65000"/>
+                              <a:lumOff val="35000"/>
+                            </a:schemeClr>
+                          </a:solidFill>
+                          <a:latin typeface="에스코어 드림 5 Medium" panose="020B0503030302020204" pitchFamily="34" charset="-127"/>
+                          <a:ea typeface="에스코어 드림 5 Medium" panose="020B0503030302020204" pitchFamily="34" charset="-127"/>
+                        </a:rPr>
+                        <a:t>w-category</a:t>
+                      </a:r>
+                      <a:endParaRPr lang="ko-KR" altLang="en-US" sz="1200" dirty="0">
+                        <a:solidFill>
+                          <a:schemeClr val="tx1">
+                            <a:lumMod val="65000"/>
+                            <a:lumOff val="35000"/>
+                          </a:schemeClr>
+                        </a:solidFill>
+                        <a:latin typeface="에스코어 드림 5 Medium" panose="020B0503030302020204" pitchFamily="34" charset="-127"/>
+                        <a:ea typeface="에스코어 드림 5 Medium" panose="020B0503030302020204" pitchFamily="34" charset="-127"/>
+                      </a:endParaRPr>
+                    </a:p>
+                  </a:txBody>
+                  <a:tcPr anchor="ctr">
+                    <a:solidFill>
+                      <a:srgbClr val="DDDDF7"/>
+                    </a:solidFill>
+                  </a:tcPr>
+                </a:tc>
+                <a:tc>
+                  <a:txBody>
+                    <a:bodyPr/>
+                    <a:lstStyle/>
+                    <a:p>
+                      <a:pPr algn="ctr" latinLnBrk="1"/>
+                      <a:r>
+                        <a:rPr lang="en-US" altLang="ko-KR" sz="1200" dirty="0">
+                          <a:solidFill>
+                            <a:schemeClr val="tx1">
+                              <a:lumMod val="65000"/>
+                              <a:lumOff val="35000"/>
+                            </a:schemeClr>
+                          </a:solidFill>
+                          <a:latin typeface="에스코어 드림 5 Medium" panose="020B0503030302020204" pitchFamily="34" charset="-127"/>
+                          <a:ea typeface="에스코어 드림 5 Medium" panose="020B0503030302020204" pitchFamily="34" charset="-127"/>
+                        </a:rPr>
+                        <a:t>varchar(10)</a:t>
+                      </a:r>
+                      <a:endParaRPr lang="ko-KR" altLang="en-US" sz="1200" dirty="0">
+                        <a:solidFill>
+                          <a:schemeClr val="tx1">
+                            <a:lumMod val="65000"/>
+                            <a:lumOff val="35000"/>
+                          </a:schemeClr>
+                        </a:solidFill>
+                        <a:latin typeface="에스코어 드림 5 Medium" panose="020B0503030302020204" pitchFamily="34" charset="-127"/>
+                        <a:ea typeface="에스코어 드림 5 Medium" panose="020B0503030302020204" pitchFamily="34" charset="-127"/>
+                      </a:endParaRPr>
+                    </a:p>
+                  </a:txBody>
+                  <a:tcPr anchor="ctr">
+                    <a:solidFill>
+                      <a:srgbClr val="DDDDF7"/>
+                    </a:solidFill>
+                  </a:tcPr>
+                </a:tc>
+                <a:tc>
+                  <a:txBody>
+                    <a:bodyPr/>
+                    <a:lstStyle/>
+                    <a:p>
+                      <a:pPr algn="ctr" latinLnBrk="1"/>
+                      <a:r>
+                        <a:rPr lang="en-US" altLang="ko-KR" sz="1200" dirty="0" err="1">
+                          <a:solidFill>
+                            <a:schemeClr val="tx1">
+                              <a:lumMod val="65000"/>
+                              <a:lumOff val="35000"/>
+                            </a:schemeClr>
+                          </a:solidFill>
+                          <a:latin typeface="에스코어 드림 5 Medium" panose="020B0503030302020204" pitchFamily="34" charset="-127"/>
+                          <a:ea typeface="에스코어 드림 5 Medium" panose="020B0503030302020204" pitchFamily="34" charset="-127"/>
+                        </a:rPr>
+                        <a:t>n.n</a:t>
+                      </a:r>
+                      <a:endParaRPr lang="ko-KR" altLang="en-US" sz="1200" dirty="0">
+                        <a:solidFill>
+                          <a:schemeClr val="tx1">
+                            <a:lumMod val="65000"/>
+                            <a:lumOff val="35000"/>
+                          </a:schemeClr>
+                        </a:solidFill>
+                        <a:latin typeface="에스코어 드림 5 Medium" panose="020B0503030302020204" pitchFamily="34" charset="-127"/>
+                        <a:ea typeface="에스코어 드림 5 Medium" panose="020B0503030302020204" pitchFamily="34" charset="-127"/>
+                      </a:endParaRPr>
+                    </a:p>
+                  </a:txBody>
+                  <a:tcPr anchor="ctr">
+                    <a:solidFill>
+                      <a:srgbClr val="DDDDF7"/>
+                    </a:solidFill>
+                  </a:tcPr>
+                </a:tc>
+                <a:tc>
+                  <a:txBody>
+                    <a:bodyPr/>
+                    <a:lstStyle/>
+                    <a:p>
+                      <a:pPr algn="ctr" latinLnBrk="1"/>
+                      <a:r>
+                        <a:rPr lang="en-US" altLang="ko-KR" sz="1200" dirty="0">
+                          <a:solidFill>
+                            <a:schemeClr val="tx1">
+                              <a:lumMod val="65000"/>
+                              <a:lumOff val="35000"/>
+                            </a:schemeClr>
+                          </a:solidFill>
+                          <a:latin typeface="에스코어 드림 5 Medium" panose="020B0503030302020204" pitchFamily="34" charset="-127"/>
+                          <a:ea typeface="에스코어 드림 5 Medium" panose="020B0503030302020204" pitchFamily="34" charset="-127"/>
+                        </a:rPr>
+                        <a:t>-</a:t>
+                      </a:r>
+                      <a:endParaRPr lang="ko-KR" altLang="en-US" sz="1200" dirty="0">
+                        <a:solidFill>
+                          <a:schemeClr val="tx1">
+                            <a:lumMod val="65000"/>
+                            <a:lumOff val="35000"/>
+                          </a:schemeClr>
+                        </a:solidFill>
+                        <a:latin typeface="에스코어 드림 5 Medium" panose="020B0503030302020204" pitchFamily="34" charset="-127"/>
+                        <a:ea typeface="에스코어 드림 5 Medium" panose="020B0503030302020204" pitchFamily="34" charset="-127"/>
+                      </a:endParaRPr>
+                    </a:p>
+                  </a:txBody>
+                  <a:tcPr anchor="ctr">
+                    <a:solidFill>
+                      <a:srgbClr val="DDDDF7"/>
+                    </a:solidFill>
+                  </a:tcPr>
+                </a:tc>
+                <a:tc>
+                  <a:txBody>
+                    <a:bodyPr/>
+                    <a:lstStyle/>
+                    <a:p>
+                      <a:pPr algn="ctr" latinLnBrk="1"/>
+                      <a:r>
+                        <a:rPr lang="en-US" altLang="ko-KR" sz="1200" dirty="0">
+                          <a:solidFill>
+                            <a:schemeClr val="tx1">
+                              <a:lumMod val="65000"/>
+                              <a:lumOff val="35000"/>
+                            </a:schemeClr>
+                          </a:solidFill>
+                          <a:latin typeface="에스코어 드림 5 Medium" panose="020B0503030302020204" pitchFamily="34" charset="-127"/>
+                          <a:ea typeface="에스코어 드림 5 Medium" panose="020B0503030302020204" pitchFamily="34" charset="-127"/>
+                        </a:rPr>
+                        <a:t>-</a:t>
+                      </a:r>
+                      <a:endParaRPr lang="ko-KR" altLang="en-US" sz="1200" dirty="0">
+                        <a:solidFill>
+                          <a:schemeClr val="tx1">
+                            <a:lumMod val="65000"/>
+                            <a:lumOff val="35000"/>
+                          </a:schemeClr>
+                        </a:solidFill>
+                        <a:latin typeface="에스코어 드림 5 Medium" panose="020B0503030302020204" pitchFamily="34" charset="-127"/>
+                        <a:ea typeface="에스코어 드림 5 Medium" panose="020B0503030302020204" pitchFamily="34" charset="-127"/>
+                      </a:endParaRPr>
+                    </a:p>
+                  </a:txBody>
+                  <a:tcPr anchor="ctr">
+                    <a:solidFill>
+                      <a:srgbClr val="DDDDF7"/>
+                    </a:solidFill>
+                  </a:tcPr>
+                </a:tc>
+                <a:tc>
+                  <a:txBody>
+                    <a:bodyPr/>
+                    <a:lstStyle/>
+                    <a:p>
+                      <a:pPr algn="ctr" latinLnBrk="1"/>
+                      <a:r>
+                        <a:rPr lang="en-US" altLang="ko-KR" sz="1200" dirty="0">
+                          <a:solidFill>
+                            <a:schemeClr val="tx1">
+                              <a:lumMod val="65000"/>
+                              <a:lumOff val="35000"/>
+                            </a:schemeClr>
+                          </a:solidFill>
+                          <a:latin typeface="에스코어 드림 5 Medium" panose="020B0503030302020204" pitchFamily="34" charset="-127"/>
+                          <a:ea typeface="에스코어 드림 5 Medium" panose="020B0503030302020204" pitchFamily="34" charset="-127"/>
+                        </a:rPr>
+                        <a:t>-</a:t>
+                      </a:r>
+                      <a:endParaRPr lang="ko-KR" altLang="en-US" sz="1200" dirty="0">
+                        <a:solidFill>
+                          <a:schemeClr val="tx1">
+                            <a:lumMod val="65000"/>
+                            <a:lumOff val="35000"/>
+                          </a:schemeClr>
+                        </a:solidFill>
+                        <a:latin typeface="에스코어 드림 5 Medium" panose="020B0503030302020204" pitchFamily="34" charset="-127"/>
+                        <a:ea typeface="에스코어 드림 5 Medium" panose="020B0503030302020204" pitchFamily="34" charset="-127"/>
+                      </a:endParaRPr>
+                    </a:p>
+                  </a:txBody>
+                  <a:tcPr anchor="ctr">
+                    <a:solidFill>
+                      <a:srgbClr val="DDDDF7"/>
+                    </a:solidFill>
+                  </a:tcPr>
+                </a:tc>
+                <a:tc>
+                  <a:txBody>
+                    <a:bodyPr/>
+                    <a:lstStyle/>
+                    <a:p>
+                      <a:pPr algn="ctr" latinLnBrk="1"/>
+                      <a:r>
+                        <a:rPr lang="ko-KR" altLang="en-US" sz="1200" dirty="0">
+                          <a:solidFill>
+                            <a:schemeClr val="tx1">
+                              <a:lumMod val="65000"/>
+                              <a:lumOff val="35000"/>
+                            </a:schemeClr>
+                          </a:solidFill>
+                          <a:latin typeface="에스코어 드림 5 Medium" panose="020B0503030302020204" pitchFamily="34" charset="-127"/>
+                          <a:ea typeface="에스코어 드림 5 Medium" panose="020B0503030302020204" pitchFamily="34" charset="-127"/>
+                        </a:rPr>
+                        <a:t>게시판 카테고리</a:t>
+                      </a:r>
+                    </a:p>
+                  </a:txBody>
+                  <a:tcPr anchor="ctr">
+                    <a:solidFill>
+                      <a:srgbClr val="DDDDF7"/>
+                    </a:solidFill>
+                  </a:tcPr>
+                </a:tc>
+                <a:extLst>
+                  <a:ext uri="{0D108BD9-81ED-4DB2-BD59-A6C34878D82A}">
+                    <a16:rowId xmlns:a16="http://schemas.microsoft.com/office/drawing/2014/main" val="4275075617"/>
+                  </a:ext>
+                </a:extLst>
+              </a:tr>
+              <a:tr h="448597">
+                <a:tc>
+                  <a:txBody>
+                    <a:bodyPr/>
+                    <a:lstStyle/>
+                    <a:p>
+                      <a:pPr algn="ctr" latinLnBrk="1"/>
+                      <a:r>
+                        <a:rPr lang="en-US" altLang="ko-KR" sz="1200" dirty="0">
+                          <a:solidFill>
+                            <a:schemeClr val="tx1">
+                              <a:lumMod val="65000"/>
+                              <a:lumOff val="35000"/>
+                            </a:schemeClr>
+                          </a:solidFill>
+                          <a:latin typeface="에스코어 드림 5 Medium" panose="020B0503030302020204" pitchFamily="34" charset="-127"/>
+                          <a:ea typeface="에스코어 드림 5 Medium" panose="020B0503030302020204" pitchFamily="34" charset="-127"/>
+                        </a:rPr>
+                        <a:t>3</a:t>
+                      </a:r>
+                      <a:endParaRPr lang="ko-KR" altLang="en-US" sz="1200" dirty="0">
+                        <a:solidFill>
+                          <a:schemeClr val="tx1">
+                            <a:lumMod val="65000"/>
+                            <a:lumOff val="35000"/>
+                          </a:schemeClr>
+                        </a:solidFill>
+                        <a:latin typeface="에스코어 드림 5 Medium" panose="020B0503030302020204" pitchFamily="34" charset="-127"/>
+                        <a:ea typeface="에스코어 드림 5 Medium" panose="020B0503030302020204" pitchFamily="34" charset="-127"/>
+                      </a:endParaRPr>
+                    </a:p>
+                  </a:txBody>
+                  <a:tcPr anchor="ctr">
+                    <a:solidFill>
+                      <a:srgbClr val="DDDDF7"/>
+                    </a:solidFill>
+                  </a:tcPr>
+                </a:tc>
+                <a:tc>
+                  <a:txBody>
+                    <a:bodyPr/>
+                    <a:lstStyle/>
+                    <a:p>
+                      <a:pPr marL="0" marR="0" lvl="0" indent="0" algn="ctr" defTabSz="914400" rtl="0" eaLnBrk="1" fontAlgn="auto" latinLnBrk="1" hangingPunct="1">
+                        <a:lnSpc>
+                          <a:spcPct val="100000"/>
+                        </a:lnSpc>
+                        <a:spcBef>
+                          <a:spcPts val="0"/>
+                        </a:spcBef>
+                        <a:spcAft>
+                          <a:spcPts val="0"/>
+                        </a:spcAft>
+                        <a:buClrTx/>
+                        <a:buSzTx/>
+                        <a:buFontTx/>
+                        <a:buNone/>
+                        <a:tabLst/>
+                        <a:defRPr/>
+                      </a:pPr>
+                      <a:r>
+                        <a:rPr lang="en-US" altLang="ko-KR" sz="1200" dirty="0">
+                          <a:solidFill>
+                            <a:schemeClr val="tx1">
+                              <a:lumMod val="65000"/>
+                              <a:lumOff val="35000"/>
+                            </a:schemeClr>
+                          </a:solidFill>
+                          <a:latin typeface="에스코어 드림 5 Medium" panose="020B0503030302020204" pitchFamily="34" charset="-127"/>
+                          <a:ea typeface="에스코어 드림 5 Medium" panose="020B0503030302020204" pitchFamily="34" charset="-127"/>
+                        </a:rPr>
+                        <a:t>f-id</a:t>
+                      </a:r>
+                      <a:endParaRPr lang="ko-KR" altLang="en-US" sz="1200" dirty="0">
+                        <a:solidFill>
+                          <a:schemeClr val="tx1">
+                            <a:lumMod val="65000"/>
+                            <a:lumOff val="35000"/>
+                          </a:schemeClr>
+                        </a:solidFill>
+                        <a:latin typeface="에스코어 드림 5 Medium" panose="020B0503030302020204" pitchFamily="34" charset="-127"/>
+                        <a:ea typeface="에스코어 드림 5 Medium" panose="020B0503030302020204" pitchFamily="34" charset="-127"/>
+                      </a:endParaRPr>
+                    </a:p>
+                  </a:txBody>
+                  <a:tcPr anchor="ctr">
+                    <a:solidFill>
+                      <a:srgbClr val="DDDDF7"/>
+                    </a:solidFill>
+                  </a:tcPr>
+                </a:tc>
+                <a:tc>
+                  <a:txBody>
+                    <a:bodyPr/>
+                    <a:lstStyle/>
+                    <a:p>
+                      <a:pPr algn="ctr" latinLnBrk="1"/>
+                      <a:r>
+                        <a:rPr lang="en-US" altLang="ko-KR" sz="1200" dirty="0">
+                          <a:solidFill>
+                            <a:schemeClr val="tx1">
+                              <a:lumMod val="65000"/>
+                              <a:lumOff val="35000"/>
+                            </a:schemeClr>
+                          </a:solidFill>
+                          <a:latin typeface="에스코어 드림 5 Medium" panose="020B0503030302020204" pitchFamily="34" charset="-127"/>
+                          <a:ea typeface="에스코어 드림 5 Medium" panose="020B0503030302020204" pitchFamily="34" charset="-127"/>
+                        </a:rPr>
+                        <a:t>varchar(10)</a:t>
+                      </a:r>
+                      <a:endParaRPr lang="ko-KR" altLang="en-US" sz="1200" dirty="0">
+                        <a:solidFill>
+                          <a:schemeClr val="tx1">
+                            <a:lumMod val="65000"/>
+                            <a:lumOff val="35000"/>
+                          </a:schemeClr>
+                        </a:solidFill>
+                        <a:latin typeface="에스코어 드림 5 Medium" panose="020B0503030302020204" pitchFamily="34" charset="-127"/>
+                        <a:ea typeface="에스코어 드림 5 Medium" panose="020B0503030302020204" pitchFamily="34" charset="-127"/>
+                      </a:endParaRPr>
+                    </a:p>
+                  </a:txBody>
+                  <a:tcPr anchor="ctr">
+                    <a:solidFill>
+                      <a:srgbClr val="DDDDF7"/>
+                    </a:solidFill>
+                  </a:tcPr>
+                </a:tc>
+                <a:tc>
+                  <a:txBody>
+                    <a:bodyPr/>
+                    <a:lstStyle/>
+                    <a:p>
+                      <a:pPr marL="0" marR="0" lvl="0" indent="0" algn="ctr" defTabSz="914400" rtl="0" eaLnBrk="1" fontAlgn="auto" latinLnBrk="1" hangingPunct="1">
+                        <a:lnSpc>
+                          <a:spcPct val="100000"/>
+                        </a:lnSpc>
+                        <a:spcBef>
+                          <a:spcPts val="0"/>
+                        </a:spcBef>
+                        <a:spcAft>
+                          <a:spcPts val="0"/>
+                        </a:spcAft>
+                        <a:buClrTx/>
+                        <a:buSzTx/>
+                        <a:buFontTx/>
+                        <a:buNone/>
+                        <a:tabLst/>
+                        <a:defRPr/>
+                      </a:pPr>
+                      <a:r>
+                        <a:rPr lang="en-US" altLang="ko-KR" sz="1200" dirty="0" err="1">
+                          <a:solidFill>
+                            <a:schemeClr val="tx1">
+                              <a:lumMod val="65000"/>
+                              <a:lumOff val="35000"/>
+                            </a:schemeClr>
+                          </a:solidFill>
+                          <a:latin typeface="에스코어 드림 5 Medium" panose="020B0503030302020204" pitchFamily="34" charset="-127"/>
+                          <a:ea typeface="에스코어 드림 5 Medium" panose="020B0503030302020204" pitchFamily="34" charset="-127"/>
+                        </a:rPr>
+                        <a:t>n.n</a:t>
+                      </a:r>
+                      <a:endParaRPr lang="ko-KR" altLang="en-US" sz="1200" dirty="0">
+                        <a:solidFill>
+                          <a:schemeClr val="tx1">
+                            <a:lumMod val="65000"/>
+                            <a:lumOff val="35000"/>
+                          </a:schemeClr>
+                        </a:solidFill>
+                        <a:latin typeface="에스코어 드림 5 Medium" panose="020B0503030302020204" pitchFamily="34" charset="-127"/>
+                        <a:ea typeface="에스코어 드림 5 Medium" panose="020B0503030302020204" pitchFamily="34" charset="-127"/>
+                      </a:endParaRPr>
+                    </a:p>
+                  </a:txBody>
+                  <a:tcPr anchor="ctr">
+                    <a:solidFill>
+                      <a:srgbClr val="DDDDF7"/>
+                    </a:solidFill>
+                  </a:tcPr>
+                </a:tc>
+                <a:tc>
+                  <a:txBody>
+                    <a:bodyPr/>
+                    <a:lstStyle/>
+                    <a:p>
+                      <a:pPr algn="ctr" latinLnBrk="1"/>
+                      <a:r>
+                        <a:rPr lang="en-US" altLang="ko-KR" sz="1200" dirty="0">
+                          <a:solidFill>
+                            <a:schemeClr val="tx1">
+                              <a:lumMod val="65000"/>
+                              <a:lumOff val="35000"/>
+                            </a:schemeClr>
+                          </a:solidFill>
+                          <a:latin typeface="에스코어 드림 5 Medium" panose="020B0503030302020204" pitchFamily="34" charset="-127"/>
+                          <a:ea typeface="에스코어 드림 5 Medium" panose="020B0503030302020204" pitchFamily="34" charset="-127"/>
+                        </a:rPr>
+                        <a:t>-</a:t>
+                      </a:r>
+                      <a:endParaRPr lang="ko-KR" altLang="en-US" sz="1200" dirty="0">
+                        <a:solidFill>
+                          <a:schemeClr val="tx1">
+                            <a:lumMod val="65000"/>
+                            <a:lumOff val="35000"/>
+                          </a:schemeClr>
+                        </a:solidFill>
+                        <a:latin typeface="에스코어 드림 5 Medium" panose="020B0503030302020204" pitchFamily="34" charset="-127"/>
+                        <a:ea typeface="에스코어 드림 5 Medium" panose="020B0503030302020204" pitchFamily="34" charset="-127"/>
+                      </a:endParaRPr>
+                    </a:p>
+                  </a:txBody>
+                  <a:tcPr anchor="ctr">
+                    <a:solidFill>
+                      <a:srgbClr val="DDDDF7"/>
+                    </a:solidFill>
+                  </a:tcPr>
+                </a:tc>
+                <a:tc>
+                  <a:txBody>
+                    <a:bodyPr/>
+                    <a:lstStyle/>
+                    <a:p>
+                      <a:pPr algn="ctr" latinLnBrk="1"/>
+                      <a:r>
+                        <a:rPr lang="en-US" altLang="ko-KR" sz="1200" dirty="0">
+                          <a:solidFill>
+                            <a:schemeClr val="tx1">
+                              <a:lumMod val="65000"/>
+                              <a:lumOff val="35000"/>
+                            </a:schemeClr>
+                          </a:solidFill>
+                          <a:latin typeface="에스코어 드림 5 Medium" panose="020B0503030302020204" pitchFamily="34" charset="-127"/>
+                          <a:ea typeface="에스코어 드림 5 Medium" panose="020B0503030302020204" pitchFamily="34" charset="-127"/>
+                        </a:rPr>
+                        <a:t>-</a:t>
+                      </a:r>
+                      <a:endParaRPr lang="ko-KR" altLang="en-US" sz="1200" dirty="0">
+                        <a:solidFill>
+                          <a:schemeClr val="tx1">
+                            <a:lumMod val="65000"/>
+                            <a:lumOff val="35000"/>
+                          </a:schemeClr>
+                        </a:solidFill>
+                        <a:latin typeface="에스코어 드림 5 Medium" panose="020B0503030302020204" pitchFamily="34" charset="-127"/>
+                        <a:ea typeface="에스코어 드림 5 Medium" panose="020B0503030302020204" pitchFamily="34" charset="-127"/>
+                      </a:endParaRPr>
+                    </a:p>
+                  </a:txBody>
+                  <a:tcPr anchor="ctr">
+                    <a:solidFill>
+                      <a:srgbClr val="DDDDF7"/>
+                    </a:solidFill>
+                  </a:tcPr>
+                </a:tc>
+                <a:tc>
+                  <a:txBody>
+                    <a:bodyPr/>
+                    <a:lstStyle/>
+                    <a:p>
+                      <a:pPr algn="ctr" latinLnBrk="1"/>
+                      <a:r>
+                        <a:rPr lang="en-US" altLang="ko-KR" sz="1200" dirty="0">
+                          <a:solidFill>
+                            <a:schemeClr val="tx1">
+                              <a:lumMod val="65000"/>
+                              <a:lumOff val="35000"/>
+                            </a:schemeClr>
+                          </a:solidFill>
+                          <a:latin typeface="에스코어 드림 5 Medium" panose="020B0503030302020204" pitchFamily="34" charset="-127"/>
+                          <a:ea typeface="에스코어 드림 5 Medium" panose="020B0503030302020204" pitchFamily="34" charset="-127"/>
+                        </a:rPr>
+                        <a:t>-</a:t>
+                      </a:r>
+                      <a:endParaRPr lang="ko-KR" altLang="en-US" sz="1200" dirty="0">
+                        <a:solidFill>
+                          <a:schemeClr val="tx1">
+                            <a:lumMod val="65000"/>
+                            <a:lumOff val="35000"/>
+                          </a:schemeClr>
+                        </a:solidFill>
+                        <a:latin typeface="에스코어 드림 5 Medium" panose="020B0503030302020204" pitchFamily="34" charset="-127"/>
+                        <a:ea typeface="에스코어 드림 5 Medium" panose="020B0503030302020204" pitchFamily="34" charset="-127"/>
+                      </a:endParaRPr>
+                    </a:p>
+                  </a:txBody>
+                  <a:tcPr anchor="ctr">
+                    <a:solidFill>
+                      <a:srgbClr val="DDDDF7"/>
+                    </a:solidFill>
+                  </a:tcPr>
+                </a:tc>
+                <a:tc>
+                  <a:txBody>
+                    <a:bodyPr/>
+                    <a:lstStyle/>
+                    <a:p>
+                      <a:pPr algn="ctr" latinLnBrk="1"/>
+                      <a:r>
+                        <a:rPr lang="ko-KR" altLang="en-US" sz="1200" dirty="0">
+                          <a:solidFill>
+                            <a:schemeClr val="tx1">
+                              <a:lumMod val="65000"/>
+                              <a:lumOff val="35000"/>
+                            </a:schemeClr>
+                          </a:solidFill>
+                          <a:latin typeface="에스코어 드림 5 Medium" panose="020B0503030302020204" pitchFamily="34" charset="-127"/>
+                          <a:ea typeface="에스코어 드림 5 Medium" panose="020B0503030302020204" pitchFamily="34" charset="-127"/>
+                        </a:rPr>
+                        <a:t>로그인 한 사람</a:t>
+                      </a:r>
+                    </a:p>
+                  </a:txBody>
+                  <a:tcPr anchor="ctr">
+                    <a:solidFill>
+                      <a:srgbClr val="DDDDF7"/>
+                    </a:solidFill>
+                  </a:tcPr>
+                </a:tc>
+                <a:extLst>
+                  <a:ext uri="{0D108BD9-81ED-4DB2-BD59-A6C34878D82A}">
+                    <a16:rowId xmlns:a16="http://schemas.microsoft.com/office/drawing/2014/main" val="832513142"/>
+                  </a:ext>
+                </a:extLst>
+              </a:tr>
+              <a:tr h="448597">
+                <a:tc>
+                  <a:txBody>
+                    <a:bodyPr/>
+                    <a:lstStyle/>
+                    <a:p>
+                      <a:pPr algn="ctr" latinLnBrk="1"/>
+                      <a:r>
+                        <a:rPr lang="en-US" altLang="ko-KR" sz="1200" dirty="0">
+                          <a:solidFill>
+                            <a:schemeClr val="tx1">
+                              <a:lumMod val="65000"/>
+                              <a:lumOff val="35000"/>
+                            </a:schemeClr>
+                          </a:solidFill>
+                          <a:latin typeface="에스코어 드림 5 Medium" panose="020B0503030302020204" pitchFamily="34" charset="-127"/>
+                          <a:ea typeface="에스코어 드림 5 Medium" panose="020B0503030302020204" pitchFamily="34" charset="-127"/>
+                        </a:rPr>
+                        <a:t>4</a:t>
+                      </a:r>
+                      <a:endParaRPr lang="ko-KR" altLang="en-US" sz="1200" dirty="0">
+                        <a:solidFill>
+                          <a:schemeClr val="tx1">
+                            <a:lumMod val="65000"/>
+                            <a:lumOff val="35000"/>
+                          </a:schemeClr>
+                        </a:solidFill>
+                        <a:latin typeface="에스코어 드림 5 Medium" panose="020B0503030302020204" pitchFamily="34" charset="-127"/>
+                        <a:ea typeface="에스코어 드림 5 Medium" panose="020B0503030302020204" pitchFamily="34" charset="-127"/>
+                      </a:endParaRPr>
+                    </a:p>
+                  </a:txBody>
+                  <a:tcPr anchor="ctr">
+                    <a:solidFill>
+                      <a:srgbClr val="DDDDF7"/>
+                    </a:solidFill>
+                  </a:tcPr>
+                </a:tc>
+                <a:tc>
+                  <a:txBody>
+                    <a:bodyPr/>
+                    <a:lstStyle/>
+                    <a:p>
+                      <a:pPr marL="0" marR="0" lvl="0" indent="0" algn="ctr" defTabSz="914400" rtl="0" eaLnBrk="1" fontAlgn="auto" latinLnBrk="1" hangingPunct="1">
+                        <a:lnSpc>
+                          <a:spcPct val="100000"/>
+                        </a:lnSpc>
+                        <a:spcBef>
+                          <a:spcPts val="0"/>
+                        </a:spcBef>
+                        <a:spcAft>
+                          <a:spcPts val="0"/>
+                        </a:spcAft>
+                        <a:buClrTx/>
+                        <a:buSzTx/>
+                        <a:buFontTx/>
+                        <a:buNone/>
+                        <a:tabLst/>
+                        <a:defRPr/>
+                      </a:pPr>
+                      <a:r>
+                        <a:rPr lang="en-US" altLang="ko-KR" sz="1200" dirty="0">
+                          <a:solidFill>
+                            <a:schemeClr val="tx1">
+                              <a:lumMod val="65000"/>
+                              <a:lumOff val="35000"/>
+                            </a:schemeClr>
+                          </a:solidFill>
+                          <a:latin typeface="에스코어 드림 5 Medium" panose="020B0503030302020204" pitchFamily="34" charset="-127"/>
+                          <a:ea typeface="에스코어 드림 5 Medium" panose="020B0503030302020204" pitchFamily="34" charset="-127"/>
+                        </a:rPr>
+                        <a:t>w-title</a:t>
+                      </a:r>
+                      <a:endParaRPr lang="ko-KR" altLang="en-US" sz="1200" dirty="0">
+                        <a:solidFill>
+                          <a:schemeClr val="tx1">
+                            <a:lumMod val="65000"/>
+                            <a:lumOff val="35000"/>
+                          </a:schemeClr>
+                        </a:solidFill>
+                        <a:latin typeface="에스코어 드림 5 Medium" panose="020B0503030302020204" pitchFamily="34" charset="-127"/>
+                        <a:ea typeface="에스코어 드림 5 Medium" panose="020B0503030302020204" pitchFamily="34" charset="-127"/>
+                      </a:endParaRPr>
+                    </a:p>
+                  </a:txBody>
+                  <a:tcPr anchor="ctr">
+                    <a:solidFill>
+                      <a:srgbClr val="DDDDF7"/>
+                    </a:solidFill>
+                  </a:tcPr>
+                </a:tc>
+                <a:tc>
+                  <a:txBody>
+                    <a:bodyPr/>
+                    <a:lstStyle/>
+                    <a:p>
+                      <a:pPr marL="0" marR="0" lvl="0" indent="0" algn="ctr" defTabSz="914400" rtl="0" eaLnBrk="1" fontAlgn="auto" latinLnBrk="1" hangingPunct="1">
+                        <a:lnSpc>
+                          <a:spcPct val="100000"/>
+                        </a:lnSpc>
+                        <a:spcBef>
+                          <a:spcPts val="0"/>
+                        </a:spcBef>
+                        <a:spcAft>
+                          <a:spcPts val="0"/>
+                        </a:spcAft>
+                        <a:buClrTx/>
+                        <a:buSzTx/>
+                        <a:buFontTx/>
+                        <a:buNone/>
+                        <a:tabLst/>
+                        <a:defRPr/>
+                      </a:pPr>
+                      <a:r>
+                        <a:rPr lang="en-US" altLang="ko-KR" sz="1200" dirty="0">
+                          <a:solidFill>
+                            <a:schemeClr val="tx1">
+                              <a:lumMod val="65000"/>
+                              <a:lumOff val="35000"/>
+                            </a:schemeClr>
+                          </a:solidFill>
+                          <a:latin typeface="에스코어 드림 5 Medium" panose="020B0503030302020204" pitchFamily="34" charset="-127"/>
+                          <a:ea typeface="에스코어 드림 5 Medium" panose="020B0503030302020204" pitchFamily="34" charset="-127"/>
+                        </a:rPr>
+                        <a:t>varchar(30)</a:t>
+                      </a:r>
+                      <a:endParaRPr lang="ko-KR" altLang="en-US" sz="1200" dirty="0">
+                        <a:solidFill>
+                          <a:schemeClr val="tx1">
+                            <a:lumMod val="65000"/>
+                            <a:lumOff val="35000"/>
+                          </a:schemeClr>
+                        </a:solidFill>
+                        <a:latin typeface="에스코어 드림 5 Medium" panose="020B0503030302020204" pitchFamily="34" charset="-127"/>
+                        <a:ea typeface="에스코어 드림 5 Medium" panose="020B0503030302020204" pitchFamily="34" charset="-127"/>
+                      </a:endParaRPr>
+                    </a:p>
+                  </a:txBody>
+                  <a:tcPr anchor="ctr">
+                    <a:solidFill>
+                      <a:srgbClr val="DDDDF7"/>
+                    </a:solidFill>
+                  </a:tcPr>
+                </a:tc>
+                <a:tc>
+                  <a:txBody>
+                    <a:bodyPr/>
+                    <a:lstStyle/>
+                    <a:p>
+                      <a:pPr marL="0" marR="0" lvl="0" indent="0" algn="ctr" defTabSz="914400" rtl="0" eaLnBrk="1" fontAlgn="auto" latinLnBrk="1" hangingPunct="1">
+                        <a:lnSpc>
+                          <a:spcPct val="100000"/>
+                        </a:lnSpc>
+                        <a:spcBef>
+                          <a:spcPts val="0"/>
+                        </a:spcBef>
+                        <a:spcAft>
+                          <a:spcPts val="0"/>
+                        </a:spcAft>
+                        <a:buClrTx/>
+                        <a:buSzTx/>
+                        <a:buFontTx/>
+                        <a:buNone/>
+                        <a:tabLst/>
+                        <a:defRPr/>
+                      </a:pPr>
+                      <a:r>
+                        <a:rPr lang="en-US" altLang="ko-KR" sz="1200" dirty="0" err="1">
+                          <a:solidFill>
+                            <a:schemeClr val="tx1">
+                              <a:lumMod val="65000"/>
+                              <a:lumOff val="35000"/>
+                            </a:schemeClr>
+                          </a:solidFill>
+                          <a:latin typeface="에스코어 드림 5 Medium" panose="020B0503030302020204" pitchFamily="34" charset="-127"/>
+                          <a:ea typeface="에스코어 드림 5 Medium" panose="020B0503030302020204" pitchFamily="34" charset="-127"/>
+                        </a:rPr>
+                        <a:t>n.n</a:t>
+                      </a:r>
+                      <a:endParaRPr lang="ko-KR" altLang="en-US" sz="1200" dirty="0">
+                        <a:solidFill>
+                          <a:schemeClr val="tx1">
+                            <a:lumMod val="65000"/>
+                            <a:lumOff val="35000"/>
+                          </a:schemeClr>
+                        </a:solidFill>
+                        <a:latin typeface="에스코어 드림 5 Medium" panose="020B0503030302020204" pitchFamily="34" charset="-127"/>
+                        <a:ea typeface="에스코어 드림 5 Medium" panose="020B0503030302020204" pitchFamily="34" charset="-127"/>
+                      </a:endParaRPr>
+                    </a:p>
+                  </a:txBody>
+                  <a:tcPr anchor="ctr">
+                    <a:solidFill>
+                      <a:srgbClr val="DDDDF7"/>
+                    </a:solidFill>
+                  </a:tcPr>
+                </a:tc>
+                <a:tc>
+                  <a:txBody>
+                    <a:bodyPr/>
+                    <a:lstStyle/>
+                    <a:p>
+                      <a:pPr algn="ctr" latinLnBrk="1"/>
+                      <a:r>
+                        <a:rPr lang="en-US" altLang="ko-KR" sz="1200" dirty="0">
+                          <a:solidFill>
+                            <a:schemeClr val="tx1">
+                              <a:lumMod val="65000"/>
+                              <a:lumOff val="35000"/>
+                            </a:schemeClr>
+                          </a:solidFill>
+                          <a:latin typeface="에스코어 드림 5 Medium" panose="020B0503030302020204" pitchFamily="34" charset="-127"/>
+                          <a:ea typeface="에스코어 드림 5 Medium" panose="020B0503030302020204" pitchFamily="34" charset="-127"/>
+                        </a:rPr>
+                        <a:t>-</a:t>
+                      </a:r>
+                      <a:endParaRPr lang="ko-KR" altLang="en-US" sz="1200" dirty="0">
+                        <a:solidFill>
+                          <a:schemeClr val="tx1">
+                            <a:lumMod val="65000"/>
+                            <a:lumOff val="35000"/>
+                          </a:schemeClr>
+                        </a:solidFill>
+                        <a:latin typeface="에스코어 드림 5 Medium" panose="020B0503030302020204" pitchFamily="34" charset="-127"/>
+                        <a:ea typeface="에스코어 드림 5 Medium" panose="020B0503030302020204" pitchFamily="34" charset="-127"/>
+                      </a:endParaRPr>
+                    </a:p>
+                  </a:txBody>
+                  <a:tcPr anchor="ctr">
+                    <a:solidFill>
+                      <a:srgbClr val="DDDDF7"/>
+                    </a:solidFill>
+                  </a:tcPr>
+                </a:tc>
+                <a:tc>
+                  <a:txBody>
+                    <a:bodyPr/>
+                    <a:lstStyle/>
+                    <a:p>
+                      <a:pPr algn="ctr" latinLnBrk="1"/>
+                      <a:r>
+                        <a:rPr lang="en-US" altLang="ko-KR" sz="1200" dirty="0">
+                          <a:solidFill>
+                            <a:schemeClr val="tx1">
+                              <a:lumMod val="65000"/>
+                              <a:lumOff val="35000"/>
+                            </a:schemeClr>
+                          </a:solidFill>
+                          <a:latin typeface="에스코어 드림 5 Medium" panose="020B0503030302020204" pitchFamily="34" charset="-127"/>
+                          <a:ea typeface="에스코어 드림 5 Medium" panose="020B0503030302020204" pitchFamily="34" charset="-127"/>
+                        </a:rPr>
+                        <a:t>-</a:t>
+                      </a:r>
+                      <a:endParaRPr lang="ko-KR" altLang="en-US" sz="1200" dirty="0">
+                        <a:solidFill>
+                          <a:schemeClr val="tx1">
+                            <a:lumMod val="65000"/>
+                            <a:lumOff val="35000"/>
+                          </a:schemeClr>
+                        </a:solidFill>
+                        <a:latin typeface="에스코어 드림 5 Medium" panose="020B0503030302020204" pitchFamily="34" charset="-127"/>
+                        <a:ea typeface="에스코어 드림 5 Medium" panose="020B0503030302020204" pitchFamily="34" charset="-127"/>
+                      </a:endParaRPr>
+                    </a:p>
+                  </a:txBody>
+                  <a:tcPr anchor="ctr">
+                    <a:solidFill>
+                      <a:srgbClr val="DDDDF7"/>
+                    </a:solidFill>
+                  </a:tcPr>
+                </a:tc>
+                <a:tc>
+                  <a:txBody>
+                    <a:bodyPr/>
+                    <a:lstStyle/>
+                    <a:p>
+                      <a:pPr algn="ctr" latinLnBrk="1"/>
+                      <a:r>
+                        <a:rPr lang="en-US" altLang="ko-KR" sz="1200" dirty="0">
+                          <a:solidFill>
+                            <a:schemeClr val="tx1">
+                              <a:lumMod val="65000"/>
+                              <a:lumOff val="35000"/>
+                            </a:schemeClr>
+                          </a:solidFill>
+                          <a:latin typeface="에스코어 드림 5 Medium" panose="020B0503030302020204" pitchFamily="34" charset="-127"/>
+                          <a:ea typeface="에스코어 드림 5 Medium" panose="020B0503030302020204" pitchFamily="34" charset="-127"/>
+                        </a:rPr>
+                        <a:t>-</a:t>
+                      </a:r>
+                      <a:endParaRPr lang="ko-KR" altLang="en-US" sz="1200" dirty="0">
+                        <a:solidFill>
+                          <a:schemeClr val="tx1">
+                            <a:lumMod val="65000"/>
+                            <a:lumOff val="35000"/>
+                          </a:schemeClr>
+                        </a:solidFill>
+                        <a:latin typeface="에스코어 드림 5 Medium" panose="020B0503030302020204" pitchFamily="34" charset="-127"/>
+                        <a:ea typeface="에스코어 드림 5 Medium" panose="020B0503030302020204" pitchFamily="34" charset="-127"/>
+                      </a:endParaRPr>
+                    </a:p>
+                  </a:txBody>
+                  <a:tcPr anchor="ctr">
+                    <a:solidFill>
+                      <a:srgbClr val="DDDDF7"/>
+                    </a:solidFill>
+                  </a:tcPr>
+                </a:tc>
+                <a:tc>
+                  <a:txBody>
+                    <a:bodyPr/>
+                    <a:lstStyle/>
+                    <a:p>
+                      <a:pPr algn="ctr" latinLnBrk="1"/>
+                      <a:r>
+                        <a:rPr lang="ko-KR" altLang="en-US" sz="1200" dirty="0">
+                          <a:solidFill>
+                            <a:schemeClr val="tx1">
+                              <a:lumMod val="65000"/>
+                              <a:lumOff val="35000"/>
+                            </a:schemeClr>
+                          </a:solidFill>
+                          <a:latin typeface="에스코어 드림 5 Medium" panose="020B0503030302020204" pitchFamily="34" charset="-127"/>
+                          <a:ea typeface="에스코어 드림 5 Medium" panose="020B0503030302020204" pitchFamily="34" charset="-127"/>
+                        </a:rPr>
+                        <a:t>제목</a:t>
+                      </a:r>
+                    </a:p>
+                  </a:txBody>
+                  <a:tcPr anchor="ctr">
+                    <a:solidFill>
+                      <a:srgbClr val="DDDDF7"/>
+                    </a:solidFill>
+                  </a:tcPr>
+                </a:tc>
+                <a:extLst>
+                  <a:ext uri="{0D108BD9-81ED-4DB2-BD59-A6C34878D82A}">
+                    <a16:rowId xmlns:a16="http://schemas.microsoft.com/office/drawing/2014/main" val="3955013574"/>
+                  </a:ext>
+                </a:extLst>
+              </a:tr>
+              <a:tr h="448597">
+                <a:tc>
+                  <a:txBody>
+                    <a:bodyPr/>
+                    <a:lstStyle/>
+                    <a:p>
+                      <a:pPr algn="ctr" latinLnBrk="1"/>
+                      <a:r>
+                        <a:rPr lang="en-US" altLang="ko-KR" sz="1200" dirty="0">
+                          <a:solidFill>
+                            <a:schemeClr val="tx1">
+                              <a:lumMod val="65000"/>
+                              <a:lumOff val="35000"/>
+                            </a:schemeClr>
+                          </a:solidFill>
+                          <a:latin typeface="에스코어 드림 5 Medium" panose="020B0503030302020204" pitchFamily="34" charset="-127"/>
+                          <a:ea typeface="에스코어 드림 5 Medium" panose="020B0503030302020204" pitchFamily="34" charset="-127"/>
+                        </a:rPr>
+                        <a:t>5</a:t>
+                      </a:r>
+                      <a:endParaRPr lang="ko-KR" altLang="en-US" sz="1200" dirty="0">
+                        <a:solidFill>
+                          <a:schemeClr val="tx1">
+                            <a:lumMod val="65000"/>
+                            <a:lumOff val="35000"/>
+                          </a:schemeClr>
+                        </a:solidFill>
+                        <a:latin typeface="에스코어 드림 5 Medium" panose="020B0503030302020204" pitchFamily="34" charset="-127"/>
+                        <a:ea typeface="에스코어 드림 5 Medium" panose="020B0503030302020204" pitchFamily="34" charset="-127"/>
+                      </a:endParaRPr>
+                    </a:p>
+                  </a:txBody>
+                  <a:tcPr anchor="ctr">
+                    <a:solidFill>
+                      <a:srgbClr val="DDDDF7"/>
+                    </a:solidFill>
+                  </a:tcPr>
+                </a:tc>
+                <a:tc>
+                  <a:txBody>
+                    <a:bodyPr/>
+                    <a:lstStyle/>
+                    <a:p>
+                      <a:pPr marL="0" marR="0" lvl="0" indent="0" algn="ctr" defTabSz="914400" rtl="0" eaLnBrk="1" fontAlgn="auto" latinLnBrk="1" hangingPunct="1">
+                        <a:lnSpc>
+                          <a:spcPct val="100000"/>
+                        </a:lnSpc>
+                        <a:spcBef>
+                          <a:spcPts val="0"/>
+                        </a:spcBef>
+                        <a:spcAft>
+                          <a:spcPts val="0"/>
+                        </a:spcAft>
+                        <a:buClrTx/>
+                        <a:buSzTx/>
+                        <a:buFontTx/>
+                        <a:buNone/>
+                        <a:tabLst/>
+                        <a:defRPr/>
+                      </a:pPr>
+                      <a:r>
+                        <a:rPr lang="en-US" altLang="ko-KR" sz="1200" dirty="0">
+                          <a:solidFill>
+                            <a:schemeClr val="tx1">
+                              <a:lumMod val="65000"/>
+                              <a:lumOff val="35000"/>
+                            </a:schemeClr>
+                          </a:solidFill>
+                          <a:latin typeface="에스코어 드림 5 Medium" panose="020B0503030302020204" pitchFamily="34" charset="-127"/>
+                          <a:ea typeface="에스코어 드림 5 Medium" panose="020B0503030302020204" pitchFamily="34" charset="-127"/>
+                        </a:rPr>
+                        <a:t>w-contents</a:t>
+                      </a:r>
+                      <a:endParaRPr lang="ko-KR" altLang="en-US" sz="1200" dirty="0">
+                        <a:solidFill>
+                          <a:schemeClr val="tx1">
+                            <a:lumMod val="65000"/>
+                            <a:lumOff val="35000"/>
+                          </a:schemeClr>
+                        </a:solidFill>
+                        <a:latin typeface="에스코어 드림 5 Medium" panose="020B0503030302020204" pitchFamily="34" charset="-127"/>
+                        <a:ea typeface="에스코어 드림 5 Medium" panose="020B0503030302020204" pitchFamily="34" charset="-127"/>
+                      </a:endParaRPr>
+                    </a:p>
+                  </a:txBody>
+                  <a:tcPr anchor="ctr">
+                    <a:solidFill>
+                      <a:srgbClr val="DDDDF7"/>
+                    </a:solidFill>
+                  </a:tcPr>
+                </a:tc>
+                <a:tc>
+                  <a:txBody>
+                    <a:bodyPr/>
+                    <a:lstStyle/>
+                    <a:p>
+                      <a:pPr marL="0" marR="0" lvl="0" indent="0" algn="ctr" defTabSz="914400" rtl="0" eaLnBrk="1" fontAlgn="auto" latinLnBrk="1" hangingPunct="1">
+                        <a:lnSpc>
+                          <a:spcPct val="100000"/>
+                        </a:lnSpc>
+                        <a:spcBef>
+                          <a:spcPts val="0"/>
+                        </a:spcBef>
+                        <a:spcAft>
+                          <a:spcPts val="0"/>
+                        </a:spcAft>
+                        <a:buClrTx/>
+                        <a:buSzTx/>
+                        <a:buFontTx/>
+                        <a:buNone/>
+                        <a:tabLst/>
+                        <a:defRPr/>
+                      </a:pPr>
+                      <a:r>
+                        <a:rPr lang="en-US" altLang="ko-KR" sz="1200" dirty="0">
+                          <a:solidFill>
+                            <a:schemeClr val="tx1">
+                              <a:lumMod val="65000"/>
+                              <a:lumOff val="35000"/>
+                            </a:schemeClr>
+                          </a:solidFill>
+                          <a:latin typeface="에스코어 드림 5 Medium" panose="020B0503030302020204" pitchFamily="34" charset="-127"/>
+                          <a:ea typeface="에스코어 드림 5 Medium" panose="020B0503030302020204" pitchFamily="34" charset="-127"/>
+                        </a:rPr>
+                        <a:t>varchar(1000)</a:t>
+                      </a:r>
+                      <a:endParaRPr lang="ko-KR" altLang="en-US" sz="1200" dirty="0">
+                        <a:solidFill>
+                          <a:schemeClr val="tx1">
+                            <a:lumMod val="65000"/>
+                            <a:lumOff val="35000"/>
+                          </a:schemeClr>
+                        </a:solidFill>
+                        <a:latin typeface="에스코어 드림 5 Medium" panose="020B0503030302020204" pitchFamily="34" charset="-127"/>
+                        <a:ea typeface="에스코어 드림 5 Medium" panose="020B0503030302020204" pitchFamily="34" charset="-127"/>
+                      </a:endParaRPr>
+                    </a:p>
+                  </a:txBody>
+                  <a:tcPr anchor="ctr">
+                    <a:solidFill>
+                      <a:srgbClr val="DDDDF7"/>
+                    </a:solidFill>
+                  </a:tcPr>
+                </a:tc>
+                <a:tc>
+                  <a:txBody>
+                    <a:bodyPr/>
+                    <a:lstStyle/>
+                    <a:p>
+                      <a:pPr marL="0" marR="0" lvl="0" indent="0" algn="ctr" defTabSz="914400" rtl="0" eaLnBrk="1" fontAlgn="auto" latinLnBrk="1" hangingPunct="1">
+                        <a:lnSpc>
+                          <a:spcPct val="100000"/>
+                        </a:lnSpc>
+                        <a:spcBef>
+                          <a:spcPts val="0"/>
+                        </a:spcBef>
+                        <a:spcAft>
+                          <a:spcPts val="0"/>
+                        </a:spcAft>
+                        <a:buClrTx/>
+                        <a:buSzTx/>
+                        <a:buFontTx/>
+                        <a:buNone/>
+                        <a:tabLst/>
+                        <a:defRPr/>
+                      </a:pPr>
+                      <a:r>
+                        <a:rPr lang="en-US" altLang="ko-KR" sz="1200" dirty="0" err="1">
+                          <a:solidFill>
+                            <a:schemeClr val="tx1">
+                              <a:lumMod val="65000"/>
+                              <a:lumOff val="35000"/>
+                            </a:schemeClr>
+                          </a:solidFill>
+                          <a:latin typeface="에스코어 드림 5 Medium" panose="020B0503030302020204" pitchFamily="34" charset="-127"/>
+                          <a:ea typeface="에스코어 드림 5 Medium" panose="020B0503030302020204" pitchFamily="34" charset="-127"/>
+                        </a:rPr>
+                        <a:t>n.n</a:t>
+                      </a:r>
+                      <a:endParaRPr lang="ko-KR" altLang="en-US" sz="1200" dirty="0">
+                        <a:solidFill>
+                          <a:schemeClr val="tx1">
+                            <a:lumMod val="65000"/>
+                            <a:lumOff val="35000"/>
+                          </a:schemeClr>
+                        </a:solidFill>
+                        <a:latin typeface="에스코어 드림 5 Medium" panose="020B0503030302020204" pitchFamily="34" charset="-127"/>
+                        <a:ea typeface="에스코어 드림 5 Medium" panose="020B0503030302020204" pitchFamily="34" charset="-127"/>
+                      </a:endParaRPr>
+                    </a:p>
+                  </a:txBody>
+                  <a:tcPr anchor="ctr">
+                    <a:solidFill>
+                      <a:srgbClr val="DDDDF7"/>
+                    </a:solidFill>
+                  </a:tcPr>
+                </a:tc>
+                <a:tc>
+                  <a:txBody>
+                    <a:bodyPr/>
+                    <a:lstStyle/>
+                    <a:p>
+                      <a:pPr algn="ctr" latinLnBrk="1"/>
+                      <a:r>
+                        <a:rPr lang="en-US" altLang="ko-KR" sz="1200" dirty="0">
+                          <a:solidFill>
+                            <a:schemeClr val="tx1">
+                              <a:lumMod val="65000"/>
+                              <a:lumOff val="35000"/>
+                            </a:schemeClr>
+                          </a:solidFill>
+                          <a:latin typeface="에스코어 드림 5 Medium" panose="020B0503030302020204" pitchFamily="34" charset="-127"/>
+                          <a:ea typeface="에스코어 드림 5 Medium" panose="020B0503030302020204" pitchFamily="34" charset="-127"/>
+                        </a:rPr>
+                        <a:t>-</a:t>
+                      </a:r>
+                      <a:endParaRPr lang="ko-KR" altLang="en-US" sz="1200" dirty="0">
+                        <a:solidFill>
+                          <a:schemeClr val="tx1">
+                            <a:lumMod val="65000"/>
+                            <a:lumOff val="35000"/>
+                          </a:schemeClr>
+                        </a:solidFill>
+                        <a:latin typeface="에스코어 드림 5 Medium" panose="020B0503030302020204" pitchFamily="34" charset="-127"/>
+                        <a:ea typeface="에스코어 드림 5 Medium" panose="020B0503030302020204" pitchFamily="34" charset="-127"/>
+                      </a:endParaRPr>
+                    </a:p>
+                  </a:txBody>
+                  <a:tcPr anchor="ctr">
+                    <a:solidFill>
+                      <a:srgbClr val="DDDDF7"/>
+                    </a:solidFill>
+                  </a:tcPr>
+                </a:tc>
+                <a:tc>
+                  <a:txBody>
+                    <a:bodyPr/>
+                    <a:lstStyle/>
+                    <a:p>
+                      <a:pPr algn="ctr" latinLnBrk="1"/>
+                      <a:r>
+                        <a:rPr lang="en-US" altLang="ko-KR" sz="1200" dirty="0">
+                          <a:solidFill>
+                            <a:schemeClr val="tx1">
+                              <a:lumMod val="65000"/>
+                              <a:lumOff val="35000"/>
+                            </a:schemeClr>
+                          </a:solidFill>
+                          <a:latin typeface="에스코어 드림 5 Medium" panose="020B0503030302020204" pitchFamily="34" charset="-127"/>
+                          <a:ea typeface="에스코어 드림 5 Medium" panose="020B0503030302020204" pitchFamily="34" charset="-127"/>
+                        </a:rPr>
+                        <a:t>-</a:t>
+                      </a:r>
+                      <a:endParaRPr lang="ko-KR" altLang="en-US" sz="1200" dirty="0">
+                        <a:solidFill>
+                          <a:schemeClr val="tx1">
+                            <a:lumMod val="65000"/>
+                            <a:lumOff val="35000"/>
+                          </a:schemeClr>
+                        </a:solidFill>
+                        <a:latin typeface="에스코어 드림 5 Medium" panose="020B0503030302020204" pitchFamily="34" charset="-127"/>
+                        <a:ea typeface="에스코어 드림 5 Medium" panose="020B0503030302020204" pitchFamily="34" charset="-127"/>
+                      </a:endParaRPr>
+                    </a:p>
+                  </a:txBody>
+                  <a:tcPr anchor="ctr">
+                    <a:solidFill>
+                      <a:srgbClr val="DDDDF7"/>
+                    </a:solidFill>
+                  </a:tcPr>
+                </a:tc>
+                <a:tc>
+                  <a:txBody>
+                    <a:bodyPr/>
+                    <a:lstStyle/>
+                    <a:p>
+                      <a:pPr algn="ctr" latinLnBrk="1"/>
+                      <a:r>
+                        <a:rPr lang="en-US" altLang="ko-KR" sz="1200" dirty="0">
+                          <a:solidFill>
+                            <a:schemeClr val="tx1">
+                              <a:lumMod val="65000"/>
+                              <a:lumOff val="35000"/>
+                            </a:schemeClr>
+                          </a:solidFill>
+                          <a:latin typeface="에스코어 드림 5 Medium" panose="020B0503030302020204" pitchFamily="34" charset="-127"/>
+                          <a:ea typeface="에스코어 드림 5 Medium" panose="020B0503030302020204" pitchFamily="34" charset="-127"/>
+                        </a:rPr>
+                        <a:t>-</a:t>
+                      </a:r>
+                      <a:endParaRPr lang="ko-KR" altLang="en-US" sz="1200" dirty="0">
+                        <a:solidFill>
+                          <a:schemeClr val="tx1">
+                            <a:lumMod val="65000"/>
+                            <a:lumOff val="35000"/>
+                          </a:schemeClr>
+                        </a:solidFill>
+                        <a:latin typeface="에스코어 드림 5 Medium" panose="020B0503030302020204" pitchFamily="34" charset="-127"/>
+                        <a:ea typeface="에스코어 드림 5 Medium" panose="020B0503030302020204" pitchFamily="34" charset="-127"/>
+                      </a:endParaRPr>
+                    </a:p>
+                  </a:txBody>
+                  <a:tcPr anchor="ctr">
+                    <a:solidFill>
+                      <a:srgbClr val="DDDDF7"/>
+                    </a:solidFill>
+                  </a:tcPr>
+                </a:tc>
+                <a:tc>
+                  <a:txBody>
+                    <a:bodyPr/>
+                    <a:lstStyle/>
+                    <a:p>
+                      <a:pPr algn="ctr" latinLnBrk="1"/>
+                      <a:r>
+                        <a:rPr lang="ko-KR" altLang="en-US" sz="1200" dirty="0">
+                          <a:solidFill>
+                            <a:schemeClr val="tx1">
+                              <a:lumMod val="65000"/>
+                              <a:lumOff val="35000"/>
+                            </a:schemeClr>
+                          </a:solidFill>
+                          <a:latin typeface="에스코어 드림 5 Medium" panose="020B0503030302020204" pitchFamily="34" charset="-127"/>
+                          <a:ea typeface="에스코어 드림 5 Medium" panose="020B0503030302020204" pitchFamily="34" charset="-127"/>
+                        </a:rPr>
+                        <a:t>내용</a:t>
+                      </a:r>
+                    </a:p>
+                  </a:txBody>
+                  <a:tcPr anchor="ctr">
+                    <a:solidFill>
+                      <a:srgbClr val="DDDDF7"/>
+                    </a:solidFill>
+                  </a:tcPr>
+                </a:tc>
+                <a:extLst>
+                  <a:ext uri="{0D108BD9-81ED-4DB2-BD59-A6C34878D82A}">
+                    <a16:rowId xmlns:a16="http://schemas.microsoft.com/office/drawing/2014/main" val="1351967923"/>
+                  </a:ext>
+                </a:extLst>
+              </a:tr>
+              <a:tr h="448597">
+                <a:tc>
+                  <a:txBody>
+                    <a:bodyPr/>
+                    <a:lstStyle/>
+                    <a:p>
+                      <a:pPr algn="ctr" latinLnBrk="1"/>
+                      <a:r>
+                        <a:rPr lang="en-US" altLang="ko-KR" sz="1200" dirty="0">
+                          <a:solidFill>
+                            <a:schemeClr val="tx1">
+                              <a:lumMod val="65000"/>
+                              <a:lumOff val="35000"/>
+                            </a:schemeClr>
+                          </a:solidFill>
+                          <a:latin typeface="에스코어 드림 5 Medium" panose="020B0503030302020204" pitchFamily="34" charset="-127"/>
+                          <a:ea typeface="에스코어 드림 5 Medium" panose="020B0503030302020204" pitchFamily="34" charset="-127"/>
+                        </a:rPr>
+                        <a:t>6</a:t>
+                      </a:r>
+                      <a:endParaRPr lang="ko-KR" altLang="en-US" sz="1200" dirty="0">
+                        <a:solidFill>
+                          <a:schemeClr val="tx1">
+                            <a:lumMod val="65000"/>
+                            <a:lumOff val="35000"/>
+                          </a:schemeClr>
+                        </a:solidFill>
+                        <a:latin typeface="에스코어 드림 5 Medium" panose="020B0503030302020204" pitchFamily="34" charset="-127"/>
+                        <a:ea typeface="에스코어 드림 5 Medium" panose="020B0503030302020204" pitchFamily="34" charset="-127"/>
+                      </a:endParaRPr>
+                    </a:p>
+                  </a:txBody>
+                  <a:tcPr anchor="ctr">
+                    <a:solidFill>
+                      <a:srgbClr val="DDDDF7"/>
+                    </a:solidFill>
+                  </a:tcPr>
+                </a:tc>
+                <a:tc>
+                  <a:txBody>
+                    <a:bodyPr/>
+                    <a:lstStyle/>
+                    <a:p>
+                      <a:pPr marL="0" marR="0" lvl="0" indent="0" algn="ctr" defTabSz="914400" rtl="0" eaLnBrk="1" fontAlgn="auto" latinLnBrk="1" hangingPunct="1">
+                        <a:lnSpc>
+                          <a:spcPct val="100000"/>
+                        </a:lnSpc>
+                        <a:spcBef>
+                          <a:spcPts val="0"/>
+                        </a:spcBef>
+                        <a:spcAft>
+                          <a:spcPts val="0"/>
+                        </a:spcAft>
+                        <a:buClrTx/>
+                        <a:buSzTx/>
+                        <a:buFontTx/>
+                        <a:buNone/>
+                        <a:tabLst/>
+                        <a:defRPr/>
+                      </a:pPr>
+                      <a:r>
+                        <a:rPr lang="en-US" altLang="ko-KR" sz="1200" dirty="0">
+                          <a:solidFill>
+                            <a:schemeClr val="tx1">
+                              <a:lumMod val="65000"/>
+                              <a:lumOff val="35000"/>
+                            </a:schemeClr>
+                          </a:solidFill>
+                          <a:latin typeface="에스코어 드림 5 Medium" panose="020B0503030302020204" pitchFamily="34" charset="-127"/>
+                          <a:ea typeface="에스코어 드림 5 Medium" panose="020B0503030302020204" pitchFamily="34" charset="-127"/>
+                        </a:rPr>
+                        <a:t>w-filename</a:t>
+                      </a:r>
+                      <a:endParaRPr lang="ko-KR" altLang="en-US" sz="1200" dirty="0">
+                        <a:solidFill>
+                          <a:schemeClr val="tx1">
+                            <a:lumMod val="65000"/>
+                            <a:lumOff val="35000"/>
+                          </a:schemeClr>
+                        </a:solidFill>
+                        <a:latin typeface="에스코어 드림 5 Medium" panose="020B0503030302020204" pitchFamily="34" charset="-127"/>
+                        <a:ea typeface="에스코어 드림 5 Medium" panose="020B0503030302020204" pitchFamily="34" charset="-127"/>
+                      </a:endParaRPr>
+                    </a:p>
+                  </a:txBody>
+                  <a:tcPr anchor="ctr">
+                    <a:solidFill>
+                      <a:srgbClr val="DDDDF7"/>
+                    </a:solidFill>
+                  </a:tcPr>
+                </a:tc>
+                <a:tc>
+                  <a:txBody>
+                    <a:bodyPr/>
+                    <a:lstStyle/>
+                    <a:p>
+                      <a:pPr marL="0" marR="0" lvl="0" indent="0" algn="ctr" defTabSz="914400" rtl="0" eaLnBrk="1" fontAlgn="auto" latinLnBrk="1" hangingPunct="1">
+                        <a:lnSpc>
+                          <a:spcPct val="100000"/>
+                        </a:lnSpc>
+                        <a:spcBef>
+                          <a:spcPts val="0"/>
+                        </a:spcBef>
+                        <a:spcAft>
+                          <a:spcPts val="0"/>
+                        </a:spcAft>
+                        <a:buClrTx/>
+                        <a:buSzTx/>
+                        <a:buFontTx/>
+                        <a:buNone/>
+                        <a:tabLst/>
+                        <a:defRPr/>
+                      </a:pPr>
+                      <a:r>
+                        <a:rPr lang="en-US" altLang="ko-KR" sz="1200" dirty="0">
+                          <a:solidFill>
+                            <a:schemeClr val="tx1">
+                              <a:lumMod val="65000"/>
+                              <a:lumOff val="35000"/>
+                            </a:schemeClr>
+                          </a:solidFill>
+                          <a:latin typeface="에스코어 드림 5 Medium" panose="020B0503030302020204" pitchFamily="34" charset="-127"/>
+                          <a:ea typeface="에스코어 드림 5 Medium" panose="020B0503030302020204" pitchFamily="34" charset="-127"/>
+                        </a:rPr>
+                        <a:t>Varchar(50)</a:t>
+                      </a:r>
+                      <a:endParaRPr lang="ko-KR" altLang="en-US" sz="1200" dirty="0">
+                        <a:solidFill>
+                          <a:schemeClr val="tx1">
+                            <a:lumMod val="65000"/>
+                            <a:lumOff val="35000"/>
+                          </a:schemeClr>
+                        </a:solidFill>
+                        <a:latin typeface="에스코어 드림 5 Medium" panose="020B0503030302020204" pitchFamily="34" charset="-127"/>
+                        <a:ea typeface="에스코어 드림 5 Medium" panose="020B0503030302020204" pitchFamily="34" charset="-127"/>
+                      </a:endParaRPr>
+                    </a:p>
+                  </a:txBody>
+                  <a:tcPr anchor="ctr">
+                    <a:solidFill>
+                      <a:srgbClr val="DDDDF7"/>
+                    </a:solidFill>
+                  </a:tcPr>
+                </a:tc>
+                <a:tc>
+                  <a:txBody>
+                    <a:bodyPr/>
+                    <a:lstStyle/>
+                    <a:p>
+                      <a:pPr algn="ctr" latinLnBrk="1"/>
+                      <a:r>
+                        <a:rPr lang="en-US" altLang="ko-KR" sz="1200" dirty="0">
+                          <a:solidFill>
+                            <a:schemeClr val="tx1">
+                              <a:lumMod val="65000"/>
+                              <a:lumOff val="35000"/>
+                            </a:schemeClr>
+                          </a:solidFill>
+                          <a:latin typeface="에스코어 드림 5 Medium" panose="020B0503030302020204" pitchFamily="34" charset="-127"/>
+                          <a:ea typeface="에스코어 드림 5 Medium" panose="020B0503030302020204" pitchFamily="34" charset="-127"/>
+                        </a:rPr>
+                        <a:t>-</a:t>
+                      </a:r>
+                      <a:endParaRPr lang="ko-KR" altLang="en-US" sz="1200" dirty="0">
+                        <a:solidFill>
+                          <a:schemeClr val="tx1">
+                            <a:lumMod val="65000"/>
+                            <a:lumOff val="35000"/>
+                          </a:schemeClr>
+                        </a:solidFill>
+                        <a:latin typeface="에스코어 드림 5 Medium" panose="020B0503030302020204" pitchFamily="34" charset="-127"/>
+                        <a:ea typeface="에스코어 드림 5 Medium" panose="020B0503030302020204" pitchFamily="34" charset="-127"/>
+                      </a:endParaRPr>
+                    </a:p>
+                  </a:txBody>
+                  <a:tcPr anchor="ctr">
+                    <a:solidFill>
+                      <a:srgbClr val="DDDDF7"/>
+                    </a:solidFill>
+                  </a:tcPr>
+                </a:tc>
+                <a:tc>
+                  <a:txBody>
+                    <a:bodyPr/>
+                    <a:lstStyle/>
+                    <a:p>
+                      <a:pPr algn="ctr" latinLnBrk="1"/>
+                      <a:r>
+                        <a:rPr lang="en-US" altLang="ko-KR" sz="1200" dirty="0">
+                          <a:solidFill>
+                            <a:schemeClr val="tx1">
+                              <a:lumMod val="65000"/>
+                              <a:lumOff val="35000"/>
+                            </a:schemeClr>
+                          </a:solidFill>
+                          <a:latin typeface="에스코어 드림 5 Medium" panose="020B0503030302020204" pitchFamily="34" charset="-127"/>
+                          <a:ea typeface="에스코어 드림 5 Medium" panose="020B0503030302020204" pitchFamily="34" charset="-127"/>
+                        </a:rPr>
+                        <a:t>-</a:t>
+                      </a:r>
+                      <a:endParaRPr lang="ko-KR" altLang="en-US" sz="1200" dirty="0">
+                        <a:solidFill>
+                          <a:schemeClr val="tx1">
+                            <a:lumMod val="65000"/>
+                            <a:lumOff val="35000"/>
+                          </a:schemeClr>
+                        </a:solidFill>
+                        <a:latin typeface="에스코어 드림 5 Medium" panose="020B0503030302020204" pitchFamily="34" charset="-127"/>
+                        <a:ea typeface="에스코어 드림 5 Medium" panose="020B0503030302020204" pitchFamily="34" charset="-127"/>
+                      </a:endParaRPr>
+                    </a:p>
+                  </a:txBody>
+                  <a:tcPr anchor="ctr">
+                    <a:solidFill>
+                      <a:srgbClr val="DDDDF7"/>
+                    </a:solidFill>
+                  </a:tcPr>
+                </a:tc>
+                <a:tc>
+                  <a:txBody>
+                    <a:bodyPr/>
+                    <a:lstStyle/>
+                    <a:p>
+                      <a:pPr algn="ctr" latinLnBrk="1"/>
+                      <a:r>
+                        <a:rPr lang="en-US" altLang="ko-KR" sz="1200" dirty="0">
+                          <a:solidFill>
+                            <a:schemeClr val="tx1">
+                              <a:lumMod val="65000"/>
+                              <a:lumOff val="35000"/>
+                            </a:schemeClr>
+                          </a:solidFill>
+                          <a:latin typeface="에스코어 드림 5 Medium" panose="020B0503030302020204" pitchFamily="34" charset="-127"/>
+                          <a:ea typeface="에스코어 드림 5 Medium" panose="020B0503030302020204" pitchFamily="34" charset="-127"/>
+                        </a:rPr>
+                        <a:t>-</a:t>
+                      </a:r>
+                      <a:endParaRPr lang="ko-KR" altLang="en-US" sz="1200" dirty="0">
+                        <a:solidFill>
+                          <a:schemeClr val="tx1">
+                            <a:lumMod val="65000"/>
+                            <a:lumOff val="35000"/>
+                          </a:schemeClr>
+                        </a:solidFill>
+                        <a:latin typeface="에스코어 드림 5 Medium" panose="020B0503030302020204" pitchFamily="34" charset="-127"/>
+                        <a:ea typeface="에스코어 드림 5 Medium" panose="020B0503030302020204" pitchFamily="34" charset="-127"/>
+                      </a:endParaRPr>
+                    </a:p>
+                  </a:txBody>
+                  <a:tcPr anchor="ctr">
+                    <a:solidFill>
+                      <a:srgbClr val="DDDDF7"/>
+                    </a:solidFill>
+                  </a:tcPr>
+                </a:tc>
+                <a:tc>
+                  <a:txBody>
+                    <a:bodyPr/>
+                    <a:lstStyle/>
+                    <a:p>
+                      <a:pPr algn="ctr" latinLnBrk="1"/>
+                      <a:r>
+                        <a:rPr lang="en-US" altLang="ko-KR" sz="1200" dirty="0">
+                          <a:solidFill>
+                            <a:schemeClr val="tx1">
+                              <a:lumMod val="65000"/>
+                              <a:lumOff val="35000"/>
+                            </a:schemeClr>
+                          </a:solidFill>
+                          <a:latin typeface="에스코어 드림 5 Medium" panose="020B0503030302020204" pitchFamily="34" charset="-127"/>
+                          <a:ea typeface="에스코어 드림 5 Medium" panose="020B0503030302020204" pitchFamily="34" charset="-127"/>
+                        </a:rPr>
+                        <a:t>-</a:t>
+                      </a:r>
+                      <a:endParaRPr lang="ko-KR" altLang="en-US" sz="1200" dirty="0">
+                        <a:solidFill>
+                          <a:schemeClr val="tx1">
+                            <a:lumMod val="65000"/>
+                            <a:lumOff val="35000"/>
+                          </a:schemeClr>
+                        </a:solidFill>
+                        <a:latin typeface="에스코어 드림 5 Medium" panose="020B0503030302020204" pitchFamily="34" charset="-127"/>
+                        <a:ea typeface="에스코어 드림 5 Medium" panose="020B0503030302020204" pitchFamily="34" charset="-127"/>
+                      </a:endParaRPr>
+                    </a:p>
+                  </a:txBody>
+                  <a:tcPr anchor="ctr">
+                    <a:solidFill>
+                      <a:srgbClr val="DDDDF7"/>
+                    </a:solidFill>
+                  </a:tcPr>
+                </a:tc>
+                <a:tc>
+                  <a:txBody>
+                    <a:bodyPr/>
+                    <a:lstStyle/>
+                    <a:p>
+                      <a:pPr algn="ctr" latinLnBrk="1"/>
+                      <a:r>
+                        <a:rPr lang="ko-KR" altLang="en-US" sz="1200" dirty="0">
+                          <a:solidFill>
+                            <a:schemeClr val="tx1">
+                              <a:lumMod val="65000"/>
+                              <a:lumOff val="35000"/>
+                            </a:schemeClr>
+                          </a:solidFill>
+                          <a:latin typeface="에스코어 드림 5 Medium" panose="020B0503030302020204" pitchFamily="34" charset="-127"/>
+                          <a:ea typeface="에스코어 드림 5 Medium" panose="020B0503030302020204" pitchFamily="34" charset="-127"/>
+                        </a:rPr>
+                        <a:t>파일이름</a:t>
+                      </a:r>
+                    </a:p>
+                  </a:txBody>
+                  <a:tcPr anchor="ctr">
+                    <a:solidFill>
+                      <a:srgbClr val="DDDDF7"/>
+                    </a:solidFill>
+                  </a:tcPr>
+                </a:tc>
+                <a:extLst>
+                  <a:ext uri="{0D108BD9-81ED-4DB2-BD59-A6C34878D82A}">
+                    <a16:rowId xmlns:a16="http://schemas.microsoft.com/office/drawing/2014/main" val="1057998199"/>
+                  </a:ext>
+                </a:extLst>
+              </a:tr>
+              <a:tr h="448597">
+                <a:tc>
+                  <a:txBody>
+                    <a:bodyPr/>
+                    <a:lstStyle/>
+                    <a:p>
+                      <a:pPr algn="ctr" latinLnBrk="1"/>
+                      <a:r>
+                        <a:rPr lang="en-US" altLang="ko-KR" sz="1200" dirty="0">
+                          <a:solidFill>
+                            <a:schemeClr val="tx1">
+                              <a:lumMod val="65000"/>
+                              <a:lumOff val="35000"/>
+                            </a:schemeClr>
+                          </a:solidFill>
+                          <a:latin typeface="에스코어 드림 5 Medium" panose="020B0503030302020204" pitchFamily="34" charset="-127"/>
+                          <a:ea typeface="에스코어 드림 5 Medium" panose="020B0503030302020204" pitchFamily="34" charset="-127"/>
+                        </a:rPr>
+                        <a:t>7</a:t>
+                      </a:r>
+                      <a:endParaRPr lang="ko-KR" altLang="en-US" sz="1200" dirty="0">
+                        <a:solidFill>
+                          <a:schemeClr val="tx1">
+                            <a:lumMod val="65000"/>
+                            <a:lumOff val="35000"/>
+                          </a:schemeClr>
+                        </a:solidFill>
+                        <a:latin typeface="에스코어 드림 5 Medium" panose="020B0503030302020204" pitchFamily="34" charset="-127"/>
+                        <a:ea typeface="에스코어 드림 5 Medium" panose="020B0503030302020204" pitchFamily="34" charset="-127"/>
+                      </a:endParaRPr>
+                    </a:p>
+                  </a:txBody>
+                  <a:tcPr anchor="ctr">
+                    <a:solidFill>
+                      <a:srgbClr val="DDDDF7"/>
+                    </a:solidFill>
+                  </a:tcPr>
+                </a:tc>
+                <a:tc>
+                  <a:txBody>
+                    <a:bodyPr/>
+                    <a:lstStyle/>
+                    <a:p>
+                      <a:pPr marL="0" marR="0" lvl="0" indent="0" algn="ctr" defTabSz="914400" rtl="0" eaLnBrk="1" fontAlgn="auto" latinLnBrk="1" hangingPunct="1">
+                        <a:lnSpc>
+                          <a:spcPct val="100000"/>
+                        </a:lnSpc>
+                        <a:spcBef>
+                          <a:spcPts val="0"/>
+                        </a:spcBef>
+                        <a:spcAft>
+                          <a:spcPts val="0"/>
+                        </a:spcAft>
+                        <a:buClrTx/>
+                        <a:buSzTx/>
+                        <a:buFontTx/>
+                        <a:buNone/>
+                        <a:tabLst/>
+                        <a:defRPr/>
+                      </a:pPr>
+                      <a:r>
+                        <a:rPr lang="en-US" altLang="ko-KR" sz="1200" dirty="0" err="1">
+                          <a:solidFill>
+                            <a:schemeClr val="tx1">
+                              <a:lumMod val="65000"/>
+                              <a:lumOff val="35000"/>
+                            </a:schemeClr>
+                          </a:solidFill>
+                          <a:latin typeface="에스코어 드림 5 Medium" panose="020B0503030302020204" pitchFamily="34" charset="-127"/>
+                          <a:ea typeface="에스코어 드림 5 Medium" panose="020B0503030302020204" pitchFamily="34" charset="-127"/>
+                        </a:rPr>
+                        <a:t>w_hits</a:t>
+                      </a:r>
+                      <a:endParaRPr lang="ko-KR" altLang="en-US" sz="1200" dirty="0">
+                        <a:solidFill>
+                          <a:schemeClr val="tx1">
+                            <a:lumMod val="65000"/>
+                            <a:lumOff val="35000"/>
+                          </a:schemeClr>
+                        </a:solidFill>
+                        <a:latin typeface="에스코어 드림 5 Medium" panose="020B0503030302020204" pitchFamily="34" charset="-127"/>
+                        <a:ea typeface="에스코어 드림 5 Medium" panose="020B0503030302020204" pitchFamily="34" charset="-127"/>
+                      </a:endParaRPr>
+                    </a:p>
+                  </a:txBody>
+                  <a:tcPr anchor="ctr">
+                    <a:solidFill>
+                      <a:srgbClr val="DDDDF7"/>
+                    </a:solidFill>
+                  </a:tcPr>
+                </a:tc>
+                <a:tc>
+                  <a:txBody>
+                    <a:bodyPr/>
+                    <a:lstStyle/>
+                    <a:p>
+                      <a:pPr marL="0" marR="0" lvl="0" indent="0" algn="ctr" defTabSz="914400" rtl="0" eaLnBrk="1" fontAlgn="auto" latinLnBrk="1" hangingPunct="1">
+                        <a:lnSpc>
+                          <a:spcPct val="100000"/>
+                        </a:lnSpc>
+                        <a:spcBef>
+                          <a:spcPts val="0"/>
+                        </a:spcBef>
+                        <a:spcAft>
+                          <a:spcPts val="0"/>
+                        </a:spcAft>
+                        <a:buClrTx/>
+                        <a:buSzTx/>
+                        <a:buFontTx/>
+                        <a:buNone/>
+                        <a:tabLst/>
+                        <a:defRPr/>
+                      </a:pPr>
+                      <a:r>
+                        <a:rPr lang="en-US" altLang="ko-KR" sz="1200" dirty="0">
+                          <a:solidFill>
+                            <a:schemeClr val="tx1">
+                              <a:lumMod val="65000"/>
+                              <a:lumOff val="35000"/>
+                            </a:schemeClr>
+                          </a:solidFill>
+                          <a:latin typeface="에스코어 드림 5 Medium" panose="020B0503030302020204" pitchFamily="34" charset="-127"/>
+                          <a:ea typeface="에스코어 드림 5 Medium" panose="020B0503030302020204" pitchFamily="34" charset="-127"/>
+                        </a:rPr>
+                        <a:t>int</a:t>
+                      </a:r>
+                      <a:endParaRPr lang="ko-KR" altLang="en-US" sz="1200" dirty="0">
+                        <a:solidFill>
+                          <a:schemeClr val="tx1">
+                            <a:lumMod val="65000"/>
+                            <a:lumOff val="35000"/>
+                          </a:schemeClr>
+                        </a:solidFill>
+                        <a:latin typeface="에스코어 드림 5 Medium" panose="020B0503030302020204" pitchFamily="34" charset="-127"/>
+                        <a:ea typeface="에스코어 드림 5 Medium" panose="020B0503030302020204" pitchFamily="34" charset="-127"/>
+                      </a:endParaRPr>
+                    </a:p>
+                  </a:txBody>
+                  <a:tcPr anchor="ctr">
+                    <a:solidFill>
+                      <a:srgbClr val="DDDDF7"/>
+                    </a:solidFill>
+                  </a:tcPr>
+                </a:tc>
+                <a:tc>
+                  <a:txBody>
+                    <a:bodyPr/>
+                    <a:lstStyle/>
+                    <a:p>
+                      <a:pPr algn="ctr" latinLnBrk="1"/>
+                      <a:r>
+                        <a:rPr lang="en-US" altLang="ko-KR" sz="1200" dirty="0">
+                          <a:solidFill>
+                            <a:schemeClr val="tx1">
+                              <a:lumMod val="65000"/>
+                              <a:lumOff val="35000"/>
+                            </a:schemeClr>
+                          </a:solidFill>
+                          <a:latin typeface="에스코어 드림 5 Medium" panose="020B0503030302020204" pitchFamily="34" charset="-127"/>
+                          <a:ea typeface="에스코어 드림 5 Medium" panose="020B0503030302020204" pitchFamily="34" charset="-127"/>
+                        </a:rPr>
+                        <a:t>-</a:t>
+                      </a:r>
+                      <a:endParaRPr lang="ko-KR" altLang="en-US" sz="1200" dirty="0">
+                        <a:solidFill>
+                          <a:schemeClr val="tx1">
+                            <a:lumMod val="65000"/>
+                            <a:lumOff val="35000"/>
+                          </a:schemeClr>
+                        </a:solidFill>
+                        <a:latin typeface="에스코어 드림 5 Medium" panose="020B0503030302020204" pitchFamily="34" charset="-127"/>
+                        <a:ea typeface="에스코어 드림 5 Medium" panose="020B0503030302020204" pitchFamily="34" charset="-127"/>
+                      </a:endParaRPr>
+                    </a:p>
+                  </a:txBody>
+                  <a:tcPr anchor="ctr">
+                    <a:solidFill>
+                      <a:srgbClr val="DDDDF7"/>
+                    </a:solidFill>
+                  </a:tcPr>
+                </a:tc>
+                <a:tc>
+                  <a:txBody>
+                    <a:bodyPr/>
+                    <a:lstStyle/>
+                    <a:p>
+                      <a:pPr algn="ctr" latinLnBrk="1"/>
+                      <a:r>
+                        <a:rPr lang="en-US" altLang="ko-KR" sz="1200" dirty="0">
+                          <a:solidFill>
+                            <a:schemeClr val="tx1">
+                              <a:lumMod val="65000"/>
+                              <a:lumOff val="35000"/>
+                            </a:schemeClr>
+                          </a:solidFill>
+                          <a:latin typeface="에스코어 드림 5 Medium" panose="020B0503030302020204" pitchFamily="34" charset="-127"/>
+                          <a:ea typeface="에스코어 드림 5 Medium" panose="020B0503030302020204" pitchFamily="34" charset="-127"/>
+                        </a:rPr>
+                        <a:t>0</a:t>
+                      </a:r>
+                      <a:endParaRPr lang="ko-KR" altLang="en-US" sz="1200" dirty="0">
+                        <a:solidFill>
+                          <a:schemeClr val="tx1">
+                            <a:lumMod val="65000"/>
+                            <a:lumOff val="35000"/>
+                          </a:schemeClr>
+                        </a:solidFill>
+                        <a:latin typeface="에스코어 드림 5 Medium" panose="020B0503030302020204" pitchFamily="34" charset="-127"/>
+                        <a:ea typeface="에스코어 드림 5 Medium" panose="020B0503030302020204" pitchFamily="34" charset="-127"/>
+                      </a:endParaRPr>
+                    </a:p>
+                  </a:txBody>
+                  <a:tcPr anchor="ctr">
+                    <a:solidFill>
+                      <a:srgbClr val="DDDDF7"/>
+                    </a:solidFill>
+                  </a:tcPr>
+                </a:tc>
+                <a:tc>
+                  <a:txBody>
+                    <a:bodyPr/>
+                    <a:lstStyle/>
+                    <a:p>
+                      <a:pPr algn="ctr" latinLnBrk="1"/>
+                      <a:r>
+                        <a:rPr lang="en-US" altLang="ko-KR" sz="1200" dirty="0">
+                          <a:solidFill>
+                            <a:schemeClr val="tx1">
+                              <a:lumMod val="65000"/>
+                              <a:lumOff val="35000"/>
+                            </a:schemeClr>
+                          </a:solidFill>
+                          <a:latin typeface="에스코어 드림 5 Medium" panose="020B0503030302020204" pitchFamily="34" charset="-127"/>
+                          <a:ea typeface="에스코어 드림 5 Medium" panose="020B0503030302020204" pitchFamily="34" charset="-127"/>
+                        </a:rPr>
+                        <a:t>-</a:t>
+                      </a:r>
+                      <a:endParaRPr lang="ko-KR" altLang="en-US" sz="1200" dirty="0">
+                        <a:solidFill>
+                          <a:schemeClr val="tx1">
+                            <a:lumMod val="65000"/>
+                            <a:lumOff val="35000"/>
+                          </a:schemeClr>
+                        </a:solidFill>
+                        <a:latin typeface="에스코어 드림 5 Medium" panose="020B0503030302020204" pitchFamily="34" charset="-127"/>
+                        <a:ea typeface="에스코어 드림 5 Medium" panose="020B0503030302020204" pitchFamily="34" charset="-127"/>
+                      </a:endParaRPr>
+                    </a:p>
+                  </a:txBody>
+                  <a:tcPr anchor="ctr">
+                    <a:solidFill>
+                      <a:srgbClr val="DDDDF7"/>
+                    </a:solidFill>
+                  </a:tcPr>
+                </a:tc>
+                <a:tc>
+                  <a:txBody>
+                    <a:bodyPr/>
+                    <a:lstStyle/>
+                    <a:p>
+                      <a:pPr algn="ctr" latinLnBrk="1"/>
+                      <a:r>
+                        <a:rPr lang="en-US" altLang="ko-KR" sz="1200" dirty="0">
+                          <a:solidFill>
+                            <a:schemeClr val="tx1">
+                              <a:lumMod val="65000"/>
+                              <a:lumOff val="35000"/>
+                            </a:schemeClr>
+                          </a:solidFill>
+                          <a:latin typeface="에스코어 드림 5 Medium" panose="020B0503030302020204" pitchFamily="34" charset="-127"/>
+                          <a:ea typeface="에스코어 드림 5 Medium" panose="020B0503030302020204" pitchFamily="34" charset="-127"/>
+                        </a:rPr>
+                        <a:t>-</a:t>
+                      </a:r>
+                      <a:endParaRPr lang="ko-KR" altLang="en-US" sz="1200" dirty="0">
+                        <a:solidFill>
+                          <a:schemeClr val="tx1">
+                            <a:lumMod val="65000"/>
+                            <a:lumOff val="35000"/>
+                          </a:schemeClr>
+                        </a:solidFill>
+                        <a:latin typeface="에스코어 드림 5 Medium" panose="020B0503030302020204" pitchFamily="34" charset="-127"/>
+                        <a:ea typeface="에스코어 드림 5 Medium" panose="020B0503030302020204" pitchFamily="34" charset="-127"/>
+                      </a:endParaRPr>
+                    </a:p>
+                  </a:txBody>
+                  <a:tcPr anchor="ctr">
+                    <a:solidFill>
+                      <a:srgbClr val="DDDDF7"/>
+                    </a:solidFill>
+                  </a:tcPr>
+                </a:tc>
+                <a:tc>
+                  <a:txBody>
+                    <a:bodyPr/>
+                    <a:lstStyle/>
+                    <a:p>
+                      <a:pPr algn="ctr" latinLnBrk="1"/>
+                      <a:r>
+                        <a:rPr lang="ko-KR" altLang="en-US" sz="1200" dirty="0">
+                          <a:solidFill>
+                            <a:schemeClr val="tx1">
+                              <a:lumMod val="65000"/>
+                              <a:lumOff val="35000"/>
+                            </a:schemeClr>
+                          </a:solidFill>
+                          <a:latin typeface="에스코어 드림 5 Medium" panose="020B0503030302020204" pitchFamily="34" charset="-127"/>
+                          <a:ea typeface="에스코어 드림 5 Medium" panose="020B0503030302020204" pitchFamily="34" charset="-127"/>
+                        </a:rPr>
+                        <a:t>조회수</a:t>
+                      </a:r>
+                    </a:p>
+                  </a:txBody>
+                  <a:tcPr anchor="ctr">
+                    <a:solidFill>
+                      <a:srgbClr val="DDDDF7"/>
+                    </a:solidFill>
+                  </a:tcPr>
+                </a:tc>
+                <a:extLst>
+                  <a:ext uri="{0D108BD9-81ED-4DB2-BD59-A6C34878D82A}">
+                    <a16:rowId xmlns:a16="http://schemas.microsoft.com/office/drawing/2014/main" val="1420053205"/>
+                  </a:ext>
+                </a:extLst>
+              </a:tr>
+              <a:tr h="449934">
+                <a:tc>
+                  <a:txBody>
+                    <a:bodyPr/>
+                    <a:lstStyle/>
+                    <a:p>
+                      <a:pPr algn="ctr" latinLnBrk="1">
+                        <a:lnSpc>
+                          <a:spcPct val="150000"/>
+                        </a:lnSpc>
+                      </a:pPr>
+                      <a:r>
+                        <a:rPr lang="en-US" altLang="ko-KR" sz="1200" dirty="0">
+                          <a:solidFill>
+                            <a:schemeClr val="tx1">
+                              <a:lumMod val="65000"/>
+                              <a:lumOff val="35000"/>
+                            </a:schemeClr>
+                          </a:solidFill>
+                          <a:latin typeface="에스코어 드림 5 Medium" panose="020B0503030302020204" pitchFamily="34" charset="-127"/>
+                          <a:ea typeface="에스코어 드림 5 Medium" panose="020B0503030302020204" pitchFamily="34" charset="-127"/>
+                        </a:rPr>
+                        <a:t>8</a:t>
+                      </a:r>
+                      <a:endParaRPr lang="ko-KR" altLang="en-US" sz="1200" dirty="0">
+                        <a:solidFill>
+                          <a:schemeClr val="tx1">
+                            <a:lumMod val="65000"/>
+                            <a:lumOff val="35000"/>
+                          </a:schemeClr>
+                        </a:solidFill>
+                        <a:latin typeface="에스코어 드림 5 Medium" panose="020B0503030302020204" pitchFamily="34" charset="-127"/>
+                        <a:ea typeface="에스코어 드림 5 Medium" panose="020B0503030302020204" pitchFamily="34" charset="-127"/>
+                      </a:endParaRPr>
+                    </a:p>
+                  </a:txBody>
+                  <a:tcPr anchor="ctr">
+                    <a:solidFill>
+                      <a:srgbClr val="DDDDF7"/>
+                    </a:solidFill>
+                  </a:tcPr>
+                </a:tc>
+                <a:tc>
+                  <a:txBody>
+                    <a:bodyPr/>
+                    <a:lstStyle/>
+                    <a:p>
+                      <a:pPr marL="0" marR="0" lvl="0" indent="0" algn="ctr" defTabSz="914400" rtl="0" eaLnBrk="1" fontAlgn="auto" latinLnBrk="1" hangingPunct="1">
+                        <a:lnSpc>
+                          <a:spcPct val="100000"/>
+                        </a:lnSpc>
+                        <a:spcBef>
+                          <a:spcPts val="0"/>
+                        </a:spcBef>
+                        <a:spcAft>
+                          <a:spcPts val="0"/>
+                        </a:spcAft>
+                        <a:buClrTx/>
+                        <a:buSzTx/>
+                        <a:buFontTx/>
+                        <a:buNone/>
+                        <a:tabLst/>
+                        <a:defRPr/>
+                      </a:pPr>
+                      <a:r>
+                        <a:rPr lang="en-US" altLang="ko-KR" sz="1200" dirty="0" err="1">
+                          <a:solidFill>
+                            <a:schemeClr val="tx1">
+                              <a:lumMod val="65000"/>
+                              <a:lumOff val="35000"/>
+                            </a:schemeClr>
+                          </a:solidFill>
+                          <a:latin typeface="에스코어 드림 5 Medium" panose="020B0503030302020204" pitchFamily="34" charset="-127"/>
+                          <a:ea typeface="에스코어 드림 5 Medium" panose="020B0503030302020204" pitchFamily="34" charset="-127"/>
+                        </a:rPr>
+                        <a:t>w_date</a:t>
+                      </a:r>
+                      <a:endParaRPr lang="ko-KR" altLang="en-US" sz="1200" dirty="0">
+                        <a:solidFill>
+                          <a:schemeClr val="tx1">
+                            <a:lumMod val="65000"/>
+                            <a:lumOff val="35000"/>
+                          </a:schemeClr>
+                        </a:solidFill>
+                        <a:latin typeface="에스코어 드림 5 Medium" panose="020B0503030302020204" pitchFamily="34" charset="-127"/>
+                        <a:ea typeface="에스코어 드림 5 Medium" panose="020B0503030302020204" pitchFamily="34" charset="-127"/>
+                      </a:endParaRPr>
+                    </a:p>
+                  </a:txBody>
+                  <a:tcPr anchor="ctr">
+                    <a:solidFill>
+                      <a:srgbClr val="DDDDF7"/>
+                    </a:solidFill>
+                  </a:tcPr>
+                </a:tc>
+                <a:tc>
+                  <a:txBody>
+                    <a:bodyPr/>
+                    <a:lstStyle/>
+                    <a:p>
+                      <a:pPr algn="ctr" latinLnBrk="1"/>
+                      <a:r>
+                        <a:rPr lang="en-US" altLang="ko-KR" sz="1200" dirty="0">
+                          <a:solidFill>
+                            <a:schemeClr val="tx1">
+                              <a:lumMod val="65000"/>
+                              <a:lumOff val="35000"/>
+                            </a:schemeClr>
+                          </a:solidFill>
+                          <a:latin typeface="에스코어 드림 5 Medium" panose="020B0503030302020204" pitchFamily="34" charset="-127"/>
+                          <a:ea typeface="에스코어 드림 5 Medium" panose="020B0503030302020204" pitchFamily="34" charset="-127"/>
+                        </a:rPr>
+                        <a:t>timestamp</a:t>
+                      </a:r>
+                      <a:endParaRPr lang="ko-KR" altLang="en-US" sz="1200" dirty="0">
+                        <a:solidFill>
+                          <a:schemeClr val="tx1">
+                            <a:lumMod val="65000"/>
+                            <a:lumOff val="35000"/>
+                          </a:schemeClr>
+                        </a:solidFill>
+                        <a:latin typeface="에스코어 드림 5 Medium" panose="020B0503030302020204" pitchFamily="34" charset="-127"/>
+                        <a:ea typeface="에스코어 드림 5 Medium" panose="020B0503030302020204" pitchFamily="34" charset="-127"/>
+                      </a:endParaRPr>
+                    </a:p>
+                  </a:txBody>
+                  <a:tcPr anchor="ctr">
+                    <a:solidFill>
+                      <a:srgbClr val="DDDDF7"/>
+                    </a:solidFill>
+                  </a:tcPr>
+                </a:tc>
+                <a:tc>
+                  <a:txBody>
+                    <a:bodyPr/>
+                    <a:lstStyle/>
+                    <a:p>
+                      <a:pPr algn="ctr" latinLnBrk="1">
+                        <a:lnSpc>
+                          <a:spcPct val="150000"/>
+                        </a:lnSpc>
+                      </a:pPr>
+                      <a:r>
+                        <a:rPr lang="en-US" altLang="ko-KR" sz="1200" dirty="0">
+                          <a:solidFill>
+                            <a:schemeClr val="tx1">
+                              <a:lumMod val="65000"/>
+                              <a:lumOff val="35000"/>
+                            </a:schemeClr>
+                          </a:solidFill>
+                          <a:latin typeface="에스코어 드림 5 Medium" panose="020B0503030302020204" pitchFamily="34" charset="-127"/>
+                          <a:ea typeface="에스코어 드림 5 Medium" panose="020B0503030302020204" pitchFamily="34" charset="-127"/>
+                        </a:rPr>
+                        <a:t>-</a:t>
+                      </a:r>
+                      <a:endParaRPr lang="ko-KR" altLang="en-US" sz="1200" dirty="0">
+                        <a:solidFill>
+                          <a:schemeClr val="tx1">
+                            <a:lumMod val="65000"/>
+                            <a:lumOff val="35000"/>
+                          </a:schemeClr>
+                        </a:solidFill>
+                        <a:latin typeface="에스코어 드림 5 Medium" panose="020B0503030302020204" pitchFamily="34" charset="-127"/>
+                        <a:ea typeface="에스코어 드림 5 Medium" panose="020B0503030302020204" pitchFamily="34" charset="-127"/>
+                      </a:endParaRPr>
+                    </a:p>
+                  </a:txBody>
+                  <a:tcPr anchor="ctr">
+                    <a:solidFill>
+                      <a:srgbClr val="DDDDF7"/>
+                    </a:solidFill>
+                  </a:tcPr>
+                </a:tc>
+                <a:tc>
+                  <a:txBody>
+                    <a:bodyPr/>
+                    <a:lstStyle/>
+                    <a:p>
+                      <a:pPr algn="ctr" latinLnBrk="1"/>
+                      <a:r>
+                        <a:rPr lang="en-US" altLang="ko-KR" sz="1200" dirty="0">
+                          <a:solidFill>
+                            <a:schemeClr val="tx1">
+                              <a:lumMod val="65000"/>
+                              <a:lumOff val="35000"/>
+                            </a:schemeClr>
+                          </a:solidFill>
+                          <a:latin typeface="에스코어 드림 5 Medium" panose="020B0503030302020204" pitchFamily="34" charset="-127"/>
+                          <a:ea typeface="에스코어 드림 5 Medium" panose="020B0503030302020204" pitchFamily="34" charset="-127"/>
+                        </a:rPr>
+                        <a:t>-</a:t>
+                      </a:r>
+                      <a:endParaRPr lang="ko-KR" altLang="en-US" sz="1200" dirty="0">
+                        <a:solidFill>
+                          <a:schemeClr val="tx1">
+                            <a:lumMod val="65000"/>
+                            <a:lumOff val="35000"/>
+                          </a:schemeClr>
+                        </a:solidFill>
+                        <a:latin typeface="에스코어 드림 5 Medium" panose="020B0503030302020204" pitchFamily="34" charset="-127"/>
+                        <a:ea typeface="에스코어 드림 5 Medium" panose="020B0503030302020204" pitchFamily="34" charset="-127"/>
+                      </a:endParaRPr>
+                    </a:p>
+                  </a:txBody>
+                  <a:tcPr anchor="ctr">
+                    <a:solidFill>
+                      <a:srgbClr val="DDDDF7"/>
+                    </a:solidFill>
+                  </a:tcPr>
+                </a:tc>
+                <a:tc>
+                  <a:txBody>
+                    <a:bodyPr/>
+                    <a:lstStyle/>
+                    <a:p>
+                      <a:pPr algn="ctr" latinLnBrk="1"/>
+                      <a:r>
+                        <a:rPr lang="en-US" altLang="ko-KR" sz="1200" dirty="0">
+                          <a:solidFill>
+                            <a:schemeClr val="tx1">
+                              <a:lumMod val="65000"/>
+                              <a:lumOff val="35000"/>
+                            </a:schemeClr>
+                          </a:solidFill>
+                          <a:latin typeface="에스코어 드림 5 Medium" panose="020B0503030302020204" pitchFamily="34" charset="-127"/>
+                          <a:ea typeface="에스코어 드림 5 Medium" panose="020B0503030302020204" pitchFamily="34" charset="-127"/>
+                        </a:rPr>
+                        <a:t>-</a:t>
+                      </a:r>
+                      <a:endParaRPr lang="ko-KR" altLang="en-US" sz="1200" dirty="0">
+                        <a:solidFill>
+                          <a:schemeClr val="tx1">
+                            <a:lumMod val="65000"/>
+                            <a:lumOff val="35000"/>
+                          </a:schemeClr>
+                        </a:solidFill>
+                        <a:latin typeface="에스코어 드림 5 Medium" panose="020B0503030302020204" pitchFamily="34" charset="-127"/>
+                        <a:ea typeface="에스코어 드림 5 Medium" panose="020B0503030302020204" pitchFamily="34" charset="-127"/>
+                      </a:endParaRPr>
+                    </a:p>
+                  </a:txBody>
+                  <a:tcPr anchor="ctr">
+                    <a:solidFill>
+                      <a:srgbClr val="DDDDF7"/>
+                    </a:solidFill>
+                  </a:tcPr>
+                </a:tc>
+                <a:tc>
+                  <a:txBody>
+                    <a:bodyPr/>
+                    <a:lstStyle/>
+                    <a:p>
+                      <a:pPr algn="ctr" latinLnBrk="1"/>
+                      <a:r>
+                        <a:rPr lang="en-US" altLang="ko-KR" sz="1200" dirty="0">
+                          <a:solidFill>
+                            <a:schemeClr val="tx1">
+                              <a:lumMod val="65000"/>
+                              <a:lumOff val="35000"/>
+                            </a:schemeClr>
+                          </a:solidFill>
+                          <a:latin typeface="에스코어 드림 5 Medium" panose="020B0503030302020204" pitchFamily="34" charset="-127"/>
+                          <a:ea typeface="에스코어 드림 5 Medium" panose="020B0503030302020204" pitchFamily="34" charset="-127"/>
+                        </a:rPr>
+                        <a:t>-</a:t>
+                      </a:r>
+                      <a:endParaRPr lang="ko-KR" altLang="en-US" sz="1200" dirty="0">
+                        <a:solidFill>
+                          <a:schemeClr val="tx1">
+                            <a:lumMod val="65000"/>
+                            <a:lumOff val="35000"/>
+                          </a:schemeClr>
+                        </a:solidFill>
+                        <a:latin typeface="에스코어 드림 5 Medium" panose="020B0503030302020204" pitchFamily="34" charset="-127"/>
+                        <a:ea typeface="에스코어 드림 5 Medium" panose="020B0503030302020204" pitchFamily="34" charset="-127"/>
+                      </a:endParaRPr>
+                    </a:p>
+                  </a:txBody>
+                  <a:tcPr anchor="ctr">
+                    <a:solidFill>
+                      <a:srgbClr val="DDDDF7"/>
+                    </a:solidFill>
+                  </a:tcPr>
+                </a:tc>
+                <a:tc>
+                  <a:txBody>
+                    <a:bodyPr/>
+                    <a:lstStyle/>
+                    <a:p>
+                      <a:pPr algn="ctr" latinLnBrk="1"/>
+                      <a:r>
+                        <a:rPr lang="ko-KR" altLang="en-US" sz="1200" dirty="0">
+                          <a:solidFill>
+                            <a:schemeClr val="tx1">
+                              <a:lumMod val="65000"/>
+                              <a:lumOff val="35000"/>
+                            </a:schemeClr>
+                          </a:solidFill>
+                          <a:latin typeface="에스코어 드림 5 Medium" panose="020B0503030302020204" pitchFamily="34" charset="-127"/>
+                          <a:ea typeface="에스코어 드림 5 Medium" panose="020B0503030302020204" pitchFamily="34" charset="-127"/>
+                        </a:rPr>
+                        <a:t>글 작성시간</a:t>
+                      </a:r>
+                    </a:p>
+                  </a:txBody>
+                  <a:tcPr anchor="ctr">
+                    <a:solidFill>
+                      <a:srgbClr val="DDDDF7"/>
+                    </a:solidFill>
+                  </a:tcPr>
+                </a:tc>
+                <a:extLst>
+                  <a:ext uri="{0D108BD9-81ED-4DB2-BD59-A6C34878D82A}">
+                    <a16:rowId xmlns:a16="http://schemas.microsoft.com/office/drawing/2014/main" val="2151746019"/>
+                  </a:ext>
+                </a:extLst>
+              </a:tr>
+              <a:tr h="696660">
+                <a:tc gridSpan="8">
+                  <a:txBody>
+                    <a:bodyPr/>
+                    <a:lstStyle/>
+                    <a:p>
+                      <a:pPr algn="ctr" latinLnBrk="1">
+                        <a:lnSpc>
+                          <a:spcPct val="150000"/>
+                        </a:lnSpc>
+                      </a:pPr>
+                      <a:r>
+                        <a:rPr lang="ko-KR" altLang="en-US" sz="1200" dirty="0">
+                          <a:solidFill>
+                            <a:schemeClr val="tx1">
+                              <a:lumMod val="65000"/>
+                              <a:lumOff val="35000"/>
+                            </a:schemeClr>
+                          </a:solidFill>
+                          <a:latin typeface="에스코어 드림 5 Medium" panose="020B0503030302020204" pitchFamily="34" charset="-127"/>
+                          <a:ea typeface="에스코어 드림 5 Medium" panose="020B0503030302020204" pitchFamily="34" charset="-127"/>
+                        </a:rPr>
+                        <a:t>공지사항을 위한 테이블입니다</a:t>
+                      </a:r>
+                      <a:r>
+                        <a:rPr lang="en-US" altLang="ko-KR" sz="1200" dirty="0">
+                          <a:solidFill>
+                            <a:schemeClr val="tx1">
+                              <a:lumMod val="65000"/>
+                              <a:lumOff val="35000"/>
+                            </a:schemeClr>
+                          </a:solidFill>
+                          <a:latin typeface="에스코어 드림 5 Medium" panose="020B0503030302020204" pitchFamily="34" charset="-127"/>
+                          <a:ea typeface="에스코어 드림 5 Medium" panose="020B0503030302020204" pitchFamily="34" charset="-127"/>
+                        </a:rPr>
+                        <a:t>. </a:t>
+                      </a:r>
+                      <a:r>
+                        <a:rPr lang="ko-KR" altLang="en-US" sz="1200" dirty="0">
+                          <a:solidFill>
+                            <a:schemeClr val="tx1">
+                              <a:lumMod val="65000"/>
+                              <a:lumOff val="35000"/>
+                            </a:schemeClr>
+                          </a:solidFill>
+                          <a:latin typeface="에스코어 드림 5 Medium" panose="020B0503030302020204" pitchFamily="34" charset="-127"/>
+                          <a:ea typeface="에스코어 드림 5 Medium" panose="020B0503030302020204" pitchFamily="34" charset="-127"/>
+                        </a:rPr>
+                        <a:t>컬럼명은 </a:t>
+                      </a:r>
+                      <a:r>
+                        <a:rPr lang="en-US" altLang="ko-KR" sz="1200" dirty="0" err="1">
+                          <a:solidFill>
+                            <a:schemeClr val="tx1">
+                              <a:lumMod val="65000"/>
+                              <a:lumOff val="35000"/>
+                            </a:schemeClr>
+                          </a:solidFill>
+                          <a:latin typeface="에스코어 드림 5 Medium" panose="020B0503030302020204" pitchFamily="34" charset="-127"/>
+                          <a:ea typeface="에스코어 드림 5 Medium" panose="020B0503030302020204" pitchFamily="34" charset="-127"/>
+                        </a:rPr>
+                        <a:t>odd_write</a:t>
+                      </a:r>
+                      <a:r>
+                        <a:rPr lang="ko-KR" altLang="en-US" sz="1200" dirty="0">
+                          <a:solidFill>
+                            <a:schemeClr val="tx1">
+                              <a:lumMod val="65000"/>
+                              <a:lumOff val="35000"/>
+                            </a:schemeClr>
+                          </a:solidFill>
+                          <a:latin typeface="에스코어 드림 5 Medium" panose="020B0503030302020204" pitchFamily="34" charset="-127"/>
+                          <a:ea typeface="에스코어 드림 5 Medium" panose="020B0503030302020204" pitchFamily="34" charset="-127"/>
+                        </a:rPr>
+                        <a:t>와 동일합니다</a:t>
+                      </a:r>
+                      <a:r>
+                        <a:rPr lang="en-US" altLang="ko-KR" sz="1200">
+                          <a:solidFill>
+                            <a:schemeClr val="tx1">
+                              <a:lumMod val="65000"/>
+                              <a:lumOff val="35000"/>
+                            </a:schemeClr>
+                          </a:solidFill>
+                          <a:latin typeface="에스코어 드림 5 Medium" panose="020B0503030302020204" pitchFamily="34" charset="-127"/>
+                          <a:ea typeface="에스코어 드림 5 Medium" panose="020B0503030302020204" pitchFamily="34" charset="-127"/>
+                        </a:rPr>
+                        <a:t>.</a:t>
+                      </a:r>
+                      <a:endParaRPr lang="ko-KR" altLang="en-US" sz="1200" dirty="0">
+                        <a:solidFill>
+                          <a:schemeClr val="tx1">
+                            <a:lumMod val="65000"/>
+                            <a:lumOff val="35000"/>
+                          </a:schemeClr>
+                        </a:solidFill>
+                        <a:latin typeface="에스코어 드림 5 Medium" panose="020B0503030302020204" pitchFamily="34" charset="-127"/>
+                        <a:ea typeface="에스코어 드림 5 Medium" panose="020B0503030302020204" pitchFamily="34" charset="-127"/>
+                      </a:endParaRPr>
+                    </a:p>
+                  </a:txBody>
+                  <a:tcPr anchor="ctr">
+                    <a:solidFill>
+                      <a:srgbClr val="DDDDF7"/>
+                    </a:solidFill>
+                  </a:tcPr>
+                </a:tc>
+                <a:tc hMerge="1">
+                  <a:txBody>
+                    <a:bodyPr/>
+                    <a:lstStyle/>
+                    <a:p>
+                      <a:pPr latinLnBrk="1"/>
+                      <a:endParaRPr lang="ko-KR" altLang="en-US"/>
+                    </a:p>
+                  </a:txBody>
+                  <a:tcPr/>
+                </a:tc>
+                <a:tc hMerge="1">
+                  <a:txBody>
+                    <a:bodyPr/>
+                    <a:lstStyle/>
+                    <a:p>
+                      <a:pPr latinLnBrk="1"/>
+                      <a:endParaRPr lang="ko-KR" altLang="en-US"/>
+                    </a:p>
+                  </a:txBody>
+                  <a:tcPr/>
+                </a:tc>
+                <a:tc hMerge="1">
+                  <a:txBody>
+                    <a:bodyPr/>
+                    <a:lstStyle/>
+                    <a:p>
+                      <a:pPr latinLnBrk="1"/>
+                      <a:endParaRPr lang="ko-KR" altLang="en-US"/>
+                    </a:p>
+                  </a:txBody>
+                  <a:tcPr/>
+                </a:tc>
+                <a:tc hMerge="1">
+                  <a:txBody>
+                    <a:bodyPr/>
+                    <a:lstStyle/>
+                    <a:p>
+                      <a:pPr latinLnBrk="1"/>
+                      <a:endParaRPr lang="ko-KR" altLang="en-US"/>
+                    </a:p>
+                  </a:txBody>
+                  <a:tcPr/>
+                </a:tc>
+                <a:tc hMerge="1">
+                  <a:txBody>
+                    <a:bodyPr/>
+                    <a:lstStyle/>
+                    <a:p>
+                      <a:pPr latinLnBrk="1"/>
+                      <a:endParaRPr lang="ko-KR" altLang="en-US"/>
+                    </a:p>
+                  </a:txBody>
+                  <a:tcPr/>
+                </a:tc>
+                <a:tc hMerge="1">
+                  <a:txBody>
+                    <a:bodyPr/>
+                    <a:lstStyle/>
+                    <a:p>
+                      <a:pPr latinLnBrk="1"/>
+                      <a:endParaRPr lang="ko-KR" altLang="en-US"/>
+                    </a:p>
+                  </a:txBody>
+                  <a:tcPr/>
+                </a:tc>
+                <a:tc hMerge="1">
+                  <a:txBody>
+                    <a:bodyPr/>
+                    <a:lstStyle/>
+                    <a:p>
+                      <a:pPr latinLnBrk="1"/>
+                      <a:endParaRPr lang="ko-KR" altLang="en-US"/>
+                    </a:p>
+                  </a:txBody>
+                  <a:tcPr/>
+                </a:tc>
+                <a:extLst>
+                  <a:ext uri="{0D108BD9-81ED-4DB2-BD59-A6C34878D82A}">
+                    <a16:rowId xmlns:a16="http://schemas.microsoft.com/office/drawing/2014/main" val="4285355707"/>
+                  </a:ext>
+                </a:extLst>
+              </a:tr>
+            </a:tbl>
+          </a:graphicData>
+        </a:graphic>
+      </p:graphicFrame>
+      <p:sp>
+        <p:nvSpPr>
+          <p:cNvPr id="5" name="TextBox 4">
+            <a:extLst>
+              <a:ext uri="{FF2B5EF4-FFF2-40B4-BE49-F238E27FC236}">
+                <a16:creationId xmlns:a16="http://schemas.microsoft.com/office/drawing/2014/main" id="{5444D583-6522-41F8-86AB-2E5C8F6800EB}"/>
+              </a:ext>
+            </a:extLst>
+          </p:cNvPr>
+          <p:cNvSpPr txBox="1"/>
+          <p:nvPr/>
+        </p:nvSpPr>
+        <p:spPr>
+          <a:xfrm>
+            <a:off x="427990" y="138518"/>
+            <a:ext cx="10610850" cy="322268"/>
+          </a:xfrm>
+          <a:prstGeom prst="rect">
+            <a:avLst/>
+          </a:prstGeom>
+          <a:noFill/>
+        </p:spPr>
+        <p:txBody>
+          <a:bodyPr wrap="square">
+            <a:spAutoFit/>
+          </a:bodyPr>
+          <a:lstStyle/>
+          <a:p>
+            <a:pPr>
+              <a:lnSpc>
+                <a:spcPct val="150000"/>
+              </a:lnSpc>
+            </a:pPr>
+            <a:r>
+              <a:rPr lang="ko-KR" altLang="en-US" sz="1200" dirty="0">
+                <a:solidFill>
+                  <a:srgbClr val="9966FF"/>
+                </a:solidFill>
+                <a:latin typeface="여기어때 잘난체" panose="020B0600000101010101" pitchFamily="50" charset="-127"/>
+                <a:ea typeface="여기어때 잘난체" panose="020B0600000101010101" pitchFamily="50" charset="-127"/>
+              </a:rPr>
+              <a:t>인천일보아카데미 </a:t>
+            </a:r>
+            <a:r>
+              <a:rPr lang="en-US" altLang="ko-KR" sz="1200" dirty="0">
+                <a:solidFill>
+                  <a:srgbClr val="9966FF"/>
+                </a:solidFill>
+                <a:latin typeface="여기어때 잘난체" panose="020B0600000101010101" pitchFamily="50" charset="-127"/>
+                <a:ea typeface="여기어때 잘난체" panose="020B0600000101010101" pitchFamily="50" charset="-127"/>
+              </a:rPr>
+              <a:t>| </a:t>
+            </a:r>
+            <a:r>
+              <a:rPr lang="ko-KR" altLang="en-US" sz="1200" dirty="0" err="1">
+                <a:solidFill>
+                  <a:srgbClr val="9966FF"/>
+                </a:solidFill>
+                <a:latin typeface="여기어때 잘난체" panose="020B0600000101010101" pitchFamily="50" charset="-127"/>
+                <a:ea typeface="여기어때 잘난체" panose="020B0600000101010101" pitchFamily="50" charset="-127"/>
+              </a:rPr>
+              <a:t>파이어베이스를</a:t>
+            </a:r>
+            <a:r>
+              <a:rPr lang="ko-KR" altLang="en-US" sz="1200" dirty="0">
+                <a:solidFill>
+                  <a:srgbClr val="9966FF"/>
+                </a:solidFill>
+                <a:latin typeface="여기어때 잘난체" panose="020B0600000101010101" pitchFamily="50" charset="-127"/>
+                <a:ea typeface="여기어때 잘난체" panose="020B0600000101010101" pitchFamily="50" charset="-127"/>
+              </a:rPr>
+              <a:t> 활용한 </a:t>
+            </a:r>
+            <a:r>
+              <a:rPr lang="ko-KR" altLang="en-US" sz="1200" dirty="0" err="1">
+                <a:solidFill>
+                  <a:srgbClr val="9966FF"/>
+                </a:solidFill>
+                <a:latin typeface="여기어때 잘난체" panose="020B0600000101010101" pitchFamily="50" charset="-127"/>
+                <a:ea typeface="여기어때 잘난체" panose="020B0600000101010101" pitchFamily="50" charset="-127"/>
+              </a:rPr>
+              <a:t>스마트콘텐츠</a:t>
+            </a:r>
+            <a:r>
+              <a:rPr lang="ko-KR" altLang="en-US" sz="1200" dirty="0">
+                <a:solidFill>
+                  <a:srgbClr val="9966FF"/>
+                </a:solidFill>
+                <a:latin typeface="여기어때 잘난체" panose="020B0600000101010101" pitchFamily="50" charset="-127"/>
+                <a:ea typeface="여기어때 잘난체" panose="020B0600000101010101" pitchFamily="50" charset="-127"/>
+              </a:rPr>
+              <a:t> 서비스개발자 양성과정</a:t>
+            </a:r>
+            <a:endParaRPr lang="en-US" altLang="ko-KR" sz="1200" dirty="0">
+              <a:solidFill>
+                <a:srgbClr val="9966FF"/>
+              </a:solidFill>
+              <a:latin typeface="여기어때 잘난체" panose="020B0600000101010101" pitchFamily="50" charset="-127"/>
+              <a:ea typeface="여기어때 잘난체" panose="020B0600000101010101" pitchFamily="50" charset="-127"/>
+            </a:endParaRPr>
+          </a:p>
+        </p:txBody>
+      </p:sp>
+      <p:sp>
+        <p:nvSpPr>
+          <p:cNvPr id="7" name="TextBox 6">
+            <a:extLst>
+              <a:ext uri="{FF2B5EF4-FFF2-40B4-BE49-F238E27FC236}">
+                <a16:creationId xmlns:a16="http://schemas.microsoft.com/office/drawing/2014/main" id="{C086E57D-B5AC-42ED-B606-1784DA3CFB58}"/>
+              </a:ext>
+            </a:extLst>
+          </p:cNvPr>
+          <p:cNvSpPr txBox="1"/>
+          <p:nvPr/>
+        </p:nvSpPr>
+        <p:spPr>
+          <a:xfrm>
+            <a:off x="417830" y="592499"/>
+            <a:ext cx="10610850" cy="683713"/>
+          </a:xfrm>
+          <a:prstGeom prst="rect">
+            <a:avLst/>
+          </a:prstGeom>
+          <a:noFill/>
+        </p:spPr>
+        <p:txBody>
+          <a:bodyPr wrap="square">
+            <a:spAutoFit/>
+          </a:bodyPr>
+          <a:lstStyle/>
+          <a:p>
+            <a:pPr>
+              <a:lnSpc>
+                <a:spcPct val="150000"/>
+              </a:lnSpc>
+            </a:pPr>
+            <a:r>
+              <a:rPr lang="ko-KR" altLang="en-US" sz="1400" dirty="0">
+                <a:solidFill>
+                  <a:schemeClr val="tx1">
+                    <a:lumMod val="65000"/>
+                    <a:lumOff val="35000"/>
+                  </a:schemeClr>
+                </a:solidFill>
+                <a:latin typeface="여기어때 잘난체" panose="020B0600000101010101" pitchFamily="50" charset="-127"/>
+                <a:ea typeface="여기어때 잘난체" panose="020B0600000101010101" pitchFamily="50" charset="-127"/>
+              </a:rPr>
+              <a:t>테이블 이름</a:t>
+            </a:r>
+            <a:r>
+              <a:rPr lang="en-US" altLang="ko-KR" sz="1400" dirty="0">
+                <a:solidFill>
+                  <a:schemeClr val="tx1">
+                    <a:lumMod val="65000"/>
+                    <a:lumOff val="35000"/>
+                  </a:schemeClr>
+                </a:solidFill>
+                <a:latin typeface="여기어때 잘난체" panose="020B0600000101010101" pitchFamily="50" charset="-127"/>
+                <a:ea typeface="여기어때 잘난체" panose="020B0600000101010101" pitchFamily="50" charset="-127"/>
+              </a:rPr>
+              <a:t>:  </a:t>
+            </a:r>
+            <a:r>
+              <a:rPr lang="en-US" altLang="ko-KR" sz="1400" dirty="0" err="1">
+                <a:solidFill>
+                  <a:schemeClr val="tx1">
+                    <a:lumMod val="65000"/>
+                    <a:lumOff val="35000"/>
+                  </a:schemeClr>
+                </a:solidFill>
+                <a:latin typeface="여기어때 잘난체" panose="020B0600000101010101" pitchFamily="50" charset="-127"/>
+                <a:ea typeface="여기어때 잘난체" panose="020B0600000101010101" pitchFamily="50" charset="-127"/>
+              </a:rPr>
+              <a:t>odd_notice</a:t>
+            </a:r>
+            <a:endParaRPr lang="en-US" altLang="ko-KR" sz="1400" dirty="0">
+              <a:solidFill>
+                <a:schemeClr val="tx1">
+                  <a:lumMod val="65000"/>
+                  <a:lumOff val="35000"/>
+                </a:schemeClr>
+              </a:solidFill>
+              <a:latin typeface="여기어때 잘난체" panose="020B0600000101010101" pitchFamily="50" charset="-127"/>
+              <a:ea typeface="여기어때 잘난체" panose="020B0600000101010101" pitchFamily="50" charset="-127"/>
+            </a:endParaRPr>
+          </a:p>
+          <a:p>
+            <a:pPr>
+              <a:lnSpc>
+                <a:spcPct val="150000"/>
+              </a:lnSpc>
+            </a:pPr>
+            <a:r>
+              <a:rPr lang="ko-KR" altLang="en-US" sz="1400" dirty="0">
+                <a:solidFill>
+                  <a:schemeClr val="tx1">
+                    <a:lumMod val="65000"/>
+                    <a:lumOff val="35000"/>
+                  </a:schemeClr>
+                </a:solidFill>
+                <a:latin typeface="여기어때 잘난체" panose="020B0600000101010101" pitchFamily="50" charset="-127"/>
+                <a:ea typeface="여기어때 잘난체" panose="020B0600000101010101" pitchFamily="50" charset="-127"/>
+              </a:rPr>
+              <a:t>테이블 목적</a:t>
+            </a:r>
+            <a:r>
+              <a:rPr lang="en-US" altLang="ko-KR" sz="1400" dirty="0">
+                <a:solidFill>
+                  <a:schemeClr val="tx1">
+                    <a:lumMod val="65000"/>
+                    <a:lumOff val="35000"/>
+                  </a:schemeClr>
+                </a:solidFill>
+                <a:latin typeface="여기어때 잘난체" panose="020B0600000101010101" pitchFamily="50" charset="-127"/>
+                <a:ea typeface="여기어때 잘난체" panose="020B0600000101010101" pitchFamily="50" charset="-127"/>
+              </a:rPr>
+              <a:t>:  </a:t>
+            </a:r>
+            <a:r>
+              <a:rPr lang="ko-KR" altLang="en-US" sz="1400" dirty="0">
+                <a:solidFill>
+                  <a:schemeClr val="tx1">
+                    <a:lumMod val="65000"/>
+                    <a:lumOff val="35000"/>
+                  </a:schemeClr>
+                </a:solidFill>
+                <a:latin typeface="여기어때 잘난체" panose="020B0600000101010101" pitchFamily="50" charset="-127"/>
+                <a:ea typeface="여기어때 잘난체" panose="020B0600000101010101" pitchFamily="50" charset="-127"/>
+              </a:rPr>
+              <a:t>오도독 공지사항</a:t>
+            </a:r>
+            <a:endParaRPr lang="en-US" altLang="ko-KR" sz="1400" dirty="0">
+              <a:solidFill>
+                <a:schemeClr val="tx1">
+                  <a:lumMod val="65000"/>
+                  <a:lumOff val="35000"/>
+                </a:schemeClr>
+              </a:solidFill>
+              <a:latin typeface="여기어때 잘난체" panose="020B0600000101010101" pitchFamily="50" charset="-127"/>
+              <a:ea typeface="여기어때 잘난체" panose="020B0600000101010101" pitchFamily="50" charset="-127"/>
+            </a:endParaRPr>
+          </a:p>
+        </p:txBody>
+      </p:sp>
+    </p:spTree>
+    <p:extLst>
+      <p:ext uri="{BB962C8B-B14F-4D97-AF65-F5344CB8AC3E}">
+        <p14:creationId xmlns:p14="http://schemas.microsoft.com/office/powerpoint/2010/main" val="672892582"/>
+      </p:ext>
+    </p:extLst>
+  </p:cSld>
+  <p:clrMapOvr>
+    <a:masterClrMapping/>
+  </p:clrMapOvr>
+</p:sld>
+</file>
+
+<file path=ppt/slides/slide8.xml><?xml version="1.0" encoding="utf-8"?>
+<p:sld xmlns:a="http://schemas.openxmlformats.org/drawingml/2006/main" xmlns:r="http://schemas.openxmlformats.org/officeDocument/2006/relationships" xmlns:p="http://schemas.openxmlformats.org/presentationml/2006/main">
+  <p:cSld>
+    <p:spTree>
+      <p:nvGrpSpPr>
+        <p:cNvPr id="1" name=""/>
+        <p:cNvGrpSpPr/>
+        <p:nvPr/>
+      </p:nvGrpSpPr>
+      <p:grpSpPr>
+        <a:xfrm>
+          <a:off x="0" y="0"/>
+          <a:ext cx="0" cy="0"/>
+          <a:chOff x="0" y="0"/>
+          <a:chExt cx="0" cy="0"/>
+        </a:xfrm>
+      </p:grpSpPr>
+      <p:graphicFrame>
+        <p:nvGraphicFramePr>
+          <p:cNvPr id="6" name="표 6">
+            <a:extLst>
+              <a:ext uri="{FF2B5EF4-FFF2-40B4-BE49-F238E27FC236}">
+                <a16:creationId xmlns:a16="http://schemas.microsoft.com/office/drawing/2014/main" id="{BF9916BC-D796-48D4-AC8D-A00845A3E4CE}"/>
+              </a:ext>
+            </a:extLst>
+          </p:cNvPr>
+          <p:cNvGraphicFramePr>
+            <a:graphicFrameLocks noGrp="1"/>
+          </p:cNvGraphicFramePr>
+          <p:nvPr>
+            <p:ph idx="1"/>
+            <p:extLst>
+              <p:ext uri="{D42A27DB-BD31-4B8C-83A1-F6EECF244321}">
                 <p14:modId xmlns:p14="http://schemas.microsoft.com/office/powerpoint/2010/main" val="3250785198"/>
               </p:ext>
             </p:extLst>
@@ -23875,7 +30300,7 @@
 </p:sld>
 </file>
 
-<file path=ppt/slides/slide8.xml><?xml version="1.0" encoding="utf-8"?>
+<file path=ppt/slides/slide9.xml><?xml version="1.0" encoding="utf-8"?>
 <p:sld xmlns:a="http://schemas.openxmlformats.org/drawingml/2006/main" xmlns:r="http://schemas.openxmlformats.org/officeDocument/2006/relationships" xmlns:p="http://schemas.openxmlformats.org/presentationml/2006/main">
   <p:cSld>
     <p:spTree>
@@ -27004,3069 +33429,6 @@
     <p:extLst>
       <p:ext uri="{BB962C8B-B14F-4D97-AF65-F5344CB8AC3E}">
         <p14:creationId xmlns:p14="http://schemas.microsoft.com/office/powerpoint/2010/main" val="3202740679"/>
-      </p:ext>
-    </p:extLst>
-  </p:cSld>
-  <p:clrMapOvr>
-    <a:masterClrMapping/>
-  </p:clrMapOvr>
-</p:sld>
-</file>
-
-<file path=ppt/slides/slide9.xml><?xml version="1.0" encoding="utf-8"?>
-<p:sld xmlns:a="http://schemas.openxmlformats.org/drawingml/2006/main" xmlns:r="http://schemas.openxmlformats.org/officeDocument/2006/relationships" xmlns:p="http://schemas.openxmlformats.org/presentationml/2006/main">
-  <p:cSld>
-    <p:spTree>
-      <p:nvGrpSpPr>
-        <p:cNvPr id="1" name=""/>
-        <p:cNvGrpSpPr/>
-        <p:nvPr/>
-      </p:nvGrpSpPr>
-      <p:grpSpPr>
-        <a:xfrm>
-          <a:off x="0" y="0"/>
-          <a:ext cx="0" cy="0"/>
-          <a:chOff x="0" y="0"/>
-          <a:chExt cx="0" cy="0"/>
-        </a:xfrm>
-      </p:grpSpPr>
-      <p:graphicFrame>
-        <p:nvGraphicFramePr>
-          <p:cNvPr id="6" name="표 6">
-            <a:extLst>
-              <a:ext uri="{FF2B5EF4-FFF2-40B4-BE49-F238E27FC236}">
-                <a16:creationId xmlns:a16="http://schemas.microsoft.com/office/drawing/2014/main" id="{BF9916BC-D796-48D4-AC8D-A00845A3E4CE}"/>
-              </a:ext>
-            </a:extLst>
-          </p:cNvPr>
-          <p:cNvGraphicFramePr>
-            <a:graphicFrameLocks noGrp="1"/>
-          </p:cNvGraphicFramePr>
-          <p:nvPr>
-            <p:ph idx="1"/>
-            <p:extLst>
-              <p:ext uri="{D42A27DB-BD31-4B8C-83A1-F6EECF244321}">
-                <p14:modId xmlns:p14="http://schemas.microsoft.com/office/powerpoint/2010/main" val="3881425408"/>
-              </p:ext>
-            </p:extLst>
-          </p:nvPr>
-        </p:nvGraphicFramePr>
-        <p:xfrm>
-          <a:off x="492760" y="1419548"/>
-          <a:ext cx="11231881" cy="4991577"/>
-        </p:xfrm>
-        <a:graphic>
-          <a:graphicData uri="http://schemas.openxmlformats.org/drawingml/2006/table">
-            <a:tbl>
-              <a:tblPr firstRow="1">
-                <a:tableStyleId>{5C22544A-7EE6-4342-B048-85BDC9FD1C3A}</a:tableStyleId>
-              </a:tblPr>
-              <a:tblGrid>
-                <a:gridCol w="656550">
-                  <a:extLst>
-                    <a:ext uri="{9D8B030D-6E8A-4147-A177-3AD203B41FA5}">
-                      <a16:colId xmlns:a16="http://schemas.microsoft.com/office/drawing/2014/main" val="3299733678"/>
-                    </a:ext>
-                  </a:extLst>
-                </a:gridCol>
-                <a:gridCol w="1682069">
-                  <a:extLst>
-                    <a:ext uri="{9D8B030D-6E8A-4147-A177-3AD203B41FA5}">
-                      <a16:colId xmlns:a16="http://schemas.microsoft.com/office/drawing/2014/main" val="3854077233"/>
-                    </a:ext>
-                  </a:extLst>
-                </a:gridCol>
-                <a:gridCol w="1873337">
-                  <a:extLst>
-                    <a:ext uri="{9D8B030D-6E8A-4147-A177-3AD203B41FA5}">
-                      <a16:colId xmlns:a16="http://schemas.microsoft.com/office/drawing/2014/main" val="2851978791"/>
-                    </a:ext>
-                  </a:extLst>
-                </a:gridCol>
-                <a:gridCol w="796270">
-                  <a:extLst>
-                    <a:ext uri="{9D8B030D-6E8A-4147-A177-3AD203B41FA5}">
-                      <a16:colId xmlns:a16="http://schemas.microsoft.com/office/drawing/2014/main" val="867304107"/>
-                    </a:ext>
-                  </a:extLst>
-                </a:gridCol>
-                <a:gridCol w="759644">
-                  <a:extLst>
-                    <a:ext uri="{9D8B030D-6E8A-4147-A177-3AD203B41FA5}">
-                      <a16:colId xmlns:a16="http://schemas.microsoft.com/office/drawing/2014/main" val="270898510"/>
-                    </a:ext>
-                  </a:extLst>
-                </a:gridCol>
-                <a:gridCol w="759644">
-                  <a:extLst>
-                    <a:ext uri="{9D8B030D-6E8A-4147-A177-3AD203B41FA5}">
-                      <a16:colId xmlns:a16="http://schemas.microsoft.com/office/drawing/2014/main" val="561658927"/>
-                    </a:ext>
-                  </a:extLst>
-                </a:gridCol>
-                <a:gridCol w="1313099">
-                  <a:extLst>
-                    <a:ext uri="{9D8B030D-6E8A-4147-A177-3AD203B41FA5}">
-                      <a16:colId xmlns:a16="http://schemas.microsoft.com/office/drawing/2014/main" val="787287434"/>
-                    </a:ext>
-                  </a:extLst>
-                </a:gridCol>
-                <a:gridCol w="3391268">
-                  <a:extLst>
-                    <a:ext uri="{9D8B030D-6E8A-4147-A177-3AD203B41FA5}">
-                      <a16:colId xmlns:a16="http://schemas.microsoft.com/office/drawing/2014/main" val="1622336092"/>
-                    </a:ext>
-                  </a:extLst>
-                </a:gridCol>
-              </a:tblGrid>
-              <a:tr h="458078">
-                <a:tc>
-                  <a:txBody>
-                    <a:bodyPr/>
-                    <a:lstStyle/>
-                    <a:p>
-                      <a:pPr algn="ctr" latinLnBrk="1"/>
-                      <a:r>
-                        <a:rPr lang="ko-KR" altLang="en-US" sz="1400" dirty="0">
-                          <a:latin typeface="에스코어 드림 6 Bold" panose="020B0703030302020204" pitchFamily="34" charset="-127"/>
-                          <a:ea typeface="에스코어 드림 6 Bold" panose="020B0703030302020204" pitchFamily="34" charset="-127"/>
-                        </a:rPr>
-                        <a:t>번호</a:t>
-                      </a:r>
-                    </a:p>
-                  </a:txBody>
-                  <a:tcPr anchor="ctr">
-                    <a:solidFill>
-                      <a:srgbClr val="9966FF"/>
-                    </a:solidFill>
-                  </a:tcPr>
-                </a:tc>
-                <a:tc>
-                  <a:txBody>
-                    <a:bodyPr/>
-                    <a:lstStyle/>
-                    <a:p>
-                      <a:pPr algn="ctr" latinLnBrk="1"/>
-                      <a:r>
-                        <a:rPr lang="ko-KR" altLang="en-US" sz="1400">
-                          <a:latin typeface="에스코어 드림 6 Bold" panose="020B0703030302020204" pitchFamily="34" charset="-127"/>
-                          <a:ea typeface="에스코어 드림 6 Bold" panose="020B0703030302020204" pitchFamily="34" charset="-127"/>
-                        </a:rPr>
-                        <a:t>컬럼</a:t>
-                      </a:r>
-                      <a:endParaRPr lang="ko-KR" altLang="en-US" sz="1400" dirty="0">
-                        <a:latin typeface="에스코어 드림 6 Bold" panose="020B0703030302020204" pitchFamily="34" charset="-127"/>
-                        <a:ea typeface="에스코어 드림 6 Bold" panose="020B0703030302020204" pitchFamily="34" charset="-127"/>
-                      </a:endParaRPr>
-                    </a:p>
-                  </a:txBody>
-                  <a:tcPr anchor="ctr">
-                    <a:solidFill>
-                      <a:srgbClr val="9966FF"/>
-                    </a:solidFill>
-                  </a:tcPr>
-                </a:tc>
-                <a:tc>
-                  <a:txBody>
-                    <a:bodyPr/>
-                    <a:lstStyle/>
-                    <a:p>
-                      <a:pPr algn="ctr" latinLnBrk="1"/>
-                      <a:r>
-                        <a:rPr lang="ko-KR" altLang="en-US" sz="1400">
-                          <a:latin typeface="에스코어 드림 6 Bold" panose="020B0703030302020204" pitchFamily="34" charset="-127"/>
-                          <a:ea typeface="에스코어 드림 6 Bold" panose="020B0703030302020204" pitchFamily="34" charset="-127"/>
-                        </a:rPr>
-                        <a:t>타입</a:t>
-                      </a:r>
-                      <a:r>
-                        <a:rPr lang="en-US" altLang="ko-KR" sz="1400">
-                          <a:latin typeface="에스코어 드림 6 Bold" panose="020B0703030302020204" pitchFamily="34" charset="-127"/>
-                          <a:ea typeface="에스코어 드림 6 Bold" panose="020B0703030302020204" pitchFamily="34" charset="-127"/>
-                        </a:rPr>
-                        <a:t>(</a:t>
-                      </a:r>
-                      <a:r>
-                        <a:rPr lang="ko-KR" altLang="en-US" sz="1400">
-                          <a:latin typeface="에스코어 드림 6 Bold" panose="020B0703030302020204" pitchFamily="34" charset="-127"/>
-                          <a:ea typeface="에스코어 드림 6 Bold" panose="020B0703030302020204" pitchFamily="34" charset="-127"/>
-                        </a:rPr>
-                        <a:t>크기</a:t>
-                      </a:r>
-                      <a:r>
-                        <a:rPr lang="en-US" altLang="ko-KR" sz="1400">
-                          <a:latin typeface="에스코어 드림 6 Bold" panose="020B0703030302020204" pitchFamily="34" charset="-127"/>
-                          <a:ea typeface="에스코어 드림 6 Bold" panose="020B0703030302020204" pitchFamily="34" charset="-127"/>
-                        </a:rPr>
-                        <a:t>)</a:t>
-                      </a:r>
-                      <a:endParaRPr lang="ko-KR" altLang="en-US" sz="1400" dirty="0">
-                        <a:latin typeface="에스코어 드림 6 Bold" panose="020B0703030302020204" pitchFamily="34" charset="-127"/>
-                        <a:ea typeface="에스코어 드림 6 Bold" panose="020B0703030302020204" pitchFamily="34" charset="-127"/>
-                      </a:endParaRPr>
-                    </a:p>
-                  </a:txBody>
-                  <a:tcPr anchor="ctr">
-                    <a:solidFill>
-                      <a:srgbClr val="9966FF"/>
-                    </a:solidFill>
-                  </a:tcPr>
-                </a:tc>
-                <a:tc>
-                  <a:txBody>
-                    <a:bodyPr/>
-                    <a:lstStyle/>
-                    <a:p>
-                      <a:pPr algn="ctr" latinLnBrk="1"/>
-                      <a:r>
-                        <a:rPr lang="en-US" altLang="ko-KR" sz="1400">
-                          <a:latin typeface="에스코어 드림 6 Bold" panose="020B0703030302020204" pitchFamily="34" charset="-127"/>
-                          <a:ea typeface="에스코어 드림 6 Bold" panose="020B0703030302020204" pitchFamily="34" charset="-127"/>
-                        </a:rPr>
-                        <a:t>null</a:t>
-                      </a:r>
-                      <a:endParaRPr lang="ko-KR" altLang="en-US" sz="1400" dirty="0">
-                        <a:latin typeface="에스코어 드림 6 Bold" panose="020B0703030302020204" pitchFamily="34" charset="-127"/>
-                        <a:ea typeface="에스코어 드림 6 Bold" panose="020B0703030302020204" pitchFamily="34" charset="-127"/>
-                      </a:endParaRPr>
-                    </a:p>
-                  </a:txBody>
-                  <a:tcPr anchor="ctr">
-                    <a:solidFill>
-                      <a:srgbClr val="9966FF"/>
-                    </a:solidFill>
-                  </a:tcPr>
-                </a:tc>
-                <a:tc>
-                  <a:txBody>
-                    <a:bodyPr/>
-                    <a:lstStyle/>
-                    <a:p>
-                      <a:pPr algn="ctr" latinLnBrk="1"/>
-                      <a:r>
-                        <a:rPr lang="ko-KR" altLang="en-US" sz="1400">
-                          <a:latin typeface="에스코어 드림 6 Bold" panose="020B0703030302020204" pitchFamily="34" charset="-127"/>
-                          <a:ea typeface="에스코어 드림 6 Bold" panose="020B0703030302020204" pitchFamily="34" charset="-127"/>
-                        </a:rPr>
-                        <a:t>기본값</a:t>
-                      </a:r>
-                      <a:endParaRPr lang="ko-KR" altLang="en-US" sz="1400" dirty="0">
-                        <a:latin typeface="에스코어 드림 6 Bold" panose="020B0703030302020204" pitchFamily="34" charset="-127"/>
-                        <a:ea typeface="에스코어 드림 6 Bold" panose="020B0703030302020204" pitchFamily="34" charset="-127"/>
-                      </a:endParaRPr>
-                    </a:p>
-                  </a:txBody>
-                  <a:tcPr anchor="ctr">
-                    <a:solidFill>
-                      <a:srgbClr val="9966FF"/>
-                    </a:solidFill>
-                  </a:tcPr>
-                </a:tc>
-                <a:tc>
-                  <a:txBody>
-                    <a:bodyPr/>
-                    <a:lstStyle/>
-                    <a:p>
-                      <a:pPr algn="ctr" latinLnBrk="1"/>
-                      <a:r>
-                        <a:rPr lang="en-US" altLang="ko-KR" sz="1400">
-                          <a:latin typeface="에스코어 드림 6 Bold" panose="020B0703030302020204" pitchFamily="34" charset="-127"/>
-                          <a:ea typeface="에스코어 드림 6 Bold" panose="020B0703030302020204" pitchFamily="34" charset="-127"/>
-                        </a:rPr>
-                        <a:t>Key</a:t>
-                      </a:r>
-                      <a:endParaRPr lang="ko-KR" altLang="en-US" sz="1400" dirty="0">
-                        <a:latin typeface="에스코어 드림 6 Bold" panose="020B0703030302020204" pitchFamily="34" charset="-127"/>
-                        <a:ea typeface="에스코어 드림 6 Bold" panose="020B0703030302020204" pitchFamily="34" charset="-127"/>
-                      </a:endParaRPr>
-                    </a:p>
-                  </a:txBody>
-                  <a:tcPr anchor="ctr">
-                    <a:solidFill>
-                      <a:srgbClr val="9966FF"/>
-                    </a:solidFill>
-                  </a:tcPr>
-                </a:tc>
-                <a:tc>
-                  <a:txBody>
-                    <a:bodyPr/>
-                    <a:lstStyle/>
-                    <a:p>
-                      <a:pPr algn="ctr" latinLnBrk="1"/>
-                      <a:r>
-                        <a:rPr lang="ko-KR" altLang="en-US" sz="1400">
-                          <a:latin typeface="에스코어 드림 6 Bold" panose="020B0703030302020204" pitchFamily="34" charset="-127"/>
-                          <a:ea typeface="에스코어 드림 6 Bold" panose="020B0703030302020204" pitchFamily="34" charset="-127"/>
-                        </a:rPr>
-                        <a:t>제약조건</a:t>
-                      </a:r>
-                      <a:endParaRPr lang="ko-KR" altLang="en-US" sz="1400" dirty="0">
-                        <a:latin typeface="에스코어 드림 6 Bold" panose="020B0703030302020204" pitchFamily="34" charset="-127"/>
-                        <a:ea typeface="에스코어 드림 6 Bold" panose="020B0703030302020204" pitchFamily="34" charset="-127"/>
-                      </a:endParaRPr>
-                    </a:p>
-                  </a:txBody>
-                  <a:tcPr anchor="ctr">
-                    <a:solidFill>
-                      <a:srgbClr val="9966FF"/>
-                    </a:solidFill>
-                  </a:tcPr>
-                </a:tc>
-                <a:tc>
-                  <a:txBody>
-                    <a:bodyPr/>
-                    <a:lstStyle/>
-                    <a:p>
-                      <a:pPr algn="ctr" latinLnBrk="1"/>
-                      <a:r>
-                        <a:rPr lang="ko-KR" altLang="en-US" sz="1400">
-                          <a:latin typeface="에스코어 드림 6 Bold" panose="020B0703030302020204" pitchFamily="34" charset="-127"/>
-                          <a:ea typeface="에스코어 드림 6 Bold" panose="020B0703030302020204" pitchFamily="34" charset="-127"/>
-                        </a:rPr>
-                        <a:t>컬럼설명</a:t>
-                      </a:r>
-                      <a:endParaRPr lang="ko-KR" altLang="en-US" sz="1400" dirty="0">
-                        <a:latin typeface="에스코어 드림 6 Bold" panose="020B0703030302020204" pitchFamily="34" charset="-127"/>
-                        <a:ea typeface="에스코어 드림 6 Bold" panose="020B0703030302020204" pitchFamily="34" charset="-127"/>
-                      </a:endParaRPr>
-                    </a:p>
-                  </a:txBody>
-                  <a:tcPr anchor="ctr">
-                    <a:solidFill>
-                      <a:srgbClr val="9966FF"/>
-                    </a:solidFill>
-                  </a:tcPr>
-                </a:tc>
-                <a:extLst>
-                  <a:ext uri="{0D108BD9-81ED-4DB2-BD59-A6C34878D82A}">
-                    <a16:rowId xmlns:a16="http://schemas.microsoft.com/office/drawing/2014/main" val="4070701480"/>
-                  </a:ext>
-                </a:extLst>
-              </a:tr>
-              <a:tr h="448597">
-                <a:tc>
-                  <a:txBody>
-                    <a:bodyPr/>
-                    <a:lstStyle/>
-                    <a:p>
-                      <a:pPr algn="ctr" latinLnBrk="1"/>
-                      <a:r>
-                        <a:rPr lang="en-US" altLang="ko-KR" sz="1200">
-                          <a:solidFill>
-                            <a:schemeClr val="tx1">
-                              <a:lumMod val="65000"/>
-                              <a:lumOff val="35000"/>
-                            </a:schemeClr>
-                          </a:solidFill>
-                          <a:latin typeface="에스코어 드림 5 Medium" panose="020B0503030302020204" pitchFamily="34" charset="-127"/>
-                          <a:ea typeface="에스코어 드림 5 Medium" panose="020B0503030302020204" pitchFamily="34" charset="-127"/>
-                        </a:rPr>
-                        <a:t>1</a:t>
-                      </a:r>
-                      <a:endParaRPr lang="ko-KR" altLang="en-US" sz="1200" dirty="0">
-                        <a:solidFill>
-                          <a:schemeClr val="tx1">
-                            <a:lumMod val="65000"/>
-                            <a:lumOff val="35000"/>
-                          </a:schemeClr>
-                        </a:solidFill>
-                        <a:latin typeface="에스코어 드림 5 Medium" panose="020B0503030302020204" pitchFamily="34" charset="-127"/>
-                        <a:ea typeface="에스코어 드림 5 Medium" panose="020B0503030302020204" pitchFamily="34" charset="-127"/>
-                      </a:endParaRPr>
-                    </a:p>
-                  </a:txBody>
-                  <a:tcPr anchor="ctr">
-                    <a:solidFill>
-                      <a:srgbClr val="DDDDF7"/>
-                    </a:solidFill>
-                  </a:tcPr>
-                </a:tc>
-                <a:tc>
-                  <a:txBody>
-                    <a:bodyPr/>
-                    <a:lstStyle/>
-                    <a:p>
-                      <a:pPr algn="ctr" latinLnBrk="1"/>
-                      <a:r>
-                        <a:rPr lang="en-US" altLang="ko-KR" sz="1200" dirty="0" err="1">
-                          <a:solidFill>
-                            <a:schemeClr val="tx1">
-                              <a:lumMod val="65000"/>
-                              <a:lumOff val="35000"/>
-                            </a:schemeClr>
-                          </a:solidFill>
-                          <a:latin typeface="에스코어 드림 5 Medium" panose="020B0503030302020204" pitchFamily="34" charset="-127"/>
-                          <a:ea typeface="에스코어 드림 5 Medium" panose="020B0503030302020204" pitchFamily="34" charset="-127"/>
-                        </a:rPr>
-                        <a:t>r_number</a:t>
-                      </a:r>
-                      <a:endParaRPr lang="ko-KR" altLang="en-US" sz="1200" dirty="0">
-                        <a:solidFill>
-                          <a:schemeClr val="tx1">
-                            <a:lumMod val="65000"/>
-                            <a:lumOff val="35000"/>
-                          </a:schemeClr>
-                        </a:solidFill>
-                        <a:latin typeface="에스코어 드림 5 Medium" panose="020B0503030302020204" pitchFamily="34" charset="-127"/>
-                        <a:ea typeface="에스코어 드림 5 Medium" panose="020B0503030302020204" pitchFamily="34" charset="-127"/>
-                      </a:endParaRPr>
-                    </a:p>
-                  </a:txBody>
-                  <a:tcPr anchor="ctr">
-                    <a:solidFill>
-                      <a:srgbClr val="DDDDF7"/>
-                    </a:solidFill>
-                  </a:tcPr>
-                </a:tc>
-                <a:tc>
-                  <a:txBody>
-                    <a:bodyPr/>
-                    <a:lstStyle/>
-                    <a:p>
-                      <a:pPr algn="ctr" latinLnBrk="1"/>
-                      <a:r>
-                        <a:rPr lang="en-US" altLang="ko-KR" sz="1200">
-                          <a:solidFill>
-                            <a:schemeClr val="tx1">
-                              <a:lumMod val="65000"/>
-                              <a:lumOff val="35000"/>
-                            </a:schemeClr>
-                          </a:solidFill>
-                          <a:latin typeface="에스코어 드림 5 Medium" panose="020B0503030302020204" pitchFamily="34" charset="-127"/>
-                          <a:ea typeface="에스코어 드림 5 Medium" panose="020B0503030302020204" pitchFamily="34" charset="-127"/>
-                        </a:rPr>
-                        <a:t>Bigint</a:t>
-                      </a:r>
-                      <a:endParaRPr lang="ko-KR" altLang="en-US" sz="1200" dirty="0">
-                        <a:solidFill>
-                          <a:schemeClr val="tx1">
-                            <a:lumMod val="65000"/>
-                            <a:lumOff val="35000"/>
-                          </a:schemeClr>
-                        </a:solidFill>
-                        <a:latin typeface="에스코어 드림 5 Medium" panose="020B0503030302020204" pitchFamily="34" charset="-127"/>
-                        <a:ea typeface="에스코어 드림 5 Medium" panose="020B0503030302020204" pitchFamily="34" charset="-127"/>
-                      </a:endParaRPr>
-                    </a:p>
-                  </a:txBody>
-                  <a:tcPr anchor="ctr">
-                    <a:solidFill>
-                      <a:srgbClr val="DDDDF7"/>
-                    </a:solidFill>
-                  </a:tcPr>
-                </a:tc>
-                <a:tc>
-                  <a:txBody>
-                    <a:bodyPr/>
-                    <a:lstStyle/>
-                    <a:p>
-                      <a:pPr algn="ctr" latinLnBrk="1"/>
-                      <a:r>
-                        <a:rPr lang="en-US" altLang="ko-KR" sz="1200">
-                          <a:solidFill>
-                            <a:schemeClr val="tx1">
-                              <a:lumMod val="65000"/>
-                              <a:lumOff val="35000"/>
-                            </a:schemeClr>
-                          </a:solidFill>
-                          <a:latin typeface="에스코어 드림 5 Medium" panose="020B0503030302020204" pitchFamily="34" charset="-127"/>
-                          <a:ea typeface="에스코어 드림 5 Medium" panose="020B0503030302020204" pitchFamily="34" charset="-127"/>
-                        </a:rPr>
-                        <a:t>n.n</a:t>
-                      </a:r>
-                      <a:endParaRPr lang="ko-KR" altLang="en-US" sz="1200" dirty="0">
-                        <a:solidFill>
-                          <a:schemeClr val="tx1">
-                            <a:lumMod val="65000"/>
-                            <a:lumOff val="35000"/>
-                          </a:schemeClr>
-                        </a:solidFill>
-                        <a:latin typeface="에스코어 드림 5 Medium" panose="020B0503030302020204" pitchFamily="34" charset="-127"/>
-                        <a:ea typeface="에스코어 드림 5 Medium" panose="020B0503030302020204" pitchFamily="34" charset="-127"/>
-                      </a:endParaRPr>
-                    </a:p>
-                  </a:txBody>
-                  <a:tcPr anchor="ctr">
-                    <a:solidFill>
-                      <a:srgbClr val="DDDDF7"/>
-                    </a:solidFill>
-                  </a:tcPr>
-                </a:tc>
-                <a:tc>
-                  <a:txBody>
-                    <a:bodyPr/>
-                    <a:lstStyle/>
-                    <a:p>
-                      <a:pPr algn="ctr" latinLnBrk="1"/>
-                      <a:r>
-                        <a:rPr lang="en-US" altLang="ko-KR" sz="1200">
-                          <a:solidFill>
-                            <a:schemeClr val="tx1">
-                              <a:lumMod val="65000"/>
-                              <a:lumOff val="35000"/>
-                            </a:schemeClr>
-                          </a:solidFill>
-                          <a:latin typeface="에스코어 드림 5 Medium" panose="020B0503030302020204" pitchFamily="34" charset="-127"/>
-                          <a:ea typeface="에스코어 드림 5 Medium" panose="020B0503030302020204" pitchFamily="34" charset="-127"/>
-                        </a:rPr>
-                        <a:t>-</a:t>
-                      </a:r>
-                      <a:endParaRPr lang="ko-KR" altLang="en-US" sz="1200" dirty="0">
-                        <a:solidFill>
-                          <a:schemeClr val="tx1">
-                            <a:lumMod val="65000"/>
-                            <a:lumOff val="35000"/>
-                          </a:schemeClr>
-                        </a:solidFill>
-                        <a:latin typeface="에스코어 드림 5 Medium" panose="020B0503030302020204" pitchFamily="34" charset="-127"/>
-                        <a:ea typeface="에스코어 드림 5 Medium" panose="020B0503030302020204" pitchFamily="34" charset="-127"/>
-                      </a:endParaRPr>
-                    </a:p>
-                  </a:txBody>
-                  <a:tcPr anchor="ctr">
-                    <a:solidFill>
-                      <a:srgbClr val="DDDDF7"/>
-                    </a:solidFill>
-                  </a:tcPr>
-                </a:tc>
-                <a:tc>
-                  <a:txBody>
-                    <a:bodyPr/>
-                    <a:lstStyle/>
-                    <a:p>
-                      <a:pPr marL="0" marR="0" lvl="0" indent="0" algn="ctr" defTabSz="914400" rtl="0" eaLnBrk="1" fontAlgn="auto" latinLnBrk="1" hangingPunct="1">
-                        <a:lnSpc>
-                          <a:spcPct val="100000"/>
-                        </a:lnSpc>
-                        <a:spcBef>
-                          <a:spcPts val="0"/>
-                        </a:spcBef>
-                        <a:spcAft>
-                          <a:spcPts val="0"/>
-                        </a:spcAft>
-                        <a:buClrTx/>
-                        <a:buSzTx/>
-                        <a:buFontTx/>
-                        <a:buNone/>
-                        <a:tabLst/>
-                        <a:defRPr/>
-                      </a:pPr>
-                      <a:r>
-                        <a:rPr lang="en-US" altLang="ko-KR" sz="1200">
-                          <a:solidFill>
-                            <a:schemeClr val="tx1">
-                              <a:lumMod val="65000"/>
-                              <a:lumOff val="35000"/>
-                            </a:schemeClr>
-                          </a:solidFill>
-                          <a:latin typeface="에스코어 드림 5 Medium" panose="020B0503030302020204" pitchFamily="34" charset="-127"/>
-                          <a:ea typeface="에스코어 드림 5 Medium" panose="020B0503030302020204" pitchFamily="34" charset="-127"/>
-                        </a:rPr>
-                        <a:t>Pk</a:t>
-                      </a:r>
-                      <a:endParaRPr lang="ko-KR" altLang="en-US" sz="1200" dirty="0">
-                        <a:solidFill>
-                          <a:schemeClr val="tx1">
-                            <a:lumMod val="65000"/>
-                            <a:lumOff val="35000"/>
-                          </a:schemeClr>
-                        </a:solidFill>
-                        <a:latin typeface="에스코어 드림 5 Medium" panose="020B0503030302020204" pitchFamily="34" charset="-127"/>
-                        <a:ea typeface="에스코어 드림 5 Medium" panose="020B0503030302020204" pitchFamily="34" charset="-127"/>
-                      </a:endParaRPr>
-                    </a:p>
-                  </a:txBody>
-                  <a:tcPr anchor="ctr">
-                    <a:solidFill>
-                      <a:srgbClr val="DDDDF7"/>
-                    </a:solidFill>
-                  </a:tcPr>
-                </a:tc>
-                <a:tc>
-                  <a:txBody>
-                    <a:bodyPr/>
-                    <a:lstStyle/>
-                    <a:p>
-                      <a:pPr marL="0" marR="0" lvl="0" indent="0" algn="ctr" defTabSz="914400" rtl="0" eaLnBrk="1" fontAlgn="auto" latinLnBrk="1" hangingPunct="1">
-                        <a:lnSpc>
-                          <a:spcPct val="100000"/>
-                        </a:lnSpc>
-                        <a:spcBef>
-                          <a:spcPts val="0"/>
-                        </a:spcBef>
-                        <a:spcAft>
-                          <a:spcPts val="0"/>
-                        </a:spcAft>
-                        <a:buClrTx/>
-                        <a:buSzTx/>
-                        <a:buFontTx/>
-                        <a:buNone/>
-                        <a:tabLst/>
-                        <a:defRPr/>
-                      </a:pPr>
-                      <a:r>
-                        <a:rPr lang="en-US" altLang="ko-KR" sz="1200">
-                          <a:solidFill>
-                            <a:schemeClr val="tx1">
-                              <a:lumMod val="65000"/>
-                              <a:lumOff val="35000"/>
-                            </a:schemeClr>
-                          </a:solidFill>
-                          <a:latin typeface="에스코어 드림 5 Medium" panose="020B0503030302020204" pitchFamily="34" charset="-127"/>
-                          <a:ea typeface="에스코어 드림 5 Medium" panose="020B0503030302020204" pitchFamily="34" charset="-127"/>
-                        </a:rPr>
-                        <a:t>-</a:t>
-                      </a:r>
-                      <a:endParaRPr lang="ko-KR" altLang="en-US" sz="1200" dirty="0">
-                        <a:solidFill>
-                          <a:schemeClr val="tx1">
-                            <a:lumMod val="65000"/>
-                            <a:lumOff val="35000"/>
-                          </a:schemeClr>
-                        </a:solidFill>
-                        <a:latin typeface="에스코어 드림 5 Medium" panose="020B0503030302020204" pitchFamily="34" charset="-127"/>
-                        <a:ea typeface="에스코어 드림 5 Medium" panose="020B0503030302020204" pitchFamily="34" charset="-127"/>
-                      </a:endParaRPr>
-                    </a:p>
-                  </a:txBody>
-                  <a:tcPr anchor="ctr">
-                    <a:solidFill>
-                      <a:srgbClr val="DDDDF7"/>
-                    </a:solidFill>
-                  </a:tcPr>
-                </a:tc>
-                <a:tc>
-                  <a:txBody>
-                    <a:bodyPr/>
-                    <a:lstStyle/>
-                    <a:p>
-                      <a:pPr algn="ctr" latinLnBrk="1"/>
-                      <a:endParaRPr lang="ko-KR" altLang="en-US" sz="1200" dirty="0">
-                        <a:solidFill>
-                          <a:schemeClr val="tx1">
-                            <a:lumMod val="65000"/>
-                            <a:lumOff val="35000"/>
-                          </a:schemeClr>
-                        </a:solidFill>
-                        <a:latin typeface="에스코어 드림 5 Medium" panose="020B0503030302020204" pitchFamily="34" charset="-127"/>
-                        <a:ea typeface="에스코어 드림 5 Medium" panose="020B0503030302020204" pitchFamily="34" charset="-127"/>
-                      </a:endParaRPr>
-                    </a:p>
-                  </a:txBody>
-                  <a:tcPr anchor="ctr">
-                    <a:solidFill>
-                      <a:srgbClr val="DDDDF7"/>
-                    </a:solidFill>
-                  </a:tcPr>
-                </a:tc>
-                <a:extLst>
-                  <a:ext uri="{0D108BD9-81ED-4DB2-BD59-A6C34878D82A}">
-                    <a16:rowId xmlns:a16="http://schemas.microsoft.com/office/drawing/2014/main" val="3242359267"/>
-                  </a:ext>
-                </a:extLst>
-              </a:tr>
-              <a:tr h="448597">
-                <a:tc>
-                  <a:txBody>
-                    <a:bodyPr/>
-                    <a:lstStyle/>
-                    <a:p>
-                      <a:pPr algn="ctr" latinLnBrk="1"/>
-                      <a:r>
-                        <a:rPr lang="en-US" altLang="ko-KR" sz="1200">
-                          <a:solidFill>
-                            <a:schemeClr val="tx1">
-                              <a:lumMod val="65000"/>
-                              <a:lumOff val="35000"/>
-                            </a:schemeClr>
-                          </a:solidFill>
-                          <a:latin typeface="에스코어 드림 5 Medium" panose="020B0503030302020204" pitchFamily="34" charset="-127"/>
-                          <a:ea typeface="에스코어 드림 5 Medium" panose="020B0503030302020204" pitchFamily="34" charset="-127"/>
-                        </a:rPr>
-                        <a:t>2</a:t>
-                      </a:r>
-                      <a:endParaRPr lang="ko-KR" altLang="en-US" sz="1200" dirty="0">
-                        <a:solidFill>
-                          <a:schemeClr val="tx1">
-                            <a:lumMod val="65000"/>
-                            <a:lumOff val="35000"/>
-                          </a:schemeClr>
-                        </a:solidFill>
-                        <a:latin typeface="에스코어 드림 5 Medium" panose="020B0503030302020204" pitchFamily="34" charset="-127"/>
-                        <a:ea typeface="에스코어 드림 5 Medium" panose="020B0503030302020204" pitchFamily="34" charset="-127"/>
-                      </a:endParaRPr>
-                    </a:p>
-                  </a:txBody>
-                  <a:tcPr anchor="ctr">
-                    <a:solidFill>
-                      <a:srgbClr val="DDDDF7"/>
-                    </a:solidFill>
-                  </a:tcPr>
-                </a:tc>
-                <a:tc>
-                  <a:txBody>
-                    <a:bodyPr/>
-                    <a:lstStyle/>
-                    <a:p>
-                      <a:pPr marL="0" marR="0" lvl="0" indent="0" algn="ctr" defTabSz="914400" rtl="0" eaLnBrk="1" fontAlgn="auto" latinLnBrk="1" hangingPunct="1">
-                        <a:lnSpc>
-                          <a:spcPct val="100000"/>
-                        </a:lnSpc>
-                        <a:spcBef>
-                          <a:spcPts val="0"/>
-                        </a:spcBef>
-                        <a:spcAft>
-                          <a:spcPts val="0"/>
-                        </a:spcAft>
-                        <a:buClrTx/>
-                        <a:buSzTx/>
-                        <a:buFontTx/>
-                        <a:buNone/>
-                        <a:tabLst/>
-                        <a:defRPr/>
-                      </a:pPr>
-                      <a:r>
-                        <a:rPr lang="en-US" altLang="ko-KR" sz="1200" dirty="0" err="1">
-                          <a:solidFill>
-                            <a:schemeClr val="tx1">
-                              <a:lumMod val="65000"/>
-                              <a:lumOff val="35000"/>
-                            </a:schemeClr>
-                          </a:solidFill>
-                          <a:latin typeface="에스코어 드림 5 Medium" panose="020B0503030302020204" pitchFamily="34" charset="-127"/>
-                          <a:ea typeface="에스코어 드림 5 Medium" panose="020B0503030302020204" pitchFamily="34" charset="-127"/>
-                        </a:rPr>
-                        <a:t>f_id</a:t>
-                      </a:r>
-                      <a:endParaRPr lang="ko-KR" altLang="en-US" sz="1200" dirty="0">
-                        <a:solidFill>
-                          <a:schemeClr val="tx1">
-                            <a:lumMod val="65000"/>
-                            <a:lumOff val="35000"/>
-                          </a:schemeClr>
-                        </a:solidFill>
-                        <a:latin typeface="에스코어 드림 5 Medium" panose="020B0503030302020204" pitchFamily="34" charset="-127"/>
-                        <a:ea typeface="에스코어 드림 5 Medium" panose="020B0503030302020204" pitchFamily="34" charset="-127"/>
-                      </a:endParaRPr>
-                    </a:p>
-                  </a:txBody>
-                  <a:tcPr anchor="ctr">
-                    <a:solidFill>
-                      <a:srgbClr val="DDDDF7"/>
-                    </a:solidFill>
-                  </a:tcPr>
-                </a:tc>
-                <a:tc>
-                  <a:txBody>
-                    <a:bodyPr/>
-                    <a:lstStyle/>
-                    <a:p>
-                      <a:pPr algn="ctr" latinLnBrk="1"/>
-                      <a:r>
-                        <a:rPr lang="en-US" altLang="ko-KR" sz="1200">
-                          <a:solidFill>
-                            <a:schemeClr val="tx1">
-                              <a:lumMod val="65000"/>
-                              <a:lumOff val="35000"/>
-                            </a:schemeClr>
-                          </a:solidFill>
-                          <a:latin typeface="에스코어 드림 5 Medium" panose="020B0503030302020204" pitchFamily="34" charset="-127"/>
-                          <a:ea typeface="에스코어 드림 5 Medium" panose="020B0503030302020204" pitchFamily="34" charset="-127"/>
-                        </a:rPr>
-                        <a:t>varchar(10)</a:t>
-                      </a:r>
-                      <a:endParaRPr lang="ko-KR" altLang="en-US" sz="1200" dirty="0">
-                        <a:solidFill>
-                          <a:schemeClr val="tx1">
-                            <a:lumMod val="65000"/>
-                            <a:lumOff val="35000"/>
-                          </a:schemeClr>
-                        </a:solidFill>
-                        <a:latin typeface="에스코어 드림 5 Medium" panose="020B0503030302020204" pitchFamily="34" charset="-127"/>
-                        <a:ea typeface="에스코어 드림 5 Medium" panose="020B0503030302020204" pitchFamily="34" charset="-127"/>
-                      </a:endParaRPr>
-                    </a:p>
-                  </a:txBody>
-                  <a:tcPr anchor="ctr">
-                    <a:solidFill>
-                      <a:srgbClr val="DDDDF7"/>
-                    </a:solidFill>
-                  </a:tcPr>
-                </a:tc>
-                <a:tc>
-                  <a:txBody>
-                    <a:bodyPr/>
-                    <a:lstStyle/>
-                    <a:p>
-                      <a:pPr algn="ctr" latinLnBrk="1"/>
-                      <a:r>
-                        <a:rPr lang="en-US" altLang="ko-KR" sz="1200">
-                          <a:solidFill>
-                            <a:schemeClr val="tx1">
-                              <a:lumMod val="65000"/>
-                              <a:lumOff val="35000"/>
-                            </a:schemeClr>
-                          </a:solidFill>
-                          <a:latin typeface="에스코어 드림 5 Medium" panose="020B0503030302020204" pitchFamily="34" charset="-127"/>
-                          <a:ea typeface="에스코어 드림 5 Medium" panose="020B0503030302020204" pitchFamily="34" charset="-127"/>
-                        </a:rPr>
-                        <a:t>n.n</a:t>
-                      </a:r>
-                      <a:endParaRPr lang="ko-KR" altLang="en-US" sz="1200" dirty="0">
-                        <a:solidFill>
-                          <a:schemeClr val="tx1">
-                            <a:lumMod val="65000"/>
-                            <a:lumOff val="35000"/>
-                          </a:schemeClr>
-                        </a:solidFill>
-                        <a:latin typeface="에스코어 드림 5 Medium" panose="020B0503030302020204" pitchFamily="34" charset="-127"/>
-                        <a:ea typeface="에스코어 드림 5 Medium" panose="020B0503030302020204" pitchFamily="34" charset="-127"/>
-                      </a:endParaRPr>
-                    </a:p>
-                  </a:txBody>
-                  <a:tcPr anchor="ctr">
-                    <a:solidFill>
-                      <a:srgbClr val="DDDDF7"/>
-                    </a:solidFill>
-                  </a:tcPr>
-                </a:tc>
-                <a:tc>
-                  <a:txBody>
-                    <a:bodyPr/>
-                    <a:lstStyle/>
-                    <a:p>
-                      <a:pPr algn="ctr" latinLnBrk="1"/>
-                      <a:r>
-                        <a:rPr lang="en-US" altLang="ko-KR" sz="1200">
-                          <a:solidFill>
-                            <a:schemeClr val="tx1">
-                              <a:lumMod val="65000"/>
-                              <a:lumOff val="35000"/>
-                            </a:schemeClr>
-                          </a:solidFill>
-                          <a:latin typeface="에스코어 드림 5 Medium" panose="020B0503030302020204" pitchFamily="34" charset="-127"/>
-                          <a:ea typeface="에스코어 드림 5 Medium" panose="020B0503030302020204" pitchFamily="34" charset="-127"/>
-                        </a:rPr>
-                        <a:t>-</a:t>
-                      </a:r>
-                      <a:endParaRPr lang="ko-KR" altLang="en-US" sz="1200" dirty="0">
-                        <a:solidFill>
-                          <a:schemeClr val="tx1">
-                            <a:lumMod val="65000"/>
-                            <a:lumOff val="35000"/>
-                          </a:schemeClr>
-                        </a:solidFill>
-                        <a:latin typeface="에스코어 드림 5 Medium" panose="020B0503030302020204" pitchFamily="34" charset="-127"/>
-                        <a:ea typeface="에스코어 드림 5 Medium" panose="020B0503030302020204" pitchFamily="34" charset="-127"/>
-                      </a:endParaRPr>
-                    </a:p>
-                  </a:txBody>
-                  <a:tcPr anchor="ctr">
-                    <a:solidFill>
-                      <a:srgbClr val="DDDDF7"/>
-                    </a:solidFill>
-                  </a:tcPr>
-                </a:tc>
-                <a:tc>
-                  <a:txBody>
-                    <a:bodyPr/>
-                    <a:lstStyle/>
-                    <a:p>
-                      <a:pPr algn="ctr" latinLnBrk="1"/>
-                      <a:r>
-                        <a:rPr lang="en-US" altLang="ko-KR" sz="1200" dirty="0">
-                          <a:solidFill>
-                            <a:schemeClr val="tx1">
-                              <a:lumMod val="65000"/>
-                              <a:lumOff val="35000"/>
-                            </a:schemeClr>
-                          </a:solidFill>
-                          <a:latin typeface="에스코어 드림 5 Medium" panose="020B0503030302020204" pitchFamily="34" charset="-127"/>
-                          <a:ea typeface="에스코어 드림 5 Medium" panose="020B0503030302020204" pitchFamily="34" charset="-127"/>
-                        </a:rPr>
-                        <a:t>-</a:t>
-                      </a:r>
-                      <a:endParaRPr lang="ko-KR" altLang="en-US" sz="1200" dirty="0">
-                        <a:solidFill>
-                          <a:schemeClr val="tx1">
-                            <a:lumMod val="65000"/>
-                            <a:lumOff val="35000"/>
-                          </a:schemeClr>
-                        </a:solidFill>
-                        <a:latin typeface="에스코어 드림 5 Medium" panose="020B0503030302020204" pitchFamily="34" charset="-127"/>
-                        <a:ea typeface="에스코어 드림 5 Medium" panose="020B0503030302020204" pitchFamily="34" charset="-127"/>
-                      </a:endParaRPr>
-                    </a:p>
-                  </a:txBody>
-                  <a:tcPr anchor="ctr">
-                    <a:solidFill>
-                      <a:srgbClr val="DDDDF7"/>
-                    </a:solidFill>
-                  </a:tcPr>
-                </a:tc>
-                <a:tc>
-                  <a:txBody>
-                    <a:bodyPr/>
-                    <a:lstStyle/>
-                    <a:p>
-                      <a:pPr algn="ctr" latinLnBrk="1"/>
-                      <a:r>
-                        <a:rPr lang="en-US" altLang="ko-KR" sz="1200">
-                          <a:solidFill>
-                            <a:schemeClr val="tx1">
-                              <a:lumMod val="65000"/>
-                              <a:lumOff val="35000"/>
-                            </a:schemeClr>
-                          </a:solidFill>
-                          <a:latin typeface="에스코어 드림 5 Medium" panose="020B0503030302020204" pitchFamily="34" charset="-127"/>
-                          <a:ea typeface="에스코어 드림 5 Medium" panose="020B0503030302020204" pitchFamily="34" charset="-127"/>
-                        </a:rPr>
-                        <a:t>-</a:t>
-                      </a:r>
-                      <a:endParaRPr lang="ko-KR" altLang="en-US" sz="1200" dirty="0">
-                        <a:solidFill>
-                          <a:schemeClr val="tx1">
-                            <a:lumMod val="65000"/>
-                            <a:lumOff val="35000"/>
-                          </a:schemeClr>
-                        </a:solidFill>
-                        <a:latin typeface="에스코어 드림 5 Medium" panose="020B0503030302020204" pitchFamily="34" charset="-127"/>
-                        <a:ea typeface="에스코어 드림 5 Medium" panose="020B0503030302020204" pitchFamily="34" charset="-127"/>
-                      </a:endParaRPr>
-                    </a:p>
-                  </a:txBody>
-                  <a:tcPr anchor="ctr">
-                    <a:solidFill>
-                      <a:srgbClr val="DDDDF7"/>
-                    </a:solidFill>
-                  </a:tcPr>
-                </a:tc>
-                <a:tc>
-                  <a:txBody>
-                    <a:bodyPr/>
-                    <a:lstStyle/>
-                    <a:p>
-                      <a:pPr algn="ctr" latinLnBrk="1"/>
-                      <a:r>
-                        <a:rPr lang="ko-KR" altLang="en-US" sz="1200" dirty="0">
-                          <a:solidFill>
-                            <a:schemeClr val="tx1">
-                              <a:lumMod val="65000"/>
-                              <a:lumOff val="35000"/>
-                            </a:schemeClr>
-                          </a:solidFill>
-                          <a:latin typeface="에스코어 드림 5 Medium" panose="020B0503030302020204" pitchFamily="34" charset="-127"/>
-                          <a:ea typeface="에스코어 드림 5 Medium" panose="020B0503030302020204" pitchFamily="34" charset="-127"/>
-                        </a:rPr>
-                        <a:t>로그인 한 사람</a:t>
-                      </a:r>
-                    </a:p>
-                  </a:txBody>
-                  <a:tcPr anchor="ctr">
-                    <a:solidFill>
-                      <a:srgbClr val="DDDDF7"/>
-                    </a:solidFill>
-                  </a:tcPr>
-                </a:tc>
-                <a:extLst>
-                  <a:ext uri="{0D108BD9-81ED-4DB2-BD59-A6C34878D82A}">
-                    <a16:rowId xmlns:a16="http://schemas.microsoft.com/office/drawing/2014/main" val="4275075617"/>
-                  </a:ext>
-                </a:extLst>
-              </a:tr>
-              <a:tr h="448597">
-                <a:tc>
-                  <a:txBody>
-                    <a:bodyPr/>
-                    <a:lstStyle/>
-                    <a:p>
-                      <a:pPr algn="ctr" latinLnBrk="1"/>
-                      <a:r>
-                        <a:rPr lang="en-US" altLang="ko-KR" sz="1200">
-                          <a:solidFill>
-                            <a:schemeClr val="tx1">
-                              <a:lumMod val="65000"/>
-                              <a:lumOff val="35000"/>
-                            </a:schemeClr>
-                          </a:solidFill>
-                          <a:latin typeface="에스코어 드림 5 Medium" panose="020B0503030302020204" pitchFamily="34" charset="-127"/>
-                          <a:ea typeface="에스코어 드림 5 Medium" panose="020B0503030302020204" pitchFamily="34" charset="-127"/>
-                        </a:rPr>
-                        <a:t>3</a:t>
-                      </a:r>
-                      <a:endParaRPr lang="ko-KR" altLang="en-US" sz="1200" dirty="0">
-                        <a:solidFill>
-                          <a:schemeClr val="tx1">
-                            <a:lumMod val="65000"/>
-                            <a:lumOff val="35000"/>
-                          </a:schemeClr>
-                        </a:solidFill>
-                        <a:latin typeface="에스코어 드림 5 Medium" panose="020B0503030302020204" pitchFamily="34" charset="-127"/>
-                        <a:ea typeface="에스코어 드림 5 Medium" panose="020B0503030302020204" pitchFamily="34" charset="-127"/>
-                      </a:endParaRPr>
-                    </a:p>
-                  </a:txBody>
-                  <a:tcPr anchor="ctr">
-                    <a:solidFill>
-                      <a:srgbClr val="DDDDF7"/>
-                    </a:solidFill>
-                  </a:tcPr>
-                </a:tc>
-                <a:tc>
-                  <a:txBody>
-                    <a:bodyPr/>
-                    <a:lstStyle/>
-                    <a:p>
-                      <a:pPr marL="0" marR="0" lvl="0" indent="0" algn="ctr" defTabSz="914400" rtl="0" eaLnBrk="1" fontAlgn="auto" latinLnBrk="1" hangingPunct="1">
-                        <a:lnSpc>
-                          <a:spcPct val="100000"/>
-                        </a:lnSpc>
-                        <a:spcBef>
-                          <a:spcPts val="0"/>
-                        </a:spcBef>
-                        <a:spcAft>
-                          <a:spcPts val="0"/>
-                        </a:spcAft>
-                        <a:buClrTx/>
-                        <a:buSzTx/>
-                        <a:buFontTx/>
-                        <a:buNone/>
-                        <a:tabLst/>
-                        <a:defRPr/>
-                      </a:pPr>
-                      <a:r>
-                        <a:rPr lang="en-US" altLang="ko-KR" sz="1200" dirty="0" err="1">
-                          <a:solidFill>
-                            <a:schemeClr val="tx1">
-                              <a:lumMod val="65000"/>
-                              <a:lumOff val="35000"/>
-                            </a:schemeClr>
-                          </a:solidFill>
-                          <a:latin typeface="에스코어 드림 5 Medium" panose="020B0503030302020204" pitchFamily="34" charset="-127"/>
-                          <a:ea typeface="에스코어 드림 5 Medium" panose="020B0503030302020204" pitchFamily="34" charset="-127"/>
-                        </a:rPr>
-                        <a:t>b_number</a:t>
-                      </a:r>
-                      <a:endParaRPr lang="ko-KR" altLang="en-US" sz="1200" dirty="0">
-                        <a:solidFill>
-                          <a:schemeClr val="tx1">
-                            <a:lumMod val="65000"/>
-                            <a:lumOff val="35000"/>
-                          </a:schemeClr>
-                        </a:solidFill>
-                        <a:latin typeface="에스코어 드림 5 Medium" panose="020B0503030302020204" pitchFamily="34" charset="-127"/>
-                        <a:ea typeface="에스코어 드림 5 Medium" panose="020B0503030302020204" pitchFamily="34" charset="-127"/>
-                      </a:endParaRPr>
-                    </a:p>
-                  </a:txBody>
-                  <a:tcPr anchor="ctr">
-                    <a:solidFill>
-                      <a:srgbClr val="DDDDF7"/>
-                    </a:solidFill>
-                  </a:tcPr>
-                </a:tc>
-                <a:tc>
-                  <a:txBody>
-                    <a:bodyPr/>
-                    <a:lstStyle/>
-                    <a:p>
-                      <a:pPr algn="ctr" latinLnBrk="1"/>
-                      <a:r>
-                        <a:rPr lang="en-US" altLang="ko-KR" sz="1200" dirty="0" err="1">
-                          <a:solidFill>
-                            <a:schemeClr val="tx1">
-                              <a:lumMod val="65000"/>
-                              <a:lumOff val="35000"/>
-                            </a:schemeClr>
-                          </a:solidFill>
-                          <a:latin typeface="에스코어 드림 5 Medium" panose="020B0503030302020204" pitchFamily="34" charset="-127"/>
-                          <a:ea typeface="에스코어 드림 5 Medium" panose="020B0503030302020204" pitchFamily="34" charset="-127"/>
-                        </a:rPr>
-                        <a:t>Bigint</a:t>
-                      </a:r>
-                      <a:endParaRPr lang="ko-KR" altLang="en-US" sz="1200" dirty="0">
-                        <a:solidFill>
-                          <a:schemeClr val="tx1">
-                            <a:lumMod val="65000"/>
-                            <a:lumOff val="35000"/>
-                          </a:schemeClr>
-                        </a:solidFill>
-                        <a:latin typeface="에스코어 드림 5 Medium" panose="020B0503030302020204" pitchFamily="34" charset="-127"/>
-                        <a:ea typeface="에스코어 드림 5 Medium" panose="020B0503030302020204" pitchFamily="34" charset="-127"/>
-                      </a:endParaRPr>
-                    </a:p>
-                  </a:txBody>
-                  <a:tcPr anchor="ctr">
-                    <a:solidFill>
-                      <a:srgbClr val="DDDDF7"/>
-                    </a:solidFill>
-                  </a:tcPr>
-                </a:tc>
-                <a:tc>
-                  <a:txBody>
-                    <a:bodyPr/>
-                    <a:lstStyle/>
-                    <a:p>
-                      <a:pPr marL="0" marR="0" lvl="0" indent="0" algn="ctr" defTabSz="914400" rtl="0" eaLnBrk="1" fontAlgn="auto" latinLnBrk="1" hangingPunct="1">
-                        <a:lnSpc>
-                          <a:spcPct val="100000"/>
-                        </a:lnSpc>
-                        <a:spcBef>
-                          <a:spcPts val="0"/>
-                        </a:spcBef>
-                        <a:spcAft>
-                          <a:spcPts val="0"/>
-                        </a:spcAft>
-                        <a:buClrTx/>
-                        <a:buSzTx/>
-                        <a:buFontTx/>
-                        <a:buNone/>
-                        <a:tabLst/>
-                        <a:defRPr/>
-                      </a:pPr>
-                      <a:r>
-                        <a:rPr lang="en-US" altLang="ko-KR" sz="1200">
-                          <a:solidFill>
-                            <a:schemeClr val="tx1">
-                              <a:lumMod val="65000"/>
-                              <a:lumOff val="35000"/>
-                            </a:schemeClr>
-                          </a:solidFill>
-                          <a:latin typeface="에스코어 드림 5 Medium" panose="020B0503030302020204" pitchFamily="34" charset="-127"/>
-                          <a:ea typeface="에스코어 드림 5 Medium" panose="020B0503030302020204" pitchFamily="34" charset="-127"/>
-                        </a:rPr>
-                        <a:t>n.n</a:t>
-                      </a:r>
-                      <a:endParaRPr lang="ko-KR" altLang="en-US" sz="1200" dirty="0">
-                        <a:solidFill>
-                          <a:schemeClr val="tx1">
-                            <a:lumMod val="65000"/>
-                            <a:lumOff val="35000"/>
-                          </a:schemeClr>
-                        </a:solidFill>
-                        <a:latin typeface="에스코어 드림 5 Medium" panose="020B0503030302020204" pitchFamily="34" charset="-127"/>
-                        <a:ea typeface="에스코어 드림 5 Medium" panose="020B0503030302020204" pitchFamily="34" charset="-127"/>
-                      </a:endParaRPr>
-                    </a:p>
-                  </a:txBody>
-                  <a:tcPr anchor="ctr">
-                    <a:solidFill>
-                      <a:srgbClr val="DDDDF7"/>
-                    </a:solidFill>
-                  </a:tcPr>
-                </a:tc>
-                <a:tc>
-                  <a:txBody>
-                    <a:bodyPr/>
-                    <a:lstStyle/>
-                    <a:p>
-                      <a:pPr algn="ctr" latinLnBrk="1"/>
-                      <a:r>
-                        <a:rPr lang="en-US" altLang="ko-KR" sz="1200">
-                          <a:solidFill>
-                            <a:schemeClr val="tx1">
-                              <a:lumMod val="65000"/>
-                              <a:lumOff val="35000"/>
-                            </a:schemeClr>
-                          </a:solidFill>
-                          <a:latin typeface="에스코어 드림 5 Medium" panose="020B0503030302020204" pitchFamily="34" charset="-127"/>
-                          <a:ea typeface="에스코어 드림 5 Medium" panose="020B0503030302020204" pitchFamily="34" charset="-127"/>
-                        </a:rPr>
-                        <a:t>-</a:t>
-                      </a:r>
-                      <a:endParaRPr lang="ko-KR" altLang="en-US" sz="1200" dirty="0">
-                        <a:solidFill>
-                          <a:schemeClr val="tx1">
-                            <a:lumMod val="65000"/>
-                            <a:lumOff val="35000"/>
-                          </a:schemeClr>
-                        </a:solidFill>
-                        <a:latin typeface="에스코어 드림 5 Medium" panose="020B0503030302020204" pitchFamily="34" charset="-127"/>
-                        <a:ea typeface="에스코어 드림 5 Medium" panose="020B0503030302020204" pitchFamily="34" charset="-127"/>
-                      </a:endParaRPr>
-                    </a:p>
-                  </a:txBody>
-                  <a:tcPr anchor="ctr">
-                    <a:solidFill>
-                      <a:srgbClr val="DDDDF7"/>
-                    </a:solidFill>
-                  </a:tcPr>
-                </a:tc>
-                <a:tc>
-                  <a:txBody>
-                    <a:bodyPr/>
-                    <a:lstStyle/>
-                    <a:p>
-                      <a:pPr algn="ctr" latinLnBrk="1"/>
-                      <a:r>
-                        <a:rPr lang="en-US" altLang="ko-KR" sz="1200">
-                          <a:solidFill>
-                            <a:schemeClr val="tx1">
-                              <a:lumMod val="65000"/>
-                              <a:lumOff val="35000"/>
-                            </a:schemeClr>
-                          </a:solidFill>
-                          <a:latin typeface="에스코어 드림 5 Medium" panose="020B0503030302020204" pitchFamily="34" charset="-127"/>
-                          <a:ea typeface="에스코어 드림 5 Medium" panose="020B0503030302020204" pitchFamily="34" charset="-127"/>
-                        </a:rPr>
-                        <a:t>-</a:t>
-                      </a:r>
-                      <a:endParaRPr lang="ko-KR" altLang="en-US" sz="1200" dirty="0">
-                        <a:solidFill>
-                          <a:schemeClr val="tx1">
-                            <a:lumMod val="65000"/>
-                            <a:lumOff val="35000"/>
-                          </a:schemeClr>
-                        </a:solidFill>
-                        <a:latin typeface="에스코어 드림 5 Medium" panose="020B0503030302020204" pitchFamily="34" charset="-127"/>
-                        <a:ea typeface="에스코어 드림 5 Medium" panose="020B0503030302020204" pitchFamily="34" charset="-127"/>
-                      </a:endParaRPr>
-                    </a:p>
-                  </a:txBody>
-                  <a:tcPr anchor="ctr">
-                    <a:solidFill>
-                      <a:srgbClr val="DDDDF7"/>
-                    </a:solidFill>
-                  </a:tcPr>
-                </a:tc>
-                <a:tc>
-                  <a:txBody>
-                    <a:bodyPr/>
-                    <a:lstStyle/>
-                    <a:p>
-                      <a:pPr algn="ctr" latinLnBrk="1"/>
-                      <a:r>
-                        <a:rPr lang="en-US" altLang="ko-KR" sz="1200">
-                          <a:solidFill>
-                            <a:schemeClr val="tx1">
-                              <a:lumMod val="65000"/>
-                              <a:lumOff val="35000"/>
-                            </a:schemeClr>
-                          </a:solidFill>
-                          <a:latin typeface="에스코어 드림 5 Medium" panose="020B0503030302020204" pitchFamily="34" charset="-127"/>
-                          <a:ea typeface="에스코어 드림 5 Medium" panose="020B0503030302020204" pitchFamily="34" charset="-127"/>
-                        </a:rPr>
-                        <a:t>-</a:t>
-                      </a:r>
-                      <a:endParaRPr lang="ko-KR" altLang="en-US" sz="1200" dirty="0">
-                        <a:solidFill>
-                          <a:schemeClr val="tx1">
-                            <a:lumMod val="65000"/>
-                            <a:lumOff val="35000"/>
-                          </a:schemeClr>
-                        </a:solidFill>
-                        <a:latin typeface="에스코어 드림 5 Medium" panose="020B0503030302020204" pitchFamily="34" charset="-127"/>
-                        <a:ea typeface="에스코어 드림 5 Medium" panose="020B0503030302020204" pitchFamily="34" charset="-127"/>
-                      </a:endParaRPr>
-                    </a:p>
-                  </a:txBody>
-                  <a:tcPr anchor="ctr">
-                    <a:solidFill>
-                      <a:srgbClr val="DDDDF7"/>
-                    </a:solidFill>
-                  </a:tcPr>
-                </a:tc>
-                <a:tc>
-                  <a:txBody>
-                    <a:bodyPr/>
-                    <a:lstStyle/>
-                    <a:p>
-                      <a:pPr algn="ctr" latinLnBrk="1"/>
-                      <a:r>
-                        <a:rPr lang="en-US" altLang="ko-KR" sz="1200" dirty="0" err="1">
-                          <a:solidFill>
-                            <a:schemeClr val="tx1">
-                              <a:lumMod val="65000"/>
-                              <a:lumOff val="35000"/>
-                            </a:schemeClr>
-                          </a:solidFill>
-                          <a:latin typeface="에스코어 드림 5 Medium" panose="020B0503030302020204" pitchFamily="34" charset="-127"/>
-                          <a:ea typeface="에스코어 드림 5 Medium" panose="020B0503030302020204" pitchFamily="34" charset="-127"/>
-                        </a:rPr>
-                        <a:t>Odd_Book</a:t>
-                      </a:r>
-                      <a:r>
-                        <a:rPr lang="ko-KR" altLang="en-US" sz="1200" dirty="0">
-                          <a:solidFill>
-                            <a:schemeClr val="tx1">
-                              <a:lumMod val="65000"/>
-                              <a:lumOff val="35000"/>
-                            </a:schemeClr>
-                          </a:solidFill>
-                          <a:latin typeface="에스코어 드림 5 Medium" panose="020B0503030302020204" pitchFamily="34" charset="-127"/>
-                          <a:ea typeface="에스코어 드림 5 Medium" panose="020B0503030302020204" pitchFamily="34" charset="-127"/>
-                        </a:rPr>
-                        <a:t>의 </a:t>
-                      </a:r>
-                      <a:r>
-                        <a:rPr lang="en-US" altLang="ko-KR" sz="1200" dirty="0" err="1">
-                          <a:solidFill>
-                            <a:schemeClr val="tx1">
-                              <a:lumMod val="65000"/>
-                              <a:lumOff val="35000"/>
-                            </a:schemeClr>
-                          </a:solidFill>
-                          <a:latin typeface="에스코어 드림 5 Medium" panose="020B0503030302020204" pitchFamily="34" charset="-127"/>
-                          <a:ea typeface="에스코어 드림 5 Medium" panose="020B0503030302020204" pitchFamily="34" charset="-127"/>
-                        </a:rPr>
-                        <a:t>b_number</a:t>
-                      </a:r>
-                      <a:r>
-                        <a:rPr lang="ko-KR" altLang="en-US" sz="1200" dirty="0">
-                          <a:solidFill>
-                            <a:schemeClr val="tx1">
-                              <a:lumMod val="65000"/>
-                              <a:lumOff val="35000"/>
-                            </a:schemeClr>
-                          </a:solidFill>
-                          <a:latin typeface="에스코어 드림 5 Medium" panose="020B0503030302020204" pitchFamily="34" charset="-127"/>
-                          <a:ea typeface="에스코어 드림 5 Medium" panose="020B0503030302020204" pitchFamily="34" charset="-127"/>
-                        </a:rPr>
-                        <a:t>를 참조</a:t>
-                      </a:r>
-                    </a:p>
-                  </a:txBody>
-                  <a:tcPr anchor="ctr">
-                    <a:solidFill>
-                      <a:srgbClr val="DDDDF7"/>
-                    </a:solidFill>
-                  </a:tcPr>
-                </a:tc>
-                <a:extLst>
-                  <a:ext uri="{0D108BD9-81ED-4DB2-BD59-A6C34878D82A}">
-                    <a16:rowId xmlns:a16="http://schemas.microsoft.com/office/drawing/2014/main" val="832513142"/>
-                  </a:ext>
-                </a:extLst>
-              </a:tr>
-              <a:tr h="448597">
-                <a:tc>
-                  <a:txBody>
-                    <a:bodyPr/>
-                    <a:lstStyle/>
-                    <a:p>
-                      <a:pPr algn="ctr" latinLnBrk="1"/>
-                      <a:r>
-                        <a:rPr lang="en-US" altLang="ko-KR" sz="1200">
-                          <a:solidFill>
-                            <a:schemeClr val="tx1">
-                              <a:lumMod val="65000"/>
-                              <a:lumOff val="35000"/>
-                            </a:schemeClr>
-                          </a:solidFill>
-                          <a:latin typeface="에스코어 드림 5 Medium" panose="020B0503030302020204" pitchFamily="34" charset="-127"/>
-                          <a:ea typeface="에스코어 드림 5 Medium" panose="020B0503030302020204" pitchFamily="34" charset="-127"/>
-                        </a:rPr>
-                        <a:t>4</a:t>
-                      </a:r>
-                      <a:endParaRPr lang="ko-KR" altLang="en-US" sz="1200" dirty="0">
-                        <a:solidFill>
-                          <a:schemeClr val="tx1">
-                            <a:lumMod val="65000"/>
-                            <a:lumOff val="35000"/>
-                          </a:schemeClr>
-                        </a:solidFill>
-                        <a:latin typeface="에스코어 드림 5 Medium" panose="020B0503030302020204" pitchFamily="34" charset="-127"/>
-                        <a:ea typeface="에스코어 드림 5 Medium" panose="020B0503030302020204" pitchFamily="34" charset="-127"/>
-                      </a:endParaRPr>
-                    </a:p>
-                  </a:txBody>
-                  <a:tcPr anchor="ctr">
-                    <a:solidFill>
-                      <a:srgbClr val="DDDDF7"/>
-                    </a:solidFill>
-                  </a:tcPr>
-                </a:tc>
-                <a:tc>
-                  <a:txBody>
-                    <a:bodyPr/>
-                    <a:lstStyle/>
-                    <a:p>
-                      <a:pPr marL="0" marR="0" lvl="0" indent="0" algn="ctr" defTabSz="914400" rtl="0" eaLnBrk="1" fontAlgn="auto" latinLnBrk="1" hangingPunct="1">
-                        <a:lnSpc>
-                          <a:spcPct val="100000"/>
-                        </a:lnSpc>
-                        <a:spcBef>
-                          <a:spcPts val="0"/>
-                        </a:spcBef>
-                        <a:spcAft>
-                          <a:spcPts val="0"/>
-                        </a:spcAft>
-                        <a:buClrTx/>
-                        <a:buSzTx/>
-                        <a:buFontTx/>
-                        <a:buNone/>
-                        <a:tabLst/>
-                        <a:defRPr/>
-                      </a:pPr>
-                      <a:r>
-                        <a:rPr lang="en-US" altLang="ko-KR" sz="1200" dirty="0" err="1">
-                          <a:solidFill>
-                            <a:schemeClr val="tx1">
-                              <a:lumMod val="65000"/>
-                              <a:lumOff val="35000"/>
-                            </a:schemeClr>
-                          </a:solidFill>
-                          <a:latin typeface="에스코어 드림 5 Medium" panose="020B0503030302020204" pitchFamily="34" charset="-127"/>
-                          <a:ea typeface="에스코어 드림 5 Medium" panose="020B0503030302020204" pitchFamily="34" charset="-127"/>
-                        </a:rPr>
-                        <a:t>b_name</a:t>
-                      </a:r>
-                      <a:endParaRPr lang="ko-KR" altLang="en-US" sz="1200" dirty="0">
-                        <a:solidFill>
-                          <a:schemeClr val="tx1">
-                            <a:lumMod val="65000"/>
-                            <a:lumOff val="35000"/>
-                          </a:schemeClr>
-                        </a:solidFill>
-                        <a:latin typeface="에스코어 드림 5 Medium" panose="020B0503030302020204" pitchFamily="34" charset="-127"/>
-                        <a:ea typeface="에스코어 드림 5 Medium" panose="020B0503030302020204" pitchFamily="34" charset="-127"/>
-                      </a:endParaRPr>
-                    </a:p>
-                  </a:txBody>
-                  <a:tcPr anchor="ctr">
-                    <a:solidFill>
-                      <a:srgbClr val="DDDDF7"/>
-                    </a:solidFill>
-                  </a:tcPr>
-                </a:tc>
-                <a:tc>
-                  <a:txBody>
-                    <a:bodyPr/>
-                    <a:lstStyle/>
-                    <a:p>
-                      <a:pPr marL="0" marR="0" lvl="0" indent="0" algn="ctr" defTabSz="914400" rtl="0" eaLnBrk="1" fontAlgn="auto" latinLnBrk="1" hangingPunct="1">
-                        <a:lnSpc>
-                          <a:spcPct val="100000"/>
-                        </a:lnSpc>
-                        <a:spcBef>
-                          <a:spcPts val="0"/>
-                        </a:spcBef>
-                        <a:spcAft>
-                          <a:spcPts val="0"/>
-                        </a:spcAft>
-                        <a:buClrTx/>
-                        <a:buSzTx/>
-                        <a:buFontTx/>
-                        <a:buNone/>
-                        <a:tabLst/>
-                        <a:defRPr/>
-                      </a:pPr>
-                      <a:r>
-                        <a:rPr lang="en-US" altLang="ko-KR" sz="1200" dirty="0">
-                          <a:solidFill>
-                            <a:schemeClr val="tx1">
-                              <a:lumMod val="65000"/>
-                              <a:lumOff val="35000"/>
-                            </a:schemeClr>
-                          </a:solidFill>
-                          <a:latin typeface="에스코어 드림 5 Medium" panose="020B0503030302020204" pitchFamily="34" charset="-127"/>
-                          <a:ea typeface="에스코어 드림 5 Medium" panose="020B0503030302020204" pitchFamily="34" charset="-127"/>
-                        </a:rPr>
-                        <a:t>varchar(100)</a:t>
-                      </a:r>
-                      <a:endParaRPr lang="ko-KR" altLang="en-US" sz="1200" dirty="0">
-                        <a:solidFill>
-                          <a:schemeClr val="tx1">
-                            <a:lumMod val="65000"/>
-                            <a:lumOff val="35000"/>
-                          </a:schemeClr>
-                        </a:solidFill>
-                        <a:latin typeface="에스코어 드림 5 Medium" panose="020B0503030302020204" pitchFamily="34" charset="-127"/>
-                        <a:ea typeface="에스코어 드림 5 Medium" panose="020B0503030302020204" pitchFamily="34" charset="-127"/>
-                      </a:endParaRPr>
-                    </a:p>
-                  </a:txBody>
-                  <a:tcPr anchor="ctr">
-                    <a:solidFill>
-                      <a:srgbClr val="DDDDF7"/>
-                    </a:solidFill>
-                  </a:tcPr>
-                </a:tc>
-                <a:tc>
-                  <a:txBody>
-                    <a:bodyPr/>
-                    <a:lstStyle/>
-                    <a:p>
-                      <a:pPr marL="0" marR="0" lvl="0" indent="0" algn="ctr" defTabSz="914400" rtl="0" eaLnBrk="1" fontAlgn="auto" latinLnBrk="1" hangingPunct="1">
-                        <a:lnSpc>
-                          <a:spcPct val="100000"/>
-                        </a:lnSpc>
-                        <a:spcBef>
-                          <a:spcPts val="0"/>
-                        </a:spcBef>
-                        <a:spcAft>
-                          <a:spcPts val="0"/>
-                        </a:spcAft>
-                        <a:buClrTx/>
-                        <a:buSzTx/>
-                        <a:buFontTx/>
-                        <a:buNone/>
-                        <a:tabLst/>
-                        <a:defRPr/>
-                      </a:pPr>
-                      <a:r>
-                        <a:rPr lang="en-US" altLang="ko-KR" sz="1200">
-                          <a:solidFill>
-                            <a:schemeClr val="tx1">
-                              <a:lumMod val="65000"/>
-                              <a:lumOff val="35000"/>
-                            </a:schemeClr>
-                          </a:solidFill>
-                          <a:latin typeface="에스코어 드림 5 Medium" panose="020B0503030302020204" pitchFamily="34" charset="-127"/>
-                          <a:ea typeface="에스코어 드림 5 Medium" panose="020B0503030302020204" pitchFamily="34" charset="-127"/>
-                        </a:rPr>
-                        <a:t>n.n</a:t>
-                      </a:r>
-                      <a:endParaRPr lang="ko-KR" altLang="en-US" sz="1200" dirty="0">
-                        <a:solidFill>
-                          <a:schemeClr val="tx1">
-                            <a:lumMod val="65000"/>
-                            <a:lumOff val="35000"/>
-                          </a:schemeClr>
-                        </a:solidFill>
-                        <a:latin typeface="에스코어 드림 5 Medium" panose="020B0503030302020204" pitchFamily="34" charset="-127"/>
-                        <a:ea typeface="에스코어 드림 5 Medium" panose="020B0503030302020204" pitchFamily="34" charset="-127"/>
-                      </a:endParaRPr>
-                    </a:p>
-                  </a:txBody>
-                  <a:tcPr anchor="ctr">
-                    <a:solidFill>
-                      <a:srgbClr val="DDDDF7"/>
-                    </a:solidFill>
-                  </a:tcPr>
-                </a:tc>
-                <a:tc>
-                  <a:txBody>
-                    <a:bodyPr/>
-                    <a:lstStyle/>
-                    <a:p>
-                      <a:pPr algn="ctr" latinLnBrk="1"/>
-                      <a:r>
-                        <a:rPr lang="en-US" altLang="ko-KR" sz="1200">
-                          <a:solidFill>
-                            <a:schemeClr val="tx1">
-                              <a:lumMod val="65000"/>
-                              <a:lumOff val="35000"/>
-                            </a:schemeClr>
-                          </a:solidFill>
-                          <a:latin typeface="에스코어 드림 5 Medium" panose="020B0503030302020204" pitchFamily="34" charset="-127"/>
-                          <a:ea typeface="에스코어 드림 5 Medium" panose="020B0503030302020204" pitchFamily="34" charset="-127"/>
-                        </a:rPr>
-                        <a:t>-</a:t>
-                      </a:r>
-                      <a:endParaRPr lang="ko-KR" altLang="en-US" sz="1200" dirty="0">
-                        <a:solidFill>
-                          <a:schemeClr val="tx1">
-                            <a:lumMod val="65000"/>
-                            <a:lumOff val="35000"/>
-                          </a:schemeClr>
-                        </a:solidFill>
-                        <a:latin typeface="에스코어 드림 5 Medium" panose="020B0503030302020204" pitchFamily="34" charset="-127"/>
-                        <a:ea typeface="에스코어 드림 5 Medium" panose="020B0503030302020204" pitchFamily="34" charset="-127"/>
-                      </a:endParaRPr>
-                    </a:p>
-                  </a:txBody>
-                  <a:tcPr anchor="ctr">
-                    <a:solidFill>
-                      <a:srgbClr val="DDDDF7"/>
-                    </a:solidFill>
-                  </a:tcPr>
-                </a:tc>
-                <a:tc>
-                  <a:txBody>
-                    <a:bodyPr/>
-                    <a:lstStyle/>
-                    <a:p>
-                      <a:pPr algn="ctr" latinLnBrk="1"/>
-                      <a:r>
-                        <a:rPr lang="en-US" altLang="ko-KR" sz="1200">
-                          <a:solidFill>
-                            <a:schemeClr val="tx1">
-                              <a:lumMod val="65000"/>
-                              <a:lumOff val="35000"/>
-                            </a:schemeClr>
-                          </a:solidFill>
-                          <a:latin typeface="에스코어 드림 5 Medium" panose="020B0503030302020204" pitchFamily="34" charset="-127"/>
-                          <a:ea typeface="에스코어 드림 5 Medium" panose="020B0503030302020204" pitchFamily="34" charset="-127"/>
-                        </a:rPr>
-                        <a:t>-</a:t>
-                      </a:r>
-                      <a:endParaRPr lang="ko-KR" altLang="en-US" sz="1200" dirty="0">
-                        <a:solidFill>
-                          <a:schemeClr val="tx1">
-                            <a:lumMod val="65000"/>
-                            <a:lumOff val="35000"/>
-                          </a:schemeClr>
-                        </a:solidFill>
-                        <a:latin typeface="에스코어 드림 5 Medium" panose="020B0503030302020204" pitchFamily="34" charset="-127"/>
-                        <a:ea typeface="에스코어 드림 5 Medium" panose="020B0503030302020204" pitchFamily="34" charset="-127"/>
-                      </a:endParaRPr>
-                    </a:p>
-                  </a:txBody>
-                  <a:tcPr anchor="ctr">
-                    <a:solidFill>
-                      <a:srgbClr val="DDDDF7"/>
-                    </a:solidFill>
-                  </a:tcPr>
-                </a:tc>
-                <a:tc>
-                  <a:txBody>
-                    <a:bodyPr/>
-                    <a:lstStyle/>
-                    <a:p>
-                      <a:pPr algn="ctr" latinLnBrk="1"/>
-                      <a:r>
-                        <a:rPr lang="en-US" altLang="ko-KR" sz="1200">
-                          <a:solidFill>
-                            <a:schemeClr val="tx1">
-                              <a:lumMod val="65000"/>
-                              <a:lumOff val="35000"/>
-                            </a:schemeClr>
-                          </a:solidFill>
-                          <a:latin typeface="에스코어 드림 5 Medium" panose="020B0503030302020204" pitchFamily="34" charset="-127"/>
-                          <a:ea typeface="에스코어 드림 5 Medium" panose="020B0503030302020204" pitchFamily="34" charset="-127"/>
-                        </a:rPr>
-                        <a:t>-</a:t>
-                      </a:r>
-                      <a:endParaRPr lang="ko-KR" altLang="en-US" sz="1200" dirty="0">
-                        <a:solidFill>
-                          <a:schemeClr val="tx1">
-                            <a:lumMod val="65000"/>
-                            <a:lumOff val="35000"/>
-                          </a:schemeClr>
-                        </a:solidFill>
-                        <a:latin typeface="에스코어 드림 5 Medium" panose="020B0503030302020204" pitchFamily="34" charset="-127"/>
-                        <a:ea typeface="에스코어 드림 5 Medium" panose="020B0503030302020204" pitchFamily="34" charset="-127"/>
-                      </a:endParaRPr>
-                    </a:p>
-                  </a:txBody>
-                  <a:tcPr anchor="ctr">
-                    <a:solidFill>
-                      <a:srgbClr val="DDDDF7"/>
-                    </a:solidFill>
-                  </a:tcPr>
-                </a:tc>
-                <a:tc>
-                  <a:txBody>
-                    <a:bodyPr/>
-                    <a:lstStyle/>
-                    <a:p>
-                      <a:pPr algn="ctr" latinLnBrk="1"/>
-                      <a:r>
-                        <a:rPr lang="ko-KR" altLang="en-US" sz="1200" dirty="0">
-                          <a:solidFill>
-                            <a:schemeClr val="tx1">
-                              <a:lumMod val="65000"/>
-                              <a:lumOff val="35000"/>
-                            </a:schemeClr>
-                          </a:solidFill>
-                          <a:latin typeface="에스코어 드림 5 Medium" panose="020B0503030302020204" pitchFamily="34" charset="-127"/>
-                          <a:ea typeface="에스코어 드림 5 Medium" panose="020B0503030302020204" pitchFamily="34" charset="-127"/>
-                        </a:rPr>
-                        <a:t>도서명</a:t>
-                      </a:r>
-                    </a:p>
-                  </a:txBody>
-                  <a:tcPr anchor="ctr">
-                    <a:solidFill>
-                      <a:srgbClr val="DDDDF7"/>
-                    </a:solidFill>
-                  </a:tcPr>
-                </a:tc>
-                <a:extLst>
-                  <a:ext uri="{0D108BD9-81ED-4DB2-BD59-A6C34878D82A}">
-                    <a16:rowId xmlns:a16="http://schemas.microsoft.com/office/drawing/2014/main" val="3955013574"/>
-                  </a:ext>
-                </a:extLst>
-              </a:tr>
-              <a:tr h="448597">
-                <a:tc>
-                  <a:txBody>
-                    <a:bodyPr/>
-                    <a:lstStyle/>
-                    <a:p>
-                      <a:pPr algn="ctr" latinLnBrk="1"/>
-                      <a:r>
-                        <a:rPr lang="en-US" altLang="ko-KR" sz="1200">
-                          <a:solidFill>
-                            <a:schemeClr val="tx1">
-                              <a:lumMod val="65000"/>
-                              <a:lumOff val="35000"/>
-                            </a:schemeClr>
-                          </a:solidFill>
-                          <a:latin typeface="에스코어 드림 5 Medium" panose="020B0503030302020204" pitchFamily="34" charset="-127"/>
-                          <a:ea typeface="에스코어 드림 5 Medium" panose="020B0503030302020204" pitchFamily="34" charset="-127"/>
-                        </a:rPr>
-                        <a:t>5</a:t>
-                      </a:r>
-                      <a:endParaRPr lang="ko-KR" altLang="en-US" sz="1200" dirty="0">
-                        <a:solidFill>
-                          <a:schemeClr val="tx1">
-                            <a:lumMod val="65000"/>
-                            <a:lumOff val="35000"/>
-                          </a:schemeClr>
-                        </a:solidFill>
-                        <a:latin typeface="에스코어 드림 5 Medium" panose="020B0503030302020204" pitchFamily="34" charset="-127"/>
-                        <a:ea typeface="에스코어 드림 5 Medium" panose="020B0503030302020204" pitchFamily="34" charset="-127"/>
-                      </a:endParaRPr>
-                    </a:p>
-                  </a:txBody>
-                  <a:tcPr anchor="ctr">
-                    <a:solidFill>
-                      <a:srgbClr val="DDDDF7"/>
-                    </a:solidFill>
-                  </a:tcPr>
-                </a:tc>
-                <a:tc>
-                  <a:txBody>
-                    <a:bodyPr/>
-                    <a:lstStyle/>
-                    <a:p>
-                      <a:pPr marL="0" marR="0" lvl="0" indent="0" algn="ctr" defTabSz="914400" rtl="0" eaLnBrk="1" fontAlgn="auto" latinLnBrk="1" hangingPunct="1">
-                        <a:lnSpc>
-                          <a:spcPct val="100000"/>
-                        </a:lnSpc>
-                        <a:spcBef>
-                          <a:spcPts val="0"/>
-                        </a:spcBef>
-                        <a:spcAft>
-                          <a:spcPts val="0"/>
-                        </a:spcAft>
-                        <a:buClrTx/>
-                        <a:buSzTx/>
-                        <a:buFontTx/>
-                        <a:buNone/>
-                        <a:tabLst/>
-                        <a:defRPr/>
-                      </a:pPr>
-                      <a:r>
-                        <a:rPr lang="en-US" altLang="ko-KR" sz="1200" dirty="0" err="1">
-                          <a:solidFill>
-                            <a:schemeClr val="tx1">
-                              <a:lumMod val="65000"/>
-                              <a:lumOff val="35000"/>
-                            </a:schemeClr>
-                          </a:solidFill>
-                          <a:latin typeface="에스코어 드림 5 Medium" panose="020B0503030302020204" pitchFamily="34" charset="-127"/>
-                          <a:ea typeface="에스코어 드림 5 Medium" panose="020B0503030302020204" pitchFamily="34" charset="-127"/>
-                        </a:rPr>
-                        <a:t>r_contents</a:t>
-                      </a:r>
-                      <a:endParaRPr lang="ko-KR" altLang="en-US" sz="1200" dirty="0">
-                        <a:solidFill>
-                          <a:schemeClr val="tx1">
-                            <a:lumMod val="65000"/>
-                            <a:lumOff val="35000"/>
-                          </a:schemeClr>
-                        </a:solidFill>
-                        <a:latin typeface="에스코어 드림 5 Medium" panose="020B0503030302020204" pitchFamily="34" charset="-127"/>
-                        <a:ea typeface="에스코어 드림 5 Medium" panose="020B0503030302020204" pitchFamily="34" charset="-127"/>
-                      </a:endParaRPr>
-                    </a:p>
-                  </a:txBody>
-                  <a:tcPr anchor="ctr">
-                    <a:solidFill>
-                      <a:srgbClr val="DDDDF7"/>
-                    </a:solidFill>
-                  </a:tcPr>
-                </a:tc>
-                <a:tc>
-                  <a:txBody>
-                    <a:bodyPr/>
-                    <a:lstStyle/>
-                    <a:p>
-                      <a:pPr algn="ctr" latinLnBrk="1"/>
-                      <a:r>
-                        <a:rPr lang="en-US" altLang="ko-KR" sz="1200" dirty="0">
-                          <a:solidFill>
-                            <a:schemeClr val="tx1">
-                              <a:lumMod val="65000"/>
-                              <a:lumOff val="35000"/>
-                            </a:schemeClr>
-                          </a:solidFill>
-                          <a:latin typeface="에스코어 드림 5 Medium" panose="020B0503030302020204" pitchFamily="34" charset="-127"/>
-                          <a:ea typeface="에스코어 드림 5 Medium" panose="020B0503030302020204" pitchFamily="34" charset="-127"/>
-                        </a:rPr>
-                        <a:t>varchar(500)</a:t>
-                      </a:r>
-                      <a:endParaRPr lang="ko-KR" altLang="en-US" sz="1200" dirty="0">
-                        <a:solidFill>
-                          <a:schemeClr val="tx1">
-                            <a:lumMod val="65000"/>
-                            <a:lumOff val="35000"/>
-                          </a:schemeClr>
-                        </a:solidFill>
-                        <a:latin typeface="에스코어 드림 5 Medium" panose="020B0503030302020204" pitchFamily="34" charset="-127"/>
-                        <a:ea typeface="에스코어 드림 5 Medium" panose="020B0503030302020204" pitchFamily="34" charset="-127"/>
-                      </a:endParaRPr>
-                    </a:p>
-                  </a:txBody>
-                  <a:tcPr anchor="ctr">
-                    <a:solidFill>
-                      <a:srgbClr val="DDDDF7"/>
-                    </a:solidFill>
-                  </a:tcPr>
-                </a:tc>
-                <a:tc>
-                  <a:txBody>
-                    <a:bodyPr/>
-                    <a:lstStyle/>
-                    <a:p>
-                      <a:pPr marL="0" marR="0" lvl="0" indent="0" algn="ctr" defTabSz="914400" rtl="0" eaLnBrk="1" fontAlgn="auto" latinLnBrk="1" hangingPunct="1">
-                        <a:lnSpc>
-                          <a:spcPct val="100000"/>
-                        </a:lnSpc>
-                        <a:spcBef>
-                          <a:spcPts val="0"/>
-                        </a:spcBef>
-                        <a:spcAft>
-                          <a:spcPts val="0"/>
-                        </a:spcAft>
-                        <a:buClrTx/>
-                        <a:buSzTx/>
-                        <a:buFontTx/>
-                        <a:buNone/>
-                        <a:tabLst/>
-                        <a:defRPr/>
-                      </a:pPr>
-                      <a:r>
-                        <a:rPr lang="en-US" altLang="ko-KR" sz="1200">
-                          <a:solidFill>
-                            <a:schemeClr val="tx1">
-                              <a:lumMod val="65000"/>
-                              <a:lumOff val="35000"/>
-                            </a:schemeClr>
-                          </a:solidFill>
-                          <a:latin typeface="에스코어 드림 5 Medium" panose="020B0503030302020204" pitchFamily="34" charset="-127"/>
-                          <a:ea typeface="에스코어 드림 5 Medium" panose="020B0503030302020204" pitchFamily="34" charset="-127"/>
-                        </a:rPr>
-                        <a:t>n.n</a:t>
-                      </a:r>
-                      <a:endParaRPr lang="ko-KR" altLang="en-US" sz="1200" dirty="0">
-                        <a:solidFill>
-                          <a:schemeClr val="tx1">
-                            <a:lumMod val="65000"/>
-                            <a:lumOff val="35000"/>
-                          </a:schemeClr>
-                        </a:solidFill>
-                        <a:latin typeface="에스코어 드림 5 Medium" panose="020B0503030302020204" pitchFamily="34" charset="-127"/>
-                        <a:ea typeface="에스코어 드림 5 Medium" panose="020B0503030302020204" pitchFamily="34" charset="-127"/>
-                      </a:endParaRPr>
-                    </a:p>
-                  </a:txBody>
-                  <a:tcPr anchor="ctr">
-                    <a:solidFill>
-                      <a:srgbClr val="DDDDF7"/>
-                    </a:solidFill>
-                  </a:tcPr>
-                </a:tc>
-                <a:tc>
-                  <a:txBody>
-                    <a:bodyPr/>
-                    <a:lstStyle/>
-                    <a:p>
-                      <a:pPr algn="ctr" latinLnBrk="1"/>
-                      <a:r>
-                        <a:rPr lang="en-US" altLang="ko-KR" sz="1200">
-                          <a:solidFill>
-                            <a:schemeClr val="tx1">
-                              <a:lumMod val="65000"/>
-                              <a:lumOff val="35000"/>
-                            </a:schemeClr>
-                          </a:solidFill>
-                          <a:latin typeface="에스코어 드림 5 Medium" panose="020B0503030302020204" pitchFamily="34" charset="-127"/>
-                          <a:ea typeface="에스코어 드림 5 Medium" panose="020B0503030302020204" pitchFamily="34" charset="-127"/>
-                        </a:rPr>
-                        <a:t>-</a:t>
-                      </a:r>
-                      <a:endParaRPr lang="ko-KR" altLang="en-US" sz="1200" dirty="0">
-                        <a:solidFill>
-                          <a:schemeClr val="tx1">
-                            <a:lumMod val="65000"/>
-                            <a:lumOff val="35000"/>
-                          </a:schemeClr>
-                        </a:solidFill>
-                        <a:latin typeface="에스코어 드림 5 Medium" panose="020B0503030302020204" pitchFamily="34" charset="-127"/>
-                        <a:ea typeface="에스코어 드림 5 Medium" panose="020B0503030302020204" pitchFamily="34" charset="-127"/>
-                      </a:endParaRPr>
-                    </a:p>
-                  </a:txBody>
-                  <a:tcPr anchor="ctr">
-                    <a:solidFill>
-                      <a:srgbClr val="DDDDF7"/>
-                    </a:solidFill>
-                  </a:tcPr>
-                </a:tc>
-                <a:tc>
-                  <a:txBody>
-                    <a:bodyPr/>
-                    <a:lstStyle/>
-                    <a:p>
-                      <a:pPr algn="ctr" latinLnBrk="1"/>
-                      <a:r>
-                        <a:rPr lang="en-US" altLang="ko-KR" sz="1200">
-                          <a:solidFill>
-                            <a:schemeClr val="tx1">
-                              <a:lumMod val="65000"/>
-                              <a:lumOff val="35000"/>
-                            </a:schemeClr>
-                          </a:solidFill>
-                          <a:latin typeface="에스코어 드림 5 Medium" panose="020B0503030302020204" pitchFamily="34" charset="-127"/>
-                          <a:ea typeface="에스코어 드림 5 Medium" panose="020B0503030302020204" pitchFamily="34" charset="-127"/>
-                        </a:rPr>
-                        <a:t>-</a:t>
-                      </a:r>
-                      <a:endParaRPr lang="ko-KR" altLang="en-US" sz="1200" dirty="0">
-                        <a:solidFill>
-                          <a:schemeClr val="tx1">
-                            <a:lumMod val="65000"/>
-                            <a:lumOff val="35000"/>
-                          </a:schemeClr>
-                        </a:solidFill>
-                        <a:latin typeface="에스코어 드림 5 Medium" panose="020B0503030302020204" pitchFamily="34" charset="-127"/>
-                        <a:ea typeface="에스코어 드림 5 Medium" panose="020B0503030302020204" pitchFamily="34" charset="-127"/>
-                      </a:endParaRPr>
-                    </a:p>
-                  </a:txBody>
-                  <a:tcPr anchor="ctr">
-                    <a:solidFill>
-                      <a:srgbClr val="DDDDF7"/>
-                    </a:solidFill>
-                  </a:tcPr>
-                </a:tc>
-                <a:tc>
-                  <a:txBody>
-                    <a:bodyPr/>
-                    <a:lstStyle/>
-                    <a:p>
-                      <a:pPr algn="ctr" latinLnBrk="1"/>
-                      <a:r>
-                        <a:rPr lang="en-US" altLang="ko-KR" sz="1200">
-                          <a:solidFill>
-                            <a:schemeClr val="tx1">
-                              <a:lumMod val="65000"/>
-                              <a:lumOff val="35000"/>
-                            </a:schemeClr>
-                          </a:solidFill>
-                          <a:latin typeface="에스코어 드림 5 Medium" panose="020B0503030302020204" pitchFamily="34" charset="-127"/>
-                          <a:ea typeface="에스코어 드림 5 Medium" panose="020B0503030302020204" pitchFamily="34" charset="-127"/>
-                        </a:rPr>
-                        <a:t>-</a:t>
-                      </a:r>
-                      <a:endParaRPr lang="ko-KR" altLang="en-US" sz="1200" dirty="0">
-                        <a:solidFill>
-                          <a:schemeClr val="tx1">
-                            <a:lumMod val="65000"/>
-                            <a:lumOff val="35000"/>
-                          </a:schemeClr>
-                        </a:solidFill>
-                        <a:latin typeface="에스코어 드림 5 Medium" panose="020B0503030302020204" pitchFamily="34" charset="-127"/>
-                        <a:ea typeface="에스코어 드림 5 Medium" panose="020B0503030302020204" pitchFamily="34" charset="-127"/>
-                      </a:endParaRPr>
-                    </a:p>
-                  </a:txBody>
-                  <a:tcPr anchor="ctr">
-                    <a:solidFill>
-                      <a:srgbClr val="DDDDF7"/>
-                    </a:solidFill>
-                  </a:tcPr>
-                </a:tc>
-                <a:tc>
-                  <a:txBody>
-                    <a:bodyPr/>
-                    <a:lstStyle/>
-                    <a:p>
-                      <a:pPr algn="ctr" latinLnBrk="1"/>
-                      <a:r>
-                        <a:rPr lang="ko-KR" altLang="en-US" sz="1200" dirty="0">
-                          <a:solidFill>
-                            <a:schemeClr val="tx1">
-                              <a:lumMod val="65000"/>
-                              <a:lumOff val="35000"/>
-                            </a:schemeClr>
-                          </a:solidFill>
-                          <a:latin typeface="에스코어 드림 5 Medium" panose="020B0503030302020204" pitchFamily="34" charset="-127"/>
-                          <a:ea typeface="에스코어 드림 5 Medium" panose="020B0503030302020204" pitchFamily="34" charset="-127"/>
-                        </a:rPr>
-                        <a:t>리뷰내용</a:t>
-                      </a:r>
-                    </a:p>
-                  </a:txBody>
-                  <a:tcPr anchor="ctr">
-                    <a:solidFill>
-                      <a:srgbClr val="DDDDF7"/>
-                    </a:solidFill>
-                  </a:tcPr>
-                </a:tc>
-                <a:extLst>
-                  <a:ext uri="{0D108BD9-81ED-4DB2-BD59-A6C34878D82A}">
-                    <a16:rowId xmlns:a16="http://schemas.microsoft.com/office/drawing/2014/main" val="1351967923"/>
-                  </a:ext>
-                </a:extLst>
-              </a:tr>
-              <a:tr h="448597">
-                <a:tc>
-                  <a:txBody>
-                    <a:bodyPr/>
-                    <a:lstStyle/>
-                    <a:p>
-                      <a:pPr algn="ctr" latinLnBrk="1"/>
-                      <a:r>
-                        <a:rPr lang="en-US" altLang="ko-KR" sz="1200">
-                          <a:solidFill>
-                            <a:schemeClr val="tx1">
-                              <a:lumMod val="65000"/>
-                              <a:lumOff val="35000"/>
-                            </a:schemeClr>
-                          </a:solidFill>
-                          <a:latin typeface="에스코어 드림 5 Medium" panose="020B0503030302020204" pitchFamily="34" charset="-127"/>
-                          <a:ea typeface="에스코어 드림 5 Medium" panose="020B0503030302020204" pitchFamily="34" charset="-127"/>
-                        </a:rPr>
-                        <a:t>6</a:t>
-                      </a:r>
-                      <a:endParaRPr lang="ko-KR" altLang="en-US" sz="1200" dirty="0">
-                        <a:solidFill>
-                          <a:schemeClr val="tx1">
-                            <a:lumMod val="65000"/>
-                            <a:lumOff val="35000"/>
-                          </a:schemeClr>
-                        </a:solidFill>
-                        <a:latin typeface="에스코어 드림 5 Medium" panose="020B0503030302020204" pitchFamily="34" charset="-127"/>
-                        <a:ea typeface="에스코어 드림 5 Medium" panose="020B0503030302020204" pitchFamily="34" charset="-127"/>
-                      </a:endParaRPr>
-                    </a:p>
-                  </a:txBody>
-                  <a:tcPr anchor="ctr">
-                    <a:solidFill>
-                      <a:srgbClr val="DDDDF7"/>
-                    </a:solidFill>
-                  </a:tcPr>
-                </a:tc>
-                <a:tc>
-                  <a:txBody>
-                    <a:bodyPr/>
-                    <a:lstStyle/>
-                    <a:p>
-                      <a:pPr marL="0" marR="0" lvl="0" indent="0" algn="ctr" defTabSz="914400" rtl="0" eaLnBrk="1" fontAlgn="auto" latinLnBrk="1" hangingPunct="1">
-                        <a:lnSpc>
-                          <a:spcPct val="100000"/>
-                        </a:lnSpc>
-                        <a:spcBef>
-                          <a:spcPts val="0"/>
-                        </a:spcBef>
-                        <a:spcAft>
-                          <a:spcPts val="0"/>
-                        </a:spcAft>
-                        <a:buClrTx/>
-                        <a:buSzTx/>
-                        <a:buFontTx/>
-                        <a:buNone/>
-                        <a:tabLst/>
-                        <a:defRPr/>
-                      </a:pPr>
-                      <a:r>
-                        <a:rPr lang="en-US" altLang="ko-KR" sz="1200" dirty="0" err="1">
-                          <a:solidFill>
-                            <a:schemeClr val="tx1">
-                              <a:lumMod val="65000"/>
-                              <a:lumOff val="35000"/>
-                            </a:schemeClr>
-                          </a:solidFill>
-                          <a:latin typeface="에스코어 드림 5 Medium" panose="020B0503030302020204" pitchFamily="34" charset="-127"/>
-                          <a:ea typeface="에스코어 드림 5 Medium" panose="020B0503030302020204" pitchFamily="34" charset="-127"/>
-                        </a:rPr>
-                        <a:t>r_rating</a:t>
-                      </a:r>
-                      <a:endParaRPr lang="ko-KR" altLang="en-US" sz="1200" dirty="0">
-                        <a:solidFill>
-                          <a:schemeClr val="tx1">
-                            <a:lumMod val="65000"/>
-                            <a:lumOff val="35000"/>
-                          </a:schemeClr>
-                        </a:solidFill>
-                        <a:latin typeface="에스코어 드림 5 Medium" panose="020B0503030302020204" pitchFamily="34" charset="-127"/>
-                        <a:ea typeface="에스코어 드림 5 Medium" panose="020B0503030302020204" pitchFamily="34" charset="-127"/>
-                      </a:endParaRPr>
-                    </a:p>
-                  </a:txBody>
-                  <a:tcPr anchor="ctr">
-                    <a:solidFill>
-                      <a:srgbClr val="DDDDF7"/>
-                    </a:solidFill>
-                  </a:tcPr>
-                </a:tc>
-                <a:tc>
-                  <a:txBody>
-                    <a:bodyPr/>
-                    <a:lstStyle/>
-                    <a:p>
-                      <a:pPr marL="0" marR="0" lvl="0" indent="0" algn="ctr" defTabSz="914400" rtl="0" eaLnBrk="1" fontAlgn="auto" latinLnBrk="1" hangingPunct="1">
-                        <a:lnSpc>
-                          <a:spcPct val="100000"/>
-                        </a:lnSpc>
-                        <a:spcBef>
-                          <a:spcPts val="0"/>
-                        </a:spcBef>
-                        <a:spcAft>
-                          <a:spcPts val="0"/>
-                        </a:spcAft>
-                        <a:buClrTx/>
-                        <a:buSzTx/>
-                        <a:buFontTx/>
-                        <a:buNone/>
-                        <a:tabLst/>
-                        <a:defRPr/>
-                      </a:pPr>
-                      <a:r>
-                        <a:rPr lang="en-US" altLang="ko-KR" sz="1200" dirty="0">
-                          <a:solidFill>
-                            <a:schemeClr val="tx1">
-                              <a:lumMod val="65000"/>
-                              <a:lumOff val="35000"/>
-                            </a:schemeClr>
-                          </a:solidFill>
-                          <a:latin typeface="에스코어 드림 5 Medium" panose="020B0503030302020204" pitchFamily="34" charset="-127"/>
-                          <a:ea typeface="에스코어 드림 5 Medium" panose="020B0503030302020204" pitchFamily="34" charset="-127"/>
-                        </a:rPr>
-                        <a:t>Int</a:t>
-                      </a:r>
-                      <a:endParaRPr lang="ko-KR" altLang="en-US" sz="1200" dirty="0">
-                        <a:solidFill>
-                          <a:schemeClr val="tx1">
-                            <a:lumMod val="65000"/>
-                            <a:lumOff val="35000"/>
-                          </a:schemeClr>
-                        </a:solidFill>
-                        <a:latin typeface="에스코어 드림 5 Medium" panose="020B0503030302020204" pitchFamily="34" charset="-127"/>
-                        <a:ea typeface="에스코어 드림 5 Medium" panose="020B0503030302020204" pitchFamily="34" charset="-127"/>
-                      </a:endParaRPr>
-                    </a:p>
-                  </a:txBody>
-                  <a:tcPr anchor="ctr">
-                    <a:solidFill>
-                      <a:srgbClr val="DDDDF7"/>
-                    </a:solidFill>
-                  </a:tcPr>
-                </a:tc>
-                <a:tc>
-                  <a:txBody>
-                    <a:bodyPr/>
-                    <a:lstStyle/>
-                    <a:p>
-                      <a:pPr algn="ctr" latinLnBrk="1"/>
-                      <a:r>
-                        <a:rPr lang="en-US" altLang="ko-KR" sz="1200" dirty="0">
-                          <a:solidFill>
-                            <a:schemeClr val="tx1">
-                              <a:lumMod val="65000"/>
-                              <a:lumOff val="35000"/>
-                            </a:schemeClr>
-                          </a:solidFill>
-                          <a:latin typeface="에스코어 드림 5 Medium" panose="020B0503030302020204" pitchFamily="34" charset="-127"/>
-                          <a:ea typeface="에스코어 드림 5 Medium" panose="020B0503030302020204" pitchFamily="34" charset="-127"/>
-                        </a:rPr>
-                        <a:t>-</a:t>
-                      </a:r>
-                      <a:endParaRPr lang="ko-KR" altLang="en-US" sz="1200" dirty="0">
-                        <a:solidFill>
-                          <a:schemeClr val="tx1">
-                            <a:lumMod val="65000"/>
-                            <a:lumOff val="35000"/>
-                          </a:schemeClr>
-                        </a:solidFill>
-                        <a:latin typeface="에스코어 드림 5 Medium" panose="020B0503030302020204" pitchFamily="34" charset="-127"/>
-                        <a:ea typeface="에스코어 드림 5 Medium" panose="020B0503030302020204" pitchFamily="34" charset="-127"/>
-                      </a:endParaRPr>
-                    </a:p>
-                  </a:txBody>
-                  <a:tcPr anchor="ctr">
-                    <a:solidFill>
-                      <a:srgbClr val="DDDDF7"/>
-                    </a:solidFill>
-                  </a:tcPr>
-                </a:tc>
-                <a:tc>
-                  <a:txBody>
-                    <a:bodyPr/>
-                    <a:lstStyle/>
-                    <a:p>
-                      <a:pPr algn="ctr" latinLnBrk="1"/>
-                      <a:r>
-                        <a:rPr lang="en-US" altLang="ko-KR" sz="1200" dirty="0">
-                          <a:solidFill>
-                            <a:schemeClr val="tx1">
-                              <a:lumMod val="65000"/>
-                              <a:lumOff val="35000"/>
-                            </a:schemeClr>
-                          </a:solidFill>
-                          <a:latin typeface="에스코어 드림 5 Medium" panose="020B0503030302020204" pitchFamily="34" charset="-127"/>
-                          <a:ea typeface="에스코어 드림 5 Medium" panose="020B0503030302020204" pitchFamily="34" charset="-127"/>
-                        </a:rPr>
-                        <a:t>-</a:t>
-                      </a:r>
-                      <a:endParaRPr lang="ko-KR" altLang="en-US" sz="1200" dirty="0">
-                        <a:solidFill>
-                          <a:schemeClr val="tx1">
-                            <a:lumMod val="65000"/>
-                            <a:lumOff val="35000"/>
-                          </a:schemeClr>
-                        </a:solidFill>
-                        <a:latin typeface="에스코어 드림 5 Medium" panose="020B0503030302020204" pitchFamily="34" charset="-127"/>
-                        <a:ea typeface="에스코어 드림 5 Medium" panose="020B0503030302020204" pitchFamily="34" charset="-127"/>
-                      </a:endParaRPr>
-                    </a:p>
-                  </a:txBody>
-                  <a:tcPr anchor="ctr">
-                    <a:solidFill>
-                      <a:srgbClr val="DDDDF7"/>
-                    </a:solidFill>
-                  </a:tcPr>
-                </a:tc>
-                <a:tc>
-                  <a:txBody>
-                    <a:bodyPr/>
-                    <a:lstStyle/>
-                    <a:p>
-                      <a:pPr algn="ctr" latinLnBrk="1"/>
-                      <a:r>
-                        <a:rPr lang="en-US" altLang="ko-KR" sz="1200" dirty="0">
-                          <a:solidFill>
-                            <a:schemeClr val="tx1">
-                              <a:lumMod val="65000"/>
-                              <a:lumOff val="35000"/>
-                            </a:schemeClr>
-                          </a:solidFill>
-                          <a:latin typeface="에스코어 드림 5 Medium" panose="020B0503030302020204" pitchFamily="34" charset="-127"/>
-                          <a:ea typeface="에스코어 드림 5 Medium" panose="020B0503030302020204" pitchFamily="34" charset="-127"/>
-                        </a:rPr>
-                        <a:t>-</a:t>
-                      </a:r>
-                      <a:endParaRPr lang="ko-KR" altLang="en-US" sz="1200" dirty="0">
-                        <a:solidFill>
-                          <a:schemeClr val="tx1">
-                            <a:lumMod val="65000"/>
-                            <a:lumOff val="35000"/>
-                          </a:schemeClr>
-                        </a:solidFill>
-                        <a:latin typeface="에스코어 드림 5 Medium" panose="020B0503030302020204" pitchFamily="34" charset="-127"/>
-                        <a:ea typeface="에스코어 드림 5 Medium" panose="020B0503030302020204" pitchFamily="34" charset="-127"/>
-                      </a:endParaRPr>
-                    </a:p>
-                  </a:txBody>
-                  <a:tcPr anchor="ctr">
-                    <a:solidFill>
-                      <a:srgbClr val="DDDDF7"/>
-                    </a:solidFill>
-                  </a:tcPr>
-                </a:tc>
-                <a:tc>
-                  <a:txBody>
-                    <a:bodyPr/>
-                    <a:lstStyle/>
-                    <a:p>
-                      <a:pPr algn="ctr" latinLnBrk="1"/>
-                      <a:r>
-                        <a:rPr lang="en-US" altLang="ko-KR" sz="1200">
-                          <a:solidFill>
-                            <a:schemeClr val="tx1">
-                              <a:lumMod val="65000"/>
-                              <a:lumOff val="35000"/>
-                            </a:schemeClr>
-                          </a:solidFill>
-                          <a:latin typeface="에스코어 드림 5 Medium" panose="020B0503030302020204" pitchFamily="34" charset="-127"/>
-                          <a:ea typeface="에스코어 드림 5 Medium" panose="020B0503030302020204" pitchFamily="34" charset="-127"/>
-                        </a:rPr>
-                        <a:t>-</a:t>
-                      </a:r>
-                      <a:endParaRPr lang="ko-KR" altLang="en-US" sz="1200" dirty="0">
-                        <a:solidFill>
-                          <a:schemeClr val="tx1">
-                            <a:lumMod val="65000"/>
-                            <a:lumOff val="35000"/>
-                          </a:schemeClr>
-                        </a:solidFill>
-                        <a:latin typeface="에스코어 드림 5 Medium" panose="020B0503030302020204" pitchFamily="34" charset="-127"/>
-                        <a:ea typeface="에스코어 드림 5 Medium" panose="020B0503030302020204" pitchFamily="34" charset="-127"/>
-                      </a:endParaRPr>
-                    </a:p>
-                  </a:txBody>
-                  <a:tcPr anchor="ctr">
-                    <a:solidFill>
-                      <a:srgbClr val="DDDDF7"/>
-                    </a:solidFill>
-                  </a:tcPr>
-                </a:tc>
-                <a:tc>
-                  <a:txBody>
-                    <a:bodyPr/>
-                    <a:lstStyle/>
-                    <a:p>
-                      <a:pPr algn="ctr" latinLnBrk="1"/>
-                      <a:r>
-                        <a:rPr lang="ko-KR" altLang="en-US" sz="1200" dirty="0" err="1">
-                          <a:solidFill>
-                            <a:schemeClr val="tx1">
-                              <a:lumMod val="65000"/>
-                              <a:lumOff val="35000"/>
-                            </a:schemeClr>
-                          </a:solidFill>
-                          <a:latin typeface="에스코어 드림 5 Medium" panose="020B0503030302020204" pitchFamily="34" charset="-127"/>
-                          <a:ea typeface="에스코어 드림 5 Medium" panose="020B0503030302020204" pitchFamily="34" charset="-127"/>
-                        </a:rPr>
-                        <a:t>별점</a:t>
-                      </a:r>
-                      <a:endParaRPr lang="ko-KR" altLang="en-US" sz="1200" dirty="0">
-                        <a:solidFill>
-                          <a:schemeClr val="tx1">
-                            <a:lumMod val="65000"/>
-                            <a:lumOff val="35000"/>
-                          </a:schemeClr>
-                        </a:solidFill>
-                        <a:latin typeface="에스코어 드림 5 Medium" panose="020B0503030302020204" pitchFamily="34" charset="-127"/>
-                        <a:ea typeface="에스코어 드림 5 Medium" panose="020B0503030302020204" pitchFamily="34" charset="-127"/>
-                      </a:endParaRPr>
-                    </a:p>
-                  </a:txBody>
-                  <a:tcPr anchor="ctr">
-                    <a:solidFill>
-                      <a:srgbClr val="DDDDF7"/>
-                    </a:solidFill>
-                  </a:tcPr>
-                </a:tc>
-                <a:extLst>
-                  <a:ext uri="{0D108BD9-81ED-4DB2-BD59-A6C34878D82A}">
-                    <a16:rowId xmlns:a16="http://schemas.microsoft.com/office/drawing/2014/main" val="1057998199"/>
-                  </a:ext>
-                </a:extLst>
-              </a:tr>
-              <a:tr h="448597">
-                <a:tc>
-                  <a:txBody>
-                    <a:bodyPr/>
-                    <a:lstStyle/>
-                    <a:p>
-                      <a:pPr algn="ctr" latinLnBrk="1"/>
-                      <a:endParaRPr lang="ko-KR" altLang="en-US" sz="1200" dirty="0">
-                        <a:solidFill>
-                          <a:schemeClr val="tx1">
-                            <a:lumMod val="65000"/>
-                            <a:lumOff val="35000"/>
-                          </a:schemeClr>
-                        </a:solidFill>
-                        <a:latin typeface="에스코어 드림 5 Medium" panose="020B0503030302020204" pitchFamily="34" charset="-127"/>
-                        <a:ea typeface="에스코어 드림 5 Medium" panose="020B0503030302020204" pitchFamily="34" charset="-127"/>
-                      </a:endParaRPr>
-                    </a:p>
-                  </a:txBody>
-                  <a:tcPr anchor="ctr">
-                    <a:solidFill>
-                      <a:srgbClr val="DDDDF7"/>
-                    </a:solidFill>
-                  </a:tcPr>
-                </a:tc>
-                <a:tc>
-                  <a:txBody>
-                    <a:bodyPr/>
-                    <a:lstStyle/>
-                    <a:p>
-                      <a:pPr marL="0" marR="0" lvl="0" indent="0" algn="ctr" defTabSz="914400" rtl="0" eaLnBrk="1" fontAlgn="auto" latinLnBrk="1" hangingPunct="1">
-                        <a:lnSpc>
-                          <a:spcPct val="100000"/>
-                        </a:lnSpc>
-                        <a:spcBef>
-                          <a:spcPts val="0"/>
-                        </a:spcBef>
-                        <a:spcAft>
-                          <a:spcPts val="0"/>
-                        </a:spcAft>
-                        <a:buClrTx/>
-                        <a:buSzTx/>
-                        <a:buFontTx/>
-                        <a:buNone/>
-                        <a:tabLst/>
-                        <a:defRPr/>
-                      </a:pPr>
-                      <a:endParaRPr lang="ko-KR" altLang="en-US" sz="1200" dirty="0">
-                        <a:solidFill>
-                          <a:schemeClr val="tx1">
-                            <a:lumMod val="65000"/>
-                            <a:lumOff val="35000"/>
-                          </a:schemeClr>
-                        </a:solidFill>
-                        <a:latin typeface="에스코어 드림 5 Medium" panose="020B0503030302020204" pitchFamily="34" charset="-127"/>
-                        <a:ea typeface="에스코어 드림 5 Medium" panose="020B0503030302020204" pitchFamily="34" charset="-127"/>
-                      </a:endParaRPr>
-                    </a:p>
-                  </a:txBody>
-                  <a:tcPr anchor="ctr">
-                    <a:solidFill>
-                      <a:srgbClr val="DDDDF7"/>
-                    </a:solidFill>
-                  </a:tcPr>
-                </a:tc>
-                <a:tc>
-                  <a:txBody>
-                    <a:bodyPr/>
-                    <a:lstStyle/>
-                    <a:p>
-                      <a:pPr marL="0" marR="0" lvl="0" indent="0" algn="ctr" defTabSz="914400" rtl="0" eaLnBrk="1" fontAlgn="auto" latinLnBrk="1" hangingPunct="1">
-                        <a:lnSpc>
-                          <a:spcPct val="100000"/>
-                        </a:lnSpc>
-                        <a:spcBef>
-                          <a:spcPts val="0"/>
-                        </a:spcBef>
-                        <a:spcAft>
-                          <a:spcPts val="0"/>
-                        </a:spcAft>
-                        <a:buClrTx/>
-                        <a:buSzTx/>
-                        <a:buFontTx/>
-                        <a:buNone/>
-                        <a:tabLst/>
-                        <a:defRPr/>
-                      </a:pPr>
-                      <a:endParaRPr lang="ko-KR" altLang="en-US" sz="1200" dirty="0">
-                        <a:solidFill>
-                          <a:schemeClr val="tx1">
-                            <a:lumMod val="65000"/>
-                            <a:lumOff val="35000"/>
-                          </a:schemeClr>
-                        </a:solidFill>
-                        <a:latin typeface="에스코어 드림 5 Medium" panose="020B0503030302020204" pitchFamily="34" charset="-127"/>
-                        <a:ea typeface="에스코어 드림 5 Medium" panose="020B0503030302020204" pitchFamily="34" charset="-127"/>
-                      </a:endParaRPr>
-                    </a:p>
-                  </a:txBody>
-                  <a:tcPr anchor="ctr">
-                    <a:solidFill>
-                      <a:srgbClr val="DDDDF7"/>
-                    </a:solidFill>
-                  </a:tcPr>
-                </a:tc>
-                <a:tc>
-                  <a:txBody>
-                    <a:bodyPr/>
-                    <a:lstStyle/>
-                    <a:p>
-                      <a:pPr algn="ctr" latinLnBrk="1"/>
-                      <a:endParaRPr lang="ko-KR" altLang="en-US" sz="1200" dirty="0">
-                        <a:solidFill>
-                          <a:schemeClr val="tx1">
-                            <a:lumMod val="65000"/>
-                            <a:lumOff val="35000"/>
-                          </a:schemeClr>
-                        </a:solidFill>
-                        <a:latin typeface="에스코어 드림 5 Medium" panose="020B0503030302020204" pitchFamily="34" charset="-127"/>
-                        <a:ea typeface="에스코어 드림 5 Medium" panose="020B0503030302020204" pitchFamily="34" charset="-127"/>
-                      </a:endParaRPr>
-                    </a:p>
-                  </a:txBody>
-                  <a:tcPr anchor="ctr">
-                    <a:solidFill>
-                      <a:srgbClr val="DDDDF7"/>
-                    </a:solidFill>
-                  </a:tcPr>
-                </a:tc>
-                <a:tc>
-                  <a:txBody>
-                    <a:bodyPr/>
-                    <a:lstStyle/>
-                    <a:p>
-                      <a:pPr algn="ctr" latinLnBrk="1"/>
-                      <a:endParaRPr lang="ko-KR" altLang="en-US" sz="1200" dirty="0">
-                        <a:solidFill>
-                          <a:schemeClr val="tx1">
-                            <a:lumMod val="65000"/>
-                            <a:lumOff val="35000"/>
-                          </a:schemeClr>
-                        </a:solidFill>
-                        <a:latin typeface="에스코어 드림 5 Medium" panose="020B0503030302020204" pitchFamily="34" charset="-127"/>
-                        <a:ea typeface="에스코어 드림 5 Medium" panose="020B0503030302020204" pitchFamily="34" charset="-127"/>
-                      </a:endParaRPr>
-                    </a:p>
-                  </a:txBody>
-                  <a:tcPr anchor="ctr">
-                    <a:solidFill>
-                      <a:srgbClr val="DDDDF7"/>
-                    </a:solidFill>
-                  </a:tcPr>
-                </a:tc>
-                <a:tc>
-                  <a:txBody>
-                    <a:bodyPr/>
-                    <a:lstStyle/>
-                    <a:p>
-                      <a:pPr algn="ctr" latinLnBrk="1"/>
-                      <a:endParaRPr lang="ko-KR" altLang="en-US" sz="1200" dirty="0">
-                        <a:solidFill>
-                          <a:schemeClr val="tx1">
-                            <a:lumMod val="65000"/>
-                            <a:lumOff val="35000"/>
-                          </a:schemeClr>
-                        </a:solidFill>
-                        <a:latin typeface="에스코어 드림 5 Medium" panose="020B0503030302020204" pitchFamily="34" charset="-127"/>
-                        <a:ea typeface="에스코어 드림 5 Medium" panose="020B0503030302020204" pitchFamily="34" charset="-127"/>
-                      </a:endParaRPr>
-                    </a:p>
-                  </a:txBody>
-                  <a:tcPr anchor="ctr">
-                    <a:solidFill>
-                      <a:srgbClr val="DDDDF7"/>
-                    </a:solidFill>
-                  </a:tcPr>
-                </a:tc>
-                <a:tc>
-                  <a:txBody>
-                    <a:bodyPr/>
-                    <a:lstStyle/>
-                    <a:p>
-                      <a:pPr algn="ctr" latinLnBrk="1"/>
-                      <a:endParaRPr lang="ko-KR" altLang="en-US" sz="1200" dirty="0">
-                        <a:solidFill>
-                          <a:schemeClr val="tx1">
-                            <a:lumMod val="65000"/>
-                            <a:lumOff val="35000"/>
-                          </a:schemeClr>
-                        </a:solidFill>
-                        <a:latin typeface="에스코어 드림 5 Medium" panose="020B0503030302020204" pitchFamily="34" charset="-127"/>
-                        <a:ea typeface="에스코어 드림 5 Medium" panose="020B0503030302020204" pitchFamily="34" charset="-127"/>
-                      </a:endParaRPr>
-                    </a:p>
-                  </a:txBody>
-                  <a:tcPr anchor="ctr">
-                    <a:solidFill>
-                      <a:srgbClr val="DDDDF7"/>
-                    </a:solidFill>
-                  </a:tcPr>
-                </a:tc>
-                <a:tc>
-                  <a:txBody>
-                    <a:bodyPr/>
-                    <a:lstStyle/>
-                    <a:p>
-                      <a:pPr algn="ctr" latinLnBrk="1"/>
-                      <a:endParaRPr lang="ko-KR" altLang="en-US" sz="1200" dirty="0">
-                        <a:solidFill>
-                          <a:schemeClr val="tx1">
-                            <a:lumMod val="65000"/>
-                            <a:lumOff val="35000"/>
-                          </a:schemeClr>
-                        </a:solidFill>
-                        <a:latin typeface="에스코어 드림 5 Medium" panose="020B0503030302020204" pitchFamily="34" charset="-127"/>
-                        <a:ea typeface="에스코어 드림 5 Medium" panose="020B0503030302020204" pitchFamily="34" charset="-127"/>
-                      </a:endParaRPr>
-                    </a:p>
-                  </a:txBody>
-                  <a:tcPr anchor="ctr">
-                    <a:solidFill>
-                      <a:srgbClr val="DDDDF7"/>
-                    </a:solidFill>
-                  </a:tcPr>
-                </a:tc>
-                <a:extLst>
-                  <a:ext uri="{0D108BD9-81ED-4DB2-BD59-A6C34878D82A}">
-                    <a16:rowId xmlns:a16="http://schemas.microsoft.com/office/drawing/2014/main" val="1420053205"/>
-                  </a:ext>
-                </a:extLst>
-              </a:tr>
-              <a:tr h="1393320">
-                <a:tc gridSpan="8">
-                  <a:txBody>
-                    <a:bodyPr/>
-                    <a:lstStyle/>
-                    <a:p>
-                      <a:pPr algn="ctr" latinLnBrk="1">
-                        <a:lnSpc>
-                          <a:spcPct val="150000"/>
-                        </a:lnSpc>
-                      </a:pPr>
-                      <a:r>
-                        <a:rPr lang="ko-KR" altLang="en-US" sz="1200" dirty="0">
-                          <a:solidFill>
-                            <a:schemeClr val="tx1">
-                              <a:lumMod val="65000"/>
-                              <a:lumOff val="35000"/>
-                            </a:schemeClr>
-                          </a:solidFill>
-                          <a:latin typeface="에스코어 드림 5 Medium" panose="020B0503030302020204" pitchFamily="34" charset="-127"/>
-                          <a:ea typeface="에스코어 드림 5 Medium" panose="020B0503030302020204" pitchFamily="34" charset="-127"/>
-                        </a:rPr>
-                        <a:t>로그인 한 상태에서만 리뷰를 남길 수 있습니다</a:t>
-                      </a:r>
-                      <a:r>
-                        <a:rPr lang="en-US" altLang="ko-KR" sz="1200" dirty="0">
-                          <a:solidFill>
-                            <a:schemeClr val="tx1">
-                              <a:lumMod val="65000"/>
-                              <a:lumOff val="35000"/>
-                            </a:schemeClr>
-                          </a:solidFill>
-                          <a:latin typeface="에스코어 드림 5 Medium" panose="020B0503030302020204" pitchFamily="34" charset="-127"/>
-                          <a:ea typeface="에스코어 드림 5 Medium" panose="020B0503030302020204" pitchFamily="34" charset="-127"/>
-                        </a:rPr>
-                        <a:t>.</a:t>
-                      </a:r>
-                      <a:endParaRPr lang="ko-KR" altLang="en-US" sz="1200" dirty="0">
-                        <a:solidFill>
-                          <a:schemeClr val="tx1">
-                            <a:lumMod val="65000"/>
-                            <a:lumOff val="35000"/>
-                          </a:schemeClr>
-                        </a:solidFill>
-                        <a:latin typeface="에스코어 드림 5 Medium" panose="020B0503030302020204" pitchFamily="34" charset="-127"/>
-                        <a:ea typeface="에스코어 드림 5 Medium" panose="020B0503030302020204" pitchFamily="34" charset="-127"/>
-                      </a:endParaRPr>
-                    </a:p>
-                  </a:txBody>
-                  <a:tcPr anchor="ctr">
-                    <a:solidFill>
-                      <a:srgbClr val="DDDDF7"/>
-                    </a:solidFill>
-                  </a:tcPr>
-                </a:tc>
-                <a:tc hMerge="1">
-                  <a:txBody>
-                    <a:bodyPr/>
-                    <a:lstStyle/>
-                    <a:p>
-                      <a:pPr marL="0" marR="0" lvl="0" indent="0" algn="ctr" defTabSz="914400" rtl="0" eaLnBrk="1" fontAlgn="auto" latinLnBrk="1" hangingPunct="1">
-                        <a:lnSpc>
-                          <a:spcPct val="100000"/>
-                        </a:lnSpc>
-                        <a:spcBef>
-                          <a:spcPts val="0"/>
-                        </a:spcBef>
-                        <a:spcAft>
-                          <a:spcPts val="0"/>
-                        </a:spcAft>
-                        <a:buClrTx/>
-                        <a:buSzTx/>
-                        <a:buFontTx/>
-                        <a:buNone/>
-                        <a:tabLst/>
-                        <a:defRPr/>
-                      </a:pPr>
-                      <a:endParaRPr lang="ko-KR" altLang="en-US" sz="1200" dirty="0">
-                        <a:solidFill>
-                          <a:schemeClr val="tx1">
-                            <a:lumMod val="65000"/>
-                            <a:lumOff val="35000"/>
-                          </a:schemeClr>
-                        </a:solidFill>
-                        <a:latin typeface="에스코어 드림 5 Medium" panose="020B0503030302020204" pitchFamily="34" charset="-127"/>
-                        <a:ea typeface="에스코어 드림 5 Medium" panose="020B0503030302020204" pitchFamily="34" charset="-127"/>
-                      </a:endParaRPr>
-                    </a:p>
-                  </a:txBody>
-                  <a:tcPr anchor="ctr">
-                    <a:solidFill>
-                      <a:srgbClr val="DDDDF7"/>
-                    </a:solidFill>
-                  </a:tcPr>
-                </a:tc>
-                <a:tc hMerge="1">
-                  <a:txBody>
-                    <a:bodyPr/>
-                    <a:lstStyle/>
-                    <a:p>
-                      <a:pPr algn="ctr" latinLnBrk="1"/>
-                      <a:endParaRPr lang="ko-KR" altLang="en-US" sz="1200" dirty="0">
-                        <a:solidFill>
-                          <a:schemeClr val="tx1">
-                            <a:lumMod val="65000"/>
-                            <a:lumOff val="35000"/>
-                          </a:schemeClr>
-                        </a:solidFill>
-                        <a:latin typeface="에스코어 드림 5 Medium" panose="020B0503030302020204" pitchFamily="34" charset="-127"/>
-                        <a:ea typeface="에스코어 드림 5 Medium" panose="020B0503030302020204" pitchFamily="34" charset="-127"/>
-                      </a:endParaRPr>
-                    </a:p>
-                  </a:txBody>
-                  <a:tcPr anchor="ctr">
-                    <a:solidFill>
-                      <a:srgbClr val="DDDDF7"/>
-                    </a:solidFill>
-                  </a:tcPr>
-                </a:tc>
-                <a:tc hMerge="1">
-                  <a:txBody>
-                    <a:bodyPr/>
-                    <a:lstStyle/>
-                    <a:p>
-                      <a:pPr algn="ctr" latinLnBrk="1"/>
-                      <a:endParaRPr lang="ko-KR" altLang="en-US" sz="1200" dirty="0">
-                        <a:solidFill>
-                          <a:schemeClr val="tx1">
-                            <a:lumMod val="65000"/>
-                            <a:lumOff val="35000"/>
-                          </a:schemeClr>
-                        </a:solidFill>
-                        <a:latin typeface="에스코어 드림 5 Medium" panose="020B0503030302020204" pitchFamily="34" charset="-127"/>
-                        <a:ea typeface="에스코어 드림 5 Medium" panose="020B0503030302020204" pitchFamily="34" charset="-127"/>
-                      </a:endParaRPr>
-                    </a:p>
-                  </a:txBody>
-                  <a:tcPr anchor="ctr">
-                    <a:solidFill>
-                      <a:srgbClr val="DDDDF7"/>
-                    </a:solidFill>
-                  </a:tcPr>
-                </a:tc>
-                <a:tc hMerge="1">
-                  <a:txBody>
-                    <a:bodyPr/>
-                    <a:lstStyle/>
-                    <a:p>
-                      <a:pPr algn="ctr" latinLnBrk="1"/>
-                      <a:endParaRPr lang="ko-KR" altLang="en-US" sz="1200" dirty="0">
-                        <a:solidFill>
-                          <a:schemeClr val="tx1">
-                            <a:lumMod val="65000"/>
-                            <a:lumOff val="35000"/>
-                          </a:schemeClr>
-                        </a:solidFill>
-                        <a:latin typeface="에스코어 드림 5 Medium" panose="020B0503030302020204" pitchFamily="34" charset="-127"/>
-                        <a:ea typeface="에스코어 드림 5 Medium" panose="020B0503030302020204" pitchFamily="34" charset="-127"/>
-                      </a:endParaRPr>
-                    </a:p>
-                  </a:txBody>
-                  <a:tcPr anchor="ctr">
-                    <a:solidFill>
-                      <a:srgbClr val="DDDDF7"/>
-                    </a:solidFill>
-                  </a:tcPr>
-                </a:tc>
-                <a:tc hMerge="1">
-                  <a:txBody>
-                    <a:bodyPr/>
-                    <a:lstStyle/>
-                    <a:p>
-                      <a:pPr algn="ctr" latinLnBrk="1"/>
-                      <a:endParaRPr lang="ko-KR" altLang="en-US" sz="1200" dirty="0">
-                        <a:solidFill>
-                          <a:schemeClr val="tx1">
-                            <a:lumMod val="65000"/>
-                            <a:lumOff val="35000"/>
-                          </a:schemeClr>
-                        </a:solidFill>
-                        <a:latin typeface="에스코어 드림 5 Medium" panose="020B0503030302020204" pitchFamily="34" charset="-127"/>
-                        <a:ea typeface="에스코어 드림 5 Medium" panose="020B0503030302020204" pitchFamily="34" charset="-127"/>
-                      </a:endParaRPr>
-                    </a:p>
-                  </a:txBody>
-                  <a:tcPr anchor="ctr">
-                    <a:solidFill>
-                      <a:srgbClr val="DDDDF7"/>
-                    </a:solidFill>
-                  </a:tcPr>
-                </a:tc>
-                <a:tc hMerge="1">
-                  <a:txBody>
-                    <a:bodyPr/>
-                    <a:lstStyle/>
-                    <a:p>
-                      <a:pPr algn="ctr" latinLnBrk="1"/>
-                      <a:endParaRPr lang="ko-KR" altLang="en-US" sz="1200" dirty="0">
-                        <a:solidFill>
-                          <a:schemeClr val="tx1">
-                            <a:lumMod val="65000"/>
-                            <a:lumOff val="35000"/>
-                          </a:schemeClr>
-                        </a:solidFill>
-                        <a:latin typeface="에스코어 드림 5 Medium" panose="020B0503030302020204" pitchFamily="34" charset="-127"/>
-                        <a:ea typeface="에스코어 드림 5 Medium" panose="020B0503030302020204" pitchFamily="34" charset="-127"/>
-                      </a:endParaRPr>
-                    </a:p>
-                  </a:txBody>
-                  <a:tcPr anchor="ctr">
-                    <a:solidFill>
-                      <a:srgbClr val="DDDDF7"/>
-                    </a:solidFill>
-                  </a:tcPr>
-                </a:tc>
-                <a:tc hMerge="1">
-                  <a:txBody>
-                    <a:bodyPr/>
-                    <a:lstStyle/>
-                    <a:p>
-                      <a:pPr algn="ctr" latinLnBrk="1"/>
-                      <a:endParaRPr lang="ko-KR" altLang="en-US" sz="1200" dirty="0">
-                        <a:solidFill>
-                          <a:schemeClr val="tx1">
-                            <a:lumMod val="65000"/>
-                            <a:lumOff val="35000"/>
-                          </a:schemeClr>
-                        </a:solidFill>
-                        <a:latin typeface="에스코어 드림 5 Medium" panose="020B0503030302020204" pitchFamily="34" charset="-127"/>
-                        <a:ea typeface="에스코어 드림 5 Medium" panose="020B0503030302020204" pitchFamily="34" charset="-127"/>
-                      </a:endParaRPr>
-                    </a:p>
-                  </a:txBody>
-                  <a:tcPr anchor="ctr">
-                    <a:solidFill>
-                      <a:srgbClr val="DDDDF7"/>
-                    </a:solidFill>
-                  </a:tcPr>
-                </a:tc>
-                <a:extLst>
-                  <a:ext uri="{0D108BD9-81ED-4DB2-BD59-A6C34878D82A}">
-                    <a16:rowId xmlns:a16="http://schemas.microsoft.com/office/drawing/2014/main" val="2151746019"/>
-                  </a:ext>
-                </a:extLst>
-              </a:tr>
-            </a:tbl>
-          </a:graphicData>
-        </a:graphic>
-      </p:graphicFrame>
-      <p:sp>
-        <p:nvSpPr>
-          <p:cNvPr id="5" name="TextBox 4">
-            <a:extLst>
-              <a:ext uri="{FF2B5EF4-FFF2-40B4-BE49-F238E27FC236}">
-                <a16:creationId xmlns:a16="http://schemas.microsoft.com/office/drawing/2014/main" id="{5444D583-6522-41F8-86AB-2E5C8F6800EB}"/>
-              </a:ext>
-            </a:extLst>
-          </p:cNvPr>
-          <p:cNvSpPr txBox="1"/>
-          <p:nvPr/>
-        </p:nvSpPr>
-        <p:spPr>
-          <a:xfrm>
-            <a:off x="427990" y="138518"/>
-            <a:ext cx="10610850" cy="322268"/>
-          </a:xfrm>
-          <a:prstGeom prst="rect">
-            <a:avLst/>
-          </a:prstGeom>
-          <a:noFill/>
-        </p:spPr>
-        <p:txBody>
-          <a:bodyPr wrap="square">
-            <a:spAutoFit/>
-          </a:bodyPr>
-          <a:lstStyle/>
-          <a:p>
-            <a:pPr>
-              <a:lnSpc>
-                <a:spcPct val="150000"/>
-              </a:lnSpc>
-            </a:pPr>
-            <a:r>
-              <a:rPr lang="ko-KR" altLang="en-US" sz="1200" dirty="0">
-                <a:solidFill>
-                  <a:srgbClr val="9966FF"/>
-                </a:solidFill>
-                <a:latin typeface="여기어때 잘난체" panose="020B0600000101010101" pitchFamily="50" charset="-127"/>
-                <a:ea typeface="여기어때 잘난체" panose="020B0600000101010101" pitchFamily="50" charset="-127"/>
-              </a:rPr>
-              <a:t>인천일보아카데미 </a:t>
-            </a:r>
-            <a:r>
-              <a:rPr lang="en-US" altLang="ko-KR" sz="1200" dirty="0">
-                <a:solidFill>
-                  <a:srgbClr val="9966FF"/>
-                </a:solidFill>
-                <a:latin typeface="여기어때 잘난체" panose="020B0600000101010101" pitchFamily="50" charset="-127"/>
-                <a:ea typeface="여기어때 잘난체" panose="020B0600000101010101" pitchFamily="50" charset="-127"/>
-              </a:rPr>
-              <a:t>| </a:t>
-            </a:r>
-            <a:r>
-              <a:rPr lang="ko-KR" altLang="en-US" sz="1200" dirty="0" err="1">
-                <a:solidFill>
-                  <a:srgbClr val="9966FF"/>
-                </a:solidFill>
-                <a:latin typeface="여기어때 잘난체" panose="020B0600000101010101" pitchFamily="50" charset="-127"/>
-                <a:ea typeface="여기어때 잘난체" panose="020B0600000101010101" pitchFamily="50" charset="-127"/>
-              </a:rPr>
-              <a:t>파이어베이스를</a:t>
-            </a:r>
-            <a:r>
-              <a:rPr lang="ko-KR" altLang="en-US" sz="1200" dirty="0">
-                <a:solidFill>
-                  <a:srgbClr val="9966FF"/>
-                </a:solidFill>
-                <a:latin typeface="여기어때 잘난체" panose="020B0600000101010101" pitchFamily="50" charset="-127"/>
-                <a:ea typeface="여기어때 잘난체" panose="020B0600000101010101" pitchFamily="50" charset="-127"/>
-              </a:rPr>
-              <a:t> 활용한 </a:t>
-            </a:r>
-            <a:r>
-              <a:rPr lang="ko-KR" altLang="en-US" sz="1200" dirty="0" err="1">
-                <a:solidFill>
-                  <a:srgbClr val="9966FF"/>
-                </a:solidFill>
-                <a:latin typeface="여기어때 잘난체" panose="020B0600000101010101" pitchFamily="50" charset="-127"/>
-                <a:ea typeface="여기어때 잘난체" panose="020B0600000101010101" pitchFamily="50" charset="-127"/>
-              </a:rPr>
-              <a:t>스마트콘텐츠</a:t>
-            </a:r>
-            <a:r>
-              <a:rPr lang="ko-KR" altLang="en-US" sz="1200" dirty="0">
-                <a:solidFill>
-                  <a:srgbClr val="9966FF"/>
-                </a:solidFill>
-                <a:latin typeface="여기어때 잘난체" panose="020B0600000101010101" pitchFamily="50" charset="-127"/>
-                <a:ea typeface="여기어때 잘난체" panose="020B0600000101010101" pitchFamily="50" charset="-127"/>
-              </a:rPr>
-              <a:t> 서비스개발자 양성과정</a:t>
-            </a:r>
-            <a:endParaRPr lang="en-US" altLang="ko-KR" sz="1200" dirty="0">
-              <a:solidFill>
-                <a:srgbClr val="9966FF"/>
-              </a:solidFill>
-              <a:latin typeface="여기어때 잘난체" panose="020B0600000101010101" pitchFamily="50" charset="-127"/>
-              <a:ea typeface="여기어때 잘난체" panose="020B0600000101010101" pitchFamily="50" charset="-127"/>
-            </a:endParaRPr>
-          </a:p>
-        </p:txBody>
-      </p:sp>
-      <p:sp>
-        <p:nvSpPr>
-          <p:cNvPr id="7" name="TextBox 6">
-            <a:extLst>
-              <a:ext uri="{FF2B5EF4-FFF2-40B4-BE49-F238E27FC236}">
-                <a16:creationId xmlns:a16="http://schemas.microsoft.com/office/drawing/2014/main" id="{C086E57D-B5AC-42ED-B606-1784DA3CFB58}"/>
-              </a:ext>
-            </a:extLst>
-          </p:cNvPr>
-          <p:cNvSpPr txBox="1"/>
-          <p:nvPr/>
-        </p:nvSpPr>
-        <p:spPr>
-          <a:xfrm>
-            <a:off x="417830" y="592499"/>
-            <a:ext cx="10610850" cy="683713"/>
-          </a:xfrm>
-          <a:prstGeom prst="rect">
-            <a:avLst/>
-          </a:prstGeom>
-          <a:noFill/>
-        </p:spPr>
-        <p:txBody>
-          <a:bodyPr wrap="square">
-            <a:spAutoFit/>
-          </a:bodyPr>
-          <a:lstStyle/>
-          <a:p>
-            <a:pPr>
-              <a:lnSpc>
-                <a:spcPct val="150000"/>
-              </a:lnSpc>
-            </a:pPr>
-            <a:r>
-              <a:rPr lang="ko-KR" altLang="en-US" sz="1400" dirty="0">
-                <a:solidFill>
-                  <a:schemeClr val="tx1">
-                    <a:lumMod val="65000"/>
-                    <a:lumOff val="35000"/>
-                  </a:schemeClr>
-                </a:solidFill>
-                <a:latin typeface="여기어때 잘난체" panose="020B0600000101010101" pitchFamily="50" charset="-127"/>
-                <a:ea typeface="여기어때 잘난체" panose="020B0600000101010101" pitchFamily="50" charset="-127"/>
-              </a:rPr>
-              <a:t>테이블 이름</a:t>
-            </a:r>
-            <a:r>
-              <a:rPr lang="en-US" altLang="ko-KR" sz="1400" dirty="0">
-                <a:solidFill>
-                  <a:schemeClr val="tx1">
-                    <a:lumMod val="65000"/>
-                    <a:lumOff val="35000"/>
-                  </a:schemeClr>
-                </a:solidFill>
-                <a:latin typeface="여기어때 잘난체" panose="020B0600000101010101" pitchFamily="50" charset="-127"/>
-                <a:ea typeface="여기어때 잘난체" panose="020B0600000101010101" pitchFamily="50" charset="-127"/>
-              </a:rPr>
-              <a:t>:  </a:t>
-            </a:r>
-            <a:r>
-              <a:rPr lang="en-US" altLang="ko-KR" sz="1400" dirty="0" err="1">
-                <a:solidFill>
-                  <a:schemeClr val="tx1">
-                    <a:lumMod val="65000"/>
-                    <a:lumOff val="35000"/>
-                  </a:schemeClr>
-                </a:solidFill>
-                <a:latin typeface="여기어때 잘난체" panose="020B0600000101010101" pitchFamily="50" charset="-127"/>
-                <a:ea typeface="여기어때 잘난체" panose="020B0600000101010101" pitchFamily="50" charset="-127"/>
-              </a:rPr>
-              <a:t>odd_review</a:t>
-            </a:r>
-            <a:endParaRPr lang="en-US" altLang="ko-KR" sz="1400" dirty="0">
-              <a:solidFill>
-                <a:schemeClr val="tx1">
-                  <a:lumMod val="65000"/>
-                  <a:lumOff val="35000"/>
-                </a:schemeClr>
-              </a:solidFill>
-              <a:latin typeface="여기어때 잘난체" panose="020B0600000101010101" pitchFamily="50" charset="-127"/>
-              <a:ea typeface="여기어때 잘난체" panose="020B0600000101010101" pitchFamily="50" charset="-127"/>
-            </a:endParaRPr>
-          </a:p>
-          <a:p>
-            <a:pPr>
-              <a:lnSpc>
-                <a:spcPct val="150000"/>
-              </a:lnSpc>
-            </a:pPr>
-            <a:r>
-              <a:rPr lang="ko-KR" altLang="en-US" sz="1400" dirty="0">
-                <a:solidFill>
-                  <a:schemeClr val="tx1">
-                    <a:lumMod val="65000"/>
-                    <a:lumOff val="35000"/>
-                  </a:schemeClr>
-                </a:solidFill>
-                <a:latin typeface="여기어때 잘난체" panose="020B0600000101010101" pitchFamily="50" charset="-127"/>
-                <a:ea typeface="여기어때 잘난체" panose="020B0600000101010101" pitchFamily="50" charset="-127"/>
-              </a:rPr>
-              <a:t>테이블 목적</a:t>
-            </a:r>
-            <a:r>
-              <a:rPr lang="en-US" altLang="ko-KR" sz="1400" dirty="0">
-                <a:solidFill>
-                  <a:schemeClr val="tx1">
-                    <a:lumMod val="65000"/>
-                    <a:lumOff val="35000"/>
-                  </a:schemeClr>
-                </a:solidFill>
-                <a:latin typeface="여기어때 잘난체" panose="020B0600000101010101" pitchFamily="50" charset="-127"/>
-                <a:ea typeface="여기어때 잘난체" panose="020B0600000101010101" pitchFamily="50" charset="-127"/>
-              </a:rPr>
-              <a:t>:  </a:t>
-            </a:r>
-            <a:r>
-              <a:rPr lang="ko-KR" altLang="en-US" sz="1400" dirty="0">
-                <a:solidFill>
-                  <a:schemeClr val="tx1">
-                    <a:lumMod val="65000"/>
-                    <a:lumOff val="35000"/>
-                  </a:schemeClr>
-                </a:solidFill>
-                <a:latin typeface="여기어때 잘난체" panose="020B0600000101010101" pitchFamily="50" charset="-127"/>
-                <a:ea typeface="여기어때 잘난체" panose="020B0600000101010101" pitchFamily="50" charset="-127"/>
-              </a:rPr>
-              <a:t>오도독 리뷰 관리</a:t>
-            </a:r>
-            <a:endParaRPr lang="en-US" altLang="ko-KR" sz="1400" dirty="0">
-              <a:solidFill>
-                <a:schemeClr val="tx1">
-                  <a:lumMod val="65000"/>
-                  <a:lumOff val="35000"/>
-                </a:schemeClr>
-              </a:solidFill>
-              <a:latin typeface="여기어때 잘난체" panose="020B0600000101010101" pitchFamily="50" charset="-127"/>
-              <a:ea typeface="여기어때 잘난체" panose="020B0600000101010101" pitchFamily="50" charset="-127"/>
-            </a:endParaRPr>
-          </a:p>
-        </p:txBody>
-      </p:sp>
-    </p:spTree>
-    <p:extLst>
-      <p:ext uri="{BB962C8B-B14F-4D97-AF65-F5344CB8AC3E}">
-        <p14:creationId xmlns:p14="http://schemas.microsoft.com/office/powerpoint/2010/main" val="4253643734"/>
       </p:ext>
     </p:extLst>
   </p:cSld>
